--- a/Week 2/02 - Math & Keras.pptx
+++ b/Week 2/02 - Math & Keras.pptx
@@ -5,41 +5,40 @@
     <p:sldMasterId id="2147483648" r:id="rId1"/>
   </p:sldMasterIdLst>
   <p:notesMasterIdLst>
-    <p:notesMasterId r:id="rId34"/>
+    <p:notesMasterId r:id="rId33"/>
   </p:notesMasterIdLst>
   <p:sldIdLst>
     <p:sldId id="256" r:id="rId2"/>
     <p:sldId id="369" r:id="rId3"/>
-    <p:sldId id="376" r:id="rId4"/>
-    <p:sldId id="375" r:id="rId5"/>
-    <p:sldId id="370" r:id="rId6"/>
-    <p:sldId id="377" r:id="rId7"/>
-    <p:sldId id="378" r:id="rId8"/>
-    <p:sldId id="363" r:id="rId9"/>
-    <p:sldId id="374" r:id="rId10"/>
-    <p:sldId id="371" r:id="rId11"/>
-    <p:sldId id="381" r:id="rId12"/>
-    <p:sldId id="372" r:id="rId13"/>
-    <p:sldId id="383" r:id="rId14"/>
-    <p:sldId id="382" r:id="rId15"/>
-    <p:sldId id="379" r:id="rId16"/>
-    <p:sldId id="384" r:id="rId17"/>
-    <p:sldId id="386" r:id="rId18"/>
-    <p:sldId id="385" r:id="rId19"/>
-    <p:sldId id="387" r:id="rId20"/>
-    <p:sldId id="388" r:id="rId21"/>
-    <p:sldId id="391" r:id="rId22"/>
-    <p:sldId id="392" r:id="rId23"/>
-    <p:sldId id="393" r:id="rId24"/>
-    <p:sldId id="394" r:id="rId25"/>
-    <p:sldId id="395" r:id="rId26"/>
-    <p:sldId id="397" r:id="rId27"/>
-    <p:sldId id="398" r:id="rId28"/>
-    <p:sldId id="399" r:id="rId29"/>
-    <p:sldId id="400" r:id="rId30"/>
-    <p:sldId id="401" r:id="rId31"/>
-    <p:sldId id="402" r:id="rId32"/>
-    <p:sldId id="389" r:id="rId33"/>
+    <p:sldId id="375" r:id="rId4"/>
+    <p:sldId id="370" r:id="rId5"/>
+    <p:sldId id="377" r:id="rId6"/>
+    <p:sldId id="378" r:id="rId7"/>
+    <p:sldId id="363" r:id="rId8"/>
+    <p:sldId id="374" r:id="rId9"/>
+    <p:sldId id="371" r:id="rId10"/>
+    <p:sldId id="381" r:id="rId11"/>
+    <p:sldId id="372" r:id="rId12"/>
+    <p:sldId id="383" r:id="rId13"/>
+    <p:sldId id="382" r:id="rId14"/>
+    <p:sldId id="379" r:id="rId15"/>
+    <p:sldId id="384" r:id="rId16"/>
+    <p:sldId id="386" r:id="rId17"/>
+    <p:sldId id="385" r:id="rId18"/>
+    <p:sldId id="387" r:id="rId19"/>
+    <p:sldId id="388" r:id="rId20"/>
+    <p:sldId id="391" r:id="rId21"/>
+    <p:sldId id="392" r:id="rId22"/>
+    <p:sldId id="393" r:id="rId23"/>
+    <p:sldId id="394" r:id="rId24"/>
+    <p:sldId id="395" r:id="rId25"/>
+    <p:sldId id="397" r:id="rId26"/>
+    <p:sldId id="398" r:id="rId27"/>
+    <p:sldId id="399" r:id="rId28"/>
+    <p:sldId id="400" r:id="rId29"/>
+    <p:sldId id="401" r:id="rId30"/>
+    <p:sldId id="402" r:id="rId31"/>
+    <p:sldId id="389" r:id="rId32"/>
   </p:sldIdLst>
   <p:sldSz cx="12192000" cy="6858000"/>
   <p:notesSz cx="6858000" cy="9144000"/>
@@ -228,7 +227,7 @@
           <a:p>
             <a:fld id="{EFA659FB-0419-C24D-A6C0-9A1B475B1E65}" type="datetimeFigureOut">
               <a:rPr lang="en-US" smtClean="0"/>
-              <a:t>1/17/22</a:t>
+              <a:t>1/21/22</a:t>
             </a:fld>
             <a:endParaRPr lang="en-US"/>
           </a:p>
@@ -563,7 +562,7 @@
           <a:p>
             <a:fld id="{E707AF2C-A832-324A-A13C-3791A9476477}" type="slidenum">
               <a:rPr lang="en-US" smtClean="0"/>
-              <a:t>6</a:t>
+              <a:t>5</a:t>
             </a:fld>
             <a:endParaRPr lang="en-US"/>
           </a:p>
@@ -670,7 +669,7 @@
           <a:p>
             <a:fld id="{E707AF2C-A832-324A-A13C-3791A9476477}" type="slidenum">
               <a:rPr lang="en-US" smtClean="0"/>
-              <a:t>17</a:t>
+              <a:t>16</a:t>
             </a:fld>
             <a:endParaRPr lang="en-US"/>
           </a:p>
@@ -757,7 +756,7 @@
           <a:p>
             <a:fld id="{E707AF2C-A832-324A-A13C-3791A9476477}" type="slidenum">
               <a:rPr lang="en-US" smtClean="0"/>
-              <a:t>18</a:t>
+              <a:t>17</a:t>
             </a:fld>
             <a:endParaRPr lang="en-US"/>
           </a:p>
@@ -844,7 +843,7 @@
           <a:p>
             <a:fld id="{E707AF2C-A832-324A-A13C-3791A9476477}" type="slidenum">
               <a:rPr lang="en-US" smtClean="0"/>
-              <a:t>20</a:t>
+              <a:t>19</a:t>
             </a:fld>
             <a:endParaRPr lang="en-US"/>
           </a:p>
@@ -931,7 +930,7 @@
           <a:p>
             <a:fld id="{E707AF2C-A832-324A-A13C-3791A9476477}" type="slidenum">
               <a:rPr lang="en-US" smtClean="0"/>
-              <a:t>21</a:t>
+              <a:t>20</a:t>
             </a:fld>
             <a:endParaRPr lang="en-US"/>
           </a:p>
@@ -1018,7 +1017,7 @@
           <a:p>
             <a:fld id="{E707AF2C-A832-324A-A13C-3791A9476477}" type="slidenum">
               <a:rPr lang="en-US" smtClean="0"/>
-              <a:t>22</a:t>
+              <a:t>21</a:t>
             </a:fld>
             <a:endParaRPr lang="en-US"/>
           </a:p>
@@ -1105,7 +1104,7 @@
           <a:p>
             <a:fld id="{E707AF2C-A832-324A-A13C-3791A9476477}" type="slidenum">
               <a:rPr lang="en-US" smtClean="0"/>
-              <a:t>23</a:t>
+              <a:t>22</a:t>
             </a:fld>
             <a:endParaRPr lang="en-US"/>
           </a:p>
@@ -1192,7 +1191,7 @@
           <a:p>
             <a:fld id="{E707AF2C-A832-324A-A13C-3791A9476477}" type="slidenum">
               <a:rPr lang="en-US" smtClean="0"/>
-              <a:t>24</a:t>
+              <a:t>23</a:t>
             </a:fld>
             <a:endParaRPr lang="en-US"/>
           </a:p>
@@ -1279,7 +1278,7 @@
           <a:p>
             <a:fld id="{E707AF2C-A832-324A-A13C-3791A9476477}" type="slidenum">
               <a:rPr lang="en-US" smtClean="0"/>
-              <a:t>25</a:t>
+              <a:t>24</a:t>
             </a:fld>
             <a:endParaRPr lang="en-US"/>
           </a:p>
@@ -1371,7 +1370,7 @@
           <a:p>
             <a:fld id="{E707AF2C-A832-324A-A13C-3791A9476477}" type="slidenum">
               <a:rPr lang="en-US" smtClean="0"/>
-              <a:t>26</a:t>
+              <a:t>25</a:t>
             </a:fld>
             <a:endParaRPr lang="en-US"/>
           </a:p>
@@ -1458,7 +1457,7 @@
           <a:p>
             <a:fld id="{E707AF2C-A832-324A-A13C-3791A9476477}" type="slidenum">
               <a:rPr lang="en-US" smtClean="0"/>
-              <a:t>27</a:t>
+              <a:t>26</a:t>
             </a:fld>
             <a:endParaRPr lang="en-US"/>
           </a:p>
@@ -1553,7 +1552,7 @@
           <a:p>
             <a:fld id="{E707AF2C-A832-324A-A13C-3791A9476477}" type="slidenum">
               <a:rPr lang="en-US" smtClean="0"/>
-              <a:t>7</a:t>
+              <a:t>6</a:t>
             </a:fld>
             <a:endParaRPr lang="en-US"/>
           </a:p>
@@ -1645,7 +1644,7 @@
           <a:p>
             <a:fld id="{E707AF2C-A832-324A-A13C-3791A9476477}" type="slidenum">
               <a:rPr lang="en-US" smtClean="0"/>
-              <a:t>28</a:t>
+              <a:t>27</a:t>
             </a:fld>
             <a:endParaRPr lang="en-US"/>
           </a:p>
@@ -1732,7 +1731,7 @@
           <a:p>
             <a:fld id="{E707AF2C-A832-324A-A13C-3791A9476477}" type="slidenum">
               <a:rPr lang="en-US" smtClean="0"/>
-              <a:t>32</a:t>
+              <a:t>31</a:t>
             </a:fld>
             <a:endParaRPr lang="en-US"/>
           </a:p>
@@ -1819,7 +1818,7 @@
           <a:p>
             <a:fld id="{E707AF2C-A832-324A-A13C-3791A9476477}" type="slidenum">
               <a:rPr lang="en-US" smtClean="0"/>
-              <a:t>8</a:t>
+              <a:t>7</a:t>
             </a:fld>
             <a:endParaRPr lang="en-US"/>
           </a:p>
@@ -1987,7 +1986,7 @@
           <a:p>
             <a:fld id="{E707AF2C-A832-324A-A13C-3791A9476477}" type="slidenum">
               <a:rPr lang="en-US" smtClean="0"/>
-              <a:t>11</a:t>
+              <a:t>10</a:t>
             </a:fld>
             <a:endParaRPr lang="en-US"/>
           </a:p>
@@ -2074,7 +2073,7 @@
           <a:p>
             <a:fld id="{E707AF2C-A832-324A-A13C-3791A9476477}" type="slidenum">
               <a:rPr lang="en-US" smtClean="0"/>
-              <a:t>12</a:t>
+              <a:t>11</a:t>
             </a:fld>
             <a:endParaRPr lang="en-US"/>
           </a:p>
@@ -2161,7 +2160,7 @@
           <a:p>
             <a:fld id="{E707AF2C-A832-324A-A13C-3791A9476477}" type="slidenum">
               <a:rPr lang="en-US" smtClean="0"/>
-              <a:t>13</a:t>
+              <a:t>12</a:t>
             </a:fld>
             <a:endParaRPr lang="en-US"/>
           </a:p>
@@ -2248,7 +2247,7 @@
           <a:p>
             <a:fld id="{E707AF2C-A832-324A-A13C-3791A9476477}" type="slidenum">
               <a:rPr lang="en-US" smtClean="0"/>
-              <a:t>14</a:t>
+              <a:t>13</a:t>
             </a:fld>
             <a:endParaRPr lang="en-US"/>
           </a:p>
@@ -2335,7 +2334,7 @@
           <a:p>
             <a:fld id="{E707AF2C-A832-324A-A13C-3791A9476477}" type="slidenum">
               <a:rPr lang="en-US" smtClean="0"/>
-              <a:t>15</a:t>
+              <a:t>14</a:t>
             </a:fld>
             <a:endParaRPr lang="en-US"/>
           </a:p>
@@ -2422,7 +2421,7 @@
           <a:p>
             <a:fld id="{E707AF2C-A832-324A-A13C-3791A9476477}" type="slidenum">
               <a:rPr lang="en-US" smtClean="0"/>
-              <a:t>16</a:t>
+              <a:t>15</a:t>
             </a:fld>
             <a:endParaRPr lang="en-US"/>
           </a:p>
@@ -2795,7 +2794,7 @@
           <a:p>
             <a:fld id="{87C2F797-6DFD-C74C-BA29-8B3CE1E6C725}" type="datetime1">
               <a:rPr lang="en-US" smtClean="0"/>
-              <a:t>1/17/22</a:t>
+              <a:t>1/21/22</a:t>
             </a:fld>
             <a:endParaRPr lang="en-US"/>
           </a:p>
@@ -3003,7 +3002,7 @@
           <a:p>
             <a:fld id="{64FE1960-B74B-0949-9DEF-CBE661CB7825}" type="datetime1">
               <a:rPr lang="en-US" smtClean="0"/>
-              <a:t>1/17/22</a:t>
+              <a:t>1/21/22</a:t>
             </a:fld>
             <a:endParaRPr lang="en-US"/>
           </a:p>
@@ -3201,7 +3200,7 @@
           <a:p>
             <a:fld id="{91871F70-41C7-F44D-9284-EB301E270CC7}" type="datetime1">
               <a:rPr lang="en-US" smtClean="0"/>
-              <a:t>1/17/22</a:t>
+              <a:t>1/21/22</a:t>
             </a:fld>
             <a:endParaRPr lang="en-US"/>
           </a:p>
@@ -3514,7 +3513,7 @@
           <a:p>
             <a:fld id="{E33F645A-02C2-AF41-9FDB-389E34E8B990}" type="datetime1">
               <a:rPr lang="en-US" smtClean="0"/>
-              <a:t>1/17/22</a:t>
+              <a:t>1/21/22</a:t>
             </a:fld>
             <a:endParaRPr lang="en-US"/>
           </a:p>
@@ -3779,7 +3778,7 @@
           <a:p>
             <a:fld id="{AB873A4C-DE8A-2F49-8ABE-1735EE515528}" type="datetime1">
               <a:rPr lang="en-US" smtClean="0"/>
-              <a:t>1/17/22</a:t>
+              <a:t>1/21/22</a:t>
             </a:fld>
             <a:endParaRPr lang="en-US"/>
           </a:p>
@@ -4191,7 +4190,7 @@
           <a:p>
             <a:fld id="{7DA13BA6-E929-9643-AF0C-C0B90BC6EAC0}" type="datetime1">
               <a:rPr lang="en-US" smtClean="0"/>
-              <a:t>1/17/22</a:t>
+              <a:t>1/21/22</a:t>
             </a:fld>
             <a:endParaRPr lang="en-US"/>
           </a:p>
@@ -4332,7 +4331,7 @@
           <a:p>
             <a:fld id="{1062371E-C5A0-7448-8CF8-A797D242C61D}" type="datetime1">
               <a:rPr lang="en-US" smtClean="0"/>
-              <a:t>1/17/22</a:t>
+              <a:t>1/21/22</a:t>
             </a:fld>
             <a:endParaRPr lang="en-US"/>
           </a:p>
@@ -4445,7 +4444,7 @@
           <a:p>
             <a:fld id="{33C9D714-59A4-C649-915B-E960BF4AC878}" type="datetime1">
               <a:rPr lang="en-US" smtClean="0"/>
-              <a:t>1/17/22</a:t>
+              <a:t>1/21/22</a:t>
             </a:fld>
             <a:endParaRPr lang="en-US"/>
           </a:p>
@@ -4756,7 +4755,7 @@
           <a:p>
             <a:fld id="{3951679C-160D-1F41-A3C3-54837256FB50}" type="datetime1">
               <a:rPr lang="en-US" smtClean="0"/>
-              <a:t>1/17/22</a:t>
+              <a:t>1/21/22</a:t>
             </a:fld>
             <a:endParaRPr lang="en-US"/>
           </a:p>
@@ -5044,7 +5043,7 @@
           <a:p>
             <a:fld id="{296B5A14-0E14-114B-AA5F-546D4BF7B2DC}" type="datetime1">
               <a:rPr lang="en-US" smtClean="0"/>
-              <a:t>1/17/22</a:t>
+              <a:t>1/21/22</a:t>
             </a:fld>
             <a:endParaRPr lang="en-US"/>
           </a:p>
@@ -5285,7 +5284,7 @@
           <a:p>
             <a:fld id="{1A75E9CF-B19A-3C42-99C1-DBC4AFBA0816}" type="datetime1">
               <a:rPr lang="en-US" smtClean="0"/>
-              <a:t>1/17/22</a:t>
+              <a:t>1/21/22</a:t>
             </a:fld>
             <a:endParaRPr lang="en-US"/>
           </a:p>
@@ -6089,514 +6088,6 @@
               <a:rPr lang="en-US" sz="5400" dirty="0">
                 <a:latin typeface="Economica" panose="02000506040000020004" pitchFamily="2" charset="77"/>
               </a:rPr>
-              <a:t>Addition + Broadcast</a:t>
-            </a:r>
-          </a:p>
-        </p:txBody>
-      </p:sp>
-      <p:sp>
-        <p:nvSpPr>
-          <p:cNvPr id="5" name="TextBox 4">
-            <a:extLst>
-              <a:ext uri="{FF2B5EF4-FFF2-40B4-BE49-F238E27FC236}">
-                <a16:creationId xmlns:a16="http://schemas.microsoft.com/office/drawing/2014/main" id="{F918CD34-FBAE-C04A-A20A-D231A5F2578D}"/>
-              </a:ext>
-            </a:extLst>
-          </p:cNvPr>
-          <p:cNvSpPr txBox="1"/>
-          <p:nvPr/>
-        </p:nvSpPr>
-        <p:spPr>
-          <a:xfrm>
-            <a:off x="929424" y="1976448"/>
-            <a:ext cx="3869553" cy="4278094"/>
-          </a:xfrm>
-          <a:prstGeom prst="rect">
-            <a:avLst/>
-          </a:prstGeom>
-          <a:noFill/>
-        </p:spPr>
-        <p:txBody>
-          <a:bodyPr wrap="square" rtlCol="0">
-            <a:spAutoFit/>
-          </a:bodyPr>
-          <a:lstStyle/>
-          <a:p>
-            <a:r>
-              <a:rPr lang="en-US" sz="2000" b="1" dirty="0">
-                <a:latin typeface="Quicksand" pitchFamily="2" charset="77"/>
-              </a:rPr>
-              <a:t>Shape of the Two Tensors Needs to Conform</a:t>
-            </a:r>
-          </a:p>
-          <a:p>
-            <a:pPr marL="688975" lvl="1" indent="-230188">
-              <a:buFont typeface="Arial" panose="020B0604020202020204" pitchFamily="34" charset="0"/>
-              <a:buChar char="•"/>
-            </a:pPr>
-            <a:r>
-              <a:rPr lang="en-US" sz="2000" dirty="0">
-                <a:latin typeface="Quicksand" pitchFamily="2" charset="77"/>
-              </a:rPr>
-              <a:t>A + B will only work if A is cleanly divisible by B (or vice versa)</a:t>
-            </a:r>
-          </a:p>
-          <a:p>
-            <a:endParaRPr lang="en-US" sz="2000" b="1" dirty="0">
-              <a:latin typeface="Quicksand" pitchFamily="2" charset="77"/>
-            </a:endParaRPr>
-          </a:p>
-          <a:p>
-            <a:r>
-              <a:rPr lang="en-US" sz="2000" b="1" dirty="0">
-                <a:latin typeface="Quicksand" pitchFamily="2" charset="77"/>
-              </a:rPr>
-              <a:t>Sum the Element-wise Products</a:t>
-            </a:r>
-            <a:endParaRPr lang="en-US" sz="1400" dirty="0">
-              <a:latin typeface="Quicksand" pitchFamily="2" charset="77"/>
-            </a:endParaRPr>
-          </a:p>
-          <a:p>
-            <a:pPr marL="628650" lvl="1" indent="-171450">
-              <a:buFont typeface="Arial" panose="020B0604020202020204" pitchFamily="34" charset="0"/>
-              <a:buChar char="•"/>
-            </a:pPr>
-            <a:r>
-              <a:rPr lang="en-US" sz="2000" dirty="0">
-                <a:latin typeface="Quicksand" pitchFamily="2" charset="77"/>
-              </a:rPr>
-              <a:t>Replicate B until it matches A’s dimensions, then element-wise addition.</a:t>
-            </a:r>
-          </a:p>
-          <a:p>
-            <a:pPr marL="628650" lvl="1" indent="-171450">
-              <a:buFont typeface="Arial" panose="020B0604020202020204" pitchFamily="34" charset="0"/>
-              <a:buChar char="•"/>
-            </a:pPr>
-            <a:endParaRPr lang="en-US" sz="2000" b="1" dirty="0">
-              <a:latin typeface="Quicksand" pitchFamily="2" charset="77"/>
-            </a:endParaRPr>
-          </a:p>
-          <a:p>
-            <a:r>
-              <a:rPr lang="en-US" sz="2000" b="1" dirty="0">
-                <a:latin typeface="Quicksand" pitchFamily="2" charset="77"/>
-              </a:rPr>
-              <a:t>We Use This for the Addition Step</a:t>
-            </a:r>
-            <a:endParaRPr lang="en-US" sz="1400" dirty="0">
-              <a:latin typeface="Quicksand" pitchFamily="2" charset="77"/>
-            </a:endParaRPr>
-          </a:p>
-          <a:p>
-            <a:pPr marL="628650" lvl="1" indent="-171450">
-              <a:buFont typeface="Arial" panose="020B0604020202020204" pitchFamily="34" charset="0"/>
-              <a:buChar char="•"/>
-            </a:pPr>
-            <a:r>
-              <a:rPr lang="en-US" dirty="0">
-                <a:latin typeface="Quicksand" pitchFamily="2" charset="77"/>
-              </a:rPr>
-              <a:t>Add x*w and b (bias) </a:t>
-            </a:r>
-          </a:p>
-          <a:p>
-            <a:pPr marL="171450" indent="-171450">
-              <a:buFont typeface="Arial" panose="020B0604020202020204" pitchFamily="34" charset="0"/>
-              <a:buChar char="•"/>
-            </a:pPr>
-            <a:endParaRPr lang="en-US" sz="1400" dirty="0">
-              <a:latin typeface="Quicksand" pitchFamily="2" charset="77"/>
-            </a:endParaRPr>
-          </a:p>
-        </p:txBody>
-      </p:sp>
-      <p:pic>
-        <p:nvPicPr>
-          <p:cNvPr id="3078" name="Picture 6" descr="Computation on Arrays: Broadcasting | Python Data Science Handbook">
-            <a:extLst>
-              <a:ext uri="{FF2B5EF4-FFF2-40B4-BE49-F238E27FC236}">
-                <a16:creationId xmlns:a16="http://schemas.microsoft.com/office/drawing/2014/main" id="{E0BD8688-97E7-E94B-888E-96554CDD195F}"/>
-              </a:ext>
-            </a:extLst>
-          </p:cNvPr>
-          <p:cNvPicPr>
-            <a:picLocks noChangeAspect="1" noChangeArrowheads="1"/>
-          </p:cNvPicPr>
-          <p:nvPr/>
-        </p:nvPicPr>
-        <p:blipFill>
-          <a:blip r:embed="rId2">
-            <a:extLst>
-              <a:ext uri="{28A0092B-C50C-407E-A947-70E740481C1C}">
-                <a14:useLocalDpi xmlns:a14="http://schemas.microsoft.com/office/drawing/2010/main" val="0"/>
-              </a:ext>
-            </a:extLst>
-          </a:blip>
-          <a:srcRect/>
-          <a:stretch>
-            <a:fillRect/>
-          </a:stretch>
-        </p:blipFill>
-        <p:spPr bwMode="auto">
-          <a:xfrm>
-            <a:off x="5776176" y="1831966"/>
-            <a:ext cx="5486400" cy="4114800"/>
-          </a:xfrm>
-          <a:prstGeom prst="rect">
-            <a:avLst/>
-          </a:prstGeom>
-          <a:noFill/>
-          <a:extLst>
-            <a:ext uri="{909E8E84-426E-40DD-AFC4-6F175D3DCCD1}">
-              <a14:hiddenFill xmlns:a14="http://schemas.microsoft.com/office/drawing/2010/main">
-                <a:solidFill>
-                  <a:srgbClr val="FFFFFF"/>
-                </a:solidFill>
-              </a14:hiddenFill>
-            </a:ext>
-          </a:extLst>
-        </p:spPr>
-      </p:pic>
-      <mc:AlternateContent xmlns:mc="http://schemas.openxmlformats.org/markup-compatibility/2006" xmlns:a14="http://schemas.microsoft.com/office/drawing/2010/main">
-        <mc:Choice Requires="a14">
-          <p:sp>
-            <p:nvSpPr>
-              <p:cNvPr id="8" name="TextBox 7">
-                <a:extLst>
-                  <a:ext uri="{FF2B5EF4-FFF2-40B4-BE49-F238E27FC236}">
-                    <a16:creationId xmlns:a16="http://schemas.microsoft.com/office/drawing/2014/main" id="{8F17ADDE-7CCF-D64B-BA47-029E12B0BC6E}"/>
-                  </a:ext>
-                </a:extLst>
-              </p:cNvPr>
-              <p:cNvSpPr txBox="1"/>
-              <p:nvPr/>
-            </p:nvSpPr>
-            <p:spPr>
-              <a:xfrm>
-                <a:off x="129249" y="1204136"/>
-                <a:ext cx="3869553" cy="307777"/>
-              </a:xfrm>
-              <a:prstGeom prst="rect">
-                <a:avLst/>
-              </a:prstGeom>
-              <a:noFill/>
-            </p:spPr>
-            <p:txBody>
-              <a:bodyPr wrap="square" rtlCol="0">
-                <a:spAutoFit/>
-              </a:bodyPr>
-              <a:lstStyle/>
-              <a:p>
-                <a:pPr/>
-                <a14:m>
-                  <m:oMathPara xmlns:m="http://schemas.openxmlformats.org/officeDocument/2006/math">
-                    <m:oMathParaPr>
-                      <m:jc m:val="centerGroup"/>
-                    </m:oMathParaPr>
-                    <m:oMath xmlns:m="http://schemas.openxmlformats.org/officeDocument/2006/math">
-                      <m:sSub>
-                        <m:sSubPr>
-                          <m:ctrlPr>
-                            <a:rPr lang="en-US" sz="1400" b="0" i="1" smtClean="0">
-                              <a:latin typeface="Cambria Math" panose="02040503050406030204" pitchFamily="18" charset="0"/>
-                            </a:rPr>
-                          </m:ctrlPr>
-                        </m:sSubPr>
-                        <m:e>
-                          <m:r>
-                            <a:rPr lang="en-US" sz="1400" b="0" i="1" smtClean="0">
-                              <a:latin typeface="Cambria Math" panose="02040503050406030204" pitchFamily="18" charset="0"/>
-                            </a:rPr>
-                            <m:t>𝑦</m:t>
-                          </m:r>
-                        </m:e>
-                        <m:sub>
-                          <m:r>
-                            <a:rPr lang="en-US" sz="1400" b="0" i="1" smtClean="0">
-                              <a:latin typeface="Cambria Math" panose="02040503050406030204" pitchFamily="18" charset="0"/>
-                            </a:rPr>
-                            <m:t>1</m:t>
-                          </m:r>
-                        </m:sub>
-                      </m:sSub>
-                      <m:r>
-                        <a:rPr lang="en-US" sz="1400" b="0" i="1" smtClean="0">
-                          <a:latin typeface="Cambria Math" panose="02040503050406030204" pitchFamily="18" charset="0"/>
-                        </a:rPr>
-                        <m:t>=</m:t>
-                      </m:r>
-                      <m:r>
-                        <a:rPr lang="en-US" sz="1400" b="0" i="1" smtClean="0">
-                          <a:solidFill>
-                            <a:schemeClr val="tx1"/>
-                          </a:solidFill>
-                          <a:latin typeface="Cambria Math" panose="02040503050406030204" pitchFamily="18" charset="0"/>
-                          <a:ea typeface="Cambria Math" panose="02040503050406030204" pitchFamily="18" charset="0"/>
-                        </a:rPr>
-                        <m:t>𝜑</m:t>
-                      </m:r>
-                      <m:r>
-                        <a:rPr lang="en-US" sz="1400" b="0" i="1" smtClean="0">
-                          <a:solidFill>
-                            <a:schemeClr val="tx1"/>
-                          </a:solidFill>
-                          <a:latin typeface="Cambria Math" panose="02040503050406030204" pitchFamily="18" charset="0"/>
-                        </a:rPr>
-                        <m:t> </m:t>
-                      </m:r>
-                      <m:r>
-                        <a:rPr lang="en-US" sz="1400" b="0" i="1" smtClean="0">
-                          <a:latin typeface="Cambria Math" panose="02040503050406030204" pitchFamily="18" charset="0"/>
-                        </a:rPr>
-                        <m:t>(</m:t>
-                      </m:r>
-                      <m:sSub>
-                        <m:sSubPr>
-                          <m:ctrlPr>
-                            <a:rPr lang="en-US" sz="1400" i="1" smtClean="0">
-                              <a:solidFill>
-                                <a:srgbClr val="FF0000"/>
-                              </a:solidFill>
-                              <a:latin typeface="Cambria Math" panose="02040503050406030204" pitchFamily="18" charset="0"/>
-                            </a:rPr>
-                          </m:ctrlPr>
-                        </m:sSubPr>
-                        <m:e>
-                          <m:r>
-                            <a:rPr lang="en-US" sz="1400" b="0" i="1" smtClean="0">
-                              <a:solidFill>
-                                <a:srgbClr val="FF0000"/>
-                              </a:solidFill>
-                              <a:latin typeface="Cambria Math" panose="02040503050406030204" pitchFamily="18" charset="0"/>
-                            </a:rPr>
-                            <m:t>𝑥</m:t>
-                          </m:r>
-                        </m:e>
-                        <m:sub>
-                          <m:r>
-                            <a:rPr lang="en-US" sz="1400" i="1">
-                              <a:solidFill>
-                                <a:srgbClr val="FF0000"/>
-                              </a:solidFill>
-                              <a:latin typeface="Cambria Math" panose="02040503050406030204" pitchFamily="18" charset="0"/>
-                            </a:rPr>
-                            <m:t>1</m:t>
-                          </m:r>
-                        </m:sub>
-                      </m:sSub>
-                      <m:r>
-                        <a:rPr lang="en-US" sz="1400" i="1" smtClean="0">
-                          <a:solidFill>
-                            <a:srgbClr val="FF0000"/>
-                          </a:solidFill>
-                          <a:latin typeface="Cambria Math" panose="02040503050406030204" pitchFamily="18" charset="0"/>
-                          <a:ea typeface="Cambria Math" panose="02040503050406030204" pitchFamily="18" charset="0"/>
-                        </a:rPr>
-                        <m:t>∙</m:t>
-                      </m:r>
-                      <m:sSub>
-                        <m:sSubPr>
-                          <m:ctrlPr>
-                            <a:rPr lang="en-US" sz="1400" i="1">
-                              <a:solidFill>
-                                <a:srgbClr val="FF0000"/>
-                              </a:solidFill>
-                              <a:latin typeface="Cambria Math" panose="02040503050406030204" pitchFamily="18" charset="0"/>
-                            </a:rPr>
-                          </m:ctrlPr>
-                        </m:sSubPr>
-                        <m:e>
-                          <m:r>
-                            <a:rPr lang="en-US" sz="1400" b="0" i="1" smtClean="0">
-                              <a:solidFill>
-                                <a:srgbClr val="FF0000"/>
-                              </a:solidFill>
-                              <a:latin typeface="Cambria Math" panose="02040503050406030204" pitchFamily="18" charset="0"/>
-                            </a:rPr>
-                            <m:t>𝑤</m:t>
-                          </m:r>
-                        </m:e>
-                        <m:sub>
-                          <m:r>
-                            <a:rPr lang="en-US" sz="1400" i="1">
-                              <a:solidFill>
-                                <a:srgbClr val="FF0000"/>
-                              </a:solidFill>
-                              <a:latin typeface="Cambria Math" panose="02040503050406030204" pitchFamily="18" charset="0"/>
-                            </a:rPr>
-                            <m:t>1</m:t>
-                          </m:r>
-                        </m:sub>
-                      </m:sSub>
-                      <m:r>
-                        <a:rPr lang="en-US" sz="1400" b="0" i="1" smtClean="0">
-                          <a:solidFill>
-                            <a:srgbClr val="FF0000"/>
-                          </a:solidFill>
-                          <a:latin typeface="Cambria Math" panose="02040503050406030204" pitchFamily="18" charset="0"/>
-                        </a:rPr>
-                        <m:t>+</m:t>
-                      </m:r>
-                      <m:sSub>
-                        <m:sSubPr>
-                          <m:ctrlPr>
-                            <a:rPr lang="en-US" sz="1400" b="0" i="1" smtClean="0">
-                              <a:solidFill>
-                                <a:srgbClr val="FF0000"/>
-                              </a:solidFill>
-                              <a:latin typeface="Cambria Math" panose="02040503050406030204" pitchFamily="18" charset="0"/>
-                            </a:rPr>
-                          </m:ctrlPr>
-                        </m:sSubPr>
-                        <m:e>
-                          <m:r>
-                            <a:rPr lang="en-US" sz="1400" b="0" i="1" smtClean="0">
-                              <a:solidFill>
-                                <a:srgbClr val="FF0000"/>
-                              </a:solidFill>
-                              <a:latin typeface="Cambria Math" panose="02040503050406030204" pitchFamily="18" charset="0"/>
-                            </a:rPr>
-                            <m:t>𝑏</m:t>
-                          </m:r>
-                        </m:e>
-                        <m:sub>
-                          <m:r>
-                            <a:rPr lang="en-US" sz="1400" b="0" i="1" smtClean="0">
-                              <a:solidFill>
-                                <a:srgbClr val="FF0000"/>
-                              </a:solidFill>
-                              <a:latin typeface="Cambria Math" panose="02040503050406030204" pitchFamily="18" charset="0"/>
-                            </a:rPr>
-                            <m:t>1</m:t>
-                          </m:r>
-                        </m:sub>
-                      </m:sSub>
-                      <m:r>
-                        <a:rPr lang="en-US" sz="1400" b="0" i="1" smtClean="0">
-                          <a:latin typeface="Cambria Math" panose="02040503050406030204" pitchFamily="18" charset="0"/>
-                        </a:rPr>
-                        <m:t>)</m:t>
-                      </m:r>
-                    </m:oMath>
-                  </m:oMathPara>
-                </a14:m>
-                <a:endParaRPr lang="en-US" sz="1400" dirty="0">
-                  <a:latin typeface="Quicksand" pitchFamily="2" charset="77"/>
-                </a:endParaRPr>
-              </a:p>
-            </p:txBody>
-          </p:sp>
-        </mc:Choice>
-        <mc:Fallback xmlns="">
-          <p:sp>
-            <p:nvSpPr>
-              <p:cNvPr id="8" name="TextBox 7">
-                <a:extLst>
-                  <a:ext uri="{FF2B5EF4-FFF2-40B4-BE49-F238E27FC236}">
-                    <a16:creationId xmlns:a16="http://schemas.microsoft.com/office/drawing/2014/main" id="{8F17ADDE-7CCF-D64B-BA47-029E12B0BC6E}"/>
-                  </a:ext>
-                </a:extLst>
-              </p:cNvPr>
-              <p:cNvSpPr txBox="1">
-                <a:spLocks noRot="1" noChangeAspect="1" noMove="1" noResize="1" noEditPoints="1" noAdjustHandles="1" noChangeArrowheads="1" noChangeShapeType="1" noTextEdit="1"/>
-              </p:cNvSpPr>
-              <p:nvPr/>
-            </p:nvSpPr>
-            <p:spPr>
-              <a:xfrm>
-                <a:off x="129249" y="1204136"/>
-                <a:ext cx="3869553" cy="307777"/>
-              </a:xfrm>
-              <a:prstGeom prst="rect">
-                <a:avLst/>
-              </a:prstGeom>
-              <a:blipFill>
-                <a:blip r:embed="rId3"/>
-                <a:stretch>
-                  <a:fillRect b="-8000"/>
-                </a:stretch>
-              </a:blipFill>
-            </p:spPr>
-            <p:txBody>
-              <a:bodyPr/>
-              <a:lstStyle/>
-              <a:p>
-                <a:r>
-                  <a:rPr lang="en-US">
-                    <a:noFill/>
-                  </a:rPr>
-                  <a:t> </a:t>
-                </a:r>
-              </a:p>
-            </p:txBody>
-          </p:sp>
-        </mc:Fallback>
-      </mc:AlternateContent>
-    </p:spTree>
-    <p:extLst>
-      <p:ext uri="{BB962C8B-B14F-4D97-AF65-F5344CB8AC3E}">
-        <p14:creationId xmlns:p14="http://schemas.microsoft.com/office/powerpoint/2010/main" val="3664028291"/>
-      </p:ext>
-    </p:extLst>
-  </p:cSld>
-  <p:clrMapOvr>
-    <a:masterClrMapping/>
-  </p:clrMapOvr>
-</p:sld>
-</file>
-
-<file path=ppt/slides/slide11.xml><?xml version="1.0" encoding="utf-8"?>
-<p:sld xmlns:a="http://schemas.openxmlformats.org/drawingml/2006/main" xmlns:r="http://schemas.openxmlformats.org/officeDocument/2006/relationships" xmlns:p="http://schemas.openxmlformats.org/presentationml/2006/main">
-  <p:cSld>
-    <p:spTree>
-      <p:nvGrpSpPr>
-        <p:cNvPr id="1" name=""/>
-        <p:cNvGrpSpPr/>
-        <p:nvPr/>
-      </p:nvGrpSpPr>
-      <p:grpSpPr>
-        <a:xfrm>
-          <a:off x="0" y="0"/>
-          <a:ext cx="0" cy="0"/>
-          <a:chOff x="0" y="0"/>
-          <a:chExt cx="0" cy="0"/>
-        </a:xfrm>
-      </p:grpSpPr>
-      <p:sp>
-        <p:nvSpPr>
-          <p:cNvPr id="4" name="TextBox 3">
-            <a:extLst>
-              <a:ext uri="{FF2B5EF4-FFF2-40B4-BE49-F238E27FC236}">
-                <a16:creationId xmlns:a16="http://schemas.microsoft.com/office/drawing/2014/main" id="{2E4ACB90-5B23-AE45-9404-FED4FB5128EF}"/>
-              </a:ext>
-            </a:extLst>
-          </p:cNvPr>
-          <p:cNvSpPr txBox="1"/>
-          <p:nvPr/>
-        </p:nvSpPr>
-        <p:spPr>
-          <a:xfrm>
-            <a:off x="2075144" y="586938"/>
-            <a:ext cx="8041709" cy="923330"/>
-          </a:xfrm>
-          <a:prstGeom prst="rect">
-            <a:avLst/>
-          </a:prstGeom>
-          <a:noFill/>
-        </p:spPr>
-        <p:txBody>
-          <a:bodyPr wrap="square" rtlCol="0">
-            <a:spAutoFit/>
-          </a:bodyPr>
-          <a:lstStyle/>
-          <a:p>
-            <a:pPr algn="ctr"/>
-            <a:r>
-              <a:rPr lang="en-US" sz="5400" dirty="0">
-                <a:latin typeface="Economica" panose="02000506040000020004" pitchFamily="2" charset="77"/>
-              </a:rPr>
               <a:t>Activation Functions</a:t>
             </a:r>
           </a:p>
@@ -6934,7 +6425,7 @@
 </p:sld>
 </file>
 
-<file path=ppt/slides/slide12.xml><?xml version="1.0" encoding="utf-8"?>
+<file path=ppt/slides/slide11.xml><?xml version="1.0" encoding="utf-8"?>
 <p:sld xmlns:a="http://schemas.openxmlformats.org/drawingml/2006/main" xmlns:r="http://schemas.openxmlformats.org/officeDocument/2006/relationships" xmlns:p="http://schemas.openxmlformats.org/presentationml/2006/main">
   <p:cSld>
     <p:spTree>
@@ -7034,8 +6525,8 @@
           </a:extLst>
         </p:spPr>
       </p:pic>
-      <mc:AlternateContent xmlns:mc="http://schemas.openxmlformats.org/markup-compatibility/2006" xmlns:a14="http://schemas.microsoft.com/office/drawing/2010/main">
-        <mc:Choice Requires="a14">
+      <mc:AlternateContent xmlns:mc="http://schemas.openxmlformats.org/markup-compatibility/2006">
+        <mc:Choice xmlns:a14="http://schemas.microsoft.com/office/drawing/2010/main" Requires="a14">
           <p:sp>
             <p:nvSpPr>
               <p:cNvPr id="5" name="TextBox 4">
@@ -7051,7 +6542,7 @@
             <p:spPr>
               <a:xfrm>
                 <a:off x="603699" y="3142200"/>
-                <a:ext cx="3869553" cy="307777"/>
+                <a:ext cx="3869553" cy="317203"/>
               </a:xfrm>
               <a:prstGeom prst="rect">
                 <a:avLst/>
@@ -7165,6 +6656,12 @@
                         </m:e>
                         <m:sub>
                           <m:r>
+                            <a:rPr lang="en-US" sz="1400" b="0" i="1" smtClean="0">
+                              <a:latin typeface="Cambria Math" panose="02040503050406030204" pitchFamily="18" charset="0"/>
+                            </a:rPr>
+                            <m:t>1,</m:t>
+                          </m:r>
+                          <m:r>
                             <a:rPr lang="en-US" sz="1400" i="1">
                               <a:latin typeface="Cambria Math" panose="02040503050406030204" pitchFamily="18" charset="0"/>
                             </a:rPr>
@@ -7172,6 +6669,75 @@
                           </m:r>
                         </m:sub>
                       </m:sSub>
+                      <m:r>
+                        <a:rPr lang="en-US" sz="1400" b="0" i="1" smtClean="0">
+                          <a:latin typeface="Cambria Math" panose="02040503050406030204" pitchFamily="18" charset="0"/>
+                        </a:rPr>
+                        <m:t>+</m:t>
+                      </m:r>
+                      <m:sSub>
+                        <m:sSubPr>
+                          <m:ctrlPr>
+                            <a:rPr lang="en-US" sz="1400" i="1">
+                              <a:latin typeface="Cambria Math" panose="02040503050406030204" pitchFamily="18" charset="0"/>
+                            </a:rPr>
+                          </m:ctrlPr>
+                        </m:sSubPr>
+                        <m:e>
+                          <m:r>
+                            <a:rPr lang="en-US" sz="1400" i="1">
+                              <a:latin typeface="Cambria Math" panose="02040503050406030204" pitchFamily="18" charset="0"/>
+                            </a:rPr>
+                            <m:t>𝑥</m:t>
+                          </m:r>
+                        </m:e>
+                        <m:sub>
+                          <m:r>
+                            <a:rPr lang="en-US" sz="1400" b="0" i="1" smtClean="0">
+                              <a:latin typeface="Cambria Math" panose="02040503050406030204" pitchFamily="18" charset="0"/>
+                            </a:rPr>
+                            <m:t>2</m:t>
+                          </m:r>
+                        </m:sub>
+                      </m:sSub>
+                      <m:r>
+                        <a:rPr lang="en-US" sz="1400" i="1">
+                          <a:latin typeface="Cambria Math" panose="02040503050406030204" pitchFamily="18" charset="0"/>
+                          <a:ea typeface="Cambria Math" panose="02040503050406030204" pitchFamily="18" charset="0"/>
+                        </a:rPr>
+                        <m:t>∙</m:t>
+                      </m:r>
+                      <m:sSub>
+                        <m:sSubPr>
+                          <m:ctrlPr>
+                            <a:rPr lang="en-US" sz="1400" i="1">
+                              <a:latin typeface="Cambria Math" panose="02040503050406030204" pitchFamily="18" charset="0"/>
+                            </a:rPr>
+                          </m:ctrlPr>
+                        </m:sSubPr>
+                        <m:e>
+                          <m:r>
+                            <a:rPr lang="en-US" sz="1400" i="1">
+                              <a:latin typeface="Cambria Math" panose="02040503050406030204" pitchFamily="18" charset="0"/>
+                            </a:rPr>
+                            <m:t>𝑤</m:t>
+                          </m:r>
+                        </m:e>
+                        <m:sub>
+                          <m:r>
+                            <a:rPr lang="en-US" sz="1400" b="0" i="1" smtClean="0">
+                              <a:latin typeface="Cambria Math" panose="02040503050406030204" pitchFamily="18" charset="0"/>
+                            </a:rPr>
+                            <m:t>1,2</m:t>
+                          </m:r>
+                        </m:sub>
+                      </m:sSub>
+                      <m:r>
+                        <a:rPr lang="en-US" sz="1400" b="0" i="1" smtClean="0">
+                          <a:latin typeface="Cambria Math" panose="02040503050406030204" pitchFamily="18" charset="0"/>
+                        </a:rPr>
+                        <m:t>+…</m:t>
+                      </m:r>
                       <m:r>
                         <a:rPr lang="en-US" sz="1400" b="0" i="1" smtClean="0">
                           <a:latin typeface="Cambria Math" panose="02040503050406030204" pitchFamily="18" charset="0"/>
@@ -7219,7 +6785,7 @@
             </p:txBody>
           </p:sp>
         </mc:Choice>
-        <mc:Fallback xmlns="">
+        <mc:Fallback>
           <p:sp>
             <p:nvSpPr>
               <p:cNvPr id="5" name="TextBox 4">
@@ -7237,7 +6803,7 @@
             <p:spPr>
               <a:xfrm>
                 <a:off x="603699" y="3142200"/>
-                <a:ext cx="3869553" cy="307777"/>
+                <a:ext cx="3869553" cy="317203"/>
               </a:xfrm>
               <a:prstGeom prst="rect">
                 <a:avLst/>
@@ -7245,7 +6811,7 @@
               <a:blipFill>
                 <a:blip r:embed="rId4"/>
                 <a:stretch>
-                  <a:fillRect b="-12000"/>
+                  <a:fillRect b="-7692"/>
                 </a:stretch>
               </a:blipFill>
             </p:spPr>
@@ -7332,267 +6898,6 @@
           </a:p>
         </p:txBody>
       </p:sp>
-      <mc:AlternateContent xmlns:mc="http://schemas.openxmlformats.org/markup-compatibility/2006" xmlns:a14="http://schemas.microsoft.com/office/drawing/2010/main">
-        <mc:Choice Requires="a14">
-          <p:sp>
-            <p:nvSpPr>
-              <p:cNvPr id="9" name="TextBox 8">
-                <a:extLst>
-                  <a:ext uri="{FF2B5EF4-FFF2-40B4-BE49-F238E27FC236}">
-                    <a16:creationId xmlns:a16="http://schemas.microsoft.com/office/drawing/2014/main" id="{945C00B8-CE29-4C48-82AF-7EAE08E6CF3F}"/>
-                  </a:ext>
-                </a:extLst>
-              </p:cNvPr>
-              <p:cNvSpPr txBox="1"/>
-              <p:nvPr/>
-            </p:nvSpPr>
-            <p:spPr>
-              <a:xfrm>
-                <a:off x="7738726" y="2691056"/>
-                <a:ext cx="410818" cy="276999"/>
-              </a:xfrm>
-              <a:prstGeom prst="rect">
-                <a:avLst/>
-              </a:prstGeom>
-              <a:noFill/>
-            </p:spPr>
-            <p:txBody>
-              <a:bodyPr wrap="square" rtlCol="0">
-                <a:spAutoFit/>
-              </a:bodyPr>
-              <a:lstStyle/>
-              <a:p>
-                <a:pPr algn="ctr"/>
-                <a14:m>
-                  <m:oMathPara xmlns:m="http://schemas.openxmlformats.org/officeDocument/2006/math">
-                    <m:oMathParaPr>
-                      <m:jc m:val="centerGroup"/>
-                    </m:oMathParaPr>
-                    <m:oMath xmlns:m="http://schemas.openxmlformats.org/officeDocument/2006/math">
-                      <m:sSub>
-                        <m:sSubPr>
-                          <m:ctrlPr>
-                            <a:rPr lang="en-US" sz="1200" b="0" i="1" smtClean="0">
-                              <a:latin typeface="Cambria Math" panose="02040503050406030204" pitchFamily="18" charset="0"/>
-                            </a:rPr>
-                          </m:ctrlPr>
-                        </m:sSubPr>
-                        <m:e>
-                          <m:r>
-                            <a:rPr lang="en-US" sz="1200" b="0" i="1" smtClean="0">
-                              <a:latin typeface="Cambria Math" panose="02040503050406030204" pitchFamily="18" charset="0"/>
-                            </a:rPr>
-                            <m:t>𝑦</m:t>
-                          </m:r>
-                        </m:e>
-                        <m:sub>
-                          <m:r>
-                            <a:rPr lang="en-US" sz="1200" b="0" i="1" smtClean="0">
-                              <a:latin typeface="Cambria Math" panose="02040503050406030204" pitchFamily="18" charset="0"/>
-                            </a:rPr>
-                            <m:t>1</m:t>
-                          </m:r>
-                        </m:sub>
-                      </m:sSub>
-                    </m:oMath>
-                  </m:oMathPara>
-                </a14:m>
-                <a:endParaRPr lang="en-US" sz="1200" dirty="0"/>
-              </a:p>
-            </p:txBody>
-          </p:sp>
-        </mc:Choice>
-        <mc:Fallback xmlns="">
-          <p:sp>
-            <p:nvSpPr>
-              <p:cNvPr id="9" name="TextBox 8">
-                <a:extLst>
-                  <a:ext uri="{FF2B5EF4-FFF2-40B4-BE49-F238E27FC236}">
-                    <a16:creationId xmlns:a16="http://schemas.microsoft.com/office/drawing/2014/main" id="{945C00B8-CE29-4C48-82AF-7EAE08E6CF3F}"/>
-                  </a:ext>
-                </a:extLst>
-              </p:cNvPr>
-              <p:cNvSpPr txBox="1">
-                <a:spLocks noRot="1" noChangeAspect="1" noMove="1" noResize="1" noEditPoints="1" noAdjustHandles="1" noChangeArrowheads="1" noChangeShapeType="1" noTextEdit="1"/>
-              </p:cNvSpPr>
-              <p:nvPr/>
-            </p:nvSpPr>
-            <p:spPr>
-              <a:xfrm>
-                <a:off x="7738726" y="2691056"/>
-                <a:ext cx="410818" cy="276999"/>
-              </a:xfrm>
-              <a:prstGeom prst="rect">
-                <a:avLst/>
-              </a:prstGeom>
-              <a:blipFill>
-                <a:blip r:embed="rId5"/>
-                <a:stretch>
-                  <a:fillRect b="-4348"/>
-                </a:stretch>
-              </a:blipFill>
-            </p:spPr>
-            <p:txBody>
-              <a:bodyPr/>
-              <a:lstStyle/>
-              <a:p>
-                <a:r>
-                  <a:rPr lang="en-US">
-                    <a:noFill/>
-                  </a:rPr>
-                  <a:t> </a:t>
-                </a:r>
-              </a:p>
-            </p:txBody>
-          </p:sp>
-        </mc:Fallback>
-      </mc:AlternateContent>
-      <mc:AlternateContent xmlns:mc="http://schemas.openxmlformats.org/markup-compatibility/2006" xmlns:a14="http://schemas.microsoft.com/office/drawing/2010/main">
-        <mc:Choice Requires="a14">
-          <p:sp>
-            <p:nvSpPr>
-              <p:cNvPr id="10" name="TextBox 9">
-                <a:extLst>
-                  <a:ext uri="{FF2B5EF4-FFF2-40B4-BE49-F238E27FC236}">
-                    <a16:creationId xmlns:a16="http://schemas.microsoft.com/office/drawing/2014/main" id="{8554F7DF-141C-F243-A851-A441845AA1A3}"/>
-                  </a:ext>
-                </a:extLst>
-              </p:cNvPr>
-              <p:cNvSpPr txBox="1"/>
-              <p:nvPr/>
-            </p:nvSpPr>
-            <p:spPr>
-              <a:xfrm>
-                <a:off x="7085151" y="2968055"/>
-                <a:ext cx="410818" cy="276999"/>
-              </a:xfrm>
-              <a:prstGeom prst="rect">
-                <a:avLst/>
-              </a:prstGeom>
-              <a:noFill/>
-            </p:spPr>
-            <p:txBody>
-              <a:bodyPr wrap="square" rtlCol="0">
-                <a:spAutoFit/>
-              </a:bodyPr>
-              <a:lstStyle/>
-              <a:p>
-                <a:pPr algn="ctr"/>
-                <a14:m>
-                  <m:oMathPara xmlns:m="http://schemas.openxmlformats.org/officeDocument/2006/math">
-                    <m:oMathParaPr>
-                      <m:jc m:val="centerGroup"/>
-                    </m:oMathParaPr>
-                    <m:oMath xmlns:m="http://schemas.openxmlformats.org/officeDocument/2006/math">
-                      <m:sSub>
-                        <m:sSubPr>
-                          <m:ctrlPr>
-                            <a:rPr lang="en-US" sz="1200" b="0" i="1" smtClean="0">
-                              <a:latin typeface="Cambria Math" panose="02040503050406030204" pitchFamily="18" charset="0"/>
-                            </a:rPr>
-                          </m:ctrlPr>
-                        </m:sSubPr>
-                        <m:e>
-                          <m:r>
-                            <a:rPr lang="en-US" sz="1200" b="0" i="1" smtClean="0">
-                              <a:latin typeface="Cambria Math" panose="02040503050406030204" pitchFamily="18" charset="0"/>
-                            </a:rPr>
-                            <m:t>𝑤</m:t>
-                          </m:r>
-                        </m:e>
-                        <m:sub>
-                          <m:r>
-                            <a:rPr lang="en-US" sz="1200" b="0" i="1" smtClean="0">
-                              <a:latin typeface="Cambria Math" panose="02040503050406030204" pitchFamily="18" charset="0"/>
-                            </a:rPr>
-                            <m:t>1</m:t>
-                          </m:r>
-                        </m:sub>
-                      </m:sSub>
-                      <m:r>
-                        <a:rPr lang="en-US" sz="1200" b="0" i="1" smtClean="0">
-                          <a:latin typeface="Cambria Math" panose="02040503050406030204" pitchFamily="18" charset="0"/>
-                        </a:rPr>
-                        <m:t>,</m:t>
-                      </m:r>
-                      <m:sSub>
-                        <m:sSubPr>
-                          <m:ctrlPr>
-                            <a:rPr lang="en-US" sz="1200" b="0" i="1" smtClean="0">
-                              <a:latin typeface="Cambria Math" panose="02040503050406030204" pitchFamily="18" charset="0"/>
-                            </a:rPr>
-                          </m:ctrlPr>
-                        </m:sSubPr>
-                        <m:e>
-                          <m:r>
-                            <a:rPr lang="en-US" sz="1200" b="0" i="1" smtClean="0">
-                              <a:latin typeface="Cambria Math" panose="02040503050406030204" pitchFamily="18" charset="0"/>
-                            </a:rPr>
-                            <m:t>𝑏</m:t>
-                          </m:r>
-                        </m:e>
-                        <m:sub>
-                          <m:r>
-                            <a:rPr lang="en-US" sz="1200" b="0" i="1" smtClean="0">
-                              <a:latin typeface="Cambria Math" panose="02040503050406030204" pitchFamily="18" charset="0"/>
-                            </a:rPr>
-                            <m:t>1</m:t>
-                          </m:r>
-                        </m:sub>
-                      </m:sSub>
-                    </m:oMath>
-                  </m:oMathPara>
-                </a14:m>
-                <a:endParaRPr lang="en-US" sz="1200" dirty="0"/>
-              </a:p>
-            </p:txBody>
-          </p:sp>
-        </mc:Choice>
-        <mc:Fallback xmlns="">
-          <p:sp>
-            <p:nvSpPr>
-              <p:cNvPr id="10" name="TextBox 9">
-                <a:extLst>
-                  <a:ext uri="{FF2B5EF4-FFF2-40B4-BE49-F238E27FC236}">
-                    <a16:creationId xmlns:a16="http://schemas.microsoft.com/office/drawing/2014/main" id="{8554F7DF-141C-F243-A851-A441845AA1A3}"/>
-                  </a:ext>
-                </a:extLst>
-              </p:cNvPr>
-              <p:cNvSpPr txBox="1">
-                <a:spLocks noRot="1" noChangeAspect="1" noMove="1" noResize="1" noEditPoints="1" noAdjustHandles="1" noChangeArrowheads="1" noChangeShapeType="1" noTextEdit="1"/>
-              </p:cNvSpPr>
-              <p:nvPr/>
-            </p:nvSpPr>
-            <p:spPr>
-              <a:xfrm>
-                <a:off x="7085151" y="2968055"/>
-                <a:ext cx="410818" cy="276999"/>
-              </a:xfrm>
-              <a:prstGeom prst="rect">
-                <a:avLst/>
-              </a:prstGeom>
-              <a:blipFill>
-                <a:blip r:embed="rId6"/>
-                <a:stretch>
-                  <a:fillRect l="-8824"/>
-                </a:stretch>
-              </a:blipFill>
-            </p:spPr>
-            <p:txBody>
-              <a:bodyPr/>
-              <a:lstStyle/>
-              <a:p>
-                <a:r>
-                  <a:rPr lang="en-US">
-                    <a:noFill/>
-                  </a:rPr>
-                  <a:t> </a:t>
-                </a:r>
-              </a:p>
-            </p:txBody>
-          </p:sp>
-        </mc:Fallback>
-      </mc:AlternateContent>
       <mc:AlternateContent xmlns:mc="http://schemas.openxmlformats.org/markup-compatibility/2006" xmlns:a14="http://schemas.microsoft.com/office/drawing/2010/main">
         <mc:Choice Requires="a14">
           <p:sp>
@@ -7710,8 +7015,8 @@
           </p:sp>
         </mc:Fallback>
       </mc:AlternateContent>
-      <mc:AlternateContent xmlns:mc="http://schemas.openxmlformats.org/markup-compatibility/2006" xmlns:a14="http://schemas.microsoft.com/office/drawing/2010/main">
-        <mc:Choice Requires="a14">
+      <mc:AlternateContent xmlns:mc="http://schemas.openxmlformats.org/markup-compatibility/2006">
+        <mc:Choice xmlns:a14="http://schemas.microsoft.com/office/drawing/2010/main" Requires="a14">
           <p:sp>
             <p:nvSpPr>
               <p:cNvPr id="12" name="TextBox 11">
@@ -7768,7 +7073,7 @@
                             <a:rPr lang="en-US" sz="1200" b="0" i="1" smtClean="0">
                               <a:latin typeface="Cambria Math" panose="02040503050406030204" pitchFamily="18" charset="0"/>
                             </a:rPr>
-                            <m:t>2</m:t>
+                            <m:t>1</m:t>
                           </m:r>
                         </m:sub>
                       </m:sSub>
@@ -7780,7 +7085,7 @@
             </p:txBody>
           </p:sp>
         </mc:Choice>
-        <mc:Fallback xmlns="">
+        <mc:Fallback>
           <p:sp>
             <p:nvSpPr>
               <p:cNvPr id="12" name="TextBox 11">
@@ -7825,8 +7130,8 @@
           </p:sp>
         </mc:Fallback>
       </mc:AlternateContent>
-      <mc:AlternateContent xmlns:mc="http://schemas.openxmlformats.org/markup-compatibility/2006" xmlns:a14="http://schemas.microsoft.com/office/drawing/2010/main">
-        <mc:Choice Requires="a14">
+      <mc:AlternateContent xmlns:mc="http://schemas.openxmlformats.org/markup-compatibility/2006">
+        <mc:Choice xmlns:a14="http://schemas.microsoft.com/office/drawing/2010/main" Requires="a14">
           <p:sp>
             <p:nvSpPr>
               <p:cNvPr id="13" name="TextBox 12">
@@ -7841,7 +7146,7 @@
             </p:nvSpPr>
             <p:spPr>
               <a:xfrm>
-                <a:off x="8518561" y="2735060"/>
+                <a:off x="8518561" y="2788068"/>
                 <a:ext cx="410818" cy="276999"/>
               </a:xfrm>
               <a:prstGeom prst="rect">
@@ -7862,31 +7167,12 @@
                       <m:jc m:val="centerGroup"/>
                     </m:oMathParaPr>
                     <m:oMath xmlns:m="http://schemas.openxmlformats.org/officeDocument/2006/math">
-                      <m:sSub>
-                        <m:sSubPr>
-                          <m:ctrlPr>
-                            <a:rPr lang="en-US" sz="1200" b="0" i="1" smtClean="0">
-                              <a:latin typeface="Cambria Math" panose="02040503050406030204" pitchFamily="18" charset="0"/>
-                            </a:rPr>
-                          </m:ctrlPr>
-                        </m:sSubPr>
-                        <m:e>
-                          <m:r>
-                            <a:rPr lang="en-US" sz="1200" b="0" i="1" smtClean="0">
-                              <a:latin typeface="Cambria Math" panose="02040503050406030204" pitchFamily="18" charset="0"/>
-                            </a:rPr>
-                            <m:t>𝑤</m:t>
-                          </m:r>
-                        </m:e>
-                        <m:sub>
-                          <m:r>
-                            <a:rPr lang="en-US" sz="1200" b="0" i="1" smtClean="0">
-                              <a:latin typeface="Cambria Math" panose="02040503050406030204" pitchFamily="18" charset="0"/>
-                            </a:rPr>
-                            <m:t>2</m:t>
-                          </m:r>
-                        </m:sub>
-                      </m:sSub>
+                      <m:r>
+                        <a:rPr lang="en-US" sz="1200" b="0" i="1" smtClean="0">
+                          <a:latin typeface="Cambria Math" panose="02040503050406030204" pitchFamily="18" charset="0"/>
+                        </a:rPr>
+                        <m:t>𝑊</m:t>
+                      </m:r>
                       <m:r>
                         <a:rPr lang="en-US" sz="1200" b="0" i="1" smtClean="0">
                           <a:latin typeface="Cambria Math" panose="02040503050406030204" pitchFamily="18" charset="0"/>
@@ -7914,7 +7200,7 @@
                             <a:rPr lang="en-US" sz="1200" b="0" i="1" smtClean="0">
                               <a:latin typeface="Cambria Math" panose="02040503050406030204" pitchFamily="18" charset="0"/>
                             </a:rPr>
-                            <m:t>2</m:t>
+                            <m:t>1</m:t>
                           </m:r>
                         </m:sub>
                       </m:sSub>
@@ -7926,7 +7212,7 @@
             </p:txBody>
           </p:sp>
         </mc:Choice>
-        <mc:Fallback xmlns="">
+        <mc:Fallback>
           <p:sp>
             <p:nvSpPr>
               <p:cNvPr id="13" name="TextBox 12">
@@ -7943,7 +7229,7 @@
             </p:nvSpPr>
             <p:spPr>
               <a:xfrm>
-                <a:off x="8518561" y="2735060"/>
+                <a:off x="8518561" y="2788068"/>
                 <a:ext cx="410818" cy="276999"/>
               </a:xfrm>
               <a:prstGeom prst="rect">
@@ -7971,8 +7257,8 @@
           </p:sp>
         </mc:Fallback>
       </mc:AlternateContent>
-      <mc:AlternateContent xmlns:mc="http://schemas.openxmlformats.org/markup-compatibility/2006" xmlns:a14="http://schemas.microsoft.com/office/drawing/2010/main">
-        <mc:Choice Requires="a14">
+      <mc:AlternateContent xmlns:mc="http://schemas.openxmlformats.org/markup-compatibility/2006">
+        <mc:Choice xmlns:a14="http://schemas.microsoft.com/office/drawing/2010/main" Requires="a14">
           <p:sp>
             <p:nvSpPr>
               <p:cNvPr id="14" name="TextBox 13">
@@ -7988,7 +7274,7 @@
             <p:spPr>
               <a:xfrm>
                 <a:off x="603699" y="3543294"/>
-                <a:ext cx="3869553" cy="307777"/>
+                <a:ext cx="3869553" cy="335476"/>
               </a:xfrm>
               <a:prstGeom prst="rect">
                 <a:avLst/>
@@ -8074,7 +7360,7 @@
                                 <a:rPr lang="en-US" sz="1400" b="0" i="1" smtClean="0">
                                   <a:latin typeface="Cambria Math" panose="02040503050406030204" pitchFamily="18" charset="0"/>
                                 </a:rPr>
-                                <m:t>𝑦</m:t>
+                                <m:t>𝑥</m:t>
                               </m:r>
                             </m:e>
                             <m:sub>
@@ -8116,6 +7402,12 @@
                                 </a:rPr>
                                 <m:t>2</m:t>
                               </m:r>
+                              <m:r>
+                                <a:rPr lang="en-US" sz="1400" b="0" i="1" smtClean="0">
+                                  <a:latin typeface="Cambria Math" panose="02040503050406030204" pitchFamily="18" charset="0"/>
+                                </a:rPr>
+                                <m:t>,1</m:t>
+                              </m:r>
                             </m:sub>
                           </m:sSub>
                           <m:r>
@@ -8123,6 +7415,75 @@
                               <a:latin typeface="Cambria Math" panose="02040503050406030204" pitchFamily="18" charset="0"/>
                             </a:rPr>
                             <m:t>+</m:t>
+                          </m:r>
+                          <m:sSub>
+                            <m:sSubPr>
+                              <m:ctrlPr>
+                                <a:rPr lang="en-US" sz="1400" i="1">
+                                  <a:latin typeface="Cambria Math" panose="02040503050406030204" pitchFamily="18" charset="0"/>
+                                </a:rPr>
+                              </m:ctrlPr>
+                            </m:sSubPr>
+                            <m:e>
+                              <m:r>
+                                <a:rPr lang="en-US" sz="1400" i="1">
+                                  <a:latin typeface="Cambria Math" panose="02040503050406030204" pitchFamily="18" charset="0"/>
+                                </a:rPr>
+                                <m:t>𝑥</m:t>
+                              </m:r>
+                            </m:e>
+                            <m:sub>
+                              <m:r>
+                                <a:rPr lang="en-US" sz="1400" b="0" i="1" smtClean="0">
+                                  <a:latin typeface="Cambria Math" panose="02040503050406030204" pitchFamily="18" charset="0"/>
+                                </a:rPr>
+                                <m:t>2</m:t>
+                              </m:r>
+                            </m:sub>
+                          </m:sSub>
+                          <m:r>
+                            <a:rPr lang="en-US" sz="1400" i="1">
+                              <a:latin typeface="Cambria Math" panose="02040503050406030204" pitchFamily="18" charset="0"/>
+                              <a:ea typeface="Cambria Math" panose="02040503050406030204" pitchFamily="18" charset="0"/>
+                            </a:rPr>
+                            <m:t>∙</m:t>
+                          </m:r>
+                          <m:sSub>
+                            <m:sSubPr>
+                              <m:ctrlPr>
+                                <a:rPr lang="en-US" sz="1400" i="1">
+                                  <a:latin typeface="Cambria Math" panose="02040503050406030204" pitchFamily="18" charset="0"/>
+                                </a:rPr>
+                              </m:ctrlPr>
+                            </m:sSubPr>
+                            <m:e>
+                              <m:r>
+                                <a:rPr lang="en-US" sz="1400" i="1">
+                                  <a:latin typeface="Cambria Math" panose="02040503050406030204" pitchFamily="18" charset="0"/>
+                                </a:rPr>
+                                <m:t>𝑤</m:t>
+                              </m:r>
+                            </m:e>
+                            <m:sub>
+                              <m:r>
+                                <a:rPr lang="en-US" sz="1400" i="1">
+                                  <a:latin typeface="Cambria Math" panose="02040503050406030204" pitchFamily="18" charset="0"/>
+                                </a:rPr>
+                                <m:t>2,</m:t>
+                              </m:r>
+                              <m:r>
+                                <a:rPr lang="en-US" sz="1400" b="0" i="1" smtClean="0">
+                                  <a:latin typeface="Cambria Math" panose="02040503050406030204" pitchFamily="18" charset="0"/>
+                                </a:rPr>
+                                <m:t>2</m:t>
+                              </m:r>
+                            </m:sub>
+                          </m:sSub>
+                          <m:r>
+                            <a:rPr lang="en-US" sz="1400" b="0" i="1" smtClean="0">
+                              <a:latin typeface="Cambria Math" panose="02040503050406030204" pitchFamily="18" charset="0"/>
+                            </a:rPr>
+                            <m:t>+…+</m:t>
                           </m:r>
                           <m:sSub>
                             <m:sSubPr>
@@ -8161,7 +7522,7 @@
             </p:txBody>
           </p:sp>
         </mc:Choice>
-        <mc:Fallback xmlns="">
+        <mc:Fallback>
           <p:sp>
             <p:nvSpPr>
               <p:cNvPr id="14" name="TextBox 13">
@@ -8179,7 +7540,7 @@
             <p:spPr>
               <a:xfrm>
                 <a:off x="603699" y="3543294"/>
-                <a:ext cx="3869553" cy="307777"/>
+                <a:ext cx="3869553" cy="335476"/>
               </a:xfrm>
               <a:prstGeom prst="rect">
                 <a:avLst/>
@@ -8187,7 +7548,7 @@
               <a:blipFill>
                 <a:blip r:embed="rId10"/>
                 <a:stretch>
-                  <a:fillRect b="-7692"/>
+                  <a:fillRect b="-10714"/>
                 </a:stretch>
               </a:blipFill>
             </p:spPr>
@@ -8221,7 +7582,7 @@
         <p:spPr>
           <a:xfrm>
             <a:off x="974196" y="2410356"/>
-            <a:ext cx="3869553" cy="923330"/>
+            <a:ext cx="3869553" cy="707886"/>
           </a:xfrm>
           <a:prstGeom prst="rect">
             <a:avLst/>
@@ -8240,15 +7601,6 @@
               </a:rPr>
               <a:t>Calculate Output of Each Node Sequentially</a:t>
             </a:r>
-          </a:p>
-          <a:p>
-            <a:pPr marL="171450" indent="-171450">
-              <a:buFont typeface="Arial" panose="020B0604020202020204" pitchFamily="34" charset="0"/>
-              <a:buChar char="•"/>
-            </a:pPr>
-            <a:endParaRPr lang="en-US" sz="1400" dirty="0">
-              <a:latin typeface="Quicksand" pitchFamily="2" charset="77"/>
-            </a:endParaRPr>
           </a:p>
         </p:txBody>
       </p:sp>
@@ -8400,7 +7752,7 @@
 </p:sld>
 </file>
 
-<file path=ppt/slides/slide13.xml><?xml version="1.0" encoding="utf-8"?>
+<file path=ppt/slides/slide12.xml><?xml version="1.0" encoding="utf-8"?>
 <p:sld xmlns:a="http://schemas.openxmlformats.org/drawingml/2006/main" xmlns:r="http://schemas.openxmlformats.org/officeDocument/2006/relationships" xmlns:p="http://schemas.openxmlformats.org/presentationml/2006/main">
   <p:cSld>
     <p:spTree>
@@ -8440,7 +7792,7 @@
           <a:p>
             <a:fld id="{5F85BDAF-76E7-5E4A-80A9-F732B06DC713}" type="slidenum">
               <a:rPr lang="en-US" smtClean="0"/>
-              <a:t>13</a:t>
+              <a:t>12</a:t>
             </a:fld>
             <a:endParaRPr lang="en-US"/>
           </a:p>
@@ -8596,7 +7948,7 @@
 </p:sld>
 </file>
 
-<file path=ppt/slides/slide14.xml><?xml version="1.0" encoding="utf-8"?>
+<file path=ppt/slides/slide13.xml><?xml version="1.0" encoding="utf-8"?>
 <p:sld xmlns:a="http://schemas.openxmlformats.org/drawingml/2006/main" xmlns:r="http://schemas.openxmlformats.org/officeDocument/2006/relationships" xmlns:p="http://schemas.openxmlformats.org/presentationml/2006/main">
   <p:cSld>
     <p:spTree>
@@ -9015,7 +8367,7 @@
 </p:sld>
 </file>
 
-<file path=ppt/slides/slide15.xml><?xml version="1.0" encoding="utf-8"?>
+<file path=ppt/slides/slide14.xml><?xml version="1.0" encoding="utf-8"?>
 <p:sld xmlns:a="http://schemas.openxmlformats.org/drawingml/2006/main" xmlns:r="http://schemas.openxmlformats.org/officeDocument/2006/relationships" xmlns:p="http://schemas.openxmlformats.org/presentationml/2006/main">
   <p:cSld>
     <p:spTree>
@@ -9055,7 +8407,7 @@
           <a:p>
             <a:fld id="{5F85BDAF-76E7-5E4A-80A9-F732B06DC713}" type="slidenum">
               <a:rPr lang="en-US" smtClean="0"/>
-              <a:t>15</a:t>
+              <a:t>14</a:t>
             </a:fld>
             <a:endParaRPr lang="en-US"/>
           </a:p>
@@ -9211,7 +8563,7 @@
 </p:sld>
 </file>
 
-<file path=ppt/slides/slide16.xml><?xml version="1.0" encoding="utf-8"?>
+<file path=ppt/slides/slide15.xml><?xml version="1.0" encoding="utf-8"?>
 <p:sld xmlns:a="http://schemas.openxmlformats.org/drawingml/2006/main" xmlns:r="http://schemas.openxmlformats.org/officeDocument/2006/relationships" xmlns:p="http://schemas.openxmlformats.org/presentationml/2006/main">
   <p:cSld>
     <p:bg>
@@ -9259,7 +8611,7 @@
           <a:p>
             <a:fld id="{5F85BDAF-76E7-5E4A-80A9-F732B06DC713}" type="slidenum">
               <a:rPr lang="en-US" smtClean="0"/>
-              <a:t>16</a:t>
+              <a:t>15</a:t>
             </a:fld>
             <a:endParaRPr lang="en-US"/>
           </a:p>
@@ -9410,7 +8762,7 @@
 </p:sld>
 </file>
 
-<file path=ppt/slides/slide17.xml><?xml version="1.0" encoding="utf-8"?>
+<file path=ppt/slides/slide16.xml><?xml version="1.0" encoding="utf-8"?>
 <p:sld xmlns:a="http://schemas.openxmlformats.org/drawingml/2006/main" xmlns:r="http://schemas.openxmlformats.org/officeDocument/2006/relationships" xmlns:p="http://schemas.openxmlformats.org/presentationml/2006/main">
   <p:cSld>
     <p:spTree>
@@ -9450,7 +8802,7 @@
           <a:p>
             <a:fld id="{5F85BDAF-76E7-5E4A-80A9-F732B06DC713}" type="slidenum">
               <a:rPr lang="en-US" smtClean="0"/>
-              <a:t>17</a:t>
+              <a:t>16</a:t>
             </a:fld>
             <a:endParaRPr lang="en-US"/>
           </a:p>
@@ -9554,7 +8906,7 @@
 </p:sld>
 </file>
 
-<file path=ppt/slides/slide18.xml><?xml version="1.0" encoding="utf-8"?>
+<file path=ppt/slides/slide17.xml><?xml version="1.0" encoding="utf-8"?>
 <p:sld xmlns:a="http://schemas.openxmlformats.org/drawingml/2006/main" xmlns:r="http://schemas.openxmlformats.org/officeDocument/2006/relationships" xmlns:p="http://schemas.openxmlformats.org/presentationml/2006/main">
   <p:cSld>
     <p:bg>
@@ -9602,7 +8954,7 @@
           <a:p>
             <a:fld id="{5F85BDAF-76E7-5E4A-80A9-F732B06DC713}" type="slidenum">
               <a:rPr lang="en-US" smtClean="0"/>
-              <a:t>18</a:t>
+              <a:t>17</a:t>
             </a:fld>
             <a:endParaRPr lang="en-US"/>
           </a:p>
@@ -9706,7 +9058,7 @@
 </p:sld>
 </file>
 
-<file path=ppt/slides/slide19.xml><?xml version="1.0" encoding="utf-8"?>
+<file path=ppt/slides/slide18.xml><?xml version="1.0" encoding="utf-8"?>
 <p:sld xmlns:a="http://schemas.openxmlformats.org/drawingml/2006/main" xmlns:r="http://schemas.openxmlformats.org/officeDocument/2006/relationships" xmlns:p="http://schemas.openxmlformats.org/presentationml/2006/main">
   <p:cSld>
     <p:spTree>
@@ -9746,477 +9098,12 @@
           <a:p>
             <a:fld id="{5F85BDAF-76E7-5E4A-80A9-F732B06DC713}" type="slidenum">
               <a:rPr lang="en-US" smtClean="0"/>
-              <a:t>19</a:t>
+              <a:t>18</a:t>
             </a:fld>
             <a:endParaRPr lang="en-US"/>
           </a:p>
         </p:txBody>
       </p:sp>
-      <mc:AlternateContent xmlns:mc="http://schemas.openxmlformats.org/markup-compatibility/2006" xmlns:a14="http://schemas.microsoft.com/office/drawing/2010/main">
-        <mc:Choice Requires="a14">
-          <p:sp>
-            <p:nvSpPr>
-              <p:cNvPr id="5" name="TextBox 4">
-                <a:extLst>
-                  <a:ext uri="{FF2B5EF4-FFF2-40B4-BE49-F238E27FC236}">
-                    <a16:creationId xmlns:a16="http://schemas.microsoft.com/office/drawing/2014/main" id="{DC9738F6-B622-8245-A778-E4937CD4DE79}"/>
-                  </a:ext>
-                </a:extLst>
-              </p:cNvPr>
-              <p:cNvSpPr txBox="1"/>
-              <p:nvPr/>
-            </p:nvSpPr>
-            <p:spPr>
-              <a:xfrm>
-                <a:off x="1055764" y="2846913"/>
-                <a:ext cx="3869553" cy="307777"/>
-              </a:xfrm>
-              <a:prstGeom prst="rect">
-                <a:avLst/>
-              </a:prstGeom>
-              <a:noFill/>
-            </p:spPr>
-            <p:txBody>
-              <a:bodyPr wrap="square" rtlCol="0">
-                <a:spAutoFit/>
-              </a:bodyPr>
-              <a:lstStyle/>
-              <a:p>
-                <a:pPr/>
-                <a14:m>
-                  <m:oMathPara xmlns:m="http://schemas.openxmlformats.org/officeDocument/2006/math">
-                    <m:oMathParaPr>
-                      <m:jc m:val="centerGroup"/>
-                    </m:oMathParaPr>
-                    <m:oMath xmlns:m="http://schemas.openxmlformats.org/officeDocument/2006/math">
-                      <m:sSub>
-                        <m:sSubPr>
-                          <m:ctrlPr>
-                            <a:rPr lang="en-US" sz="1400" b="0" i="1" smtClean="0">
-                              <a:latin typeface="Cambria Math" panose="02040503050406030204" pitchFamily="18" charset="0"/>
-                            </a:rPr>
-                          </m:ctrlPr>
-                        </m:sSubPr>
-                        <m:e>
-                          <m:r>
-                            <a:rPr lang="en-US" sz="1400" b="0" i="1" smtClean="0">
-                              <a:latin typeface="Cambria Math" panose="02040503050406030204" pitchFamily="18" charset="0"/>
-                            </a:rPr>
-                            <m:t>𝑦</m:t>
-                          </m:r>
-                        </m:e>
-                        <m:sub>
-                          <m:r>
-                            <a:rPr lang="en-US" sz="1400" b="0" i="1" smtClean="0">
-                              <a:latin typeface="Cambria Math" panose="02040503050406030204" pitchFamily="18" charset="0"/>
-                            </a:rPr>
-                            <m:t>1</m:t>
-                          </m:r>
-                        </m:sub>
-                      </m:sSub>
-                      <m:r>
-                        <a:rPr lang="en-US" sz="1400" b="0" i="1" smtClean="0">
-                          <a:latin typeface="Cambria Math" panose="02040503050406030204" pitchFamily="18" charset="0"/>
-                        </a:rPr>
-                        <m:t>=</m:t>
-                      </m:r>
-                      <m:r>
-                        <a:rPr lang="en-US" sz="1400" b="0" i="1" smtClean="0">
-                          <a:latin typeface="Cambria Math" panose="02040503050406030204" pitchFamily="18" charset="0"/>
-                          <a:ea typeface="Cambria Math" panose="02040503050406030204" pitchFamily="18" charset="0"/>
-                        </a:rPr>
-                        <m:t>𝜑</m:t>
-                      </m:r>
-                      <m:r>
-                        <a:rPr lang="en-US" sz="1400" b="0" i="1" smtClean="0">
-                          <a:latin typeface="Cambria Math" panose="02040503050406030204" pitchFamily="18" charset="0"/>
-                        </a:rPr>
-                        <m:t> (</m:t>
-                      </m:r>
-                      <m:sSub>
-                        <m:sSubPr>
-                          <m:ctrlPr>
-                            <a:rPr lang="en-US" sz="1400" i="1">
-                              <a:latin typeface="Cambria Math" panose="02040503050406030204" pitchFamily="18" charset="0"/>
-                            </a:rPr>
-                          </m:ctrlPr>
-                        </m:sSubPr>
-                        <m:e>
-                          <m:r>
-                            <a:rPr lang="en-US" sz="1400" b="0" i="1" smtClean="0">
-                              <a:latin typeface="Cambria Math" panose="02040503050406030204" pitchFamily="18" charset="0"/>
-                            </a:rPr>
-                            <m:t>𝑥</m:t>
-                          </m:r>
-                        </m:e>
-                        <m:sub>
-                          <m:r>
-                            <a:rPr lang="en-US" sz="1400" i="1">
-                              <a:latin typeface="Cambria Math" panose="02040503050406030204" pitchFamily="18" charset="0"/>
-                            </a:rPr>
-                            <m:t>1</m:t>
-                          </m:r>
-                        </m:sub>
-                      </m:sSub>
-                      <m:r>
-                        <a:rPr lang="en-US" sz="1400" i="1" smtClean="0">
-                          <a:latin typeface="Cambria Math" panose="02040503050406030204" pitchFamily="18" charset="0"/>
-                          <a:ea typeface="Cambria Math" panose="02040503050406030204" pitchFamily="18" charset="0"/>
-                        </a:rPr>
-                        <m:t>∙</m:t>
-                      </m:r>
-                      <m:sSub>
-                        <m:sSubPr>
-                          <m:ctrlPr>
-                            <a:rPr lang="en-US" sz="1400" i="1">
-                              <a:latin typeface="Cambria Math" panose="02040503050406030204" pitchFamily="18" charset="0"/>
-                            </a:rPr>
-                          </m:ctrlPr>
-                        </m:sSubPr>
-                        <m:e>
-                          <m:r>
-                            <a:rPr lang="en-US" sz="1400" b="0" i="1" smtClean="0">
-                              <a:latin typeface="Cambria Math" panose="02040503050406030204" pitchFamily="18" charset="0"/>
-                            </a:rPr>
-                            <m:t>𝑤</m:t>
-                          </m:r>
-                        </m:e>
-                        <m:sub>
-                          <m:r>
-                            <a:rPr lang="en-US" sz="1400" i="1">
-                              <a:latin typeface="Cambria Math" panose="02040503050406030204" pitchFamily="18" charset="0"/>
-                            </a:rPr>
-                            <m:t>1</m:t>
-                          </m:r>
-                        </m:sub>
-                      </m:sSub>
-                      <m:r>
-                        <a:rPr lang="en-US" sz="1400" b="0" i="1" smtClean="0">
-                          <a:latin typeface="Cambria Math" panose="02040503050406030204" pitchFamily="18" charset="0"/>
-                        </a:rPr>
-                        <m:t>+</m:t>
-                      </m:r>
-                      <m:sSub>
-                        <m:sSubPr>
-                          <m:ctrlPr>
-                            <a:rPr lang="en-US" sz="1400" b="0" i="1" smtClean="0">
-                              <a:latin typeface="Cambria Math" panose="02040503050406030204" pitchFamily="18" charset="0"/>
-                            </a:rPr>
-                          </m:ctrlPr>
-                        </m:sSubPr>
-                        <m:e>
-                          <m:r>
-                            <a:rPr lang="en-US" sz="1400" b="0" i="1" smtClean="0">
-                              <a:latin typeface="Cambria Math" panose="02040503050406030204" pitchFamily="18" charset="0"/>
-                            </a:rPr>
-                            <m:t>𝑏</m:t>
-                          </m:r>
-                        </m:e>
-                        <m:sub>
-                          <m:r>
-                            <a:rPr lang="en-US" sz="1400" b="0" i="1" smtClean="0">
-                              <a:latin typeface="Cambria Math" panose="02040503050406030204" pitchFamily="18" charset="0"/>
-                            </a:rPr>
-                            <m:t>1</m:t>
-                          </m:r>
-                        </m:sub>
-                      </m:sSub>
-                      <m:r>
-                        <a:rPr lang="en-US" sz="1400" b="0" i="1" smtClean="0">
-                          <a:latin typeface="Cambria Math" panose="02040503050406030204" pitchFamily="18" charset="0"/>
-                        </a:rPr>
-                        <m:t>)</m:t>
-                      </m:r>
-                    </m:oMath>
-                  </m:oMathPara>
-                </a14:m>
-                <a:endParaRPr lang="en-US" sz="1400" dirty="0">
-                  <a:latin typeface="Quicksand" pitchFamily="2" charset="77"/>
-                </a:endParaRPr>
-              </a:p>
-            </p:txBody>
-          </p:sp>
-        </mc:Choice>
-        <mc:Fallback xmlns="">
-          <p:sp>
-            <p:nvSpPr>
-              <p:cNvPr id="5" name="TextBox 4">
-                <a:extLst>
-                  <a:ext uri="{FF2B5EF4-FFF2-40B4-BE49-F238E27FC236}">
-                    <a16:creationId xmlns:a16="http://schemas.microsoft.com/office/drawing/2014/main" id="{DC9738F6-B622-8245-A778-E4937CD4DE79}"/>
-                  </a:ext>
-                </a:extLst>
-              </p:cNvPr>
-              <p:cNvSpPr txBox="1">
-                <a:spLocks noRot="1" noChangeAspect="1" noMove="1" noResize="1" noEditPoints="1" noAdjustHandles="1" noChangeArrowheads="1" noChangeShapeType="1" noTextEdit="1"/>
-              </p:cNvSpPr>
-              <p:nvPr/>
-            </p:nvSpPr>
-            <p:spPr>
-              <a:xfrm>
-                <a:off x="1055764" y="2846913"/>
-                <a:ext cx="3869553" cy="307777"/>
-              </a:xfrm>
-              <a:prstGeom prst="rect">
-                <a:avLst/>
-              </a:prstGeom>
-              <a:blipFill>
-                <a:blip r:embed="rId2"/>
-                <a:stretch>
-                  <a:fillRect b="-12000"/>
-                </a:stretch>
-              </a:blipFill>
-            </p:spPr>
-            <p:txBody>
-              <a:bodyPr/>
-              <a:lstStyle/>
-              <a:p>
-                <a:r>
-                  <a:rPr lang="en-US">
-                    <a:noFill/>
-                  </a:rPr>
-                  <a:t> </a:t>
-                </a:r>
-              </a:p>
-            </p:txBody>
-          </p:sp>
-        </mc:Fallback>
-      </mc:AlternateContent>
-      <mc:AlternateContent xmlns:mc="http://schemas.openxmlformats.org/markup-compatibility/2006" xmlns:a14="http://schemas.microsoft.com/office/drawing/2010/main">
-        <mc:Choice Requires="a14">
-          <p:sp>
-            <p:nvSpPr>
-              <p:cNvPr id="7" name="TextBox 6">
-                <a:extLst>
-                  <a:ext uri="{FF2B5EF4-FFF2-40B4-BE49-F238E27FC236}">
-                    <a16:creationId xmlns:a16="http://schemas.microsoft.com/office/drawing/2014/main" id="{E0F967FC-65A9-FC49-BB98-31F636D43492}"/>
-                  </a:ext>
-                </a:extLst>
-              </p:cNvPr>
-              <p:cNvSpPr txBox="1"/>
-              <p:nvPr/>
-            </p:nvSpPr>
-            <p:spPr>
-              <a:xfrm>
-                <a:off x="1055764" y="3248007"/>
-                <a:ext cx="3869553" cy="307777"/>
-              </a:xfrm>
-              <a:prstGeom prst="rect">
-                <a:avLst/>
-              </a:prstGeom>
-              <a:noFill/>
-            </p:spPr>
-            <p:txBody>
-              <a:bodyPr wrap="square" rtlCol="0">
-                <a:spAutoFit/>
-              </a:bodyPr>
-              <a:lstStyle/>
-              <a:p>
-                <a:pPr/>
-                <a14:m>
-                  <m:oMathPara xmlns:m="http://schemas.openxmlformats.org/officeDocument/2006/math">
-                    <m:oMathParaPr>
-                      <m:jc m:val="centerGroup"/>
-                    </m:oMathParaPr>
-                    <m:oMath xmlns:m="http://schemas.openxmlformats.org/officeDocument/2006/math">
-                      <m:sSub>
-                        <m:sSubPr>
-                          <m:ctrlPr>
-                            <a:rPr lang="en-US" sz="1400" b="0" i="1" smtClean="0">
-                              <a:latin typeface="Cambria Math" panose="02040503050406030204" pitchFamily="18" charset="0"/>
-                            </a:rPr>
-                          </m:ctrlPr>
-                        </m:sSubPr>
-                        <m:e>
-                          <m:r>
-                            <a:rPr lang="en-US" sz="1400" b="0" i="1" smtClean="0">
-                              <a:latin typeface="Cambria Math" panose="02040503050406030204" pitchFamily="18" charset="0"/>
-                            </a:rPr>
-                            <m:t>𝑦</m:t>
-                          </m:r>
-                        </m:e>
-                        <m:sub>
-                          <m:r>
-                            <a:rPr lang="en-US" sz="1400" b="0" i="1" smtClean="0">
-                              <a:latin typeface="Cambria Math" panose="02040503050406030204" pitchFamily="18" charset="0"/>
-                            </a:rPr>
-                            <m:t>2</m:t>
-                          </m:r>
-                        </m:sub>
-                      </m:sSub>
-                      <m:r>
-                        <a:rPr lang="en-US" sz="1400" b="0" i="1" smtClean="0">
-                          <a:latin typeface="Cambria Math" panose="02040503050406030204" pitchFamily="18" charset="0"/>
-                        </a:rPr>
-                        <m:t>=</m:t>
-                      </m:r>
-                      <m:r>
-                        <a:rPr lang="en-US" sz="1400" b="0" i="1" smtClean="0">
-                          <a:latin typeface="Cambria Math" panose="02040503050406030204" pitchFamily="18" charset="0"/>
-                          <a:ea typeface="Cambria Math" panose="02040503050406030204" pitchFamily="18" charset="0"/>
-                        </a:rPr>
-                        <m:t>𝜑</m:t>
-                      </m:r>
-                      <m:r>
-                        <a:rPr lang="en-US" sz="1400" b="0" i="1" smtClean="0">
-                          <a:latin typeface="Cambria Math" panose="02040503050406030204" pitchFamily="18" charset="0"/>
-                        </a:rPr>
-                        <m:t> </m:t>
-                      </m:r>
-                      <m:d>
-                        <m:dPr>
-                          <m:ctrlPr>
-                            <a:rPr lang="en-US" sz="1400" b="0" i="1" smtClean="0">
-                              <a:latin typeface="Cambria Math" panose="02040503050406030204" pitchFamily="18" charset="0"/>
-                            </a:rPr>
-                          </m:ctrlPr>
-                        </m:dPr>
-                        <m:e>
-                          <m:sSub>
-                            <m:sSubPr>
-                              <m:ctrlPr>
-                                <a:rPr lang="en-US" sz="1400" i="1">
-                                  <a:latin typeface="Cambria Math" panose="02040503050406030204" pitchFamily="18" charset="0"/>
-                                </a:rPr>
-                              </m:ctrlPr>
-                            </m:sSubPr>
-                            <m:e>
-                              <m:r>
-                                <a:rPr lang="en-US" sz="1400" b="0" i="1" smtClean="0">
-                                  <a:latin typeface="Cambria Math" panose="02040503050406030204" pitchFamily="18" charset="0"/>
-                                </a:rPr>
-                                <m:t>𝑦</m:t>
-                              </m:r>
-                            </m:e>
-                            <m:sub>
-                              <m:r>
-                                <a:rPr lang="en-US" sz="1400" i="1">
-                                  <a:latin typeface="Cambria Math" panose="02040503050406030204" pitchFamily="18" charset="0"/>
-                                </a:rPr>
-                                <m:t>1</m:t>
-                              </m:r>
-                            </m:sub>
-                          </m:sSub>
-                          <m:r>
-                            <a:rPr lang="en-US" sz="1400" i="1" smtClean="0">
-                              <a:latin typeface="Cambria Math" panose="02040503050406030204" pitchFamily="18" charset="0"/>
-                              <a:ea typeface="Cambria Math" panose="02040503050406030204" pitchFamily="18" charset="0"/>
-                            </a:rPr>
-                            <m:t>∙</m:t>
-                          </m:r>
-                          <m:sSub>
-                            <m:sSubPr>
-                              <m:ctrlPr>
-                                <a:rPr lang="en-US" sz="1400" i="1">
-                                  <a:latin typeface="Cambria Math" panose="02040503050406030204" pitchFamily="18" charset="0"/>
-                                </a:rPr>
-                              </m:ctrlPr>
-                            </m:sSubPr>
-                            <m:e>
-                              <m:r>
-                                <a:rPr lang="en-US" sz="1400" b="0" i="1" smtClean="0">
-                                  <a:latin typeface="Cambria Math" panose="02040503050406030204" pitchFamily="18" charset="0"/>
-                                </a:rPr>
-                                <m:t>𝑤</m:t>
-                              </m:r>
-                            </m:e>
-                            <m:sub>
-                              <m:r>
-                                <a:rPr lang="en-US" sz="1400" b="0" i="1" smtClean="0">
-                                  <a:latin typeface="Cambria Math" panose="02040503050406030204" pitchFamily="18" charset="0"/>
-                                </a:rPr>
-                                <m:t>2</m:t>
-                              </m:r>
-                            </m:sub>
-                          </m:sSub>
-                          <m:r>
-                            <a:rPr lang="en-US" sz="1400" b="0" i="1" smtClean="0">
-                              <a:latin typeface="Cambria Math" panose="02040503050406030204" pitchFamily="18" charset="0"/>
-                            </a:rPr>
-                            <m:t>+</m:t>
-                          </m:r>
-                          <m:sSub>
-                            <m:sSubPr>
-                              <m:ctrlPr>
-                                <a:rPr lang="en-US" sz="1400" b="0" i="1" smtClean="0">
-                                  <a:latin typeface="Cambria Math" panose="02040503050406030204" pitchFamily="18" charset="0"/>
-                                </a:rPr>
-                              </m:ctrlPr>
-                            </m:sSubPr>
-                            <m:e>
-                              <m:r>
-                                <a:rPr lang="en-US" sz="1400" b="0" i="1" smtClean="0">
-                                  <a:latin typeface="Cambria Math" panose="02040503050406030204" pitchFamily="18" charset="0"/>
-                                </a:rPr>
-                                <m:t>𝑏</m:t>
-                              </m:r>
-                            </m:e>
-                            <m:sub>
-                              <m:r>
-                                <a:rPr lang="en-US" sz="1400" b="0" i="1" smtClean="0">
-                                  <a:latin typeface="Cambria Math" panose="02040503050406030204" pitchFamily="18" charset="0"/>
-                                </a:rPr>
-                                <m:t>2</m:t>
-                              </m:r>
-                            </m:sub>
-                          </m:sSub>
-                        </m:e>
-                      </m:d>
-                    </m:oMath>
-                  </m:oMathPara>
-                </a14:m>
-                <a:endParaRPr lang="en-US" sz="1400" b="0" dirty="0">
-                  <a:latin typeface="Quicksand" pitchFamily="2" charset="77"/>
-                </a:endParaRPr>
-              </a:p>
-            </p:txBody>
-          </p:sp>
-        </mc:Choice>
-        <mc:Fallback xmlns="">
-          <p:sp>
-            <p:nvSpPr>
-              <p:cNvPr id="7" name="TextBox 6">
-                <a:extLst>
-                  <a:ext uri="{FF2B5EF4-FFF2-40B4-BE49-F238E27FC236}">
-                    <a16:creationId xmlns:a16="http://schemas.microsoft.com/office/drawing/2014/main" id="{E0F967FC-65A9-FC49-BB98-31F636D43492}"/>
-                  </a:ext>
-                </a:extLst>
-              </p:cNvPr>
-              <p:cNvSpPr txBox="1">
-                <a:spLocks noRot="1" noChangeAspect="1" noMove="1" noResize="1" noEditPoints="1" noAdjustHandles="1" noChangeArrowheads="1" noChangeShapeType="1" noTextEdit="1"/>
-              </p:cNvSpPr>
-              <p:nvPr/>
-            </p:nvSpPr>
-            <p:spPr>
-              <a:xfrm>
-                <a:off x="1055764" y="3248007"/>
-                <a:ext cx="3869553" cy="307777"/>
-              </a:xfrm>
-              <a:prstGeom prst="rect">
-                <a:avLst/>
-              </a:prstGeom>
-              <a:blipFill>
-                <a:blip r:embed="rId3"/>
-                <a:stretch>
-                  <a:fillRect b="-12000"/>
-                </a:stretch>
-              </a:blipFill>
-            </p:spPr>
-            <p:txBody>
-              <a:bodyPr/>
-              <a:lstStyle/>
-              <a:p>
-                <a:r>
-                  <a:rPr lang="en-US">
-                    <a:noFill/>
-                  </a:rPr>
-                  <a:t> </a:t>
-                </a:r>
-              </a:p>
-            </p:txBody>
-          </p:sp>
-        </mc:Fallback>
-      </mc:AlternateContent>
       <p:sp>
         <p:nvSpPr>
           <p:cNvPr id="8" name="TextBox 7">
@@ -10428,7 +9315,7 @@
           <p:nvPr/>
         </p:nvPicPr>
         <p:blipFill rotWithShape="1">
-          <a:blip r:embed="rId4">
+          <a:blip r:embed="rId2">
             <a:extLst>
               <a:ext uri="{28A0092B-C50C-407E-A947-70E740481C1C}">
                 <a14:useLocalDpi xmlns:a14="http://schemas.microsoft.com/office/drawing/2010/main" val="0"/>
@@ -10500,6 +9387,719 @@
           </a:fontRef>
         </p:style>
       </p:cxnSp>
+      <mc:AlternateContent xmlns:mc="http://schemas.openxmlformats.org/markup-compatibility/2006">
+        <mc:Choice xmlns:a14="http://schemas.microsoft.com/office/drawing/2010/main" Requires="a14">
+          <p:sp>
+            <p:nvSpPr>
+              <p:cNvPr id="10" name="TextBox 9">
+                <a:extLst>
+                  <a:ext uri="{FF2B5EF4-FFF2-40B4-BE49-F238E27FC236}">
+                    <a16:creationId xmlns:a16="http://schemas.microsoft.com/office/drawing/2014/main" id="{3CBB258D-4D5D-7740-B4B4-065B295BD81D}"/>
+                  </a:ext>
+                </a:extLst>
+              </p:cNvPr>
+              <p:cNvSpPr txBox="1"/>
+              <p:nvPr/>
+            </p:nvSpPr>
+            <p:spPr>
+              <a:xfrm>
+                <a:off x="1267235" y="2775060"/>
+                <a:ext cx="3869553" cy="317203"/>
+              </a:xfrm>
+              <a:prstGeom prst="rect">
+                <a:avLst/>
+              </a:prstGeom>
+              <a:noFill/>
+            </p:spPr>
+            <p:txBody>
+              <a:bodyPr wrap="square" rtlCol="0">
+                <a:spAutoFit/>
+              </a:bodyPr>
+              <a:lstStyle/>
+              <a:p>
+                <a:pPr/>
+                <a14:m>
+                  <m:oMathPara xmlns:m="http://schemas.openxmlformats.org/officeDocument/2006/math">
+                    <m:oMathParaPr>
+                      <m:jc m:val="centerGroup"/>
+                    </m:oMathParaPr>
+                    <m:oMath xmlns:m="http://schemas.openxmlformats.org/officeDocument/2006/math">
+                      <m:sSub>
+                        <m:sSubPr>
+                          <m:ctrlPr>
+                            <a:rPr lang="en-US" sz="1400" b="0" i="1" smtClean="0">
+                              <a:latin typeface="Cambria Math" panose="02040503050406030204" pitchFamily="18" charset="0"/>
+                            </a:rPr>
+                          </m:ctrlPr>
+                        </m:sSubPr>
+                        <m:e>
+                          <m:r>
+                            <a:rPr lang="en-US" sz="1400" b="0" i="1" smtClean="0">
+                              <a:latin typeface="Cambria Math" panose="02040503050406030204" pitchFamily="18" charset="0"/>
+                            </a:rPr>
+                            <m:t>𝑦</m:t>
+                          </m:r>
+                        </m:e>
+                        <m:sub>
+                          <m:r>
+                            <a:rPr lang="en-US" sz="1400" b="0" i="1" smtClean="0">
+                              <a:latin typeface="Cambria Math" panose="02040503050406030204" pitchFamily="18" charset="0"/>
+                            </a:rPr>
+                            <m:t>1</m:t>
+                          </m:r>
+                        </m:sub>
+                      </m:sSub>
+                      <m:r>
+                        <a:rPr lang="en-US" sz="1400" b="0" i="1" smtClean="0">
+                          <a:latin typeface="Cambria Math" panose="02040503050406030204" pitchFamily="18" charset="0"/>
+                        </a:rPr>
+                        <m:t>=</m:t>
+                      </m:r>
+                      <m:r>
+                        <a:rPr lang="en-US" sz="1400" b="0" i="1" smtClean="0">
+                          <a:latin typeface="Cambria Math" panose="02040503050406030204" pitchFamily="18" charset="0"/>
+                          <a:ea typeface="Cambria Math" panose="02040503050406030204" pitchFamily="18" charset="0"/>
+                        </a:rPr>
+                        <m:t>𝜑</m:t>
+                      </m:r>
+                      <m:r>
+                        <a:rPr lang="en-US" sz="1400" b="0" i="1" smtClean="0">
+                          <a:latin typeface="Cambria Math" panose="02040503050406030204" pitchFamily="18" charset="0"/>
+                        </a:rPr>
+                        <m:t> (</m:t>
+                      </m:r>
+                      <m:sSub>
+                        <m:sSubPr>
+                          <m:ctrlPr>
+                            <a:rPr lang="en-US" sz="1400" i="1">
+                              <a:latin typeface="Cambria Math" panose="02040503050406030204" pitchFamily="18" charset="0"/>
+                            </a:rPr>
+                          </m:ctrlPr>
+                        </m:sSubPr>
+                        <m:e>
+                          <m:r>
+                            <a:rPr lang="en-US" sz="1400" b="0" i="1" smtClean="0">
+                              <a:latin typeface="Cambria Math" panose="02040503050406030204" pitchFamily="18" charset="0"/>
+                            </a:rPr>
+                            <m:t>𝑥</m:t>
+                          </m:r>
+                        </m:e>
+                        <m:sub>
+                          <m:r>
+                            <a:rPr lang="en-US" sz="1400" i="1">
+                              <a:latin typeface="Cambria Math" panose="02040503050406030204" pitchFamily="18" charset="0"/>
+                            </a:rPr>
+                            <m:t>1</m:t>
+                          </m:r>
+                        </m:sub>
+                      </m:sSub>
+                      <m:r>
+                        <a:rPr lang="en-US" sz="1400" i="1" smtClean="0">
+                          <a:latin typeface="Cambria Math" panose="02040503050406030204" pitchFamily="18" charset="0"/>
+                          <a:ea typeface="Cambria Math" panose="02040503050406030204" pitchFamily="18" charset="0"/>
+                        </a:rPr>
+                        <m:t>∙</m:t>
+                      </m:r>
+                      <m:sSub>
+                        <m:sSubPr>
+                          <m:ctrlPr>
+                            <a:rPr lang="en-US" sz="1400" i="1">
+                              <a:latin typeface="Cambria Math" panose="02040503050406030204" pitchFamily="18" charset="0"/>
+                            </a:rPr>
+                          </m:ctrlPr>
+                        </m:sSubPr>
+                        <m:e>
+                          <m:r>
+                            <a:rPr lang="en-US" sz="1400" b="0" i="1" smtClean="0">
+                              <a:latin typeface="Cambria Math" panose="02040503050406030204" pitchFamily="18" charset="0"/>
+                            </a:rPr>
+                            <m:t>𝑤</m:t>
+                          </m:r>
+                        </m:e>
+                        <m:sub>
+                          <m:r>
+                            <a:rPr lang="en-US" sz="1400" b="0" i="1" smtClean="0">
+                              <a:latin typeface="Cambria Math" panose="02040503050406030204" pitchFamily="18" charset="0"/>
+                            </a:rPr>
+                            <m:t>1,</m:t>
+                          </m:r>
+                          <m:r>
+                            <a:rPr lang="en-US" sz="1400" i="1">
+                              <a:latin typeface="Cambria Math" panose="02040503050406030204" pitchFamily="18" charset="0"/>
+                            </a:rPr>
+                            <m:t>1</m:t>
+                          </m:r>
+                        </m:sub>
+                      </m:sSub>
+                      <m:r>
+                        <a:rPr lang="en-US" sz="1400" b="0" i="1" smtClean="0">
+                          <a:latin typeface="Cambria Math" panose="02040503050406030204" pitchFamily="18" charset="0"/>
+                        </a:rPr>
+                        <m:t>+</m:t>
+                      </m:r>
+                      <m:sSub>
+                        <m:sSubPr>
+                          <m:ctrlPr>
+                            <a:rPr lang="en-US" sz="1400" i="1">
+                              <a:latin typeface="Cambria Math" panose="02040503050406030204" pitchFamily="18" charset="0"/>
+                            </a:rPr>
+                          </m:ctrlPr>
+                        </m:sSubPr>
+                        <m:e>
+                          <m:r>
+                            <a:rPr lang="en-US" sz="1400" i="1">
+                              <a:latin typeface="Cambria Math" panose="02040503050406030204" pitchFamily="18" charset="0"/>
+                            </a:rPr>
+                            <m:t>𝑥</m:t>
+                          </m:r>
+                        </m:e>
+                        <m:sub>
+                          <m:r>
+                            <a:rPr lang="en-US" sz="1400" b="0" i="1" smtClean="0">
+                              <a:latin typeface="Cambria Math" panose="02040503050406030204" pitchFamily="18" charset="0"/>
+                            </a:rPr>
+                            <m:t>2</m:t>
+                          </m:r>
+                        </m:sub>
+                      </m:sSub>
+                      <m:r>
+                        <a:rPr lang="en-US" sz="1400" i="1">
+                          <a:latin typeface="Cambria Math" panose="02040503050406030204" pitchFamily="18" charset="0"/>
+                          <a:ea typeface="Cambria Math" panose="02040503050406030204" pitchFamily="18" charset="0"/>
+                        </a:rPr>
+                        <m:t>∙</m:t>
+                      </m:r>
+                      <m:sSub>
+                        <m:sSubPr>
+                          <m:ctrlPr>
+                            <a:rPr lang="en-US" sz="1400" i="1">
+                              <a:latin typeface="Cambria Math" panose="02040503050406030204" pitchFamily="18" charset="0"/>
+                            </a:rPr>
+                          </m:ctrlPr>
+                        </m:sSubPr>
+                        <m:e>
+                          <m:r>
+                            <a:rPr lang="en-US" sz="1400" i="1">
+                              <a:latin typeface="Cambria Math" panose="02040503050406030204" pitchFamily="18" charset="0"/>
+                            </a:rPr>
+                            <m:t>𝑤</m:t>
+                          </m:r>
+                        </m:e>
+                        <m:sub>
+                          <m:r>
+                            <a:rPr lang="en-US" sz="1400" b="0" i="1" smtClean="0">
+                              <a:latin typeface="Cambria Math" panose="02040503050406030204" pitchFamily="18" charset="0"/>
+                            </a:rPr>
+                            <m:t>1,2</m:t>
+                          </m:r>
+                        </m:sub>
+                      </m:sSub>
+                      <m:r>
+                        <a:rPr lang="en-US" sz="1400" b="0" i="1" smtClean="0">
+                          <a:latin typeface="Cambria Math" panose="02040503050406030204" pitchFamily="18" charset="0"/>
+                        </a:rPr>
+                        <m:t>+…</m:t>
+                      </m:r>
+                      <m:r>
+                        <a:rPr lang="en-US" sz="1400" b="0" i="1" smtClean="0">
+                          <a:latin typeface="Cambria Math" panose="02040503050406030204" pitchFamily="18" charset="0"/>
+                        </a:rPr>
+                        <m:t>+</m:t>
+                      </m:r>
+                      <m:sSub>
+                        <m:sSubPr>
+                          <m:ctrlPr>
+                            <a:rPr lang="en-US" sz="1400" b="0" i="1" smtClean="0">
+                              <a:latin typeface="Cambria Math" panose="02040503050406030204" pitchFamily="18" charset="0"/>
+                            </a:rPr>
+                          </m:ctrlPr>
+                        </m:sSubPr>
+                        <m:e>
+                          <m:r>
+                            <a:rPr lang="en-US" sz="1400" b="0" i="1" smtClean="0">
+                              <a:latin typeface="Cambria Math" panose="02040503050406030204" pitchFamily="18" charset="0"/>
+                            </a:rPr>
+                            <m:t>𝑏</m:t>
+                          </m:r>
+                        </m:e>
+                        <m:sub>
+                          <m:r>
+                            <a:rPr lang="en-US" sz="1400" b="0" i="1" smtClean="0">
+                              <a:latin typeface="Cambria Math" panose="02040503050406030204" pitchFamily="18" charset="0"/>
+                            </a:rPr>
+                            <m:t>1</m:t>
+                          </m:r>
+                        </m:sub>
+                      </m:sSub>
+                      <m:r>
+                        <a:rPr lang="en-US" sz="1400" b="0" i="1" smtClean="0">
+                          <a:latin typeface="Cambria Math" panose="02040503050406030204" pitchFamily="18" charset="0"/>
+                        </a:rPr>
+                        <m:t>)</m:t>
+                      </m:r>
+                    </m:oMath>
+                  </m:oMathPara>
+                </a14:m>
+                <a:endParaRPr lang="en-US" sz="1400" dirty="0">
+                  <a:latin typeface="Quicksand" pitchFamily="2" charset="77"/>
+                </a:endParaRPr>
+              </a:p>
+            </p:txBody>
+          </p:sp>
+        </mc:Choice>
+        <mc:Fallback>
+          <p:sp>
+            <p:nvSpPr>
+              <p:cNvPr id="10" name="TextBox 9">
+                <a:extLst>
+                  <a:ext uri="{FF2B5EF4-FFF2-40B4-BE49-F238E27FC236}">
+                    <a16:creationId xmlns:a16="http://schemas.microsoft.com/office/drawing/2014/main" id="{3CBB258D-4D5D-7740-B4B4-065B295BD81D}"/>
+                  </a:ext>
+                </a:extLst>
+              </p:cNvPr>
+              <p:cNvSpPr txBox="1">
+                <a:spLocks noRot="1" noChangeAspect="1" noMove="1" noResize="1" noEditPoints="1" noAdjustHandles="1" noChangeArrowheads="1" noChangeShapeType="1" noTextEdit="1"/>
+              </p:cNvSpPr>
+              <p:nvPr/>
+            </p:nvSpPr>
+            <p:spPr>
+              <a:xfrm>
+                <a:off x="1267235" y="2775060"/>
+                <a:ext cx="3869553" cy="317203"/>
+              </a:xfrm>
+              <a:prstGeom prst="rect">
+                <a:avLst/>
+              </a:prstGeom>
+              <a:blipFill>
+                <a:blip r:embed="rId3"/>
+                <a:stretch>
+                  <a:fillRect b="-7692"/>
+                </a:stretch>
+              </a:blipFill>
+            </p:spPr>
+            <p:txBody>
+              <a:bodyPr/>
+              <a:lstStyle/>
+              <a:p>
+                <a:r>
+                  <a:rPr lang="en-US">
+                    <a:noFill/>
+                  </a:rPr>
+                  <a:t> </a:t>
+                </a:r>
+              </a:p>
+            </p:txBody>
+          </p:sp>
+        </mc:Fallback>
+      </mc:AlternateContent>
+      <mc:AlternateContent xmlns:mc="http://schemas.openxmlformats.org/markup-compatibility/2006">
+        <mc:Choice xmlns:a14="http://schemas.microsoft.com/office/drawing/2010/main" Requires="a14">
+          <p:sp>
+            <p:nvSpPr>
+              <p:cNvPr id="11" name="TextBox 10">
+                <a:extLst>
+                  <a:ext uri="{FF2B5EF4-FFF2-40B4-BE49-F238E27FC236}">
+                    <a16:creationId xmlns:a16="http://schemas.microsoft.com/office/drawing/2014/main" id="{9FB83DA0-DCA0-F747-A491-6811B19FA65C}"/>
+                  </a:ext>
+                </a:extLst>
+              </p:cNvPr>
+              <p:cNvSpPr txBox="1"/>
+              <p:nvPr/>
+            </p:nvSpPr>
+            <p:spPr>
+              <a:xfrm>
+                <a:off x="1267235" y="3176154"/>
+                <a:ext cx="3869553" cy="335476"/>
+              </a:xfrm>
+              <a:prstGeom prst="rect">
+                <a:avLst/>
+              </a:prstGeom>
+              <a:noFill/>
+            </p:spPr>
+            <p:txBody>
+              <a:bodyPr wrap="square" rtlCol="0">
+                <a:spAutoFit/>
+              </a:bodyPr>
+              <a:lstStyle/>
+              <a:p>
+                <a:pPr/>
+                <a14:m>
+                  <m:oMathPara xmlns:m="http://schemas.openxmlformats.org/officeDocument/2006/math">
+                    <m:oMathParaPr>
+                      <m:jc m:val="centerGroup"/>
+                    </m:oMathParaPr>
+                    <m:oMath xmlns:m="http://schemas.openxmlformats.org/officeDocument/2006/math">
+                      <m:sSub>
+                        <m:sSubPr>
+                          <m:ctrlPr>
+                            <a:rPr lang="en-US" sz="1400" b="0" i="1" smtClean="0">
+                              <a:latin typeface="Cambria Math" panose="02040503050406030204" pitchFamily="18" charset="0"/>
+                            </a:rPr>
+                          </m:ctrlPr>
+                        </m:sSubPr>
+                        <m:e>
+                          <m:r>
+                            <a:rPr lang="en-US" sz="1400" b="0" i="1" smtClean="0">
+                              <a:latin typeface="Cambria Math" panose="02040503050406030204" pitchFamily="18" charset="0"/>
+                            </a:rPr>
+                            <m:t>𝑦</m:t>
+                          </m:r>
+                        </m:e>
+                        <m:sub>
+                          <m:r>
+                            <a:rPr lang="en-US" sz="1400" b="0" i="1" smtClean="0">
+                              <a:latin typeface="Cambria Math" panose="02040503050406030204" pitchFamily="18" charset="0"/>
+                            </a:rPr>
+                            <m:t>2</m:t>
+                          </m:r>
+                        </m:sub>
+                      </m:sSub>
+                      <m:r>
+                        <a:rPr lang="en-US" sz="1400" b="0" i="1" smtClean="0">
+                          <a:latin typeface="Cambria Math" panose="02040503050406030204" pitchFamily="18" charset="0"/>
+                        </a:rPr>
+                        <m:t>=</m:t>
+                      </m:r>
+                      <m:r>
+                        <a:rPr lang="en-US" sz="1400" b="0" i="1" smtClean="0">
+                          <a:latin typeface="Cambria Math" panose="02040503050406030204" pitchFamily="18" charset="0"/>
+                          <a:ea typeface="Cambria Math" panose="02040503050406030204" pitchFamily="18" charset="0"/>
+                        </a:rPr>
+                        <m:t>𝜑</m:t>
+                      </m:r>
+                      <m:r>
+                        <a:rPr lang="en-US" sz="1400" b="0" i="1" smtClean="0">
+                          <a:latin typeface="Cambria Math" panose="02040503050406030204" pitchFamily="18" charset="0"/>
+                        </a:rPr>
+                        <m:t> </m:t>
+                      </m:r>
+                      <m:d>
+                        <m:dPr>
+                          <m:ctrlPr>
+                            <a:rPr lang="en-US" sz="1400" b="0" i="1" smtClean="0">
+                              <a:latin typeface="Cambria Math" panose="02040503050406030204" pitchFamily="18" charset="0"/>
+                            </a:rPr>
+                          </m:ctrlPr>
+                        </m:dPr>
+                        <m:e>
+                          <m:sSub>
+                            <m:sSubPr>
+                              <m:ctrlPr>
+                                <a:rPr lang="en-US" sz="1400" i="1">
+                                  <a:latin typeface="Cambria Math" panose="02040503050406030204" pitchFamily="18" charset="0"/>
+                                </a:rPr>
+                              </m:ctrlPr>
+                            </m:sSubPr>
+                            <m:e>
+                              <m:r>
+                                <a:rPr lang="en-US" sz="1400" b="0" i="1" smtClean="0">
+                                  <a:latin typeface="Cambria Math" panose="02040503050406030204" pitchFamily="18" charset="0"/>
+                                </a:rPr>
+                                <m:t>𝑥</m:t>
+                              </m:r>
+                            </m:e>
+                            <m:sub>
+                              <m:r>
+                                <a:rPr lang="en-US" sz="1400" i="1">
+                                  <a:latin typeface="Cambria Math" panose="02040503050406030204" pitchFamily="18" charset="0"/>
+                                </a:rPr>
+                                <m:t>1</m:t>
+                              </m:r>
+                            </m:sub>
+                          </m:sSub>
+                          <m:r>
+                            <a:rPr lang="en-US" sz="1400" i="1" smtClean="0">
+                              <a:latin typeface="Cambria Math" panose="02040503050406030204" pitchFamily="18" charset="0"/>
+                              <a:ea typeface="Cambria Math" panose="02040503050406030204" pitchFamily="18" charset="0"/>
+                            </a:rPr>
+                            <m:t>∙</m:t>
+                          </m:r>
+                          <m:sSub>
+                            <m:sSubPr>
+                              <m:ctrlPr>
+                                <a:rPr lang="en-US" sz="1400" i="1">
+                                  <a:latin typeface="Cambria Math" panose="02040503050406030204" pitchFamily="18" charset="0"/>
+                                </a:rPr>
+                              </m:ctrlPr>
+                            </m:sSubPr>
+                            <m:e>
+                              <m:r>
+                                <a:rPr lang="en-US" sz="1400" b="0" i="1" smtClean="0">
+                                  <a:latin typeface="Cambria Math" panose="02040503050406030204" pitchFamily="18" charset="0"/>
+                                </a:rPr>
+                                <m:t>𝑤</m:t>
+                              </m:r>
+                            </m:e>
+                            <m:sub>
+                              <m:r>
+                                <a:rPr lang="en-US" sz="1400" b="0" i="1" smtClean="0">
+                                  <a:latin typeface="Cambria Math" panose="02040503050406030204" pitchFamily="18" charset="0"/>
+                                </a:rPr>
+                                <m:t>2</m:t>
+                              </m:r>
+                              <m:r>
+                                <a:rPr lang="en-US" sz="1400" b="0" i="1" smtClean="0">
+                                  <a:latin typeface="Cambria Math" panose="02040503050406030204" pitchFamily="18" charset="0"/>
+                                </a:rPr>
+                                <m:t>,1</m:t>
+                              </m:r>
+                            </m:sub>
+                          </m:sSub>
+                          <m:r>
+                            <a:rPr lang="en-US" sz="1400" b="0" i="1" smtClean="0">
+                              <a:latin typeface="Cambria Math" panose="02040503050406030204" pitchFamily="18" charset="0"/>
+                            </a:rPr>
+                            <m:t>+</m:t>
+                          </m:r>
+                          <m:sSub>
+                            <m:sSubPr>
+                              <m:ctrlPr>
+                                <a:rPr lang="en-US" sz="1400" i="1">
+                                  <a:latin typeface="Cambria Math" panose="02040503050406030204" pitchFamily="18" charset="0"/>
+                                </a:rPr>
+                              </m:ctrlPr>
+                            </m:sSubPr>
+                            <m:e>
+                              <m:r>
+                                <a:rPr lang="en-US" sz="1400" i="1">
+                                  <a:latin typeface="Cambria Math" panose="02040503050406030204" pitchFamily="18" charset="0"/>
+                                </a:rPr>
+                                <m:t>𝑥</m:t>
+                              </m:r>
+                            </m:e>
+                            <m:sub>
+                              <m:r>
+                                <a:rPr lang="en-US" sz="1400" b="0" i="1" smtClean="0">
+                                  <a:latin typeface="Cambria Math" panose="02040503050406030204" pitchFamily="18" charset="0"/>
+                                </a:rPr>
+                                <m:t>2</m:t>
+                              </m:r>
+                            </m:sub>
+                          </m:sSub>
+                          <m:r>
+                            <a:rPr lang="en-US" sz="1400" i="1">
+                              <a:latin typeface="Cambria Math" panose="02040503050406030204" pitchFamily="18" charset="0"/>
+                              <a:ea typeface="Cambria Math" panose="02040503050406030204" pitchFamily="18" charset="0"/>
+                            </a:rPr>
+                            <m:t>∙</m:t>
+                          </m:r>
+                          <m:sSub>
+                            <m:sSubPr>
+                              <m:ctrlPr>
+                                <a:rPr lang="en-US" sz="1400" i="1">
+                                  <a:latin typeface="Cambria Math" panose="02040503050406030204" pitchFamily="18" charset="0"/>
+                                </a:rPr>
+                              </m:ctrlPr>
+                            </m:sSubPr>
+                            <m:e>
+                              <m:r>
+                                <a:rPr lang="en-US" sz="1400" i="1">
+                                  <a:latin typeface="Cambria Math" panose="02040503050406030204" pitchFamily="18" charset="0"/>
+                                </a:rPr>
+                                <m:t>𝑤</m:t>
+                              </m:r>
+                            </m:e>
+                            <m:sub>
+                              <m:r>
+                                <a:rPr lang="en-US" sz="1400" i="1">
+                                  <a:latin typeface="Cambria Math" panose="02040503050406030204" pitchFamily="18" charset="0"/>
+                                </a:rPr>
+                                <m:t>2,</m:t>
+                              </m:r>
+                              <m:r>
+                                <a:rPr lang="en-US" sz="1400" b="0" i="1" smtClean="0">
+                                  <a:latin typeface="Cambria Math" panose="02040503050406030204" pitchFamily="18" charset="0"/>
+                                </a:rPr>
+                                <m:t>2</m:t>
+                              </m:r>
+                            </m:sub>
+                          </m:sSub>
+                          <m:r>
+                            <a:rPr lang="en-US" sz="1400" b="0" i="1" smtClean="0">
+                              <a:latin typeface="Cambria Math" panose="02040503050406030204" pitchFamily="18" charset="0"/>
+                            </a:rPr>
+                            <m:t>+…+</m:t>
+                          </m:r>
+                          <m:sSub>
+                            <m:sSubPr>
+                              <m:ctrlPr>
+                                <a:rPr lang="en-US" sz="1400" b="0" i="1" smtClean="0">
+                                  <a:latin typeface="Cambria Math" panose="02040503050406030204" pitchFamily="18" charset="0"/>
+                                </a:rPr>
+                              </m:ctrlPr>
+                            </m:sSubPr>
+                            <m:e>
+                              <m:r>
+                                <a:rPr lang="en-US" sz="1400" b="0" i="1" smtClean="0">
+                                  <a:latin typeface="Cambria Math" panose="02040503050406030204" pitchFamily="18" charset="0"/>
+                                </a:rPr>
+                                <m:t>𝑏</m:t>
+                              </m:r>
+                            </m:e>
+                            <m:sub>
+                              <m:r>
+                                <a:rPr lang="en-US" sz="1400" b="0" i="1" smtClean="0">
+                                  <a:latin typeface="Cambria Math" panose="02040503050406030204" pitchFamily="18" charset="0"/>
+                                </a:rPr>
+                                <m:t>2</m:t>
+                              </m:r>
+                            </m:sub>
+                          </m:sSub>
+                        </m:e>
+                      </m:d>
+                    </m:oMath>
+                  </m:oMathPara>
+                </a14:m>
+                <a:endParaRPr lang="en-US" sz="1400" b="0" dirty="0">
+                  <a:latin typeface="Quicksand" pitchFamily="2" charset="77"/>
+                </a:endParaRPr>
+              </a:p>
+            </p:txBody>
+          </p:sp>
+        </mc:Choice>
+        <mc:Fallback>
+          <p:sp>
+            <p:nvSpPr>
+              <p:cNvPr id="11" name="TextBox 10">
+                <a:extLst>
+                  <a:ext uri="{FF2B5EF4-FFF2-40B4-BE49-F238E27FC236}">
+                    <a16:creationId xmlns:a16="http://schemas.microsoft.com/office/drawing/2014/main" id="{9FB83DA0-DCA0-F747-A491-6811B19FA65C}"/>
+                  </a:ext>
+                </a:extLst>
+              </p:cNvPr>
+              <p:cNvSpPr txBox="1">
+                <a:spLocks noRot="1" noChangeAspect="1" noMove="1" noResize="1" noEditPoints="1" noAdjustHandles="1" noChangeArrowheads="1" noChangeShapeType="1" noTextEdit="1"/>
+              </p:cNvSpPr>
+              <p:nvPr/>
+            </p:nvSpPr>
+            <p:spPr>
+              <a:xfrm>
+                <a:off x="1267235" y="3176154"/>
+                <a:ext cx="3869553" cy="335476"/>
+              </a:xfrm>
+              <a:prstGeom prst="rect">
+                <a:avLst/>
+              </a:prstGeom>
+              <a:blipFill>
+                <a:blip r:embed="rId4"/>
+                <a:stretch>
+                  <a:fillRect b="-7407"/>
+                </a:stretch>
+              </a:blipFill>
+            </p:spPr>
+            <p:txBody>
+              <a:bodyPr/>
+              <a:lstStyle/>
+              <a:p>
+                <a:r>
+                  <a:rPr lang="en-US">
+                    <a:noFill/>
+                  </a:rPr>
+                  <a:t> </a:t>
+                </a:r>
+              </a:p>
+            </p:txBody>
+          </p:sp>
+        </mc:Fallback>
+      </mc:AlternateContent>
+      <mc:AlternateContent xmlns:mc="http://schemas.openxmlformats.org/markup-compatibility/2006">
+        <mc:Choice xmlns:a14="http://schemas.microsoft.com/office/drawing/2010/main" Requires="a14">
+          <p:sp>
+            <p:nvSpPr>
+              <p:cNvPr id="14" name="TextBox 13">
+                <a:extLst>
+                  <a:ext uri="{FF2B5EF4-FFF2-40B4-BE49-F238E27FC236}">
+                    <a16:creationId xmlns:a16="http://schemas.microsoft.com/office/drawing/2014/main" id="{D100C5BF-05B9-3943-A94E-9B80624B690A}"/>
+                  </a:ext>
+                </a:extLst>
+              </p:cNvPr>
+              <p:cNvSpPr txBox="1"/>
+              <p:nvPr/>
+            </p:nvSpPr>
+            <p:spPr>
+              <a:xfrm>
+                <a:off x="1267235" y="3568477"/>
+                <a:ext cx="3869553" cy="307777"/>
+              </a:xfrm>
+              <a:prstGeom prst="rect">
+                <a:avLst/>
+              </a:prstGeom>
+              <a:noFill/>
+            </p:spPr>
+            <p:txBody>
+              <a:bodyPr wrap="square" rtlCol="0">
+                <a:spAutoFit/>
+              </a:bodyPr>
+              <a:lstStyle/>
+              <a:p>
+                <a:pPr/>
+                <a14:m>
+                  <m:oMathPara xmlns:m="http://schemas.openxmlformats.org/officeDocument/2006/math">
+                    <m:oMathParaPr>
+                      <m:jc m:val="centerGroup"/>
+                    </m:oMathParaPr>
+                    <m:oMath xmlns:m="http://schemas.openxmlformats.org/officeDocument/2006/math">
+                      <m:r>
+                        <a:rPr lang="en-US" sz="1400" b="0" i="1" smtClean="0">
+                          <a:latin typeface="Cambria Math" panose="02040503050406030204" pitchFamily="18" charset="0"/>
+                        </a:rPr>
+                        <m:t>…</m:t>
+                      </m:r>
+                    </m:oMath>
+                  </m:oMathPara>
+                </a14:m>
+                <a:endParaRPr lang="en-US" sz="1400" b="0" dirty="0">
+                  <a:latin typeface="Quicksand" pitchFamily="2" charset="77"/>
+                </a:endParaRPr>
+              </a:p>
+            </p:txBody>
+          </p:sp>
+        </mc:Choice>
+        <mc:Fallback>
+          <p:sp>
+            <p:nvSpPr>
+              <p:cNvPr id="14" name="TextBox 13">
+                <a:extLst>
+                  <a:ext uri="{FF2B5EF4-FFF2-40B4-BE49-F238E27FC236}">
+                    <a16:creationId xmlns:a16="http://schemas.microsoft.com/office/drawing/2014/main" id="{D100C5BF-05B9-3943-A94E-9B80624B690A}"/>
+                  </a:ext>
+                </a:extLst>
+              </p:cNvPr>
+              <p:cNvSpPr txBox="1">
+                <a:spLocks noRot="1" noChangeAspect="1" noMove="1" noResize="1" noEditPoints="1" noAdjustHandles="1" noChangeArrowheads="1" noChangeShapeType="1" noTextEdit="1"/>
+              </p:cNvSpPr>
+              <p:nvPr/>
+            </p:nvSpPr>
+            <p:spPr>
+              <a:xfrm>
+                <a:off x="1267235" y="3568477"/>
+                <a:ext cx="3869553" cy="307777"/>
+              </a:xfrm>
+              <a:prstGeom prst="rect">
+                <a:avLst/>
+              </a:prstGeom>
+              <a:blipFill>
+                <a:blip r:embed="rId5"/>
+                <a:stretch>
+                  <a:fillRect/>
+                </a:stretch>
+              </a:blipFill>
+            </p:spPr>
+            <p:txBody>
+              <a:bodyPr/>
+              <a:lstStyle/>
+              <a:p>
+                <a:r>
+                  <a:rPr lang="en-US">
+                    <a:noFill/>
+                  </a:rPr>
+                  <a:t> </a:t>
+                </a:r>
+              </a:p>
+            </p:txBody>
+          </p:sp>
+        </mc:Fallback>
+      </mc:AlternateContent>
     </p:spTree>
     <p:extLst>
       <p:ext uri="{BB962C8B-B14F-4D97-AF65-F5344CB8AC3E}">
@@ -10513,286 +10113,7 @@
 </p:sld>
 </file>
 
-<file path=ppt/slides/slide2.xml><?xml version="1.0" encoding="utf-8"?>
-<p:sld xmlns:a="http://schemas.openxmlformats.org/drawingml/2006/main" xmlns:r="http://schemas.openxmlformats.org/officeDocument/2006/relationships" xmlns:p="http://schemas.openxmlformats.org/presentationml/2006/main">
-  <p:cSld>
-    <p:spTree>
-      <p:nvGrpSpPr>
-        <p:cNvPr id="1" name=""/>
-        <p:cNvGrpSpPr/>
-        <p:nvPr/>
-      </p:nvGrpSpPr>
-      <p:grpSpPr>
-        <a:xfrm>
-          <a:off x="0" y="0"/>
-          <a:ext cx="0" cy="0"/>
-          <a:chOff x="0" y="0"/>
-          <a:chExt cx="0" cy="0"/>
-        </a:xfrm>
-      </p:grpSpPr>
-      <p:sp>
-        <p:nvSpPr>
-          <p:cNvPr id="4" name="TextBox 3">
-            <a:extLst>
-              <a:ext uri="{FF2B5EF4-FFF2-40B4-BE49-F238E27FC236}">
-                <a16:creationId xmlns:a16="http://schemas.microsoft.com/office/drawing/2014/main" id="{2E4ACB90-5B23-AE45-9404-FED4FB5128EF}"/>
-              </a:ext>
-            </a:extLst>
-          </p:cNvPr>
-          <p:cNvSpPr txBox="1"/>
-          <p:nvPr/>
-        </p:nvSpPr>
-        <p:spPr>
-          <a:xfrm>
-            <a:off x="2865521" y="586938"/>
-            <a:ext cx="6460957" cy="923330"/>
-          </a:xfrm>
-          <a:prstGeom prst="rect">
-            <a:avLst/>
-          </a:prstGeom>
-          <a:noFill/>
-        </p:spPr>
-        <p:txBody>
-          <a:bodyPr wrap="square" rtlCol="0">
-            <a:spAutoFit/>
-          </a:bodyPr>
-          <a:lstStyle/>
-          <a:p>
-            <a:pPr algn="ctr"/>
-            <a:r>
-              <a:rPr lang="en-US" sz="5400" dirty="0">
-                <a:latin typeface="Economica" panose="02000506040000020004" pitchFamily="2" charset="77"/>
-              </a:rPr>
-              <a:t>Today’s Agenda</a:t>
-            </a:r>
-          </a:p>
-        </p:txBody>
-      </p:sp>
-      <p:sp>
-        <p:nvSpPr>
-          <p:cNvPr id="5" name="TextBox 4">
-            <a:extLst>
-              <a:ext uri="{FF2B5EF4-FFF2-40B4-BE49-F238E27FC236}">
-                <a16:creationId xmlns:a16="http://schemas.microsoft.com/office/drawing/2014/main" id="{21B2E298-9F21-FF4E-96E1-1B758B6D7AC7}"/>
-              </a:ext>
-            </a:extLst>
-          </p:cNvPr>
-          <p:cNvSpPr txBox="1"/>
-          <p:nvPr/>
-        </p:nvSpPr>
-        <p:spPr>
-          <a:xfrm>
-            <a:off x="890337" y="1940249"/>
-            <a:ext cx="10016362" cy="4062651"/>
-          </a:xfrm>
-          <a:prstGeom prst="rect">
-            <a:avLst/>
-          </a:prstGeom>
-          <a:noFill/>
-        </p:spPr>
-        <p:txBody>
-          <a:bodyPr wrap="square" rtlCol="0">
-            <a:spAutoFit/>
-          </a:bodyPr>
-          <a:lstStyle/>
-          <a:p>
-            <a:r>
-              <a:rPr lang="en-US" sz="2000" b="1" dirty="0">
-                <a:latin typeface="Quicksand" pitchFamily="2" charset="77"/>
-              </a:rPr>
-              <a:t>1. First Neural Net </a:t>
-            </a:r>
-          </a:p>
-          <a:p>
-            <a:pPr marL="171450" indent="-171450">
-              <a:buFont typeface="Arial" panose="020B0604020202020204" pitchFamily="34" charset="0"/>
-              <a:buChar char="•"/>
-            </a:pPr>
-            <a:endParaRPr lang="en-US" sz="1400" dirty="0">
-              <a:latin typeface="Quicksand" pitchFamily="2" charset="77"/>
-            </a:endParaRPr>
-          </a:p>
-          <a:p>
-            <a:pPr marL="628650" lvl="1" indent="-171450">
-              <a:buFont typeface="Arial" panose="020B0604020202020204" pitchFamily="34" charset="0"/>
-              <a:buChar char="•"/>
-            </a:pPr>
-            <a:r>
-              <a:rPr lang="en-US" dirty="0">
-                <a:latin typeface="Quicksand" pitchFamily="2" charset="77"/>
-              </a:rPr>
-              <a:t>An ANN for the USPS (predicting digits from 28x28 pixel images).</a:t>
-            </a:r>
-          </a:p>
-          <a:p>
-            <a:pPr marL="171450" indent="-171450">
-              <a:buFont typeface="Arial" panose="020B0604020202020204" pitchFamily="34" charset="0"/>
-              <a:buChar char="•"/>
-            </a:pPr>
-            <a:endParaRPr lang="en-US" sz="1400" dirty="0">
-              <a:latin typeface="Quicksand" pitchFamily="2" charset="77"/>
-            </a:endParaRPr>
-          </a:p>
-          <a:p>
-            <a:r>
-              <a:rPr lang="en-US" sz="2000" b="1" dirty="0">
-                <a:latin typeface="Quicksand" pitchFamily="2" charset="77"/>
-              </a:rPr>
-              <a:t>2. Building Blocks of NNs</a:t>
-            </a:r>
-          </a:p>
-          <a:p>
-            <a:pPr marL="171450" indent="-171450">
-              <a:buFont typeface="Arial" panose="020B0604020202020204" pitchFamily="34" charset="0"/>
-              <a:buChar char="•"/>
-            </a:pPr>
-            <a:endParaRPr lang="en-US" sz="1400" dirty="0">
-              <a:latin typeface="Quicksand" pitchFamily="2" charset="77"/>
-            </a:endParaRPr>
-          </a:p>
-          <a:p>
-            <a:pPr marL="628650" lvl="1" indent="-171450">
-              <a:buFont typeface="Arial" panose="020B0604020202020204" pitchFamily="34" charset="0"/>
-              <a:buChar char="•"/>
-            </a:pPr>
-            <a:r>
-              <a:rPr lang="en-US" dirty="0">
-                <a:latin typeface="Quicksand" pitchFamily="2" charset="77"/>
-              </a:rPr>
-              <a:t>Tensors (and relevant mathematical operations)</a:t>
-            </a:r>
-          </a:p>
-          <a:p>
-            <a:pPr marL="628650" lvl="1" indent="-171450">
-              <a:buFont typeface="Arial" panose="020B0604020202020204" pitchFamily="34" charset="0"/>
-              <a:buChar char="•"/>
-            </a:pPr>
-            <a:r>
-              <a:rPr lang="en-US" dirty="0">
-                <a:latin typeface="Quicksand" pitchFamily="2" charset="77"/>
-              </a:rPr>
-              <a:t>Activation and Loss Functions</a:t>
-            </a:r>
-          </a:p>
-          <a:p>
-            <a:pPr marL="628650" lvl="1" indent="-171450">
-              <a:buFont typeface="Arial" panose="020B0604020202020204" pitchFamily="34" charset="0"/>
-              <a:buChar char="•"/>
-            </a:pPr>
-            <a:r>
-              <a:rPr lang="en-US" dirty="0">
-                <a:latin typeface="Quicksand" pitchFamily="2" charset="77"/>
-              </a:rPr>
-              <a:t>Backpropagation: Derivatives, Gradients &amp; the Chain Rule (with examples)</a:t>
-            </a:r>
-          </a:p>
-          <a:p>
-            <a:endParaRPr lang="en-US" sz="2000" b="1" dirty="0">
-              <a:latin typeface="Quicksand" pitchFamily="2" charset="77"/>
-            </a:endParaRPr>
-          </a:p>
-          <a:p>
-            <a:r>
-              <a:rPr lang="en-US" sz="2000" b="1" dirty="0">
-                <a:latin typeface="Quicksand" pitchFamily="2" charset="77"/>
-              </a:rPr>
-              <a:t>3. Building a Linear Classifier</a:t>
-            </a:r>
-          </a:p>
-          <a:p>
-            <a:pPr marL="171450" indent="-171450">
-              <a:buFont typeface="Arial" panose="020B0604020202020204" pitchFamily="34" charset="0"/>
-              <a:buChar char="•"/>
-            </a:pPr>
-            <a:endParaRPr lang="en-US" sz="1400" dirty="0">
-              <a:latin typeface="Quicksand" pitchFamily="2" charset="77"/>
-            </a:endParaRPr>
-          </a:p>
-          <a:p>
-            <a:pPr marL="628650" lvl="1" indent="-171450">
-              <a:buFont typeface="Arial" panose="020B0604020202020204" pitchFamily="34" charset="0"/>
-              <a:buChar char="•"/>
-            </a:pPr>
-            <a:r>
-              <a:rPr lang="en-US" dirty="0">
-                <a:latin typeface="Quicksand" pitchFamily="2" charset="77"/>
-              </a:rPr>
-              <a:t>Overview of </a:t>
-            </a:r>
-            <a:r>
-              <a:rPr lang="en-US" dirty="0" err="1">
-                <a:latin typeface="Quicksand" pitchFamily="2" charset="77"/>
-              </a:rPr>
-              <a:t>Keras</a:t>
-            </a:r>
-            <a:r>
-              <a:rPr lang="en-US" dirty="0">
-                <a:latin typeface="Quicksand" pitchFamily="2" charset="77"/>
-              </a:rPr>
-              <a:t> and </a:t>
-            </a:r>
-            <a:r>
-              <a:rPr lang="en-US" dirty="0" err="1">
-                <a:latin typeface="Quicksand" pitchFamily="2" charset="77"/>
-              </a:rPr>
-              <a:t>Tensorflow</a:t>
-            </a:r>
-            <a:r>
-              <a:rPr lang="en-US" dirty="0">
-                <a:latin typeface="Quicksand" pitchFamily="2" charset="77"/>
-              </a:rPr>
-              <a:t>.</a:t>
-            </a:r>
-          </a:p>
-          <a:p>
-            <a:pPr marL="628650" lvl="1" indent="-171450">
-              <a:buFont typeface="Arial" panose="020B0604020202020204" pitchFamily="34" charset="0"/>
-              <a:buChar char="•"/>
-            </a:pPr>
-            <a:r>
-              <a:rPr lang="en-US" dirty="0">
-                <a:latin typeface="Quicksand" pitchFamily="2" charset="77"/>
-              </a:rPr>
-              <a:t>Implementing a linear classifier in </a:t>
-            </a:r>
-            <a:r>
-              <a:rPr lang="en-US" dirty="0" err="1">
-                <a:latin typeface="Quicksand" pitchFamily="2" charset="77"/>
-              </a:rPr>
-              <a:t>Keras</a:t>
-            </a:r>
-            <a:r>
-              <a:rPr lang="en-US" dirty="0">
-                <a:latin typeface="Quicksand" pitchFamily="2" charset="77"/>
-              </a:rPr>
-              <a:t> (now that we know the components).</a:t>
-            </a:r>
-          </a:p>
-          <a:p>
-            <a:pPr marL="171450" indent="-171450">
-              <a:buFont typeface="Arial" panose="020B0604020202020204" pitchFamily="34" charset="0"/>
-              <a:buChar char="•"/>
-            </a:pPr>
-            <a:endParaRPr lang="en-US" sz="1400" dirty="0">
-              <a:latin typeface="Quicksand" pitchFamily="2" charset="77"/>
-            </a:endParaRPr>
-          </a:p>
-        </p:txBody>
-      </p:sp>
-    </p:spTree>
-    <p:extLst>
-      <p:ext uri="{BB962C8B-B14F-4D97-AF65-F5344CB8AC3E}">
-        <p14:creationId xmlns:p14="http://schemas.microsoft.com/office/powerpoint/2010/main" val="2398758055"/>
-      </p:ext>
-    </p:extLst>
-  </p:cSld>
-  <p:clrMapOvr>
-    <a:masterClrMapping/>
-  </p:clrMapOvr>
-</p:sld>
-</file>
-
-<file path=ppt/slides/slide20.xml><?xml version="1.0" encoding="utf-8"?>
+<file path=ppt/slides/slide19.xml><?xml version="1.0" encoding="utf-8"?>
 <p:sld xmlns:a="http://schemas.openxmlformats.org/drawingml/2006/main" xmlns:r="http://schemas.openxmlformats.org/officeDocument/2006/relationships" xmlns:p="http://schemas.openxmlformats.org/presentationml/2006/main">
   <p:cSld>
     <p:bg>
@@ -10840,7 +10161,7 @@
           <a:p>
             <a:fld id="{5F85BDAF-76E7-5E4A-80A9-F732B06DC713}" type="slidenum">
               <a:rPr lang="en-US" smtClean="0"/>
-              <a:t>20</a:t>
+              <a:t>19</a:t>
             </a:fld>
             <a:endParaRPr lang="en-US"/>
           </a:p>
@@ -11964,7 +11285,248 @@
 </p:sld>
 </file>
 
-<file path=ppt/slides/slide21.xml><?xml version="1.0" encoding="utf-8"?>
+<file path=ppt/slides/slide2.xml><?xml version="1.0" encoding="utf-8"?>
+<p:sld xmlns:a="http://schemas.openxmlformats.org/drawingml/2006/main" xmlns:r="http://schemas.openxmlformats.org/officeDocument/2006/relationships" xmlns:p="http://schemas.openxmlformats.org/presentationml/2006/main">
+  <p:cSld>
+    <p:spTree>
+      <p:nvGrpSpPr>
+        <p:cNvPr id="1" name=""/>
+        <p:cNvGrpSpPr/>
+        <p:nvPr/>
+      </p:nvGrpSpPr>
+      <p:grpSpPr>
+        <a:xfrm>
+          <a:off x="0" y="0"/>
+          <a:ext cx="0" cy="0"/>
+          <a:chOff x="0" y="0"/>
+          <a:chExt cx="0" cy="0"/>
+        </a:xfrm>
+      </p:grpSpPr>
+      <p:sp>
+        <p:nvSpPr>
+          <p:cNvPr id="4" name="TextBox 3">
+            <a:extLst>
+              <a:ext uri="{FF2B5EF4-FFF2-40B4-BE49-F238E27FC236}">
+                <a16:creationId xmlns:a16="http://schemas.microsoft.com/office/drawing/2014/main" id="{2E4ACB90-5B23-AE45-9404-FED4FB5128EF}"/>
+              </a:ext>
+            </a:extLst>
+          </p:cNvPr>
+          <p:cNvSpPr txBox="1"/>
+          <p:nvPr/>
+        </p:nvSpPr>
+        <p:spPr>
+          <a:xfrm>
+            <a:off x="2865521" y="586938"/>
+            <a:ext cx="6460957" cy="923330"/>
+          </a:xfrm>
+          <a:prstGeom prst="rect">
+            <a:avLst/>
+          </a:prstGeom>
+          <a:noFill/>
+        </p:spPr>
+        <p:txBody>
+          <a:bodyPr wrap="square" rtlCol="0">
+            <a:spAutoFit/>
+          </a:bodyPr>
+          <a:lstStyle/>
+          <a:p>
+            <a:pPr algn="ctr"/>
+            <a:r>
+              <a:rPr lang="en-US" sz="5400" dirty="0">
+                <a:latin typeface="Economica" panose="02000506040000020004" pitchFamily="2" charset="77"/>
+              </a:rPr>
+              <a:t>Today’s Agenda</a:t>
+            </a:r>
+          </a:p>
+        </p:txBody>
+      </p:sp>
+      <p:sp>
+        <p:nvSpPr>
+          <p:cNvPr id="5" name="TextBox 4">
+            <a:extLst>
+              <a:ext uri="{FF2B5EF4-FFF2-40B4-BE49-F238E27FC236}">
+                <a16:creationId xmlns:a16="http://schemas.microsoft.com/office/drawing/2014/main" id="{21B2E298-9F21-FF4E-96E1-1B758B6D7AC7}"/>
+              </a:ext>
+            </a:extLst>
+          </p:cNvPr>
+          <p:cNvSpPr txBox="1"/>
+          <p:nvPr/>
+        </p:nvSpPr>
+        <p:spPr>
+          <a:xfrm>
+            <a:off x="890337" y="1940249"/>
+            <a:ext cx="10016362" cy="3046988"/>
+          </a:xfrm>
+          <a:prstGeom prst="rect">
+            <a:avLst/>
+          </a:prstGeom>
+          <a:noFill/>
+        </p:spPr>
+        <p:txBody>
+          <a:bodyPr wrap="square" rtlCol="0">
+            <a:spAutoFit/>
+          </a:bodyPr>
+          <a:lstStyle/>
+          <a:p>
+            <a:r>
+              <a:rPr lang="en-US" sz="2000" b="1" dirty="0">
+                <a:latin typeface="Quicksand" pitchFamily="2" charset="77"/>
+              </a:rPr>
+              <a:t>1. Building Blocks of NNs</a:t>
+            </a:r>
+          </a:p>
+          <a:p>
+            <a:pPr marL="171450" indent="-171450">
+              <a:buFont typeface="Arial" panose="020B0604020202020204" pitchFamily="34" charset="0"/>
+              <a:buChar char="•"/>
+            </a:pPr>
+            <a:endParaRPr lang="en-US" sz="1400" dirty="0">
+              <a:latin typeface="Quicksand" pitchFamily="2" charset="77"/>
+            </a:endParaRPr>
+          </a:p>
+          <a:p>
+            <a:pPr marL="628650" lvl="1" indent="-171450">
+              <a:buFont typeface="Arial" panose="020B0604020202020204" pitchFamily="34" charset="0"/>
+              <a:buChar char="•"/>
+            </a:pPr>
+            <a:r>
+              <a:rPr lang="en-US" dirty="0">
+                <a:latin typeface="Quicksand" pitchFamily="2" charset="77"/>
+              </a:rPr>
+              <a:t>Tensors (and relevant mathematical operations)</a:t>
+            </a:r>
+          </a:p>
+          <a:p>
+            <a:pPr marL="628650" lvl="1" indent="-171450">
+              <a:buFont typeface="Arial" panose="020B0604020202020204" pitchFamily="34" charset="0"/>
+              <a:buChar char="•"/>
+            </a:pPr>
+            <a:r>
+              <a:rPr lang="en-US" dirty="0">
+                <a:latin typeface="Quicksand" pitchFamily="2" charset="77"/>
+              </a:rPr>
+              <a:t>Activation and Loss Functions</a:t>
+            </a:r>
+          </a:p>
+          <a:p>
+            <a:pPr marL="628650" lvl="1" indent="-171450">
+              <a:buFont typeface="Arial" panose="020B0604020202020204" pitchFamily="34" charset="0"/>
+              <a:buChar char="•"/>
+            </a:pPr>
+            <a:r>
+              <a:rPr lang="en-US" dirty="0">
+                <a:latin typeface="Quicksand" pitchFamily="2" charset="77"/>
+              </a:rPr>
+              <a:t>Backpropagation: Derivatives, Gradients &amp; the Chain Rule (with examples)</a:t>
+            </a:r>
+          </a:p>
+          <a:p>
+            <a:endParaRPr lang="en-US" sz="2000" b="1" dirty="0">
+              <a:latin typeface="Quicksand" pitchFamily="2" charset="77"/>
+            </a:endParaRPr>
+          </a:p>
+          <a:p>
+            <a:r>
+              <a:rPr lang="en-US" sz="2000" b="1" dirty="0">
+                <a:latin typeface="Quicksand" pitchFamily="2" charset="77"/>
+              </a:rPr>
+              <a:t>2. Building a Linear Classifier</a:t>
+            </a:r>
+          </a:p>
+          <a:p>
+            <a:pPr marL="171450" indent="-171450">
+              <a:buFont typeface="Arial" panose="020B0604020202020204" pitchFamily="34" charset="0"/>
+              <a:buChar char="•"/>
+            </a:pPr>
+            <a:endParaRPr lang="en-US" sz="1400" dirty="0">
+              <a:latin typeface="Quicksand" pitchFamily="2" charset="77"/>
+            </a:endParaRPr>
+          </a:p>
+          <a:p>
+            <a:pPr marL="628650" lvl="1" indent="-171450">
+              <a:buFont typeface="Arial" panose="020B0604020202020204" pitchFamily="34" charset="0"/>
+              <a:buChar char="•"/>
+            </a:pPr>
+            <a:r>
+              <a:rPr lang="en-US" dirty="0">
+                <a:latin typeface="Quicksand" pitchFamily="2" charset="77"/>
+              </a:rPr>
+              <a:t>Overview of </a:t>
+            </a:r>
+            <a:r>
+              <a:rPr lang="en-US" dirty="0" err="1">
+                <a:latin typeface="Quicksand" pitchFamily="2" charset="77"/>
+              </a:rPr>
+              <a:t>Keras</a:t>
+            </a:r>
+            <a:r>
+              <a:rPr lang="en-US" dirty="0">
+                <a:latin typeface="Quicksand" pitchFamily="2" charset="77"/>
+              </a:rPr>
+              <a:t> and </a:t>
+            </a:r>
+            <a:r>
+              <a:rPr lang="en-US" dirty="0" err="1">
+                <a:latin typeface="Quicksand" pitchFamily="2" charset="77"/>
+              </a:rPr>
+              <a:t>Tensorflow</a:t>
+            </a:r>
+            <a:r>
+              <a:rPr lang="en-US" dirty="0">
+                <a:latin typeface="Quicksand" pitchFamily="2" charset="77"/>
+              </a:rPr>
+              <a:t>.</a:t>
+            </a:r>
+          </a:p>
+          <a:p>
+            <a:pPr marL="628650" lvl="1" indent="-171450">
+              <a:buFont typeface="Arial" panose="020B0604020202020204" pitchFamily="34" charset="0"/>
+              <a:buChar char="•"/>
+            </a:pPr>
+            <a:r>
+              <a:rPr lang="en-US" dirty="0">
+                <a:latin typeface="Quicksand" pitchFamily="2" charset="77"/>
+              </a:rPr>
+              <a:t>Implementing a linear classifier in </a:t>
+            </a:r>
+            <a:r>
+              <a:rPr lang="en-US" dirty="0" err="1">
+                <a:latin typeface="Quicksand" pitchFamily="2" charset="77"/>
+              </a:rPr>
+              <a:t>Keras</a:t>
+            </a:r>
+            <a:r>
+              <a:rPr lang="en-US" dirty="0">
+                <a:latin typeface="Quicksand" pitchFamily="2" charset="77"/>
+              </a:rPr>
+              <a:t> (now that we know the components).</a:t>
+            </a:r>
+          </a:p>
+          <a:p>
+            <a:pPr marL="171450" indent="-171450">
+              <a:buFont typeface="Arial" panose="020B0604020202020204" pitchFamily="34" charset="0"/>
+              <a:buChar char="•"/>
+            </a:pPr>
+            <a:endParaRPr lang="en-US" sz="1400" dirty="0">
+              <a:latin typeface="Quicksand" pitchFamily="2" charset="77"/>
+            </a:endParaRPr>
+          </a:p>
+        </p:txBody>
+      </p:sp>
+    </p:spTree>
+    <p:extLst>
+      <p:ext uri="{BB962C8B-B14F-4D97-AF65-F5344CB8AC3E}">
+        <p14:creationId xmlns:p14="http://schemas.microsoft.com/office/powerpoint/2010/main" val="2398758055"/>
+      </p:ext>
+    </p:extLst>
+  </p:cSld>
+  <p:clrMapOvr>
+    <a:masterClrMapping/>
+  </p:clrMapOvr>
+</p:sld>
+</file>
+
+<file path=ppt/slides/slide20.xml><?xml version="1.0" encoding="utf-8"?>
 <p:sld xmlns:a="http://schemas.openxmlformats.org/drawingml/2006/main" xmlns:r="http://schemas.openxmlformats.org/officeDocument/2006/relationships" xmlns:p="http://schemas.openxmlformats.org/presentationml/2006/main">
   <p:cSld>
     <p:bg>
@@ -12012,7 +11574,7 @@
           <a:p>
             <a:fld id="{5F85BDAF-76E7-5E4A-80A9-F732B06DC713}" type="slidenum">
               <a:rPr lang="en-US" smtClean="0"/>
-              <a:t>21</a:t>
+              <a:t>20</a:t>
             </a:fld>
             <a:endParaRPr lang="en-US"/>
           </a:p>
@@ -13325,7 +12887,7 @@
 </p:sld>
 </file>
 
-<file path=ppt/slides/slide22.xml><?xml version="1.0" encoding="utf-8"?>
+<file path=ppt/slides/slide21.xml><?xml version="1.0" encoding="utf-8"?>
 <p:sld xmlns:a="http://schemas.openxmlformats.org/drawingml/2006/main" xmlns:r="http://schemas.openxmlformats.org/officeDocument/2006/relationships" xmlns:p="http://schemas.openxmlformats.org/presentationml/2006/main">
   <p:cSld>
     <p:bg>
@@ -13373,7 +12935,7 @@
           <a:p>
             <a:fld id="{5F85BDAF-76E7-5E4A-80A9-F732B06DC713}" type="slidenum">
               <a:rPr lang="en-US" smtClean="0"/>
-              <a:t>22</a:t>
+              <a:t>21</a:t>
             </a:fld>
             <a:endParaRPr lang="en-US"/>
           </a:p>
@@ -15051,7 +14613,7 @@
 </p:sld>
 </file>
 
-<file path=ppt/slides/slide23.xml><?xml version="1.0" encoding="utf-8"?>
+<file path=ppt/slides/slide22.xml><?xml version="1.0" encoding="utf-8"?>
 <p:sld xmlns:a="http://schemas.openxmlformats.org/drawingml/2006/main" xmlns:r="http://schemas.openxmlformats.org/officeDocument/2006/relationships" xmlns:p="http://schemas.openxmlformats.org/presentationml/2006/main">
   <p:cSld>
     <p:bg>
@@ -15099,7 +14661,7 @@
           <a:p>
             <a:fld id="{5F85BDAF-76E7-5E4A-80A9-F732B06DC713}" type="slidenum">
               <a:rPr lang="en-US" smtClean="0"/>
-              <a:t>23</a:t>
+              <a:t>22</a:t>
             </a:fld>
             <a:endParaRPr lang="en-US"/>
           </a:p>
@@ -16922,7 +16484,7 @@
 </p:sld>
 </file>
 
-<file path=ppt/slides/slide24.xml><?xml version="1.0" encoding="utf-8"?>
+<file path=ppt/slides/slide23.xml><?xml version="1.0" encoding="utf-8"?>
 <p:sld xmlns:a="http://schemas.openxmlformats.org/drawingml/2006/main" xmlns:r="http://schemas.openxmlformats.org/officeDocument/2006/relationships" xmlns:p="http://schemas.openxmlformats.org/presentationml/2006/main">
   <p:cSld>
     <p:bg>
@@ -16970,7 +16532,7 @@
           <a:p>
             <a:fld id="{5F85BDAF-76E7-5E4A-80A9-F732B06DC713}" type="slidenum">
               <a:rPr lang="en-US" smtClean="0"/>
-              <a:t>24</a:t>
+              <a:t>23</a:t>
             </a:fld>
             <a:endParaRPr lang="en-US"/>
           </a:p>
@@ -18908,7 +18470,7 @@
 </p:sld>
 </file>
 
-<file path=ppt/slides/slide25.xml><?xml version="1.0" encoding="utf-8"?>
+<file path=ppt/slides/slide24.xml><?xml version="1.0" encoding="utf-8"?>
 <p:sld xmlns:a="http://schemas.openxmlformats.org/drawingml/2006/main" xmlns:r="http://schemas.openxmlformats.org/officeDocument/2006/relationships" xmlns:p="http://schemas.openxmlformats.org/presentationml/2006/main">
   <p:cSld>
     <p:bg>
@@ -18956,7 +18518,7 @@
           <a:p>
             <a:fld id="{5F85BDAF-76E7-5E4A-80A9-F732B06DC713}" type="slidenum">
               <a:rPr lang="en-US" smtClean="0"/>
-              <a:t>25</a:t>
+              <a:t>24</a:t>
             </a:fld>
             <a:endParaRPr lang="en-US"/>
           </a:p>
@@ -21075,7 +20637,7 @@
 </p:sld>
 </file>
 
-<file path=ppt/slides/slide26.xml><?xml version="1.0" encoding="utf-8"?>
+<file path=ppt/slides/slide25.xml><?xml version="1.0" encoding="utf-8"?>
 <p:sld xmlns:a="http://schemas.openxmlformats.org/drawingml/2006/main" xmlns:r="http://schemas.openxmlformats.org/officeDocument/2006/relationships" xmlns:p="http://schemas.openxmlformats.org/presentationml/2006/main">
   <p:cSld>
     <p:bg>
@@ -23311,7 +22873,7 @@
 </p:sld>
 </file>
 
-<file path=ppt/slides/slide27.xml><?xml version="1.0" encoding="utf-8"?>
+<file path=ppt/slides/slide26.xml><?xml version="1.0" encoding="utf-8"?>
 <p:sld xmlns:a="http://schemas.openxmlformats.org/drawingml/2006/main" xmlns:r="http://schemas.openxmlformats.org/officeDocument/2006/relationships" xmlns:p="http://schemas.openxmlformats.org/presentationml/2006/main">
   <p:cSld>
     <p:bg>
@@ -26300,7 +25862,7 @@
 </p:sld>
 </file>
 
-<file path=ppt/slides/slide28.xml><?xml version="1.0" encoding="utf-8"?>
+<file path=ppt/slides/slide27.xml><?xml version="1.0" encoding="utf-8"?>
 <p:sld xmlns:a="http://schemas.openxmlformats.org/drawingml/2006/main" xmlns:r="http://schemas.openxmlformats.org/officeDocument/2006/relationships" xmlns:p="http://schemas.openxmlformats.org/presentationml/2006/main">
   <p:cSld>
     <p:bg>
@@ -28364,7 +27926,7 @@
 </p:sld>
 </file>
 
-<file path=ppt/slides/slide29.xml><?xml version="1.0" encoding="utf-8"?>
+<file path=ppt/slides/slide28.xml><?xml version="1.0" encoding="utf-8"?>
 <p:sld xmlns:a="http://schemas.openxmlformats.org/drawingml/2006/main" xmlns:r="http://schemas.openxmlformats.org/officeDocument/2006/relationships" xmlns:p="http://schemas.openxmlformats.org/presentationml/2006/main">
   <p:cSld>
     <p:spTree>
@@ -28404,7 +27966,7 @@
           <a:p>
             <a:fld id="{5F85BDAF-76E7-5E4A-80A9-F732B06DC713}" type="slidenum">
               <a:rPr lang="en-US" smtClean="0"/>
-              <a:t>29</a:t>
+              <a:t>28</a:t>
             </a:fld>
             <a:endParaRPr lang="en-US"/>
           </a:p>
@@ -28679,129 +28241,7 @@
 </p:sld>
 </file>
 
-<file path=ppt/slides/slide3.xml><?xml version="1.0" encoding="utf-8"?>
-<p:sld xmlns:a="http://schemas.openxmlformats.org/drawingml/2006/main" xmlns:r="http://schemas.openxmlformats.org/officeDocument/2006/relationships" xmlns:p="http://schemas.openxmlformats.org/presentationml/2006/main">
-  <p:cSld>
-    <p:spTree>
-      <p:nvGrpSpPr>
-        <p:cNvPr id="1" name=""/>
-        <p:cNvGrpSpPr/>
-        <p:nvPr/>
-      </p:nvGrpSpPr>
-      <p:grpSpPr>
-        <a:xfrm>
-          <a:off x="0" y="0"/>
-          <a:ext cx="0" cy="0"/>
-          <a:chOff x="0" y="0"/>
-          <a:chExt cx="0" cy="0"/>
-        </a:xfrm>
-      </p:grpSpPr>
-      <p:sp>
-        <p:nvSpPr>
-          <p:cNvPr id="4" name="TextBox 3">
-            <a:extLst>
-              <a:ext uri="{FF2B5EF4-FFF2-40B4-BE49-F238E27FC236}">
-                <a16:creationId xmlns:a16="http://schemas.microsoft.com/office/drawing/2014/main" id="{2E4ACB90-5B23-AE45-9404-FED4FB5128EF}"/>
-              </a:ext>
-            </a:extLst>
-          </p:cNvPr>
-          <p:cNvSpPr txBox="1"/>
-          <p:nvPr/>
-        </p:nvSpPr>
-        <p:spPr>
-          <a:xfrm>
-            <a:off x="2865521" y="586938"/>
-            <a:ext cx="6460957" cy="923330"/>
-          </a:xfrm>
-          <a:prstGeom prst="rect">
-            <a:avLst/>
-          </a:prstGeom>
-          <a:noFill/>
-        </p:spPr>
-        <p:txBody>
-          <a:bodyPr wrap="square" rtlCol="0">
-            <a:spAutoFit/>
-          </a:bodyPr>
-          <a:lstStyle/>
-          <a:p>
-            <a:pPr algn="ctr"/>
-            <a:r>
-              <a:rPr lang="en-US" sz="5400" dirty="0">
-                <a:latin typeface="Economica" panose="02000506040000020004" pitchFamily="2" charset="77"/>
-              </a:rPr>
-              <a:t>Let’s Train our First NN</a:t>
-            </a:r>
-          </a:p>
-        </p:txBody>
-      </p:sp>
-      <p:pic>
-        <p:nvPicPr>
-          <p:cNvPr id="6" name="Picture 2" descr="Use Google Colab for Deep Learning and Machine Learning Models">
-            <a:extLst>
-              <a:ext uri="{FF2B5EF4-FFF2-40B4-BE49-F238E27FC236}">
-                <a16:creationId xmlns:a16="http://schemas.microsoft.com/office/drawing/2014/main" id="{E9F912B5-13B1-3048-8E80-80C6BC206A76}"/>
-              </a:ext>
-            </a:extLst>
-          </p:cNvPr>
-          <p:cNvPicPr>
-            <a:picLocks noChangeAspect="1" noChangeArrowheads="1"/>
-          </p:cNvPicPr>
-          <p:nvPr/>
-        </p:nvPicPr>
-        <p:blipFill rotWithShape="1">
-          <a:blip r:embed="rId2" cstate="email">
-            <a:extLst>
-              <a:ext uri="{28A0092B-C50C-407E-A947-70E740481C1C}">
-                <a14:useLocalDpi xmlns:a14="http://schemas.microsoft.com/office/drawing/2010/main"/>
-              </a:ext>
-            </a:extLst>
-          </a:blip>
-          <a:srcRect/>
-          <a:stretch/>
-        </p:blipFill>
-        <p:spPr bwMode="auto">
-          <a:xfrm>
-            <a:off x="3868371" y="2049364"/>
-            <a:ext cx="4455258" cy="3370934"/>
-          </a:xfrm>
-          <a:prstGeom prst="rect">
-            <a:avLst/>
-          </a:prstGeom>
-          <a:ln>
-            <a:noFill/>
-          </a:ln>
-          <a:effectLst>
-            <a:outerShdw blurRad="292100" dist="139700" dir="2700000" algn="tl" rotWithShape="0">
-              <a:srgbClr val="333333">
-                <a:alpha val="65000"/>
-              </a:srgbClr>
-            </a:outerShdw>
-          </a:effectLst>
-          <a:extLst>
-            <a:ext uri="{909E8E84-426E-40DD-AFC4-6F175D3DCCD1}">
-              <a14:hiddenFill xmlns:a14="http://schemas.microsoft.com/office/drawing/2010/main">
-                <a:solidFill>
-                  <a:srgbClr val="FFFFFF"/>
-                </a:solidFill>
-              </a14:hiddenFill>
-            </a:ext>
-          </a:extLst>
-        </p:spPr>
-      </p:pic>
-    </p:spTree>
-    <p:extLst>
-      <p:ext uri="{BB962C8B-B14F-4D97-AF65-F5344CB8AC3E}">
-        <p14:creationId xmlns:p14="http://schemas.microsoft.com/office/powerpoint/2010/main" val="2621611094"/>
-      </p:ext>
-    </p:extLst>
-  </p:cSld>
-  <p:clrMapOvr>
-    <a:masterClrMapping/>
-  </p:clrMapOvr>
-</p:sld>
-</file>
-
-<file path=ppt/slides/slide30.xml><?xml version="1.0" encoding="utf-8"?>
+<file path=ppt/slides/slide29.xml><?xml version="1.0" encoding="utf-8"?>
 <p:sld xmlns:a="http://schemas.openxmlformats.org/drawingml/2006/main" xmlns:r="http://schemas.openxmlformats.org/officeDocument/2006/relationships" xmlns:p="http://schemas.openxmlformats.org/presentationml/2006/main">
   <p:cSld>
     <p:spTree>
@@ -28841,7 +28281,7 @@
           <a:p>
             <a:fld id="{5F85BDAF-76E7-5E4A-80A9-F732B06DC713}" type="slidenum">
               <a:rPr lang="en-US" smtClean="0"/>
-              <a:t>30</a:t>
+              <a:t>29</a:t>
             </a:fld>
             <a:endParaRPr lang="en-US"/>
           </a:p>
@@ -29097,483 +28537,7 @@
 </p:sld>
 </file>
 
-<file path=ppt/slides/slide31.xml><?xml version="1.0" encoding="utf-8"?>
-<p:sld xmlns:a="http://schemas.openxmlformats.org/drawingml/2006/main" xmlns:r="http://schemas.openxmlformats.org/officeDocument/2006/relationships" xmlns:p="http://schemas.openxmlformats.org/presentationml/2006/main">
-  <p:cSld>
-    <p:spTree>
-      <p:nvGrpSpPr>
-        <p:cNvPr id="1" name=""/>
-        <p:cNvGrpSpPr/>
-        <p:nvPr/>
-      </p:nvGrpSpPr>
-      <p:grpSpPr>
-        <a:xfrm>
-          <a:off x="0" y="0"/>
-          <a:ext cx="0" cy="0"/>
-          <a:chOff x="0" y="0"/>
-          <a:chExt cx="0" cy="0"/>
-        </a:xfrm>
-      </p:grpSpPr>
-      <p:sp>
-        <p:nvSpPr>
-          <p:cNvPr id="2" name="Rectangle 1">
-            <a:extLst>
-              <a:ext uri="{FF2B5EF4-FFF2-40B4-BE49-F238E27FC236}">
-                <a16:creationId xmlns:a16="http://schemas.microsoft.com/office/drawing/2014/main" id="{6D2FFB4A-DEDF-D747-9BC5-AE7EF2035281}"/>
-              </a:ext>
-            </a:extLst>
-          </p:cNvPr>
-          <p:cNvSpPr/>
-          <p:nvPr/>
-        </p:nvSpPr>
-        <p:spPr>
-          <a:xfrm>
-            <a:off x="145774" y="6228522"/>
-            <a:ext cx="11847443" cy="629478"/>
-          </a:xfrm>
-          <a:prstGeom prst="rect">
-            <a:avLst/>
-          </a:prstGeom>
-          <a:solidFill>
-            <a:schemeClr val="bg1"/>
-          </a:solidFill>
-          <a:ln>
-            <a:solidFill>
-              <a:schemeClr val="bg1"/>
-            </a:solidFill>
-          </a:ln>
-        </p:spPr>
-        <p:style>
-          <a:lnRef idx="2">
-            <a:schemeClr val="accent1">
-              <a:shade val="50000"/>
-            </a:schemeClr>
-          </a:lnRef>
-          <a:fillRef idx="1">
-            <a:schemeClr val="accent1"/>
-          </a:fillRef>
-          <a:effectRef idx="0">
-            <a:schemeClr val="accent1"/>
-          </a:effectRef>
-          <a:fontRef idx="minor">
-            <a:schemeClr val="lt1"/>
-          </a:fontRef>
-        </p:style>
-        <p:txBody>
-          <a:bodyPr rtlCol="0" anchor="ctr"/>
-          <a:lstStyle/>
-          <a:p>
-            <a:pPr algn="ctr"/>
-            <a:endParaRPr lang="en-US"/>
-          </a:p>
-        </p:txBody>
-      </p:sp>
-      <p:sp>
-        <p:nvSpPr>
-          <p:cNvPr id="4" name="Slide Number Placeholder 3">
-            <a:extLst>
-              <a:ext uri="{FF2B5EF4-FFF2-40B4-BE49-F238E27FC236}">
-                <a16:creationId xmlns:a16="http://schemas.microsoft.com/office/drawing/2014/main" id="{0B5E4CF9-A880-494D-A159-470F1B8BFB79}"/>
-              </a:ext>
-            </a:extLst>
-          </p:cNvPr>
-          <p:cNvSpPr>
-            <a:spLocks noGrp="1"/>
-          </p:cNvSpPr>
-          <p:nvPr>
-            <p:ph type="sldNum" sz="quarter" idx="12"/>
-          </p:nvPr>
-        </p:nvSpPr>
-        <p:spPr/>
-        <p:txBody>
-          <a:bodyPr/>
-          <a:lstStyle/>
-          <a:p>
-            <a:fld id="{5F85BDAF-76E7-5E4A-80A9-F732B06DC713}" type="slidenum">
-              <a:rPr lang="en-US" smtClean="0"/>
-              <a:t>31</a:t>
-            </a:fld>
-            <a:endParaRPr lang="en-US"/>
-          </a:p>
-        </p:txBody>
-      </p:sp>
-      <p:pic>
-        <p:nvPicPr>
-          <p:cNvPr id="1026" name="Picture 2" descr="The mostly complete chart of Neural Networks, explained | by Andrew Tch |  Towards Data Science">
-            <a:extLst>
-              <a:ext uri="{FF2B5EF4-FFF2-40B4-BE49-F238E27FC236}">
-                <a16:creationId xmlns:a16="http://schemas.microsoft.com/office/drawing/2014/main" id="{F92719A9-7E9A-0F40-8782-04D5BB1B268A}"/>
-              </a:ext>
-            </a:extLst>
-          </p:cNvPr>
-          <p:cNvPicPr>
-            <a:picLocks noChangeAspect="1" noChangeArrowheads="1"/>
-          </p:cNvPicPr>
-          <p:nvPr/>
-        </p:nvPicPr>
-        <p:blipFill>
-          <a:blip r:embed="rId2">
-            <a:extLst>
-              <a:ext uri="{28A0092B-C50C-407E-A947-70E740481C1C}">
-                <a14:useLocalDpi xmlns:a14="http://schemas.microsoft.com/office/drawing/2010/main" val="0"/>
-              </a:ext>
-            </a:extLst>
-          </a:blip>
-          <a:srcRect/>
-          <a:stretch>
-            <a:fillRect/>
-          </a:stretch>
-        </p:blipFill>
-        <p:spPr bwMode="auto">
-          <a:xfrm rot="16200000">
-            <a:off x="2817191" y="-1678609"/>
-            <a:ext cx="6829287" cy="10243930"/>
-          </a:xfrm>
-          <a:prstGeom prst="rect">
-            <a:avLst/>
-          </a:prstGeom>
-          <a:noFill/>
-          <a:extLst>
-            <a:ext uri="{909E8E84-426E-40DD-AFC4-6F175D3DCCD1}">
-              <a14:hiddenFill xmlns:a14="http://schemas.microsoft.com/office/drawing/2010/main">
-                <a:solidFill>
-                  <a:srgbClr val="FFFFFF"/>
-                </a:solidFill>
-              </a14:hiddenFill>
-            </a:ext>
-          </a:extLst>
-        </p:spPr>
-      </p:pic>
-    </p:spTree>
-    <p:extLst>
-      <p:ext uri="{BB962C8B-B14F-4D97-AF65-F5344CB8AC3E}">
-        <p14:creationId xmlns:p14="http://schemas.microsoft.com/office/powerpoint/2010/main" val="2321651867"/>
-      </p:ext>
-    </p:extLst>
-  </p:cSld>
-  <p:clrMapOvr>
-    <a:masterClrMapping/>
-  </p:clrMapOvr>
-</p:sld>
-</file>
-
-<file path=ppt/slides/slide32.xml><?xml version="1.0" encoding="utf-8"?>
-<p:sld xmlns:a="http://schemas.openxmlformats.org/drawingml/2006/main" xmlns:r="http://schemas.openxmlformats.org/officeDocument/2006/relationships" xmlns:p="http://schemas.openxmlformats.org/presentationml/2006/main">
-  <p:cSld>
-    <p:spTree>
-      <p:nvGrpSpPr>
-        <p:cNvPr id="1" name=""/>
-        <p:cNvGrpSpPr/>
-        <p:nvPr/>
-      </p:nvGrpSpPr>
-      <p:grpSpPr>
-        <a:xfrm>
-          <a:off x="0" y="0"/>
-          <a:ext cx="0" cy="0"/>
-          <a:chOff x="0" y="0"/>
-          <a:chExt cx="0" cy="0"/>
-        </a:xfrm>
-      </p:grpSpPr>
-      <p:sp>
-        <p:nvSpPr>
-          <p:cNvPr id="4" name="Slide Number Placeholder 3">
-            <a:extLst>
-              <a:ext uri="{FF2B5EF4-FFF2-40B4-BE49-F238E27FC236}">
-                <a16:creationId xmlns:a16="http://schemas.microsoft.com/office/drawing/2014/main" id="{B95F40EE-9804-E646-91D8-B0E8BABE2CA1}"/>
-              </a:ext>
-            </a:extLst>
-          </p:cNvPr>
-          <p:cNvSpPr>
-            <a:spLocks noGrp="1"/>
-          </p:cNvSpPr>
-          <p:nvPr>
-            <p:ph type="sldNum" sz="quarter" idx="12"/>
-          </p:nvPr>
-        </p:nvSpPr>
-        <p:spPr/>
-        <p:txBody>
-          <a:bodyPr/>
-          <a:lstStyle/>
-          <a:p>
-            <a:fld id="{5F85BDAF-76E7-5E4A-80A9-F732B06DC713}" type="slidenum">
-              <a:rPr lang="en-US" smtClean="0"/>
-              <a:t>32</a:t>
-            </a:fld>
-            <a:endParaRPr lang="en-US"/>
-          </a:p>
-        </p:txBody>
-      </p:sp>
-      <p:sp>
-        <p:nvSpPr>
-          <p:cNvPr id="5" name="TextBox 4">
-            <a:extLst>
-              <a:ext uri="{FF2B5EF4-FFF2-40B4-BE49-F238E27FC236}">
-                <a16:creationId xmlns:a16="http://schemas.microsoft.com/office/drawing/2014/main" id="{1E6A2E3F-A0C1-A747-BCD2-D14405121F1A}"/>
-              </a:ext>
-            </a:extLst>
-          </p:cNvPr>
-          <p:cNvSpPr txBox="1"/>
-          <p:nvPr/>
-        </p:nvSpPr>
-        <p:spPr>
-          <a:xfrm>
-            <a:off x="1267235" y="280722"/>
-            <a:ext cx="9657521" cy="923330"/>
-          </a:xfrm>
-          <a:prstGeom prst="rect">
-            <a:avLst/>
-          </a:prstGeom>
-          <a:noFill/>
-        </p:spPr>
-        <p:txBody>
-          <a:bodyPr wrap="square" rtlCol="0">
-            <a:spAutoFit/>
-          </a:bodyPr>
-          <a:lstStyle/>
-          <a:p>
-            <a:pPr algn="ctr"/>
-            <a:r>
-              <a:rPr lang="en-US" sz="5400" dirty="0">
-                <a:latin typeface="Economica" panose="02000506040000020004" pitchFamily="2" charset="77"/>
-              </a:rPr>
-              <a:t>Recap</a:t>
-            </a:r>
-          </a:p>
-        </p:txBody>
-      </p:sp>
-      <p:sp>
-        <p:nvSpPr>
-          <p:cNvPr id="6" name="TextBox 5">
-            <a:extLst>
-              <a:ext uri="{FF2B5EF4-FFF2-40B4-BE49-F238E27FC236}">
-                <a16:creationId xmlns:a16="http://schemas.microsoft.com/office/drawing/2014/main" id="{F15AD46E-0C49-994E-8DEB-65F7193016B6}"/>
-              </a:ext>
-            </a:extLst>
-          </p:cNvPr>
-          <p:cNvSpPr txBox="1"/>
-          <p:nvPr/>
-        </p:nvSpPr>
-        <p:spPr>
-          <a:xfrm>
-            <a:off x="1087814" y="1348800"/>
-            <a:ext cx="10016362" cy="5509200"/>
-          </a:xfrm>
-          <a:prstGeom prst="rect">
-            <a:avLst/>
-          </a:prstGeom>
-          <a:noFill/>
-        </p:spPr>
-        <p:txBody>
-          <a:bodyPr wrap="square" rtlCol="0">
-            <a:spAutoFit/>
-          </a:bodyPr>
-          <a:lstStyle/>
-          <a:p>
-            <a:r>
-              <a:rPr lang="en-US" sz="2000" b="1" dirty="0">
-                <a:latin typeface="Quicksand" pitchFamily="2" charset="77"/>
-              </a:rPr>
-              <a:t>Building Blocks of NNs</a:t>
-            </a:r>
-          </a:p>
-          <a:p>
-            <a:pPr marL="171450" indent="-171450">
-              <a:buFont typeface="Arial" panose="020B0604020202020204" pitchFamily="34" charset="0"/>
-              <a:buChar char="•"/>
-            </a:pPr>
-            <a:endParaRPr lang="en-US" sz="1400" dirty="0">
-              <a:latin typeface="Quicksand" pitchFamily="2" charset="77"/>
-            </a:endParaRPr>
-          </a:p>
-          <a:p>
-            <a:pPr marL="628650" lvl="1" indent="-171450">
-              <a:buFont typeface="Arial" panose="020B0604020202020204" pitchFamily="34" charset="0"/>
-              <a:buChar char="•"/>
-            </a:pPr>
-            <a:r>
-              <a:rPr lang="en-US" dirty="0">
-                <a:latin typeface="Quicksand" pitchFamily="2" charset="77"/>
-              </a:rPr>
-              <a:t>Tensors and Tensor Operations</a:t>
-            </a:r>
-          </a:p>
-          <a:p>
-            <a:pPr marL="628650" lvl="1" indent="-171450">
-              <a:buFont typeface="Arial" panose="020B0604020202020204" pitchFamily="34" charset="0"/>
-              <a:buChar char="•"/>
-            </a:pPr>
-            <a:r>
-              <a:rPr lang="en-US" dirty="0">
-                <a:latin typeface="Quicksand" pitchFamily="2" charset="77"/>
-              </a:rPr>
-              <a:t>Activation Functions</a:t>
-            </a:r>
-          </a:p>
-          <a:p>
-            <a:pPr marL="628650" lvl="1" indent="-171450">
-              <a:buFont typeface="Arial" panose="020B0604020202020204" pitchFamily="34" charset="0"/>
-              <a:buChar char="•"/>
-            </a:pPr>
-            <a:r>
-              <a:rPr lang="en-US" dirty="0">
-                <a:latin typeface="Quicksand" pitchFamily="2" charset="77"/>
-              </a:rPr>
-              <a:t>Loss Functions</a:t>
-            </a:r>
-          </a:p>
-          <a:p>
-            <a:pPr marL="628650" lvl="1" indent="-171450">
-              <a:buFont typeface="Arial" panose="020B0604020202020204" pitchFamily="34" charset="0"/>
-              <a:buChar char="•"/>
-            </a:pPr>
-            <a:r>
-              <a:rPr lang="en-US" dirty="0">
-                <a:latin typeface="Quicksand" pitchFamily="2" charset="77"/>
-              </a:rPr>
-              <a:t>Backpropagation: Derivatives, Gradients &amp; the Chain Rule</a:t>
-            </a:r>
-          </a:p>
-          <a:p>
-            <a:endParaRPr lang="en-US" dirty="0">
-              <a:latin typeface="Quicksand" pitchFamily="2" charset="77"/>
-            </a:endParaRPr>
-          </a:p>
-          <a:p>
-            <a:r>
-              <a:rPr lang="en-US" sz="2000" b="1" dirty="0">
-                <a:latin typeface="Quicksand" pitchFamily="2" charset="77"/>
-              </a:rPr>
-              <a:t>Procedure of Minibatch Stochastic Gradient Descent</a:t>
-            </a:r>
-          </a:p>
-          <a:p>
-            <a:endParaRPr lang="en-US" dirty="0">
-              <a:latin typeface="Quicksand" pitchFamily="2" charset="77"/>
-            </a:endParaRPr>
-          </a:p>
-          <a:p>
-            <a:pPr marL="687388" lvl="1" indent="-225425">
-              <a:buFont typeface="Arial" panose="020B0604020202020204" pitchFamily="34" charset="0"/>
-              <a:buChar char="•"/>
-            </a:pPr>
-            <a:r>
-              <a:rPr lang="en-US" sz="2000" dirty="0">
-                <a:latin typeface="Quicksand" pitchFamily="2" charset="77"/>
-              </a:rPr>
-              <a:t>Grab a batch of observations (samples)</a:t>
-            </a:r>
-          </a:p>
-          <a:p>
-            <a:pPr marL="687388" lvl="1" indent="-225425">
-              <a:buFont typeface="Arial" panose="020B0604020202020204" pitchFamily="34" charset="0"/>
-              <a:buChar char="•"/>
-            </a:pPr>
-            <a:r>
-              <a:rPr lang="en-US" sz="2000" dirty="0">
-                <a:latin typeface="Quicksand" pitchFamily="2" charset="77"/>
-              </a:rPr>
-              <a:t>Predict their labels using current weights / bias terms.</a:t>
-            </a:r>
-          </a:p>
-          <a:p>
-            <a:pPr marL="687388" lvl="1" indent="-225425">
-              <a:buFont typeface="Arial" panose="020B0604020202020204" pitchFamily="34" charset="0"/>
-              <a:buChar char="•"/>
-            </a:pPr>
-            <a:r>
-              <a:rPr lang="en-US" sz="2000" dirty="0">
-                <a:latin typeface="Quicksand" pitchFamily="2" charset="77"/>
-              </a:rPr>
-              <a:t>Calculate loss value. </a:t>
-            </a:r>
-          </a:p>
-          <a:p>
-            <a:pPr marL="687388" lvl="1" indent="-225425">
-              <a:buFont typeface="Arial" panose="020B0604020202020204" pitchFamily="34" charset="0"/>
-              <a:buChar char="•"/>
-            </a:pPr>
-            <a:r>
-              <a:rPr lang="en-US" sz="2000" dirty="0">
-                <a:latin typeface="Quicksand" pitchFamily="2" charset="77"/>
-              </a:rPr>
-              <a:t>Calculate gradient of loss </a:t>
-            </a:r>
-            <a:r>
-              <a:rPr lang="en-US" sz="2000" dirty="0" err="1">
-                <a:latin typeface="Quicksand" pitchFamily="2" charset="77"/>
-              </a:rPr>
-              <a:t>w.r.t.</a:t>
-            </a:r>
-            <a:r>
-              <a:rPr lang="en-US" sz="2000" dirty="0">
-                <a:latin typeface="Quicksand" pitchFamily="2" charset="77"/>
-              </a:rPr>
-              <a:t> all weight / bias terms. </a:t>
-            </a:r>
-          </a:p>
-          <a:p>
-            <a:pPr marL="687388" lvl="1" indent="-225425">
-              <a:buFont typeface="Arial" panose="020B0604020202020204" pitchFamily="34" charset="0"/>
-              <a:buChar char="•"/>
-            </a:pPr>
-            <a:r>
-              <a:rPr lang="en-US" sz="2000" dirty="0">
-                <a:latin typeface="Quicksand" pitchFamily="2" charset="77"/>
-              </a:rPr>
-              <a:t>Update each weight by subtracting its gradient*learning rate</a:t>
-            </a:r>
-          </a:p>
-          <a:p>
-            <a:pPr marL="687388" lvl="1" indent="-225425">
-              <a:buFont typeface="Arial" panose="020B0604020202020204" pitchFamily="34" charset="0"/>
-              <a:buChar char="•"/>
-            </a:pPr>
-            <a:r>
-              <a:rPr lang="en-US" sz="2000" dirty="0">
-                <a:latin typeface="Quicksand" pitchFamily="2" charset="77"/>
-              </a:rPr>
-              <a:t>Cycle over the whole training dataset (each cycle is an epoch) repeatedly, until loss is small. </a:t>
-            </a:r>
-          </a:p>
-          <a:p>
-            <a:endParaRPr lang="en-US" dirty="0">
-              <a:latin typeface="Quicksand" pitchFamily="2" charset="77"/>
-            </a:endParaRPr>
-          </a:p>
-          <a:p>
-            <a:pPr marL="628650" lvl="1" indent="-171450">
-              <a:buFont typeface="Arial" panose="020B0604020202020204" pitchFamily="34" charset="0"/>
-              <a:buChar char="•"/>
-            </a:pPr>
-            <a:endParaRPr lang="en-US" dirty="0">
-              <a:latin typeface="Quicksand" pitchFamily="2" charset="77"/>
-            </a:endParaRPr>
-          </a:p>
-          <a:p>
-            <a:pPr marL="171450" indent="-171450">
-              <a:buFont typeface="Arial" panose="020B0604020202020204" pitchFamily="34" charset="0"/>
-              <a:buChar char="•"/>
-            </a:pPr>
-            <a:endParaRPr lang="en-US" sz="1400" dirty="0">
-              <a:latin typeface="Quicksand" pitchFamily="2" charset="77"/>
-            </a:endParaRPr>
-          </a:p>
-        </p:txBody>
-      </p:sp>
-    </p:spTree>
-    <p:extLst>
-      <p:ext uri="{BB962C8B-B14F-4D97-AF65-F5344CB8AC3E}">
-        <p14:creationId xmlns:p14="http://schemas.microsoft.com/office/powerpoint/2010/main" val="1469755589"/>
-      </p:ext>
-    </p:extLst>
-  </p:cSld>
-  <p:clrMapOvr>
-    <a:masterClrMapping/>
-  </p:clrMapOvr>
-</p:sld>
-</file>
-
-<file path=ppt/slides/slide4.xml><?xml version="1.0" encoding="utf-8"?>
+<file path=ppt/slides/slide3.xml><?xml version="1.0" encoding="utf-8"?>
 <p:sld xmlns:a="http://schemas.openxmlformats.org/drawingml/2006/main" xmlns:r="http://schemas.openxmlformats.org/officeDocument/2006/relationships" xmlns:p="http://schemas.openxmlformats.org/presentationml/2006/main">
   <p:cSld>
     <p:spTree>
@@ -29658,7 +28622,7 @@
           <a:p>
             <a:fld id="{5F85BDAF-76E7-5E4A-80A9-F732B06DC713}" type="slidenum">
               <a:rPr lang="en-US" smtClean="0"/>
-              <a:t>4</a:t>
+              <a:t>3</a:t>
             </a:fld>
             <a:endParaRPr lang="en-US"/>
           </a:p>
@@ -29714,7 +28678,483 @@
 </p:sld>
 </file>
 
-<file path=ppt/slides/slide5.xml><?xml version="1.0" encoding="utf-8"?>
+<file path=ppt/slides/slide30.xml><?xml version="1.0" encoding="utf-8"?>
+<p:sld xmlns:a="http://schemas.openxmlformats.org/drawingml/2006/main" xmlns:r="http://schemas.openxmlformats.org/officeDocument/2006/relationships" xmlns:p="http://schemas.openxmlformats.org/presentationml/2006/main">
+  <p:cSld>
+    <p:spTree>
+      <p:nvGrpSpPr>
+        <p:cNvPr id="1" name=""/>
+        <p:cNvGrpSpPr/>
+        <p:nvPr/>
+      </p:nvGrpSpPr>
+      <p:grpSpPr>
+        <a:xfrm>
+          <a:off x="0" y="0"/>
+          <a:ext cx="0" cy="0"/>
+          <a:chOff x="0" y="0"/>
+          <a:chExt cx="0" cy="0"/>
+        </a:xfrm>
+      </p:grpSpPr>
+      <p:sp>
+        <p:nvSpPr>
+          <p:cNvPr id="2" name="Rectangle 1">
+            <a:extLst>
+              <a:ext uri="{FF2B5EF4-FFF2-40B4-BE49-F238E27FC236}">
+                <a16:creationId xmlns:a16="http://schemas.microsoft.com/office/drawing/2014/main" id="{6D2FFB4A-DEDF-D747-9BC5-AE7EF2035281}"/>
+              </a:ext>
+            </a:extLst>
+          </p:cNvPr>
+          <p:cNvSpPr/>
+          <p:nvPr/>
+        </p:nvSpPr>
+        <p:spPr>
+          <a:xfrm>
+            <a:off x="145774" y="6228522"/>
+            <a:ext cx="11847443" cy="629478"/>
+          </a:xfrm>
+          <a:prstGeom prst="rect">
+            <a:avLst/>
+          </a:prstGeom>
+          <a:solidFill>
+            <a:schemeClr val="bg1"/>
+          </a:solidFill>
+          <a:ln>
+            <a:solidFill>
+              <a:schemeClr val="bg1"/>
+            </a:solidFill>
+          </a:ln>
+        </p:spPr>
+        <p:style>
+          <a:lnRef idx="2">
+            <a:schemeClr val="accent1">
+              <a:shade val="50000"/>
+            </a:schemeClr>
+          </a:lnRef>
+          <a:fillRef idx="1">
+            <a:schemeClr val="accent1"/>
+          </a:fillRef>
+          <a:effectRef idx="0">
+            <a:schemeClr val="accent1"/>
+          </a:effectRef>
+          <a:fontRef idx="minor">
+            <a:schemeClr val="lt1"/>
+          </a:fontRef>
+        </p:style>
+        <p:txBody>
+          <a:bodyPr rtlCol="0" anchor="ctr"/>
+          <a:lstStyle/>
+          <a:p>
+            <a:pPr algn="ctr"/>
+            <a:endParaRPr lang="en-US"/>
+          </a:p>
+        </p:txBody>
+      </p:sp>
+      <p:sp>
+        <p:nvSpPr>
+          <p:cNvPr id="4" name="Slide Number Placeholder 3">
+            <a:extLst>
+              <a:ext uri="{FF2B5EF4-FFF2-40B4-BE49-F238E27FC236}">
+                <a16:creationId xmlns:a16="http://schemas.microsoft.com/office/drawing/2014/main" id="{0B5E4CF9-A880-494D-A159-470F1B8BFB79}"/>
+              </a:ext>
+            </a:extLst>
+          </p:cNvPr>
+          <p:cNvSpPr>
+            <a:spLocks noGrp="1"/>
+          </p:cNvSpPr>
+          <p:nvPr>
+            <p:ph type="sldNum" sz="quarter" idx="12"/>
+          </p:nvPr>
+        </p:nvSpPr>
+        <p:spPr/>
+        <p:txBody>
+          <a:bodyPr/>
+          <a:lstStyle/>
+          <a:p>
+            <a:fld id="{5F85BDAF-76E7-5E4A-80A9-F732B06DC713}" type="slidenum">
+              <a:rPr lang="en-US" smtClean="0"/>
+              <a:t>30</a:t>
+            </a:fld>
+            <a:endParaRPr lang="en-US"/>
+          </a:p>
+        </p:txBody>
+      </p:sp>
+      <p:pic>
+        <p:nvPicPr>
+          <p:cNvPr id="1026" name="Picture 2" descr="The mostly complete chart of Neural Networks, explained | by Andrew Tch |  Towards Data Science">
+            <a:extLst>
+              <a:ext uri="{FF2B5EF4-FFF2-40B4-BE49-F238E27FC236}">
+                <a16:creationId xmlns:a16="http://schemas.microsoft.com/office/drawing/2014/main" id="{F92719A9-7E9A-0F40-8782-04D5BB1B268A}"/>
+              </a:ext>
+            </a:extLst>
+          </p:cNvPr>
+          <p:cNvPicPr>
+            <a:picLocks noChangeAspect="1" noChangeArrowheads="1"/>
+          </p:cNvPicPr>
+          <p:nvPr/>
+        </p:nvPicPr>
+        <p:blipFill>
+          <a:blip r:embed="rId2">
+            <a:extLst>
+              <a:ext uri="{28A0092B-C50C-407E-A947-70E740481C1C}">
+                <a14:useLocalDpi xmlns:a14="http://schemas.microsoft.com/office/drawing/2010/main" val="0"/>
+              </a:ext>
+            </a:extLst>
+          </a:blip>
+          <a:srcRect/>
+          <a:stretch>
+            <a:fillRect/>
+          </a:stretch>
+        </p:blipFill>
+        <p:spPr bwMode="auto">
+          <a:xfrm rot="16200000">
+            <a:off x="2817191" y="-1678609"/>
+            <a:ext cx="6829287" cy="10243930"/>
+          </a:xfrm>
+          <a:prstGeom prst="rect">
+            <a:avLst/>
+          </a:prstGeom>
+          <a:noFill/>
+          <a:extLst>
+            <a:ext uri="{909E8E84-426E-40DD-AFC4-6F175D3DCCD1}">
+              <a14:hiddenFill xmlns:a14="http://schemas.microsoft.com/office/drawing/2010/main">
+                <a:solidFill>
+                  <a:srgbClr val="FFFFFF"/>
+                </a:solidFill>
+              </a14:hiddenFill>
+            </a:ext>
+          </a:extLst>
+        </p:spPr>
+      </p:pic>
+    </p:spTree>
+    <p:extLst>
+      <p:ext uri="{BB962C8B-B14F-4D97-AF65-F5344CB8AC3E}">
+        <p14:creationId xmlns:p14="http://schemas.microsoft.com/office/powerpoint/2010/main" val="2321651867"/>
+      </p:ext>
+    </p:extLst>
+  </p:cSld>
+  <p:clrMapOvr>
+    <a:masterClrMapping/>
+  </p:clrMapOvr>
+</p:sld>
+</file>
+
+<file path=ppt/slides/slide31.xml><?xml version="1.0" encoding="utf-8"?>
+<p:sld xmlns:a="http://schemas.openxmlformats.org/drawingml/2006/main" xmlns:r="http://schemas.openxmlformats.org/officeDocument/2006/relationships" xmlns:p="http://schemas.openxmlformats.org/presentationml/2006/main">
+  <p:cSld>
+    <p:spTree>
+      <p:nvGrpSpPr>
+        <p:cNvPr id="1" name=""/>
+        <p:cNvGrpSpPr/>
+        <p:nvPr/>
+      </p:nvGrpSpPr>
+      <p:grpSpPr>
+        <a:xfrm>
+          <a:off x="0" y="0"/>
+          <a:ext cx="0" cy="0"/>
+          <a:chOff x="0" y="0"/>
+          <a:chExt cx="0" cy="0"/>
+        </a:xfrm>
+      </p:grpSpPr>
+      <p:sp>
+        <p:nvSpPr>
+          <p:cNvPr id="4" name="Slide Number Placeholder 3">
+            <a:extLst>
+              <a:ext uri="{FF2B5EF4-FFF2-40B4-BE49-F238E27FC236}">
+                <a16:creationId xmlns:a16="http://schemas.microsoft.com/office/drawing/2014/main" id="{B95F40EE-9804-E646-91D8-B0E8BABE2CA1}"/>
+              </a:ext>
+            </a:extLst>
+          </p:cNvPr>
+          <p:cNvSpPr>
+            <a:spLocks noGrp="1"/>
+          </p:cNvSpPr>
+          <p:nvPr>
+            <p:ph type="sldNum" sz="quarter" idx="12"/>
+          </p:nvPr>
+        </p:nvSpPr>
+        <p:spPr/>
+        <p:txBody>
+          <a:bodyPr/>
+          <a:lstStyle/>
+          <a:p>
+            <a:fld id="{5F85BDAF-76E7-5E4A-80A9-F732B06DC713}" type="slidenum">
+              <a:rPr lang="en-US" smtClean="0"/>
+              <a:t>31</a:t>
+            </a:fld>
+            <a:endParaRPr lang="en-US"/>
+          </a:p>
+        </p:txBody>
+      </p:sp>
+      <p:sp>
+        <p:nvSpPr>
+          <p:cNvPr id="5" name="TextBox 4">
+            <a:extLst>
+              <a:ext uri="{FF2B5EF4-FFF2-40B4-BE49-F238E27FC236}">
+                <a16:creationId xmlns:a16="http://schemas.microsoft.com/office/drawing/2014/main" id="{1E6A2E3F-A0C1-A747-BCD2-D14405121F1A}"/>
+              </a:ext>
+            </a:extLst>
+          </p:cNvPr>
+          <p:cNvSpPr txBox="1"/>
+          <p:nvPr/>
+        </p:nvSpPr>
+        <p:spPr>
+          <a:xfrm>
+            <a:off x="1267235" y="280722"/>
+            <a:ext cx="9657521" cy="923330"/>
+          </a:xfrm>
+          <a:prstGeom prst="rect">
+            <a:avLst/>
+          </a:prstGeom>
+          <a:noFill/>
+        </p:spPr>
+        <p:txBody>
+          <a:bodyPr wrap="square" rtlCol="0">
+            <a:spAutoFit/>
+          </a:bodyPr>
+          <a:lstStyle/>
+          <a:p>
+            <a:pPr algn="ctr"/>
+            <a:r>
+              <a:rPr lang="en-US" sz="5400" dirty="0">
+                <a:latin typeface="Economica" panose="02000506040000020004" pitchFamily="2" charset="77"/>
+              </a:rPr>
+              <a:t>Recap</a:t>
+            </a:r>
+          </a:p>
+        </p:txBody>
+      </p:sp>
+      <p:sp>
+        <p:nvSpPr>
+          <p:cNvPr id="6" name="TextBox 5">
+            <a:extLst>
+              <a:ext uri="{FF2B5EF4-FFF2-40B4-BE49-F238E27FC236}">
+                <a16:creationId xmlns:a16="http://schemas.microsoft.com/office/drawing/2014/main" id="{F15AD46E-0C49-994E-8DEB-65F7193016B6}"/>
+              </a:ext>
+            </a:extLst>
+          </p:cNvPr>
+          <p:cNvSpPr txBox="1"/>
+          <p:nvPr/>
+        </p:nvSpPr>
+        <p:spPr>
+          <a:xfrm>
+            <a:off x="1087814" y="1348800"/>
+            <a:ext cx="10016362" cy="5509200"/>
+          </a:xfrm>
+          <a:prstGeom prst="rect">
+            <a:avLst/>
+          </a:prstGeom>
+          <a:noFill/>
+        </p:spPr>
+        <p:txBody>
+          <a:bodyPr wrap="square" rtlCol="0">
+            <a:spAutoFit/>
+          </a:bodyPr>
+          <a:lstStyle/>
+          <a:p>
+            <a:r>
+              <a:rPr lang="en-US" sz="2000" b="1" dirty="0">
+                <a:latin typeface="Quicksand" pitchFamily="2" charset="77"/>
+              </a:rPr>
+              <a:t>Building Blocks of NNs</a:t>
+            </a:r>
+          </a:p>
+          <a:p>
+            <a:pPr marL="171450" indent="-171450">
+              <a:buFont typeface="Arial" panose="020B0604020202020204" pitchFamily="34" charset="0"/>
+              <a:buChar char="•"/>
+            </a:pPr>
+            <a:endParaRPr lang="en-US" sz="1400" dirty="0">
+              <a:latin typeface="Quicksand" pitchFamily="2" charset="77"/>
+            </a:endParaRPr>
+          </a:p>
+          <a:p>
+            <a:pPr marL="628650" lvl="1" indent="-171450">
+              <a:buFont typeface="Arial" panose="020B0604020202020204" pitchFamily="34" charset="0"/>
+              <a:buChar char="•"/>
+            </a:pPr>
+            <a:r>
+              <a:rPr lang="en-US" dirty="0">
+                <a:latin typeface="Quicksand" pitchFamily="2" charset="77"/>
+              </a:rPr>
+              <a:t>Tensors and Tensor Operations</a:t>
+            </a:r>
+          </a:p>
+          <a:p>
+            <a:pPr marL="628650" lvl="1" indent="-171450">
+              <a:buFont typeface="Arial" panose="020B0604020202020204" pitchFamily="34" charset="0"/>
+              <a:buChar char="•"/>
+            </a:pPr>
+            <a:r>
+              <a:rPr lang="en-US" dirty="0">
+                <a:latin typeface="Quicksand" pitchFamily="2" charset="77"/>
+              </a:rPr>
+              <a:t>Activation Functions</a:t>
+            </a:r>
+          </a:p>
+          <a:p>
+            <a:pPr marL="628650" lvl="1" indent="-171450">
+              <a:buFont typeface="Arial" panose="020B0604020202020204" pitchFamily="34" charset="0"/>
+              <a:buChar char="•"/>
+            </a:pPr>
+            <a:r>
+              <a:rPr lang="en-US" dirty="0">
+                <a:latin typeface="Quicksand" pitchFamily="2" charset="77"/>
+              </a:rPr>
+              <a:t>Loss Functions</a:t>
+            </a:r>
+          </a:p>
+          <a:p>
+            <a:pPr marL="628650" lvl="1" indent="-171450">
+              <a:buFont typeface="Arial" panose="020B0604020202020204" pitchFamily="34" charset="0"/>
+              <a:buChar char="•"/>
+            </a:pPr>
+            <a:r>
+              <a:rPr lang="en-US" dirty="0">
+                <a:latin typeface="Quicksand" pitchFamily="2" charset="77"/>
+              </a:rPr>
+              <a:t>Backpropagation: Derivatives, Gradients &amp; the Chain Rule</a:t>
+            </a:r>
+          </a:p>
+          <a:p>
+            <a:endParaRPr lang="en-US" dirty="0">
+              <a:latin typeface="Quicksand" pitchFamily="2" charset="77"/>
+            </a:endParaRPr>
+          </a:p>
+          <a:p>
+            <a:r>
+              <a:rPr lang="en-US" sz="2000" b="1" dirty="0">
+                <a:latin typeface="Quicksand" pitchFamily="2" charset="77"/>
+              </a:rPr>
+              <a:t>Procedure of Minibatch Stochastic Gradient Descent</a:t>
+            </a:r>
+          </a:p>
+          <a:p>
+            <a:endParaRPr lang="en-US" dirty="0">
+              <a:latin typeface="Quicksand" pitchFamily="2" charset="77"/>
+            </a:endParaRPr>
+          </a:p>
+          <a:p>
+            <a:pPr marL="687388" lvl="1" indent="-225425">
+              <a:buFont typeface="Arial" panose="020B0604020202020204" pitchFamily="34" charset="0"/>
+              <a:buChar char="•"/>
+            </a:pPr>
+            <a:r>
+              <a:rPr lang="en-US" sz="2000" dirty="0">
+                <a:latin typeface="Quicksand" pitchFamily="2" charset="77"/>
+              </a:rPr>
+              <a:t>Grab a batch of observations (samples)</a:t>
+            </a:r>
+          </a:p>
+          <a:p>
+            <a:pPr marL="687388" lvl="1" indent="-225425">
+              <a:buFont typeface="Arial" panose="020B0604020202020204" pitchFamily="34" charset="0"/>
+              <a:buChar char="•"/>
+            </a:pPr>
+            <a:r>
+              <a:rPr lang="en-US" sz="2000" dirty="0">
+                <a:latin typeface="Quicksand" pitchFamily="2" charset="77"/>
+              </a:rPr>
+              <a:t>Predict their labels using current weights / bias terms.</a:t>
+            </a:r>
+          </a:p>
+          <a:p>
+            <a:pPr marL="687388" lvl="1" indent="-225425">
+              <a:buFont typeface="Arial" panose="020B0604020202020204" pitchFamily="34" charset="0"/>
+              <a:buChar char="•"/>
+            </a:pPr>
+            <a:r>
+              <a:rPr lang="en-US" sz="2000" dirty="0">
+                <a:latin typeface="Quicksand" pitchFamily="2" charset="77"/>
+              </a:rPr>
+              <a:t>Calculate loss value. </a:t>
+            </a:r>
+          </a:p>
+          <a:p>
+            <a:pPr marL="687388" lvl="1" indent="-225425">
+              <a:buFont typeface="Arial" panose="020B0604020202020204" pitchFamily="34" charset="0"/>
+              <a:buChar char="•"/>
+            </a:pPr>
+            <a:r>
+              <a:rPr lang="en-US" sz="2000" dirty="0">
+                <a:latin typeface="Quicksand" pitchFamily="2" charset="77"/>
+              </a:rPr>
+              <a:t>Calculate gradient of loss </a:t>
+            </a:r>
+            <a:r>
+              <a:rPr lang="en-US" sz="2000" dirty="0" err="1">
+                <a:latin typeface="Quicksand" pitchFamily="2" charset="77"/>
+              </a:rPr>
+              <a:t>w.r.t.</a:t>
+            </a:r>
+            <a:r>
+              <a:rPr lang="en-US" sz="2000" dirty="0">
+                <a:latin typeface="Quicksand" pitchFamily="2" charset="77"/>
+              </a:rPr>
+              <a:t> all weight / bias terms. </a:t>
+            </a:r>
+          </a:p>
+          <a:p>
+            <a:pPr marL="687388" lvl="1" indent="-225425">
+              <a:buFont typeface="Arial" panose="020B0604020202020204" pitchFamily="34" charset="0"/>
+              <a:buChar char="•"/>
+            </a:pPr>
+            <a:r>
+              <a:rPr lang="en-US" sz="2000" dirty="0">
+                <a:latin typeface="Quicksand" pitchFamily="2" charset="77"/>
+              </a:rPr>
+              <a:t>Update each weight by subtracting its gradient*learning rate</a:t>
+            </a:r>
+          </a:p>
+          <a:p>
+            <a:pPr marL="687388" lvl="1" indent="-225425">
+              <a:buFont typeface="Arial" panose="020B0604020202020204" pitchFamily="34" charset="0"/>
+              <a:buChar char="•"/>
+            </a:pPr>
+            <a:r>
+              <a:rPr lang="en-US" sz="2000" dirty="0">
+                <a:latin typeface="Quicksand" pitchFamily="2" charset="77"/>
+              </a:rPr>
+              <a:t>Cycle over the whole training dataset (each cycle is an epoch) repeatedly, until loss is small. </a:t>
+            </a:r>
+          </a:p>
+          <a:p>
+            <a:endParaRPr lang="en-US" dirty="0">
+              <a:latin typeface="Quicksand" pitchFamily="2" charset="77"/>
+            </a:endParaRPr>
+          </a:p>
+          <a:p>
+            <a:pPr marL="628650" lvl="1" indent="-171450">
+              <a:buFont typeface="Arial" panose="020B0604020202020204" pitchFamily="34" charset="0"/>
+              <a:buChar char="•"/>
+            </a:pPr>
+            <a:endParaRPr lang="en-US" dirty="0">
+              <a:latin typeface="Quicksand" pitchFamily="2" charset="77"/>
+            </a:endParaRPr>
+          </a:p>
+          <a:p>
+            <a:pPr marL="171450" indent="-171450">
+              <a:buFont typeface="Arial" panose="020B0604020202020204" pitchFamily="34" charset="0"/>
+              <a:buChar char="•"/>
+            </a:pPr>
+            <a:endParaRPr lang="en-US" sz="1400" dirty="0">
+              <a:latin typeface="Quicksand" pitchFamily="2" charset="77"/>
+            </a:endParaRPr>
+          </a:p>
+        </p:txBody>
+      </p:sp>
+    </p:spTree>
+    <p:extLst>
+      <p:ext uri="{BB962C8B-B14F-4D97-AF65-F5344CB8AC3E}">
+        <p14:creationId xmlns:p14="http://schemas.microsoft.com/office/powerpoint/2010/main" val="1469755589"/>
+      </p:ext>
+    </p:extLst>
+  </p:cSld>
+  <p:clrMapOvr>
+    <a:masterClrMapping/>
+  </p:clrMapOvr>
+</p:sld>
+</file>
+
+<file path=ppt/slides/slide4.xml><?xml version="1.0" encoding="utf-8"?>
 <p:sld xmlns:a="http://schemas.openxmlformats.org/drawingml/2006/main" xmlns:r="http://schemas.openxmlformats.org/officeDocument/2006/relationships" xmlns:p="http://schemas.openxmlformats.org/presentationml/2006/main">
   <p:cSld>
     <p:spTree>
@@ -29829,7 +29269,7 @@
 </p:sld>
 </file>
 
-<file path=ppt/slides/slide6.xml><?xml version="1.0" encoding="utf-8"?>
+<file path=ppt/slides/slide5.xml><?xml version="1.0" encoding="utf-8"?>
 <p:sld xmlns:a="http://schemas.openxmlformats.org/drawingml/2006/main" xmlns:r="http://schemas.openxmlformats.org/officeDocument/2006/relationships" xmlns:p="http://schemas.openxmlformats.org/presentationml/2006/main">
   <p:cSld>
     <p:bg>
@@ -29877,7 +29317,7 @@
           <a:p>
             <a:fld id="{5F85BDAF-76E7-5E4A-80A9-F732B06DC713}" type="slidenum">
               <a:rPr lang="en-US" smtClean="0"/>
-              <a:t>6</a:t>
+              <a:t>5</a:t>
             </a:fld>
             <a:endParaRPr lang="en-US"/>
           </a:p>
@@ -30136,7 +29576,7 @@
 </p:sld>
 </file>
 
-<file path=ppt/slides/slide7.xml><?xml version="1.0" encoding="utf-8"?>
+<file path=ppt/slides/slide6.xml><?xml version="1.0" encoding="utf-8"?>
 <p:sld xmlns:a="http://schemas.openxmlformats.org/drawingml/2006/main" xmlns:r="http://schemas.openxmlformats.org/officeDocument/2006/relationships" xmlns:p="http://schemas.openxmlformats.org/presentationml/2006/main">
   <p:cSld>
     <p:bg>
@@ -30184,7 +29624,7 @@
           <a:p>
             <a:fld id="{5F85BDAF-76E7-5E4A-80A9-F732B06DC713}" type="slidenum">
               <a:rPr lang="en-US" smtClean="0"/>
-              <a:t>7</a:t>
+              <a:t>6</a:t>
             </a:fld>
             <a:endParaRPr lang="en-US"/>
           </a:p>
@@ -30443,7 +29883,7 @@
 </p:sld>
 </file>
 
-<file path=ppt/slides/slide8.xml><?xml version="1.0" encoding="utf-8"?>
+<file path=ppt/slides/slide7.xml><?xml version="1.0" encoding="utf-8"?>
 <p:sld xmlns:a="http://schemas.openxmlformats.org/drawingml/2006/main" xmlns:r="http://schemas.openxmlformats.org/officeDocument/2006/relationships" xmlns:p="http://schemas.openxmlformats.org/presentationml/2006/main">
   <p:cSld>
     <p:spTree>
@@ -30483,7 +29923,7 @@
           <a:p>
             <a:fld id="{5F85BDAF-76E7-5E4A-80A9-F732B06DC713}" type="slidenum">
               <a:rPr lang="en-US" smtClean="0"/>
-              <a:t>8</a:t>
+              <a:t>7</a:t>
             </a:fld>
             <a:endParaRPr lang="en-US"/>
           </a:p>
@@ -30639,7 +30079,7 @@
 </p:sld>
 </file>
 
-<file path=ppt/slides/slide9.xml><?xml version="1.0" encoding="utf-8"?>
+<file path=ppt/slides/slide8.xml><?xml version="1.0" encoding="utf-8"?>
 <p:sld xmlns:a="http://schemas.openxmlformats.org/drawingml/2006/main" xmlns:r="http://schemas.openxmlformats.org/officeDocument/2006/relationships" xmlns:p="http://schemas.openxmlformats.org/presentationml/2006/main">
   <p:cSld>
     <p:spTree>
@@ -31147,6 +30587,514 @@
     <p:extLst>
       <p:ext uri="{BB962C8B-B14F-4D97-AF65-F5344CB8AC3E}">
         <p14:creationId xmlns:p14="http://schemas.microsoft.com/office/powerpoint/2010/main" val="3490665776"/>
+      </p:ext>
+    </p:extLst>
+  </p:cSld>
+  <p:clrMapOvr>
+    <a:masterClrMapping/>
+  </p:clrMapOvr>
+</p:sld>
+</file>
+
+<file path=ppt/slides/slide9.xml><?xml version="1.0" encoding="utf-8"?>
+<p:sld xmlns:a="http://schemas.openxmlformats.org/drawingml/2006/main" xmlns:r="http://schemas.openxmlformats.org/officeDocument/2006/relationships" xmlns:p="http://schemas.openxmlformats.org/presentationml/2006/main">
+  <p:cSld>
+    <p:spTree>
+      <p:nvGrpSpPr>
+        <p:cNvPr id="1" name=""/>
+        <p:cNvGrpSpPr/>
+        <p:nvPr/>
+      </p:nvGrpSpPr>
+      <p:grpSpPr>
+        <a:xfrm>
+          <a:off x="0" y="0"/>
+          <a:ext cx="0" cy="0"/>
+          <a:chOff x="0" y="0"/>
+          <a:chExt cx="0" cy="0"/>
+        </a:xfrm>
+      </p:grpSpPr>
+      <p:sp>
+        <p:nvSpPr>
+          <p:cNvPr id="4" name="TextBox 3">
+            <a:extLst>
+              <a:ext uri="{FF2B5EF4-FFF2-40B4-BE49-F238E27FC236}">
+                <a16:creationId xmlns:a16="http://schemas.microsoft.com/office/drawing/2014/main" id="{2E4ACB90-5B23-AE45-9404-FED4FB5128EF}"/>
+              </a:ext>
+            </a:extLst>
+          </p:cNvPr>
+          <p:cNvSpPr txBox="1"/>
+          <p:nvPr/>
+        </p:nvSpPr>
+        <p:spPr>
+          <a:xfrm>
+            <a:off x="2075144" y="586938"/>
+            <a:ext cx="8041709" cy="923330"/>
+          </a:xfrm>
+          <a:prstGeom prst="rect">
+            <a:avLst/>
+          </a:prstGeom>
+          <a:noFill/>
+        </p:spPr>
+        <p:txBody>
+          <a:bodyPr wrap="square" rtlCol="0">
+            <a:spAutoFit/>
+          </a:bodyPr>
+          <a:lstStyle/>
+          <a:p>
+            <a:pPr algn="ctr"/>
+            <a:r>
+              <a:rPr lang="en-US" sz="5400" dirty="0">
+                <a:latin typeface="Economica" panose="02000506040000020004" pitchFamily="2" charset="77"/>
+              </a:rPr>
+              <a:t>Addition + Broadcast</a:t>
+            </a:r>
+          </a:p>
+        </p:txBody>
+      </p:sp>
+      <p:sp>
+        <p:nvSpPr>
+          <p:cNvPr id="5" name="TextBox 4">
+            <a:extLst>
+              <a:ext uri="{FF2B5EF4-FFF2-40B4-BE49-F238E27FC236}">
+                <a16:creationId xmlns:a16="http://schemas.microsoft.com/office/drawing/2014/main" id="{F918CD34-FBAE-C04A-A20A-D231A5F2578D}"/>
+              </a:ext>
+            </a:extLst>
+          </p:cNvPr>
+          <p:cNvSpPr txBox="1"/>
+          <p:nvPr/>
+        </p:nvSpPr>
+        <p:spPr>
+          <a:xfrm>
+            <a:off x="929424" y="1976448"/>
+            <a:ext cx="3869553" cy="4278094"/>
+          </a:xfrm>
+          <a:prstGeom prst="rect">
+            <a:avLst/>
+          </a:prstGeom>
+          <a:noFill/>
+        </p:spPr>
+        <p:txBody>
+          <a:bodyPr wrap="square" rtlCol="0">
+            <a:spAutoFit/>
+          </a:bodyPr>
+          <a:lstStyle/>
+          <a:p>
+            <a:r>
+              <a:rPr lang="en-US" sz="2000" b="1" dirty="0">
+                <a:latin typeface="Quicksand" pitchFamily="2" charset="77"/>
+              </a:rPr>
+              <a:t>Shape of the Two Tensors Needs to Conform</a:t>
+            </a:r>
+          </a:p>
+          <a:p>
+            <a:pPr marL="688975" lvl="1" indent="-230188">
+              <a:buFont typeface="Arial" panose="020B0604020202020204" pitchFamily="34" charset="0"/>
+              <a:buChar char="•"/>
+            </a:pPr>
+            <a:r>
+              <a:rPr lang="en-US" sz="2000" dirty="0">
+                <a:latin typeface="Quicksand" pitchFamily="2" charset="77"/>
+              </a:rPr>
+              <a:t>A + B will only work if A is cleanly divisible by B (or vice versa)</a:t>
+            </a:r>
+          </a:p>
+          <a:p>
+            <a:endParaRPr lang="en-US" sz="2000" b="1" dirty="0">
+              <a:latin typeface="Quicksand" pitchFamily="2" charset="77"/>
+            </a:endParaRPr>
+          </a:p>
+          <a:p>
+            <a:r>
+              <a:rPr lang="en-US" sz="2000" b="1" dirty="0">
+                <a:latin typeface="Quicksand" pitchFamily="2" charset="77"/>
+              </a:rPr>
+              <a:t>Sum the Element-wise Products</a:t>
+            </a:r>
+            <a:endParaRPr lang="en-US" sz="1400" dirty="0">
+              <a:latin typeface="Quicksand" pitchFamily="2" charset="77"/>
+            </a:endParaRPr>
+          </a:p>
+          <a:p>
+            <a:pPr marL="628650" lvl="1" indent="-171450">
+              <a:buFont typeface="Arial" panose="020B0604020202020204" pitchFamily="34" charset="0"/>
+              <a:buChar char="•"/>
+            </a:pPr>
+            <a:r>
+              <a:rPr lang="en-US" sz="2000" dirty="0">
+                <a:latin typeface="Quicksand" pitchFamily="2" charset="77"/>
+              </a:rPr>
+              <a:t>Replicate B until it matches A’s dimensions, then element-wise addition.</a:t>
+            </a:r>
+          </a:p>
+          <a:p>
+            <a:pPr marL="628650" lvl="1" indent="-171450">
+              <a:buFont typeface="Arial" panose="020B0604020202020204" pitchFamily="34" charset="0"/>
+              <a:buChar char="•"/>
+            </a:pPr>
+            <a:endParaRPr lang="en-US" sz="2000" b="1" dirty="0">
+              <a:latin typeface="Quicksand" pitchFamily="2" charset="77"/>
+            </a:endParaRPr>
+          </a:p>
+          <a:p>
+            <a:r>
+              <a:rPr lang="en-US" sz="2000" b="1" dirty="0">
+                <a:latin typeface="Quicksand" pitchFamily="2" charset="77"/>
+              </a:rPr>
+              <a:t>We Use This for the Addition Step</a:t>
+            </a:r>
+            <a:endParaRPr lang="en-US" sz="1400" dirty="0">
+              <a:latin typeface="Quicksand" pitchFamily="2" charset="77"/>
+            </a:endParaRPr>
+          </a:p>
+          <a:p>
+            <a:pPr marL="628650" lvl="1" indent="-171450">
+              <a:buFont typeface="Arial" panose="020B0604020202020204" pitchFamily="34" charset="0"/>
+              <a:buChar char="•"/>
+            </a:pPr>
+            <a:r>
+              <a:rPr lang="en-US" dirty="0">
+                <a:latin typeface="Quicksand" pitchFamily="2" charset="77"/>
+              </a:rPr>
+              <a:t>Add x*w and b (bias) </a:t>
+            </a:r>
+          </a:p>
+          <a:p>
+            <a:pPr marL="171450" indent="-171450">
+              <a:buFont typeface="Arial" panose="020B0604020202020204" pitchFamily="34" charset="0"/>
+              <a:buChar char="•"/>
+            </a:pPr>
+            <a:endParaRPr lang="en-US" sz="1400" dirty="0">
+              <a:latin typeface="Quicksand" pitchFamily="2" charset="77"/>
+            </a:endParaRPr>
+          </a:p>
+        </p:txBody>
+      </p:sp>
+      <p:pic>
+        <p:nvPicPr>
+          <p:cNvPr id="3078" name="Picture 6" descr="Computation on Arrays: Broadcasting | Python Data Science Handbook">
+            <a:extLst>
+              <a:ext uri="{FF2B5EF4-FFF2-40B4-BE49-F238E27FC236}">
+                <a16:creationId xmlns:a16="http://schemas.microsoft.com/office/drawing/2014/main" id="{E0BD8688-97E7-E94B-888E-96554CDD195F}"/>
+              </a:ext>
+            </a:extLst>
+          </p:cNvPr>
+          <p:cNvPicPr>
+            <a:picLocks noChangeAspect="1" noChangeArrowheads="1"/>
+          </p:cNvPicPr>
+          <p:nvPr/>
+        </p:nvPicPr>
+        <p:blipFill>
+          <a:blip r:embed="rId2">
+            <a:extLst>
+              <a:ext uri="{28A0092B-C50C-407E-A947-70E740481C1C}">
+                <a14:useLocalDpi xmlns:a14="http://schemas.microsoft.com/office/drawing/2010/main" val="0"/>
+              </a:ext>
+            </a:extLst>
+          </a:blip>
+          <a:srcRect/>
+          <a:stretch>
+            <a:fillRect/>
+          </a:stretch>
+        </p:blipFill>
+        <p:spPr bwMode="auto">
+          <a:xfrm>
+            <a:off x="5776176" y="1831966"/>
+            <a:ext cx="5486400" cy="4114800"/>
+          </a:xfrm>
+          <a:prstGeom prst="rect">
+            <a:avLst/>
+          </a:prstGeom>
+          <a:noFill/>
+          <a:extLst>
+            <a:ext uri="{909E8E84-426E-40DD-AFC4-6F175D3DCCD1}">
+              <a14:hiddenFill xmlns:a14="http://schemas.microsoft.com/office/drawing/2010/main">
+                <a:solidFill>
+                  <a:srgbClr val="FFFFFF"/>
+                </a:solidFill>
+              </a14:hiddenFill>
+            </a:ext>
+          </a:extLst>
+        </p:spPr>
+      </p:pic>
+      <mc:AlternateContent xmlns:mc="http://schemas.openxmlformats.org/markup-compatibility/2006" xmlns:a14="http://schemas.microsoft.com/office/drawing/2010/main">
+        <mc:Choice Requires="a14">
+          <p:sp>
+            <p:nvSpPr>
+              <p:cNvPr id="8" name="TextBox 7">
+                <a:extLst>
+                  <a:ext uri="{FF2B5EF4-FFF2-40B4-BE49-F238E27FC236}">
+                    <a16:creationId xmlns:a16="http://schemas.microsoft.com/office/drawing/2014/main" id="{8F17ADDE-7CCF-D64B-BA47-029E12B0BC6E}"/>
+                  </a:ext>
+                </a:extLst>
+              </p:cNvPr>
+              <p:cNvSpPr txBox="1"/>
+              <p:nvPr/>
+            </p:nvSpPr>
+            <p:spPr>
+              <a:xfrm>
+                <a:off x="129249" y="1204136"/>
+                <a:ext cx="3869553" cy="307777"/>
+              </a:xfrm>
+              <a:prstGeom prst="rect">
+                <a:avLst/>
+              </a:prstGeom>
+              <a:noFill/>
+            </p:spPr>
+            <p:txBody>
+              <a:bodyPr wrap="square" rtlCol="0">
+                <a:spAutoFit/>
+              </a:bodyPr>
+              <a:lstStyle/>
+              <a:p>
+                <a:pPr/>
+                <a14:m>
+                  <m:oMathPara xmlns:m="http://schemas.openxmlformats.org/officeDocument/2006/math">
+                    <m:oMathParaPr>
+                      <m:jc m:val="centerGroup"/>
+                    </m:oMathParaPr>
+                    <m:oMath xmlns:m="http://schemas.openxmlformats.org/officeDocument/2006/math">
+                      <m:sSub>
+                        <m:sSubPr>
+                          <m:ctrlPr>
+                            <a:rPr lang="en-US" sz="1400" b="0" i="1" smtClean="0">
+                              <a:latin typeface="Cambria Math" panose="02040503050406030204" pitchFamily="18" charset="0"/>
+                            </a:rPr>
+                          </m:ctrlPr>
+                        </m:sSubPr>
+                        <m:e>
+                          <m:r>
+                            <a:rPr lang="en-US" sz="1400" b="0" i="1" smtClean="0">
+                              <a:latin typeface="Cambria Math" panose="02040503050406030204" pitchFamily="18" charset="0"/>
+                            </a:rPr>
+                            <m:t>𝑦</m:t>
+                          </m:r>
+                        </m:e>
+                        <m:sub>
+                          <m:r>
+                            <a:rPr lang="en-US" sz="1400" b="0" i="1" smtClean="0">
+                              <a:latin typeface="Cambria Math" panose="02040503050406030204" pitchFamily="18" charset="0"/>
+                            </a:rPr>
+                            <m:t>1</m:t>
+                          </m:r>
+                        </m:sub>
+                      </m:sSub>
+                      <m:r>
+                        <a:rPr lang="en-US" sz="1400" b="0" i="1" smtClean="0">
+                          <a:latin typeface="Cambria Math" panose="02040503050406030204" pitchFamily="18" charset="0"/>
+                        </a:rPr>
+                        <m:t>=</m:t>
+                      </m:r>
+                      <m:r>
+                        <a:rPr lang="en-US" sz="1400" b="0" i="1" smtClean="0">
+                          <a:solidFill>
+                            <a:schemeClr val="tx1"/>
+                          </a:solidFill>
+                          <a:latin typeface="Cambria Math" panose="02040503050406030204" pitchFamily="18" charset="0"/>
+                          <a:ea typeface="Cambria Math" panose="02040503050406030204" pitchFamily="18" charset="0"/>
+                        </a:rPr>
+                        <m:t>𝜑</m:t>
+                      </m:r>
+                      <m:r>
+                        <a:rPr lang="en-US" sz="1400" b="0" i="1" smtClean="0">
+                          <a:solidFill>
+                            <a:schemeClr val="tx1"/>
+                          </a:solidFill>
+                          <a:latin typeface="Cambria Math" panose="02040503050406030204" pitchFamily="18" charset="0"/>
+                        </a:rPr>
+                        <m:t> </m:t>
+                      </m:r>
+                      <m:r>
+                        <a:rPr lang="en-US" sz="1400" b="0" i="1" smtClean="0">
+                          <a:latin typeface="Cambria Math" panose="02040503050406030204" pitchFamily="18" charset="0"/>
+                        </a:rPr>
+                        <m:t>(</m:t>
+                      </m:r>
+                      <m:sSub>
+                        <m:sSubPr>
+                          <m:ctrlPr>
+                            <a:rPr lang="en-US" sz="1400" i="1" smtClean="0">
+                              <a:solidFill>
+                                <a:srgbClr val="FF0000"/>
+                              </a:solidFill>
+                              <a:latin typeface="Cambria Math" panose="02040503050406030204" pitchFamily="18" charset="0"/>
+                            </a:rPr>
+                          </m:ctrlPr>
+                        </m:sSubPr>
+                        <m:e>
+                          <m:r>
+                            <a:rPr lang="en-US" sz="1400" b="0" i="1" smtClean="0">
+                              <a:solidFill>
+                                <a:srgbClr val="FF0000"/>
+                              </a:solidFill>
+                              <a:latin typeface="Cambria Math" panose="02040503050406030204" pitchFamily="18" charset="0"/>
+                            </a:rPr>
+                            <m:t>𝑥</m:t>
+                          </m:r>
+                        </m:e>
+                        <m:sub>
+                          <m:r>
+                            <a:rPr lang="en-US" sz="1400" i="1">
+                              <a:solidFill>
+                                <a:srgbClr val="FF0000"/>
+                              </a:solidFill>
+                              <a:latin typeface="Cambria Math" panose="02040503050406030204" pitchFamily="18" charset="0"/>
+                            </a:rPr>
+                            <m:t>1</m:t>
+                          </m:r>
+                        </m:sub>
+                      </m:sSub>
+                      <m:r>
+                        <a:rPr lang="en-US" sz="1400" i="1" smtClean="0">
+                          <a:solidFill>
+                            <a:srgbClr val="FF0000"/>
+                          </a:solidFill>
+                          <a:latin typeface="Cambria Math" panose="02040503050406030204" pitchFamily="18" charset="0"/>
+                          <a:ea typeface="Cambria Math" panose="02040503050406030204" pitchFamily="18" charset="0"/>
+                        </a:rPr>
+                        <m:t>∙</m:t>
+                      </m:r>
+                      <m:sSub>
+                        <m:sSubPr>
+                          <m:ctrlPr>
+                            <a:rPr lang="en-US" sz="1400" i="1">
+                              <a:solidFill>
+                                <a:srgbClr val="FF0000"/>
+                              </a:solidFill>
+                              <a:latin typeface="Cambria Math" panose="02040503050406030204" pitchFamily="18" charset="0"/>
+                            </a:rPr>
+                          </m:ctrlPr>
+                        </m:sSubPr>
+                        <m:e>
+                          <m:r>
+                            <a:rPr lang="en-US" sz="1400" b="0" i="1" smtClean="0">
+                              <a:solidFill>
+                                <a:srgbClr val="FF0000"/>
+                              </a:solidFill>
+                              <a:latin typeface="Cambria Math" panose="02040503050406030204" pitchFamily="18" charset="0"/>
+                            </a:rPr>
+                            <m:t>𝑤</m:t>
+                          </m:r>
+                        </m:e>
+                        <m:sub>
+                          <m:r>
+                            <a:rPr lang="en-US" sz="1400" i="1">
+                              <a:solidFill>
+                                <a:srgbClr val="FF0000"/>
+                              </a:solidFill>
+                              <a:latin typeface="Cambria Math" panose="02040503050406030204" pitchFamily="18" charset="0"/>
+                            </a:rPr>
+                            <m:t>1</m:t>
+                          </m:r>
+                        </m:sub>
+                      </m:sSub>
+                      <m:r>
+                        <a:rPr lang="en-US" sz="1400" b="0" i="1" smtClean="0">
+                          <a:solidFill>
+                            <a:srgbClr val="FF0000"/>
+                          </a:solidFill>
+                          <a:latin typeface="Cambria Math" panose="02040503050406030204" pitchFamily="18" charset="0"/>
+                        </a:rPr>
+                        <m:t>+</m:t>
+                      </m:r>
+                      <m:sSub>
+                        <m:sSubPr>
+                          <m:ctrlPr>
+                            <a:rPr lang="en-US" sz="1400" b="0" i="1" smtClean="0">
+                              <a:solidFill>
+                                <a:srgbClr val="FF0000"/>
+                              </a:solidFill>
+                              <a:latin typeface="Cambria Math" panose="02040503050406030204" pitchFamily="18" charset="0"/>
+                            </a:rPr>
+                          </m:ctrlPr>
+                        </m:sSubPr>
+                        <m:e>
+                          <m:r>
+                            <a:rPr lang="en-US" sz="1400" b="0" i="1" smtClean="0">
+                              <a:solidFill>
+                                <a:srgbClr val="FF0000"/>
+                              </a:solidFill>
+                              <a:latin typeface="Cambria Math" panose="02040503050406030204" pitchFamily="18" charset="0"/>
+                            </a:rPr>
+                            <m:t>𝑏</m:t>
+                          </m:r>
+                        </m:e>
+                        <m:sub>
+                          <m:r>
+                            <a:rPr lang="en-US" sz="1400" b="0" i="1" smtClean="0">
+                              <a:solidFill>
+                                <a:srgbClr val="FF0000"/>
+                              </a:solidFill>
+                              <a:latin typeface="Cambria Math" panose="02040503050406030204" pitchFamily="18" charset="0"/>
+                            </a:rPr>
+                            <m:t>1</m:t>
+                          </m:r>
+                        </m:sub>
+                      </m:sSub>
+                      <m:r>
+                        <a:rPr lang="en-US" sz="1400" b="0" i="1" smtClean="0">
+                          <a:latin typeface="Cambria Math" panose="02040503050406030204" pitchFamily="18" charset="0"/>
+                        </a:rPr>
+                        <m:t>)</m:t>
+                      </m:r>
+                    </m:oMath>
+                  </m:oMathPara>
+                </a14:m>
+                <a:endParaRPr lang="en-US" sz="1400" dirty="0">
+                  <a:latin typeface="Quicksand" pitchFamily="2" charset="77"/>
+                </a:endParaRPr>
+              </a:p>
+            </p:txBody>
+          </p:sp>
+        </mc:Choice>
+        <mc:Fallback xmlns="">
+          <p:sp>
+            <p:nvSpPr>
+              <p:cNvPr id="8" name="TextBox 7">
+                <a:extLst>
+                  <a:ext uri="{FF2B5EF4-FFF2-40B4-BE49-F238E27FC236}">
+                    <a16:creationId xmlns:a16="http://schemas.microsoft.com/office/drawing/2014/main" id="{8F17ADDE-7CCF-D64B-BA47-029E12B0BC6E}"/>
+                  </a:ext>
+                </a:extLst>
+              </p:cNvPr>
+              <p:cNvSpPr txBox="1">
+                <a:spLocks noRot="1" noChangeAspect="1" noMove="1" noResize="1" noEditPoints="1" noAdjustHandles="1" noChangeArrowheads="1" noChangeShapeType="1" noTextEdit="1"/>
+              </p:cNvSpPr>
+              <p:nvPr/>
+            </p:nvSpPr>
+            <p:spPr>
+              <a:xfrm>
+                <a:off x="129249" y="1204136"/>
+                <a:ext cx="3869553" cy="307777"/>
+              </a:xfrm>
+              <a:prstGeom prst="rect">
+                <a:avLst/>
+              </a:prstGeom>
+              <a:blipFill>
+                <a:blip r:embed="rId3"/>
+                <a:stretch>
+                  <a:fillRect b="-8000"/>
+                </a:stretch>
+              </a:blipFill>
+            </p:spPr>
+            <p:txBody>
+              <a:bodyPr/>
+              <a:lstStyle/>
+              <a:p>
+                <a:r>
+                  <a:rPr lang="en-US">
+                    <a:noFill/>
+                  </a:rPr>
+                  <a:t> </a:t>
+                </a:r>
+              </a:p>
+            </p:txBody>
+          </p:sp>
+        </mc:Fallback>
+      </mc:AlternateContent>
+    </p:spTree>
+    <p:extLst>
+      <p:ext uri="{BB962C8B-B14F-4D97-AF65-F5344CB8AC3E}">
+        <p14:creationId xmlns:p14="http://schemas.microsoft.com/office/powerpoint/2010/main" val="3664028291"/>
       </p:ext>
     </p:extLst>
   </p:cSld>

--- a/Week 2/02 - Math & Keras.pptx
+++ b/Week 2/02 - Math & Keras.pptx
@@ -5,7 +5,7 @@
     <p:sldMasterId id="2147483648" r:id="rId1"/>
   </p:sldMasterIdLst>
   <p:notesMasterIdLst>
-    <p:notesMasterId r:id="rId33"/>
+    <p:notesMasterId r:id="rId34"/>
   </p:notesMasterIdLst>
   <p:sldIdLst>
     <p:sldId id="256" r:id="rId2"/>
@@ -35,10 +35,11 @@
     <p:sldId id="397" r:id="rId26"/>
     <p:sldId id="398" r:id="rId27"/>
     <p:sldId id="399" r:id="rId28"/>
-    <p:sldId id="400" r:id="rId29"/>
-    <p:sldId id="401" r:id="rId30"/>
-    <p:sldId id="402" r:id="rId31"/>
-    <p:sldId id="389" r:id="rId32"/>
+    <p:sldId id="403" r:id="rId29"/>
+    <p:sldId id="400" r:id="rId30"/>
+    <p:sldId id="401" r:id="rId31"/>
+    <p:sldId id="402" r:id="rId32"/>
+    <p:sldId id="389" r:id="rId33"/>
   </p:sldIdLst>
   <p:sldSz cx="12192000" cy="6858000"/>
   <p:notesSz cx="6858000" cy="9144000"/>
@@ -227,7 +228,7 @@
           <a:p>
             <a:fld id="{EFA659FB-0419-C24D-A6C0-9A1B475B1E65}" type="datetimeFigureOut">
               <a:rPr lang="en-US" smtClean="0"/>
-              <a:t>1/21/22</a:t>
+              <a:t>1/22/22</a:t>
             </a:fld>
             <a:endParaRPr lang="en-US"/>
           </a:p>
@@ -1731,7 +1732,7 @@
           <a:p>
             <a:fld id="{E707AF2C-A832-324A-A13C-3791A9476477}" type="slidenum">
               <a:rPr lang="en-US" smtClean="0"/>
-              <a:t>31</a:t>
+              <a:t>32</a:t>
             </a:fld>
             <a:endParaRPr lang="en-US"/>
           </a:p>
@@ -2794,7 +2795,7 @@
           <a:p>
             <a:fld id="{87C2F797-6DFD-C74C-BA29-8B3CE1E6C725}" type="datetime1">
               <a:rPr lang="en-US" smtClean="0"/>
-              <a:t>1/21/22</a:t>
+              <a:t>1/22/22</a:t>
             </a:fld>
             <a:endParaRPr lang="en-US"/>
           </a:p>
@@ -3002,7 +3003,7 @@
           <a:p>
             <a:fld id="{64FE1960-B74B-0949-9DEF-CBE661CB7825}" type="datetime1">
               <a:rPr lang="en-US" smtClean="0"/>
-              <a:t>1/21/22</a:t>
+              <a:t>1/22/22</a:t>
             </a:fld>
             <a:endParaRPr lang="en-US"/>
           </a:p>
@@ -3200,7 +3201,7 @@
           <a:p>
             <a:fld id="{91871F70-41C7-F44D-9284-EB301E270CC7}" type="datetime1">
               <a:rPr lang="en-US" smtClean="0"/>
-              <a:t>1/21/22</a:t>
+              <a:t>1/22/22</a:t>
             </a:fld>
             <a:endParaRPr lang="en-US"/>
           </a:p>
@@ -3513,7 +3514,7 @@
           <a:p>
             <a:fld id="{E33F645A-02C2-AF41-9FDB-389E34E8B990}" type="datetime1">
               <a:rPr lang="en-US" smtClean="0"/>
-              <a:t>1/21/22</a:t>
+              <a:t>1/22/22</a:t>
             </a:fld>
             <a:endParaRPr lang="en-US"/>
           </a:p>
@@ -3778,7 +3779,7 @@
           <a:p>
             <a:fld id="{AB873A4C-DE8A-2F49-8ABE-1735EE515528}" type="datetime1">
               <a:rPr lang="en-US" smtClean="0"/>
-              <a:t>1/21/22</a:t>
+              <a:t>1/22/22</a:t>
             </a:fld>
             <a:endParaRPr lang="en-US"/>
           </a:p>
@@ -4190,7 +4191,7 @@
           <a:p>
             <a:fld id="{7DA13BA6-E929-9643-AF0C-C0B90BC6EAC0}" type="datetime1">
               <a:rPr lang="en-US" smtClean="0"/>
-              <a:t>1/21/22</a:t>
+              <a:t>1/22/22</a:t>
             </a:fld>
             <a:endParaRPr lang="en-US"/>
           </a:p>
@@ -4331,7 +4332,7 @@
           <a:p>
             <a:fld id="{1062371E-C5A0-7448-8CF8-A797D242C61D}" type="datetime1">
               <a:rPr lang="en-US" smtClean="0"/>
-              <a:t>1/21/22</a:t>
+              <a:t>1/22/22</a:t>
             </a:fld>
             <a:endParaRPr lang="en-US"/>
           </a:p>
@@ -4444,7 +4445,7 @@
           <a:p>
             <a:fld id="{33C9D714-59A4-C649-915B-E960BF4AC878}" type="datetime1">
               <a:rPr lang="en-US" smtClean="0"/>
-              <a:t>1/21/22</a:t>
+              <a:t>1/22/22</a:t>
             </a:fld>
             <a:endParaRPr lang="en-US"/>
           </a:p>
@@ -4755,7 +4756,7 @@
           <a:p>
             <a:fld id="{3951679C-160D-1F41-A3C3-54837256FB50}" type="datetime1">
               <a:rPr lang="en-US" smtClean="0"/>
-              <a:t>1/21/22</a:t>
+              <a:t>1/22/22</a:t>
             </a:fld>
             <a:endParaRPr lang="en-US"/>
           </a:p>
@@ -5043,7 +5044,7 @@
           <a:p>
             <a:fld id="{296B5A14-0E14-114B-AA5F-546D4BF7B2DC}" type="datetime1">
               <a:rPr lang="en-US" smtClean="0"/>
-              <a:t>1/21/22</a:t>
+              <a:t>1/22/22</a:t>
             </a:fld>
             <a:endParaRPr lang="en-US"/>
           </a:p>
@@ -5284,7 +5285,7 @@
           <a:p>
             <a:fld id="{1A75E9CF-B19A-3C42-99C1-DBC4AFBA0816}" type="datetime1">
               <a:rPr lang="en-US" smtClean="0"/>
-              <a:t>1/21/22</a:t>
+              <a:t>1/22/22</a:t>
             </a:fld>
             <a:endParaRPr lang="en-US"/>
           </a:p>
@@ -6525,8 +6526,8 @@
           </a:extLst>
         </p:spPr>
       </p:pic>
-      <mc:AlternateContent xmlns:mc="http://schemas.openxmlformats.org/markup-compatibility/2006">
-        <mc:Choice xmlns:a14="http://schemas.microsoft.com/office/drawing/2010/main" Requires="a14">
+      <mc:AlternateContent xmlns:mc="http://schemas.openxmlformats.org/markup-compatibility/2006" xmlns:a14="http://schemas.microsoft.com/office/drawing/2010/main">
+        <mc:Choice Requires="a14">
           <p:sp>
             <p:nvSpPr>
               <p:cNvPr id="5" name="TextBox 4">
@@ -6736,13 +6737,7 @@
                         <a:rPr lang="en-US" sz="1400" b="0" i="1" smtClean="0">
                           <a:latin typeface="Cambria Math" panose="02040503050406030204" pitchFamily="18" charset="0"/>
                         </a:rPr>
-                        <m:t>+…</m:t>
-                      </m:r>
-                      <m:r>
-                        <a:rPr lang="en-US" sz="1400" b="0" i="1" smtClean="0">
-                          <a:latin typeface="Cambria Math" panose="02040503050406030204" pitchFamily="18" charset="0"/>
-                        </a:rPr>
-                        <m:t>+</m:t>
+                        <m:t>+…+</m:t>
                       </m:r>
                       <m:sSub>
                         <m:sSubPr>
@@ -6785,7 +6780,7 @@
             </p:txBody>
           </p:sp>
         </mc:Choice>
-        <mc:Fallback>
+        <mc:Fallback xmlns="">
           <p:sp>
             <p:nvSpPr>
               <p:cNvPr id="5" name="TextBox 4">
@@ -7015,8 +7010,8 @@
           </p:sp>
         </mc:Fallback>
       </mc:AlternateContent>
-      <mc:AlternateContent xmlns:mc="http://schemas.openxmlformats.org/markup-compatibility/2006">
-        <mc:Choice xmlns:a14="http://schemas.microsoft.com/office/drawing/2010/main" Requires="a14">
+      <mc:AlternateContent xmlns:mc="http://schemas.openxmlformats.org/markup-compatibility/2006" xmlns:a14="http://schemas.microsoft.com/office/drawing/2010/main">
+        <mc:Choice Requires="a14">
           <p:sp>
             <p:nvSpPr>
               <p:cNvPr id="12" name="TextBox 11">
@@ -7085,7 +7080,7 @@
             </p:txBody>
           </p:sp>
         </mc:Choice>
-        <mc:Fallback>
+        <mc:Fallback xmlns="">
           <p:sp>
             <p:nvSpPr>
               <p:cNvPr id="12" name="TextBox 11">
@@ -7130,8 +7125,8 @@
           </p:sp>
         </mc:Fallback>
       </mc:AlternateContent>
-      <mc:AlternateContent xmlns:mc="http://schemas.openxmlformats.org/markup-compatibility/2006">
-        <mc:Choice xmlns:a14="http://schemas.microsoft.com/office/drawing/2010/main" Requires="a14">
+      <mc:AlternateContent xmlns:mc="http://schemas.openxmlformats.org/markup-compatibility/2006" xmlns:a14="http://schemas.microsoft.com/office/drawing/2010/main">
+        <mc:Choice Requires="a14">
           <p:sp>
             <p:nvSpPr>
               <p:cNvPr id="13" name="TextBox 12">
@@ -7212,7 +7207,7 @@
             </p:txBody>
           </p:sp>
         </mc:Choice>
-        <mc:Fallback>
+        <mc:Fallback xmlns="">
           <p:sp>
             <p:nvSpPr>
               <p:cNvPr id="13" name="TextBox 12">
@@ -7257,8 +7252,8 @@
           </p:sp>
         </mc:Fallback>
       </mc:AlternateContent>
-      <mc:AlternateContent xmlns:mc="http://schemas.openxmlformats.org/markup-compatibility/2006">
-        <mc:Choice xmlns:a14="http://schemas.microsoft.com/office/drawing/2010/main" Requires="a14">
+      <mc:AlternateContent xmlns:mc="http://schemas.openxmlformats.org/markup-compatibility/2006" xmlns:a14="http://schemas.microsoft.com/office/drawing/2010/main">
+        <mc:Choice Requires="a14">
           <p:sp>
             <p:nvSpPr>
               <p:cNvPr id="14" name="TextBox 13">
@@ -7400,13 +7395,7 @@
                                 <a:rPr lang="en-US" sz="1400" b="0" i="1" smtClean="0">
                                   <a:latin typeface="Cambria Math" panose="02040503050406030204" pitchFamily="18" charset="0"/>
                                 </a:rPr>
-                                <m:t>2</m:t>
-                              </m:r>
-                              <m:r>
-                                <a:rPr lang="en-US" sz="1400" b="0" i="1" smtClean="0">
-                                  <a:latin typeface="Cambria Math" panose="02040503050406030204" pitchFamily="18" charset="0"/>
-                                </a:rPr>
-                                <m:t>,1</m:t>
+                                <m:t>2,1</m:t>
                               </m:r>
                             </m:sub>
                           </m:sSub>
@@ -7522,7 +7511,7 @@
             </p:txBody>
           </p:sp>
         </mc:Choice>
-        <mc:Fallback>
+        <mc:Fallback xmlns="">
           <p:sp>
             <p:nvSpPr>
               <p:cNvPr id="14" name="TextBox 13">
@@ -9387,8 +9376,8 @@
           </a:fontRef>
         </p:style>
       </p:cxnSp>
-      <mc:AlternateContent xmlns:mc="http://schemas.openxmlformats.org/markup-compatibility/2006">
-        <mc:Choice xmlns:a14="http://schemas.microsoft.com/office/drawing/2010/main" Requires="a14">
+      <mc:AlternateContent xmlns:mc="http://schemas.openxmlformats.org/markup-compatibility/2006" xmlns:a14="http://schemas.microsoft.com/office/drawing/2010/main">
+        <mc:Choice Requires="a14">
           <p:sp>
             <p:nvSpPr>
               <p:cNvPr id="10" name="TextBox 9">
@@ -9598,13 +9587,7 @@
                         <a:rPr lang="en-US" sz="1400" b="0" i="1" smtClean="0">
                           <a:latin typeface="Cambria Math" panose="02040503050406030204" pitchFamily="18" charset="0"/>
                         </a:rPr>
-                        <m:t>+…</m:t>
-                      </m:r>
-                      <m:r>
-                        <a:rPr lang="en-US" sz="1400" b="0" i="1" smtClean="0">
-                          <a:latin typeface="Cambria Math" panose="02040503050406030204" pitchFamily="18" charset="0"/>
-                        </a:rPr>
-                        <m:t>+</m:t>
+                        <m:t>+…+</m:t>
                       </m:r>
                       <m:sSub>
                         <m:sSubPr>
@@ -9647,7 +9630,7 @@
             </p:txBody>
           </p:sp>
         </mc:Choice>
-        <mc:Fallback>
+        <mc:Fallback xmlns="">
           <p:sp>
             <p:nvSpPr>
               <p:cNvPr id="10" name="TextBox 9">
@@ -9692,8 +9675,8 @@
           </p:sp>
         </mc:Fallback>
       </mc:AlternateContent>
-      <mc:AlternateContent xmlns:mc="http://schemas.openxmlformats.org/markup-compatibility/2006">
-        <mc:Choice xmlns:a14="http://schemas.microsoft.com/office/drawing/2010/main" Requires="a14">
+      <mc:AlternateContent xmlns:mc="http://schemas.openxmlformats.org/markup-compatibility/2006" xmlns:a14="http://schemas.microsoft.com/office/drawing/2010/main">
+        <mc:Choice Requires="a14">
           <p:sp>
             <p:nvSpPr>
               <p:cNvPr id="11" name="TextBox 10">
@@ -9835,13 +9818,7 @@
                                 <a:rPr lang="en-US" sz="1400" b="0" i="1" smtClean="0">
                                   <a:latin typeface="Cambria Math" panose="02040503050406030204" pitchFamily="18" charset="0"/>
                                 </a:rPr>
-                                <m:t>2</m:t>
-                              </m:r>
-                              <m:r>
-                                <a:rPr lang="en-US" sz="1400" b="0" i="1" smtClean="0">
-                                  <a:latin typeface="Cambria Math" panose="02040503050406030204" pitchFamily="18" charset="0"/>
-                                </a:rPr>
-                                <m:t>,1</m:t>
+                                <m:t>2,1</m:t>
                               </m:r>
                             </m:sub>
                           </m:sSub>
@@ -9957,7 +9934,7 @@
             </p:txBody>
           </p:sp>
         </mc:Choice>
-        <mc:Fallback>
+        <mc:Fallback xmlns="">
           <p:sp>
             <p:nvSpPr>
               <p:cNvPr id="11" name="TextBox 10">
@@ -10002,8 +9979,8 @@
           </p:sp>
         </mc:Fallback>
       </mc:AlternateContent>
-      <mc:AlternateContent xmlns:mc="http://schemas.openxmlformats.org/markup-compatibility/2006">
-        <mc:Choice xmlns:a14="http://schemas.microsoft.com/office/drawing/2010/main" Requires="a14">
+      <mc:AlternateContent xmlns:mc="http://schemas.openxmlformats.org/markup-compatibility/2006" xmlns:a14="http://schemas.microsoft.com/office/drawing/2010/main">
+        <mc:Choice Requires="a14">
           <p:sp>
             <p:nvSpPr>
               <p:cNvPr id="14" name="TextBox 13">
@@ -10055,7 +10032,7 @@
             </p:txBody>
           </p:sp>
         </mc:Choice>
-        <mc:Fallback>
+        <mc:Fallback xmlns="">
           <p:sp>
             <p:nvSpPr>
               <p:cNvPr id="14" name="TextBox 13">
@@ -28231,7 +28208,7 @@
     </p:spTree>
     <p:extLst>
       <p:ext uri="{BB962C8B-B14F-4D97-AF65-F5344CB8AC3E}">
-        <p14:creationId xmlns:p14="http://schemas.microsoft.com/office/powerpoint/2010/main" val="1384349982"/>
+        <p14:creationId xmlns:p14="http://schemas.microsoft.com/office/powerpoint/2010/main" val="142035714"/>
       </p:ext>
     </p:extLst>
   </p:cSld>
@@ -28317,11 +28294,26 @@
           <a:p>
             <a:pPr algn="ctr"/>
             <a:r>
+              <a:rPr lang="en-US" sz="5400" dirty="0" err="1">
+                <a:latin typeface="Economica" panose="02000506040000020004" pitchFamily="2" charset="77"/>
+              </a:rPr>
+              <a:t>Tensorflow</a:t>
+            </a:r>
+            <a:r>
               <a:rPr lang="en-US" sz="5400" dirty="0">
                 <a:latin typeface="Economica" panose="02000506040000020004" pitchFamily="2" charset="77"/>
               </a:rPr>
-              <a:t>The Layer</a:t>
+              <a:t> </a:t>
             </a:r>
+            <a:r>
+              <a:rPr lang="en-US" sz="5400" dirty="0" err="1">
+                <a:latin typeface="Economica" panose="02000506040000020004" pitchFamily="2" charset="77"/>
+              </a:rPr>
+              <a:t>GradientTape</a:t>
+            </a:r>
+            <a:endParaRPr lang="en-US" sz="5400" dirty="0">
+              <a:latin typeface="Economica" panose="02000506040000020004" pitchFamily="2" charset="77"/>
+            </a:endParaRPr>
           </a:p>
         </p:txBody>
       </p:sp>
@@ -28340,7 +28332,7 @@
         <p:spPr>
           <a:xfrm>
             <a:off x="890337" y="1940249"/>
-            <a:ext cx="10016362" cy="2831544"/>
+            <a:ext cx="10016362" cy="2000548"/>
           </a:xfrm>
           <a:prstGeom prst="rect">
             <a:avLst/>
@@ -28357,17 +28349,8 @@
               <a:rPr lang="en-US" sz="2000" b="1" dirty="0">
                 <a:latin typeface="Quicksand" pitchFamily="2" charset="77"/>
               </a:rPr>
-              <a:t>Layers are the Key Building Block of NNs in </a:t>
+              <a:t>1. Gradient Tape</a:t>
             </a:r>
-            <a:r>
-              <a:rPr lang="en-US" sz="2000" b="1" dirty="0" err="1">
-                <a:latin typeface="Quicksand" pitchFamily="2" charset="77"/>
-              </a:rPr>
-              <a:t>Keras</a:t>
-            </a:r>
-            <a:endParaRPr lang="en-US" sz="2000" b="1" dirty="0">
-              <a:latin typeface="Quicksand" pitchFamily="2" charset="77"/>
-            </a:endParaRPr>
           </a:p>
           <a:p>
             <a:pPr marL="171450" indent="-171450">
@@ -28387,19 +28370,19 @@
               <a:rPr lang="en-US" dirty="0">
                 <a:latin typeface="Quicksand" pitchFamily="2" charset="77"/>
               </a:rPr>
-              <a:t>There are a few subclasses of the Layers class: e.g., Dense is the one we have seen so far – </a:t>
+              <a:t>A </a:t>
             </a:r>
             <a:r>
               <a:rPr lang="en-US" dirty="0" err="1">
                 <a:latin typeface="Quicksand" pitchFamily="2" charset="77"/>
               </a:rPr>
-              <a:t>layers.Dense</a:t>
+              <a:t>Tensorflow</a:t>
             </a:r>
             <a:r>
               <a:rPr lang="en-US" dirty="0">
                 <a:latin typeface="Quicksand" pitchFamily="2" charset="77"/>
               </a:rPr>
-              <a:t>().</a:t>
+              <a:t> function that automates the calculation of derivatives. </a:t>
             </a:r>
           </a:p>
           <a:p>
@@ -28411,20 +28394,7 @@
               <a:rPr lang="en-US" dirty="0">
                 <a:latin typeface="Quicksand" pitchFamily="2" charset="77"/>
               </a:rPr>
-              <a:t>There are many more, though. See: </a:t>
-            </a:r>
-            <a:r>
-              <a:rPr lang="en-US" dirty="0">
-                <a:latin typeface="Quicksand" pitchFamily="2" charset="77"/>
-                <a:hlinkClick r:id="rId2"/>
-              </a:rPr>
-              <a:t>https://keras.io/api/layers/</a:t>
-            </a:r>
-            <a:r>
-              <a:rPr lang="en-US" dirty="0">
-                <a:latin typeface="Quicksand" pitchFamily="2" charset="77"/>
-              </a:rPr>
-              <a:t>. </a:t>
+              <a:t>It constructs a computation graph in the background and implements codified rules for calculating derivatives of functions. </a:t>
             </a:r>
           </a:p>
           <a:p>
@@ -28436,53 +28406,17 @@
               <a:rPr lang="en-US" dirty="0">
                 <a:latin typeface="Quicksand" pitchFamily="2" charset="77"/>
               </a:rPr>
-              <a:t>Most notably, there are pre-processing layers, convolutional layers, attention layers, etc.</a:t>
-            </a:r>
-          </a:p>
-          <a:p>
-            <a:pPr marL="628650" lvl="1" indent="-171450">
-              <a:buFont typeface="Arial" panose="020B0604020202020204" pitchFamily="34" charset="0"/>
-              <a:buChar char="•"/>
-            </a:pPr>
-            <a:r>
-              <a:rPr lang="en-US" dirty="0">
-                <a:latin typeface="Quicksand" pitchFamily="2" charset="77"/>
-              </a:rPr>
-              <a:t>These are different architectural components that can be mixed and matched to create different network topologies. </a:t>
-            </a:r>
-          </a:p>
-          <a:p>
-            <a:pPr marL="628650" lvl="1" indent="-171450">
-              <a:buFont typeface="Arial" panose="020B0604020202020204" pitchFamily="34" charset="0"/>
-              <a:buChar char="•"/>
-            </a:pPr>
-            <a:r>
-              <a:rPr lang="en-US" dirty="0">
-                <a:latin typeface="Quicksand" pitchFamily="2" charset="77"/>
-              </a:rPr>
-              <a:t>It’s possible to make custom layers, as is shown in the book, e.g., “</a:t>
-            </a:r>
-            <a:r>
-              <a:rPr lang="en-US" dirty="0" err="1">
-                <a:latin typeface="Quicksand" pitchFamily="2" charset="77"/>
-              </a:rPr>
-              <a:t>SimpleDense</a:t>
-            </a:r>
-            <a:r>
-              <a:rPr lang="en-US" dirty="0">
-                <a:latin typeface="Quicksand" pitchFamily="2" charset="77"/>
-              </a:rPr>
-              <a:t>()”, but we won’t need this immediately.</a:t>
+              <a:t>You could technically use gradient tape to implement a gradient descent algorithm for many optimization problems.</a:t>
             </a:r>
           </a:p>
         </p:txBody>
       </p:sp>
       <p:pic>
         <p:nvPicPr>
-          <p:cNvPr id="2050" name="Picture 2" descr="Layers of a Convolutional Neural Network | by Meghna Asthana | Analytics  Vidhya | Medium">
+          <p:cNvPr id="1026" name="Picture 2" descr="Audio Cassette Design Decal image 1">
             <a:extLst>
               <a:ext uri="{FF2B5EF4-FFF2-40B4-BE49-F238E27FC236}">
-                <a16:creationId xmlns:a16="http://schemas.microsoft.com/office/drawing/2014/main" id="{E2EF8B3A-C9EC-8D41-9EB3-9B746054F9FE}"/>
+                <a16:creationId xmlns:a16="http://schemas.microsoft.com/office/drawing/2014/main" id="{F4294563-15FB-7545-BBD5-C166A9EFD083}"/>
               </a:ext>
             </a:extLst>
           </p:cNvPr>
@@ -28491,23 +28425,21 @@
           </p:cNvPicPr>
           <p:nvPr/>
         </p:nvPicPr>
-        <p:blipFill>
-          <a:blip r:embed="rId3">
+        <p:blipFill rotWithShape="1">
+          <a:blip r:embed="rId2">
             <a:extLst>
               <a:ext uri="{28A0092B-C50C-407E-A947-70E740481C1C}">
                 <a14:useLocalDpi xmlns:a14="http://schemas.microsoft.com/office/drawing/2010/main" val="0"/>
               </a:ext>
             </a:extLst>
           </a:blip>
-          <a:srcRect/>
-          <a:stretch>
-            <a:fillRect/>
-          </a:stretch>
+          <a:srcRect t="19710" b="20000"/>
+          <a:stretch/>
         </p:blipFill>
         <p:spPr bwMode="auto">
           <a:xfrm>
-            <a:off x="3505626" y="4666214"/>
-            <a:ext cx="4785784" cy="1872698"/>
+            <a:off x="3971983" y="4033340"/>
+            <a:ext cx="3853070" cy="2323010"/>
           </a:xfrm>
           <a:prstGeom prst="rect">
             <a:avLst/>
@@ -28527,7 +28459,7 @@
     </p:spTree>
     <p:extLst>
       <p:ext uri="{BB962C8B-B14F-4D97-AF65-F5344CB8AC3E}">
-        <p14:creationId xmlns:p14="http://schemas.microsoft.com/office/powerpoint/2010/main" val="1051150696"/>
+        <p14:creationId xmlns:p14="http://schemas.microsoft.com/office/powerpoint/2010/main" val="1384349982"/>
       </p:ext>
     </p:extLst>
   </p:cSld>
@@ -28697,6 +28629,278 @@
       </p:grpSpPr>
       <p:sp>
         <p:nvSpPr>
+          <p:cNvPr id="4" name="Slide Number Placeholder 3">
+            <a:extLst>
+              <a:ext uri="{FF2B5EF4-FFF2-40B4-BE49-F238E27FC236}">
+                <a16:creationId xmlns:a16="http://schemas.microsoft.com/office/drawing/2014/main" id="{0B5E4CF9-A880-494D-A159-470F1B8BFB79}"/>
+              </a:ext>
+            </a:extLst>
+          </p:cNvPr>
+          <p:cNvSpPr>
+            <a:spLocks noGrp="1"/>
+          </p:cNvSpPr>
+          <p:nvPr>
+            <p:ph type="sldNum" sz="quarter" idx="12"/>
+          </p:nvPr>
+        </p:nvSpPr>
+        <p:spPr/>
+        <p:txBody>
+          <a:bodyPr/>
+          <a:lstStyle/>
+          <a:p>
+            <a:fld id="{5F85BDAF-76E7-5E4A-80A9-F732B06DC713}" type="slidenum">
+              <a:rPr lang="en-US" smtClean="0"/>
+              <a:t>30</a:t>
+            </a:fld>
+            <a:endParaRPr lang="en-US"/>
+          </a:p>
+        </p:txBody>
+      </p:sp>
+      <p:sp>
+        <p:nvSpPr>
+          <p:cNvPr id="5" name="TextBox 4">
+            <a:extLst>
+              <a:ext uri="{FF2B5EF4-FFF2-40B4-BE49-F238E27FC236}">
+                <a16:creationId xmlns:a16="http://schemas.microsoft.com/office/drawing/2014/main" id="{66017FFC-90AC-7943-A427-7919B7EFCD5A}"/>
+              </a:ext>
+            </a:extLst>
+          </p:cNvPr>
+          <p:cNvSpPr txBox="1"/>
+          <p:nvPr/>
+        </p:nvSpPr>
+        <p:spPr>
+          <a:xfrm>
+            <a:off x="2055613" y="613442"/>
+            <a:ext cx="8080774" cy="923330"/>
+          </a:xfrm>
+          <a:prstGeom prst="rect">
+            <a:avLst/>
+          </a:prstGeom>
+          <a:noFill/>
+        </p:spPr>
+        <p:txBody>
+          <a:bodyPr wrap="square" rtlCol="0">
+            <a:spAutoFit/>
+          </a:bodyPr>
+          <a:lstStyle/>
+          <a:p>
+            <a:pPr algn="ctr"/>
+            <a:r>
+              <a:rPr lang="en-US" sz="5400" dirty="0">
+                <a:latin typeface="Economica" panose="02000506040000020004" pitchFamily="2" charset="77"/>
+              </a:rPr>
+              <a:t>The Layer</a:t>
+            </a:r>
+          </a:p>
+        </p:txBody>
+      </p:sp>
+      <p:sp>
+        <p:nvSpPr>
+          <p:cNvPr id="6" name="TextBox 5">
+            <a:extLst>
+              <a:ext uri="{FF2B5EF4-FFF2-40B4-BE49-F238E27FC236}">
+                <a16:creationId xmlns:a16="http://schemas.microsoft.com/office/drawing/2014/main" id="{1878285F-4D88-EE4A-BBF5-E394C3312294}"/>
+              </a:ext>
+            </a:extLst>
+          </p:cNvPr>
+          <p:cNvSpPr txBox="1"/>
+          <p:nvPr/>
+        </p:nvSpPr>
+        <p:spPr>
+          <a:xfrm>
+            <a:off x="890337" y="1940249"/>
+            <a:ext cx="10016362" cy="2277547"/>
+          </a:xfrm>
+          <a:prstGeom prst="rect">
+            <a:avLst/>
+          </a:prstGeom>
+          <a:noFill/>
+        </p:spPr>
+        <p:txBody>
+          <a:bodyPr wrap="square" rtlCol="0">
+            <a:spAutoFit/>
+          </a:bodyPr>
+          <a:lstStyle/>
+          <a:p>
+            <a:r>
+              <a:rPr lang="en-US" sz="2000" b="1" dirty="0">
+                <a:latin typeface="Quicksand" pitchFamily="2" charset="77"/>
+              </a:rPr>
+              <a:t>Layers are the Key Building Block of NNs in </a:t>
+            </a:r>
+            <a:r>
+              <a:rPr lang="en-US" sz="2000" b="1" dirty="0" err="1">
+                <a:latin typeface="Quicksand" pitchFamily="2" charset="77"/>
+              </a:rPr>
+              <a:t>Keras</a:t>
+            </a:r>
+            <a:endParaRPr lang="en-US" sz="2000" b="1" dirty="0">
+              <a:latin typeface="Quicksand" pitchFamily="2" charset="77"/>
+            </a:endParaRPr>
+          </a:p>
+          <a:p>
+            <a:pPr marL="171450" indent="-171450">
+              <a:buFont typeface="Arial" panose="020B0604020202020204" pitchFamily="34" charset="0"/>
+              <a:buChar char="•"/>
+            </a:pPr>
+            <a:endParaRPr lang="en-US" sz="1400" dirty="0">
+              <a:latin typeface="Quicksand" pitchFamily="2" charset="77"/>
+            </a:endParaRPr>
+          </a:p>
+          <a:p>
+            <a:pPr marL="628650" lvl="1" indent="-171450">
+              <a:buFont typeface="Arial" panose="020B0604020202020204" pitchFamily="34" charset="0"/>
+              <a:buChar char="•"/>
+            </a:pPr>
+            <a:r>
+              <a:rPr lang="en-US" dirty="0">
+                <a:latin typeface="Quicksand" pitchFamily="2" charset="77"/>
+              </a:rPr>
+              <a:t>There are a few subclasses of the Layers class: e.g., Dense is the one we have seen so far – </a:t>
+            </a:r>
+            <a:r>
+              <a:rPr lang="en-US" dirty="0" err="1">
+                <a:latin typeface="Quicksand" pitchFamily="2" charset="77"/>
+              </a:rPr>
+              <a:t>layers.Dense</a:t>
+            </a:r>
+            <a:r>
+              <a:rPr lang="en-US" dirty="0">
+                <a:latin typeface="Quicksand" pitchFamily="2" charset="77"/>
+              </a:rPr>
+              <a:t>(), but we also have convolutional layers, max-pooling layers, recurrent layers, and so on. There are many pre-defined layers in </a:t>
+            </a:r>
+            <a:r>
+              <a:rPr lang="en-US" dirty="0" err="1">
+                <a:latin typeface="Quicksand" pitchFamily="2" charset="77"/>
+              </a:rPr>
+              <a:t>Keras</a:t>
+            </a:r>
+            <a:r>
+              <a:rPr lang="en-US" dirty="0">
+                <a:latin typeface="Quicksand" pitchFamily="2" charset="77"/>
+              </a:rPr>
+              <a:t>. See: </a:t>
+            </a:r>
+            <a:r>
+              <a:rPr lang="en-US" dirty="0">
+                <a:latin typeface="Quicksand" pitchFamily="2" charset="77"/>
+                <a:hlinkClick r:id="rId2"/>
+              </a:rPr>
+              <a:t>https://keras.io/api/layers/</a:t>
+            </a:r>
+            <a:r>
+              <a:rPr lang="en-US" dirty="0">
+                <a:latin typeface="Quicksand" pitchFamily="2" charset="77"/>
+              </a:rPr>
+              <a:t>. </a:t>
+            </a:r>
+          </a:p>
+          <a:p>
+            <a:pPr marL="628650" lvl="1" indent="-171450">
+              <a:buFont typeface="Arial" panose="020B0604020202020204" pitchFamily="34" charset="0"/>
+              <a:buChar char="•"/>
+            </a:pPr>
+            <a:r>
+              <a:rPr lang="en-US" dirty="0">
+                <a:latin typeface="Quicksand" pitchFamily="2" charset="77"/>
+              </a:rPr>
+              <a:t>These are different architectural components that can be mixed and matched in different ways to create different network topologies. </a:t>
+            </a:r>
+          </a:p>
+          <a:p>
+            <a:pPr marL="628650" lvl="1" indent="-171450">
+              <a:buFont typeface="Arial" panose="020B0604020202020204" pitchFamily="34" charset="0"/>
+              <a:buChar char="•"/>
+            </a:pPr>
+            <a:r>
+              <a:rPr lang="en-US" dirty="0">
+                <a:latin typeface="Quicksand" pitchFamily="2" charset="77"/>
+              </a:rPr>
+              <a:t>It is also possible to construct custom layers.</a:t>
+            </a:r>
+          </a:p>
+        </p:txBody>
+      </p:sp>
+      <p:pic>
+        <p:nvPicPr>
+          <p:cNvPr id="2050" name="Picture 2" descr="Layers of a Convolutional Neural Network | by Meghna Asthana | Analytics  Vidhya | Medium">
+            <a:extLst>
+              <a:ext uri="{FF2B5EF4-FFF2-40B4-BE49-F238E27FC236}">
+                <a16:creationId xmlns:a16="http://schemas.microsoft.com/office/drawing/2014/main" id="{E2EF8B3A-C9EC-8D41-9EB3-9B746054F9FE}"/>
+              </a:ext>
+            </a:extLst>
+          </p:cNvPr>
+          <p:cNvPicPr>
+            <a:picLocks noChangeAspect="1" noChangeArrowheads="1"/>
+          </p:cNvPicPr>
+          <p:nvPr/>
+        </p:nvPicPr>
+        <p:blipFill>
+          <a:blip r:embed="rId3">
+            <a:extLst>
+              <a:ext uri="{28A0092B-C50C-407E-A947-70E740481C1C}">
+                <a14:useLocalDpi xmlns:a14="http://schemas.microsoft.com/office/drawing/2010/main" val="0"/>
+              </a:ext>
+            </a:extLst>
+          </a:blip>
+          <a:srcRect/>
+          <a:stretch>
+            <a:fillRect/>
+          </a:stretch>
+        </p:blipFill>
+        <p:spPr bwMode="auto">
+          <a:xfrm>
+            <a:off x="3505626" y="4454180"/>
+            <a:ext cx="4785784" cy="1872698"/>
+          </a:xfrm>
+          <a:prstGeom prst="rect">
+            <a:avLst/>
+          </a:prstGeom>
+          <a:noFill/>
+          <a:extLst>
+            <a:ext uri="{909E8E84-426E-40DD-AFC4-6F175D3DCCD1}">
+              <a14:hiddenFill xmlns:a14="http://schemas.microsoft.com/office/drawing/2010/main">
+                <a:solidFill>
+                  <a:srgbClr val="FFFFFF"/>
+                </a:solidFill>
+              </a14:hiddenFill>
+            </a:ext>
+          </a:extLst>
+        </p:spPr>
+      </p:pic>
+    </p:spTree>
+    <p:extLst>
+      <p:ext uri="{BB962C8B-B14F-4D97-AF65-F5344CB8AC3E}">
+        <p14:creationId xmlns:p14="http://schemas.microsoft.com/office/powerpoint/2010/main" val="1051150696"/>
+      </p:ext>
+    </p:extLst>
+  </p:cSld>
+  <p:clrMapOvr>
+    <a:masterClrMapping/>
+  </p:clrMapOvr>
+</p:sld>
+</file>
+
+<file path=ppt/slides/slide31.xml><?xml version="1.0" encoding="utf-8"?>
+<p:sld xmlns:a="http://schemas.openxmlformats.org/drawingml/2006/main" xmlns:r="http://schemas.openxmlformats.org/officeDocument/2006/relationships" xmlns:p="http://schemas.openxmlformats.org/presentationml/2006/main">
+  <p:cSld>
+    <p:spTree>
+      <p:nvGrpSpPr>
+        <p:cNvPr id="1" name=""/>
+        <p:cNvGrpSpPr/>
+        <p:nvPr/>
+      </p:nvGrpSpPr>
+      <p:grpSpPr>
+        <a:xfrm>
+          <a:off x="0" y="0"/>
+          <a:ext cx="0" cy="0"/>
+          <a:chOff x="0" y="0"/>
+          <a:chExt cx="0" cy="0"/>
+        </a:xfrm>
+      </p:grpSpPr>
+      <p:sp>
+        <p:nvSpPr>
           <p:cNvPr id="2" name="Rectangle 1">
             <a:extLst>
               <a:ext uri="{FF2B5EF4-FFF2-40B4-BE49-F238E27FC236}">
@@ -28772,7 +28976,7 @@
           <a:p>
             <a:fld id="{5F85BDAF-76E7-5E4A-80A9-F732B06DC713}" type="slidenum">
               <a:rPr lang="en-US" smtClean="0"/>
-              <a:t>30</a:t>
+              <a:t>31</a:t>
             </a:fld>
             <a:endParaRPr lang="en-US"/>
           </a:p>
@@ -28838,7 +29042,7 @@
 </p:sld>
 </file>
 
-<file path=ppt/slides/slide31.xml><?xml version="1.0" encoding="utf-8"?>
+<file path=ppt/slides/slide32.xml><?xml version="1.0" encoding="utf-8"?>
 <p:sld xmlns:a="http://schemas.openxmlformats.org/drawingml/2006/main" xmlns:r="http://schemas.openxmlformats.org/officeDocument/2006/relationships" xmlns:p="http://schemas.openxmlformats.org/presentationml/2006/main">
   <p:cSld>
     <p:spTree>
@@ -28878,7 +29082,7 @@
           <a:p>
             <a:fld id="{5F85BDAF-76E7-5E4A-80A9-F732B06DC713}" type="slidenum">
               <a:rPr lang="en-US" smtClean="0"/>
-              <a:t>31</a:t>
+              <a:t>32</a:t>
             </a:fld>
             <a:endParaRPr lang="en-US"/>
           </a:p>

--- a/Week 2/02 - Math & Keras.pptx
+++ b/Week 2/02 - Math & Keras.pptx
@@ -5,7 +5,7 @@
     <p:sldMasterId id="2147483648" r:id="rId1"/>
   </p:sldMasterIdLst>
   <p:notesMasterIdLst>
-    <p:notesMasterId r:id="rId34"/>
+    <p:notesMasterId r:id="rId35"/>
   </p:notesMasterIdLst>
   <p:sldIdLst>
     <p:sldId id="256" r:id="rId2"/>
@@ -21,25 +21,26 @@
     <p:sldId id="372" r:id="rId12"/>
     <p:sldId id="383" r:id="rId13"/>
     <p:sldId id="382" r:id="rId14"/>
-    <p:sldId id="379" r:id="rId15"/>
-    <p:sldId id="384" r:id="rId16"/>
-    <p:sldId id="386" r:id="rId17"/>
-    <p:sldId id="385" r:id="rId18"/>
-    <p:sldId id="387" r:id="rId19"/>
-    <p:sldId id="388" r:id="rId20"/>
-    <p:sldId id="391" r:id="rId21"/>
-    <p:sldId id="392" r:id="rId22"/>
-    <p:sldId id="393" r:id="rId23"/>
-    <p:sldId id="394" r:id="rId24"/>
-    <p:sldId id="395" r:id="rId25"/>
-    <p:sldId id="397" r:id="rId26"/>
-    <p:sldId id="398" r:id="rId27"/>
-    <p:sldId id="399" r:id="rId28"/>
-    <p:sldId id="403" r:id="rId29"/>
-    <p:sldId id="400" r:id="rId30"/>
-    <p:sldId id="401" r:id="rId31"/>
-    <p:sldId id="402" r:id="rId32"/>
-    <p:sldId id="389" r:id="rId33"/>
+    <p:sldId id="404" r:id="rId15"/>
+    <p:sldId id="379" r:id="rId16"/>
+    <p:sldId id="384" r:id="rId17"/>
+    <p:sldId id="386" r:id="rId18"/>
+    <p:sldId id="385" r:id="rId19"/>
+    <p:sldId id="387" r:id="rId20"/>
+    <p:sldId id="388" r:id="rId21"/>
+    <p:sldId id="391" r:id="rId22"/>
+    <p:sldId id="392" r:id="rId23"/>
+    <p:sldId id="393" r:id="rId24"/>
+    <p:sldId id="394" r:id="rId25"/>
+    <p:sldId id="395" r:id="rId26"/>
+    <p:sldId id="397" r:id="rId27"/>
+    <p:sldId id="398" r:id="rId28"/>
+    <p:sldId id="399" r:id="rId29"/>
+    <p:sldId id="403" r:id="rId30"/>
+    <p:sldId id="400" r:id="rId31"/>
+    <p:sldId id="401" r:id="rId32"/>
+    <p:sldId id="402" r:id="rId33"/>
+    <p:sldId id="389" r:id="rId34"/>
   </p:sldIdLst>
   <p:sldSz cx="12192000" cy="6858000"/>
   <p:notesSz cx="6858000" cy="9144000"/>
@@ -670,7 +671,7 @@
           <a:p>
             <a:fld id="{E707AF2C-A832-324A-A13C-3791A9476477}" type="slidenum">
               <a:rPr lang="en-US" smtClean="0"/>
-              <a:t>16</a:t>
+              <a:t>17</a:t>
             </a:fld>
             <a:endParaRPr lang="en-US"/>
           </a:p>
@@ -757,7 +758,7 @@
           <a:p>
             <a:fld id="{E707AF2C-A832-324A-A13C-3791A9476477}" type="slidenum">
               <a:rPr lang="en-US" smtClean="0"/>
-              <a:t>17</a:t>
+              <a:t>18</a:t>
             </a:fld>
             <a:endParaRPr lang="en-US"/>
           </a:p>
@@ -844,7 +845,7 @@
           <a:p>
             <a:fld id="{E707AF2C-A832-324A-A13C-3791A9476477}" type="slidenum">
               <a:rPr lang="en-US" smtClean="0"/>
-              <a:t>19</a:t>
+              <a:t>20</a:t>
             </a:fld>
             <a:endParaRPr lang="en-US"/>
           </a:p>
@@ -931,7 +932,7 @@
           <a:p>
             <a:fld id="{E707AF2C-A832-324A-A13C-3791A9476477}" type="slidenum">
               <a:rPr lang="en-US" smtClean="0"/>
-              <a:t>20</a:t>
+              <a:t>21</a:t>
             </a:fld>
             <a:endParaRPr lang="en-US"/>
           </a:p>
@@ -1018,7 +1019,7 @@
           <a:p>
             <a:fld id="{E707AF2C-A832-324A-A13C-3791A9476477}" type="slidenum">
               <a:rPr lang="en-US" smtClean="0"/>
-              <a:t>21</a:t>
+              <a:t>22</a:t>
             </a:fld>
             <a:endParaRPr lang="en-US"/>
           </a:p>
@@ -1105,7 +1106,7 @@
           <a:p>
             <a:fld id="{E707AF2C-A832-324A-A13C-3791A9476477}" type="slidenum">
               <a:rPr lang="en-US" smtClean="0"/>
-              <a:t>22</a:t>
+              <a:t>23</a:t>
             </a:fld>
             <a:endParaRPr lang="en-US"/>
           </a:p>
@@ -1192,7 +1193,7 @@
           <a:p>
             <a:fld id="{E707AF2C-A832-324A-A13C-3791A9476477}" type="slidenum">
               <a:rPr lang="en-US" smtClean="0"/>
-              <a:t>23</a:t>
+              <a:t>24</a:t>
             </a:fld>
             <a:endParaRPr lang="en-US"/>
           </a:p>
@@ -1279,7 +1280,7 @@
           <a:p>
             <a:fld id="{E707AF2C-A832-324A-A13C-3791A9476477}" type="slidenum">
               <a:rPr lang="en-US" smtClean="0"/>
-              <a:t>24</a:t>
+              <a:t>25</a:t>
             </a:fld>
             <a:endParaRPr lang="en-US"/>
           </a:p>
@@ -1371,7 +1372,7 @@
           <a:p>
             <a:fld id="{E707AF2C-A832-324A-A13C-3791A9476477}" type="slidenum">
               <a:rPr lang="en-US" smtClean="0"/>
-              <a:t>25</a:t>
+              <a:t>26</a:t>
             </a:fld>
             <a:endParaRPr lang="en-US"/>
           </a:p>
@@ -1458,7 +1459,7 @@
           <a:p>
             <a:fld id="{E707AF2C-A832-324A-A13C-3791A9476477}" type="slidenum">
               <a:rPr lang="en-US" smtClean="0"/>
-              <a:t>26</a:t>
+              <a:t>27</a:t>
             </a:fld>
             <a:endParaRPr lang="en-US"/>
           </a:p>
@@ -1645,7 +1646,7 @@
           <a:p>
             <a:fld id="{E707AF2C-A832-324A-A13C-3791A9476477}" type="slidenum">
               <a:rPr lang="en-US" smtClean="0"/>
-              <a:t>27</a:t>
+              <a:t>28</a:t>
             </a:fld>
             <a:endParaRPr lang="en-US"/>
           </a:p>
@@ -1732,7 +1733,7 @@
           <a:p>
             <a:fld id="{E707AF2C-A832-324A-A13C-3791A9476477}" type="slidenum">
               <a:rPr lang="en-US" smtClean="0"/>
-              <a:t>32</a:t>
+              <a:t>33</a:t>
             </a:fld>
             <a:endParaRPr lang="en-US"/>
           </a:p>
@@ -2335,7 +2336,7 @@
           <a:p>
             <a:fld id="{E707AF2C-A832-324A-A13C-3791A9476477}" type="slidenum">
               <a:rPr lang="en-US" smtClean="0"/>
-              <a:t>14</a:t>
+              <a:t>15</a:t>
             </a:fld>
             <a:endParaRPr lang="en-US"/>
           </a:p>
@@ -2422,7 +2423,7 @@
           <a:p>
             <a:fld id="{E707AF2C-A832-324A-A13C-3791A9476477}" type="slidenum">
               <a:rPr lang="en-US" smtClean="0"/>
-              <a:t>15</a:t>
+              <a:t>16</a:t>
             </a:fld>
             <a:endParaRPr lang="en-US"/>
           </a:p>
@@ -8359,6 +8360,297 @@
 <file path=ppt/slides/slide14.xml><?xml version="1.0" encoding="utf-8"?>
 <p:sld xmlns:a="http://schemas.openxmlformats.org/drawingml/2006/main" xmlns:r="http://schemas.openxmlformats.org/officeDocument/2006/relationships" xmlns:p="http://schemas.openxmlformats.org/presentationml/2006/main">
   <p:cSld>
+    <p:bg>
+      <p:bgPr>
+        <a:solidFill>
+          <a:srgbClr val="F0F0F0"/>
+        </a:solidFill>
+        <a:effectLst/>
+      </p:bgPr>
+    </p:bg>
+    <p:spTree>
+      <p:nvGrpSpPr>
+        <p:cNvPr id="1" name=""/>
+        <p:cNvGrpSpPr/>
+        <p:nvPr/>
+      </p:nvGrpSpPr>
+      <p:grpSpPr>
+        <a:xfrm>
+          <a:off x="0" y="0"/>
+          <a:ext cx="0" cy="0"/>
+          <a:chOff x="0" y="0"/>
+          <a:chExt cx="0" cy="0"/>
+        </a:xfrm>
+      </p:grpSpPr>
+      <p:sp>
+        <p:nvSpPr>
+          <p:cNvPr id="4" name="Slide Number Placeholder 3">
+            <a:extLst>
+              <a:ext uri="{FF2B5EF4-FFF2-40B4-BE49-F238E27FC236}">
+                <a16:creationId xmlns:a16="http://schemas.microsoft.com/office/drawing/2014/main" id="{3BDC5D06-1C2C-C847-BC45-10984F0A0D39}"/>
+              </a:ext>
+            </a:extLst>
+          </p:cNvPr>
+          <p:cNvSpPr>
+            <a:spLocks noGrp="1"/>
+          </p:cNvSpPr>
+          <p:nvPr>
+            <p:ph type="sldNum" sz="quarter" idx="12"/>
+          </p:nvPr>
+        </p:nvSpPr>
+        <p:spPr/>
+        <p:txBody>
+          <a:bodyPr/>
+          <a:lstStyle/>
+          <a:p>
+            <a:fld id="{5F85BDAF-76E7-5E4A-80A9-F732B06DC713}" type="slidenum">
+              <a:rPr lang="en-US" smtClean="0"/>
+              <a:t>14</a:t>
+            </a:fld>
+            <a:endParaRPr lang="en-US"/>
+          </a:p>
+        </p:txBody>
+      </p:sp>
+      <p:sp>
+        <p:nvSpPr>
+          <p:cNvPr id="5" name="TextBox 4">
+            <a:extLst>
+              <a:ext uri="{FF2B5EF4-FFF2-40B4-BE49-F238E27FC236}">
+                <a16:creationId xmlns:a16="http://schemas.microsoft.com/office/drawing/2014/main" id="{60CD6845-6BAF-0A47-9CAE-ECCB93CD2E26}"/>
+              </a:ext>
+            </a:extLst>
+          </p:cNvPr>
+          <p:cNvSpPr txBox="1"/>
+          <p:nvPr/>
+        </p:nvSpPr>
+        <p:spPr>
+          <a:xfrm>
+            <a:off x="2055613" y="613442"/>
+            <a:ext cx="8080774" cy="923330"/>
+          </a:xfrm>
+          <a:prstGeom prst="rect">
+            <a:avLst/>
+          </a:prstGeom>
+          <a:noFill/>
+        </p:spPr>
+        <p:txBody>
+          <a:bodyPr wrap="square" rtlCol="0">
+            <a:spAutoFit/>
+          </a:bodyPr>
+          <a:lstStyle/>
+          <a:p>
+            <a:pPr algn="ctr"/>
+            <a:r>
+              <a:rPr lang="en-US" sz="5400" dirty="0">
+                <a:latin typeface="Economica" panose="02000506040000020004" pitchFamily="2" charset="77"/>
+              </a:rPr>
+              <a:t>Binary Cross-Entropy Loss</a:t>
+            </a:r>
+          </a:p>
+        </p:txBody>
+      </p:sp>
+      <p:pic>
+        <p:nvPicPr>
+          <p:cNvPr id="2050" name="Picture 2">
+            <a:extLst>
+              <a:ext uri="{FF2B5EF4-FFF2-40B4-BE49-F238E27FC236}">
+                <a16:creationId xmlns:a16="http://schemas.microsoft.com/office/drawing/2014/main" id="{C44084E8-9764-A049-8555-3E6F68108219}"/>
+              </a:ext>
+            </a:extLst>
+          </p:cNvPr>
+          <p:cNvPicPr>
+            <a:picLocks noChangeAspect="1" noChangeArrowheads="1"/>
+          </p:cNvPicPr>
+          <p:nvPr/>
+        </p:nvPicPr>
+        <p:blipFill rotWithShape="1">
+          <a:blip r:embed="rId2">
+            <a:extLst>
+              <a:ext uri="{28A0092B-C50C-407E-A947-70E740481C1C}">
+                <a14:useLocalDpi xmlns:a14="http://schemas.microsoft.com/office/drawing/2010/main" val="0"/>
+              </a:ext>
+            </a:extLst>
+          </a:blip>
+          <a:srcRect t="2921" b="3664"/>
+          <a:stretch/>
+        </p:blipFill>
+        <p:spPr bwMode="auto">
+          <a:xfrm>
+            <a:off x="1758950" y="4004937"/>
+            <a:ext cx="8674100" cy="2491409"/>
+          </a:xfrm>
+          <a:prstGeom prst="rect">
+            <a:avLst/>
+          </a:prstGeom>
+          <a:noFill/>
+          <a:extLst>
+            <a:ext uri="{909E8E84-426E-40DD-AFC4-6F175D3DCCD1}">
+              <a14:hiddenFill xmlns:a14="http://schemas.microsoft.com/office/drawing/2010/main">
+                <a:solidFill>
+                  <a:srgbClr val="FFFFFF"/>
+                </a:solidFill>
+              </a14:hiddenFill>
+            </a:ext>
+          </a:extLst>
+        </p:spPr>
+      </p:pic>
+      <p:sp>
+        <p:nvSpPr>
+          <p:cNvPr id="7" name="TextBox 6">
+            <a:extLst>
+              <a:ext uri="{FF2B5EF4-FFF2-40B4-BE49-F238E27FC236}">
+                <a16:creationId xmlns:a16="http://schemas.microsoft.com/office/drawing/2014/main" id="{38F65071-9A7F-C44A-A286-9CFCC929406C}"/>
+              </a:ext>
+            </a:extLst>
+          </p:cNvPr>
+          <p:cNvSpPr txBox="1"/>
+          <p:nvPr/>
+        </p:nvSpPr>
+        <p:spPr>
+          <a:xfrm>
+            <a:off x="929424" y="1976448"/>
+            <a:ext cx="10136141" cy="1846659"/>
+          </a:xfrm>
+          <a:prstGeom prst="rect">
+            <a:avLst/>
+          </a:prstGeom>
+          <a:noFill/>
+        </p:spPr>
+        <p:txBody>
+          <a:bodyPr wrap="square" rtlCol="0">
+            <a:spAutoFit/>
+          </a:bodyPr>
+          <a:lstStyle/>
+          <a:p>
+            <a:r>
+              <a:rPr lang="en-US" sz="2000" b="1" dirty="0">
+                <a:latin typeface="Quicksand" pitchFamily="2" charset="77"/>
+              </a:rPr>
+              <a:t>Piecemeal Function:</a:t>
+            </a:r>
+          </a:p>
+          <a:p>
+            <a:pPr marL="688975" lvl="1" indent="-230188">
+              <a:buFont typeface="Arial" panose="020B0604020202020204" pitchFamily="34" charset="0"/>
+              <a:buChar char="•"/>
+            </a:pPr>
+            <a:r>
+              <a:rPr lang="en-US" sz="2000" dirty="0">
+                <a:latin typeface="Quicksand" pitchFamily="2" charset="77"/>
+              </a:rPr>
+              <a:t>If ground truth is 1, then loss is -1*log(</a:t>
+            </a:r>
+            <a:r>
+              <a:rPr lang="en-US" sz="2000" i="1" dirty="0">
+                <a:latin typeface="Quicksand" pitchFamily="2" charset="77"/>
+              </a:rPr>
+              <a:t>p</a:t>
+            </a:r>
+            <a:r>
+              <a:rPr lang="en-US" sz="2000" dirty="0">
+                <a:latin typeface="Quicksand" pitchFamily="2" charset="77"/>
+              </a:rPr>
+              <a:t>). As prediction approaches 1, loss approaches 0. As prediction approaches 0, loss grows exponentially.</a:t>
+            </a:r>
+          </a:p>
+          <a:p>
+            <a:pPr marL="688975" lvl="1" indent="-230188">
+              <a:buFont typeface="Arial" panose="020B0604020202020204" pitchFamily="34" charset="0"/>
+              <a:buChar char="•"/>
+            </a:pPr>
+            <a:r>
+              <a:rPr lang="en-US" sz="2000" dirty="0">
+                <a:latin typeface="Quicksand" pitchFamily="2" charset="77"/>
+              </a:rPr>
+              <a:t>If ground truth is 0, then loss is -1*log(1-</a:t>
+            </a:r>
+            <a:r>
+              <a:rPr lang="en-US" sz="2000" i="1" dirty="0">
+                <a:latin typeface="Quicksand" pitchFamily="2" charset="77"/>
+              </a:rPr>
+              <a:t>p</a:t>
+            </a:r>
+            <a:r>
+              <a:rPr lang="en-US" sz="2000" dirty="0">
+                <a:latin typeface="Quicksand" pitchFamily="2" charset="77"/>
+              </a:rPr>
+              <a:t>). As prediction approaches 1, loss rises exponentially. As prediction approaches 0, loss approaches 0. </a:t>
+            </a:r>
+          </a:p>
+          <a:p>
+            <a:pPr marL="171450" indent="-171450">
+              <a:buFont typeface="Arial" panose="020B0604020202020204" pitchFamily="34" charset="0"/>
+              <a:buChar char="•"/>
+            </a:pPr>
+            <a:endParaRPr lang="en-US" sz="1400" dirty="0">
+              <a:latin typeface="Quicksand" pitchFamily="2" charset="77"/>
+            </a:endParaRPr>
+          </a:p>
+        </p:txBody>
+      </p:sp>
+      <p:pic>
+        <p:nvPicPr>
+          <p:cNvPr id="8" name="Picture 2">
+            <a:extLst>
+              <a:ext uri="{FF2B5EF4-FFF2-40B4-BE49-F238E27FC236}">
+                <a16:creationId xmlns:a16="http://schemas.microsoft.com/office/drawing/2014/main" id="{567C652F-7811-CE49-BFDE-9E37FC968355}"/>
+              </a:ext>
+            </a:extLst>
+          </p:cNvPr>
+          <p:cNvPicPr>
+            <a:picLocks noChangeAspect="1" noChangeArrowheads="1"/>
+          </p:cNvPicPr>
+          <p:nvPr/>
+        </p:nvPicPr>
+        <p:blipFill>
+          <a:blip r:embed="rId3">
+            <a:extLst>
+              <a:ext uri="{28A0092B-C50C-407E-A947-70E740481C1C}">
+                <a14:useLocalDpi xmlns:a14="http://schemas.microsoft.com/office/drawing/2010/main" val="0"/>
+              </a:ext>
+            </a:extLst>
+          </a:blip>
+          <a:srcRect/>
+          <a:stretch>
+            <a:fillRect/>
+          </a:stretch>
+        </p:blipFill>
+        <p:spPr bwMode="auto">
+          <a:xfrm>
+            <a:off x="8348633" y="1727961"/>
+            <a:ext cx="3267133" cy="470992"/>
+          </a:xfrm>
+          <a:prstGeom prst="rect">
+            <a:avLst/>
+          </a:prstGeom>
+          <a:noFill/>
+          <a:extLst>
+            <a:ext uri="{909E8E84-426E-40DD-AFC4-6F175D3DCCD1}">
+              <a14:hiddenFill xmlns:a14="http://schemas.microsoft.com/office/drawing/2010/main">
+                <a:solidFill>
+                  <a:srgbClr val="FFFFFF"/>
+                </a:solidFill>
+              </a14:hiddenFill>
+            </a:ext>
+          </a:extLst>
+        </p:spPr>
+      </p:pic>
+    </p:spTree>
+    <p:extLst>
+      <p:ext uri="{BB962C8B-B14F-4D97-AF65-F5344CB8AC3E}">
+        <p14:creationId xmlns:p14="http://schemas.microsoft.com/office/powerpoint/2010/main" val="1787923835"/>
+      </p:ext>
+    </p:extLst>
+  </p:cSld>
+  <p:clrMapOvr>
+    <a:masterClrMapping/>
+  </p:clrMapOvr>
+</p:sld>
+</file>
+
+<file path=ppt/slides/slide15.xml><?xml version="1.0" encoding="utf-8"?>
+<p:sld xmlns:a="http://schemas.openxmlformats.org/drawingml/2006/main" xmlns:r="http://schemas.openxmlformats.org/officeDocument/2006/relationships" xmlns:p="http://schemas.openxmlformats.org/presentationml/2006/main">
+  <p:cSld>
     <p:spTree>
       <p:nvGrpSpPr>
         <p:cNvPr id="1" name=""/>
@@ -8396,7 +8688,7 @@
           <a:p>
             <a:fld id="{5F85BDAF-76E7-5E4A-80A9-F732B06DC713}" type="slidenum">
               <a:rPr lang="en-US" smtClean="0"/>
-              <a:t>14</a:t>
+              <a:t>15</a:t>
             </a:fld>
             <a:endParaRPr lang="en-US"/>
           </a:p>
@@ -8552,7 +8844,7 @@
 </p:sld>
 </file>
 
-<file path=ppt/slides/slide15.xml><?xml version="1.0" encoding="utf-8"?>
+<file path=ppt/slides/slide16.xml><?xml version="1.0" encoding="utf-8"?>
 <p:sld xmlns:a="http://schemas.openxmlformats.org/drawingml/2006/main" xmlns:r="http://schemas.openxmlformats.org/officeDocument/2006/relationships" xmlns:p="http://schemas.openxmlformats.org/presentationml/2006/main">
   <p:cSld>
     <p:bg>
@@ -8600,7 +8892,7 @@
           <a:p>
             <a:fld id="{5F85BDAF-76E7-5E4A-80A9-F732B06DC713}" type="slidenum">
               <a:rPr lang="en-US" smtClean="0"/>
-              <a:t>15</a:t>
+              <a:t>16</a:t>
             </a:fld>
             <a:endParaRPr lang="en-US"/>
           </a:p>
@@ -8751,7 +9043,7 @@
 </p:sld>
 </file>
 
-<file path=ppt/slides/slide16.xml><?xml version="1.0" encoding="utf-8"?>
+<file path=ppt/slides/slide17.xml><?xml version="1.0" encoding="utf-8"?>
 <p:sld xmlns:a="http://schemas.openxmlformats.org/drawingml/2006/main" xmlns:r="http://schemas.openxmlformats.org/officeDocument/2006/relationships" xmlns:p="http://schemas.openxmlformats.org/presentationml/2006/main">
   <p:cSld>
     <p:spTree>
@@ -8791,7 +9083,7 @@
           <a:p>
             <a:fld id="{5F85BDAF-76E7-5E4A-80A9-F732B06DC713}" type="slidenum">
               <a:rPr lang="en-US" smtClean="0"/>
-              <a:t>16</a:t>
+              <a:t>17</a:t>
             </a:fld>
             <a:endParaRPr lang="en-US"/>
           </a:p>
@@ -8895,7 +9187,7 @@
 </p:sld>
 </file>
 
-<file path=ppt/slides/slide17.xml><?xml version="1.0" encoding="utf-8"?>
+<file path=ppt/slides/slide18.xml><?xml version="1.0" encoding="utf-8"?>
 <p:sld xmlns:a="http://schemas.openxmlformats.org/drawingml/2006/main" xmlns:r="http://schemas.openxmlformats.org/officeDocument/2006/relationships" xmlns:p="http://schemas.openxmlformats.org/presentationml/2006/main">
   <p:cSld>
     <p:bg>
@@ -8943,7 +9235,7 @@
           <a:p>
             <a:fld id="{5F85BDAF-76E7-5E4A-80A9-F732B06DC713}" type="slidenum">
               <a:rPr lang="en-US" smtClean="0"/>
-              <a:t>17</a:t>
+              <a:t>18</a:t>
             </a:fld>
             <a:endParaRPr lang="en-US"/>
           </a:p>
@@ -9047,7 +9339,7 @@
 </p:sld>
 </file>
 
-<file path=ppt/slides/slide18.xml><?xml version="1.0" encoding="utf-8"?>
+<file path=ppt/slides/slide19.xml><?xml version="1.0" encoding="utf-8"?>
 <p:sld xmlns:a="http://schemas.openxmlformats.org/drawingml/2006/main" xmlns:r="http://schemas.openxmlformats.org/officeDocument/2006/relationships" xmlns:p="http://schemas.openxmlformats.org/presentationml/2006/main">
   <p:cSld>
     <p:spTree>
@@ -9087,7 +9379,7 @@
           <a:p>
             <a:fld id="{5F85BDAF-76E7-5E4A-80A9-F732B06DC713}" type="slidenum">
               <a:rPr lang="en-US" smtClean="0"/>
-              <a:t>18</a:t>
+              <a:t>19</a:t>
             </a:fld>
             <a:endParaRPr lang="en-US"/>
           </a:p>
@@ -10090,7 +10382,248 @@
 </p:sld>
 </file>
 
-<file path=ppt/slides/slide19.xml><?xml version="1.0" encoding="utf-8"?>
+<file path=ppt/slides/slide2.xml><?xml version="1.0" encoding="utf-8"?>
+<p:sld xmlns:a="http://schemas.openxmlformats.org/drawingml/2006/main" xmlns:r="http://schemas.openxmlformats.org/officeDocument/2006/relationships" xmlns:p="http://schemas.openxmlformats.org/presentationml/2006/main">
+  <p:cSld>
+    <p:spTree>
+      <p:nvGrpSpPr>
+        <p:cNvPr id="1" name=""/>
+        <p:cNvGrpSpPr/>
+        <p:nvPr/>
+      </p:nvGrpSpPr>
+      <p:grpSpPr>
+        <a:xfrm>
+          <a:off x="0" y="0"/>
+          <a:ext cx="0" cy="0"/>
+          <a:chOff x="0" y="0"/>
+          <a:chExt cx="0" cy="0"/>
+        </a:xfrm>
+      </p:grpSpPr>
+      <p:sp>
+        <p:nvSpPr>
+          <p:cNvPr id="4" name="TextBox 3">
+            <a:extLst>
+              <a:ext uri="{FF2B5EF4-FFF2-40B4-BE49-F238E27FC236}">
+                <a16:creationId xmlns:a16="http://schemas.microsoft.com/office/drawing/2014/main" id="{2E4ACB90-5B23-AE45-9404-FED4FB5128EF}"/>
+              </a:ext>
+            </a:extLst>
+          </p:cNvPr>
+          <p:cNvSpPr txBox="1"/>
+          <p:nvPr/>
+        </p:nvSpPr>
+        <p:spPr>
+          <a:xfrm>
+            <a:off x="2865521" y="586938"/>
+            <a:ext cx="6460957" cy="923330"/>
+          </a:xfrm>
+          <a:prstGeom prst="rect">
+            <a:avLst/>
+          </a:prstGeom>
+          <a:noFill/>
+        </p:spPr>
+        <p:txBody>
+          <a:bodyPr wrap="square" rtlCol="0">
+            <a:spAutoFit/>
+          </a:bodyPr>
+          <a:lstStyle/>
+          <a:p>
+            <a:pPr algn="ctr"/>
+            <a:r>
+              <a:rPr lang="en-US" sz="5400" dirty="0">
+                <a:latin typeface="Economica" panose="02000506040000020004" pitchFamily="2" charset="77"/>
+              </a:rPr>
+              <a:t>Today’s Agenda</a:t>
+            </a:r>
+          </a:p>
+        </p:txBody>
+      </p:sp>
+      <p:sp>
+        <p:nvSpPr>
+          <p:cNvPr id="5" name="TextBox 4">
+            <a:extLst>
+              <a:ext uri="{FF2B5EF4-FFF2-40B4-BE49-F238E27FC236}">
+                <a16:creationId xmlns:a16="http://schemas.microsoft.com/office/drawing/2014/main" id="{21B2E298-9F21-FF4E-96E1-1B758B6D7AC7}"/>
+              </a:ext>
+            </a:extLst>
+          </p:cNvPr>
+          <p:cNvSpPr txBox="1"/>
+          <p:nvPr/>
+        </p:nvSpPr>
+        <p:spPr>
+          <a:xfrm>
+            <a:off x="890337" y="1940249"/>
+            <a:ext cx="10016362" cy="3046988"/>
+          </a:xfrm>
+          <a:prstGeom prst="rect">
+            <a:avLst/>
+          </a:prstGeom>
+          <a:noFill/>
+        </p:spPr>
+        <p:txBody>
+          <a:bodyPr wrap="square" rtlCol="0">
+            <a:spAutoFit/>
+          </a:bodyPr>
+          <a:lstStyle/>
+          <a:p>
+            <a:r>
+              <a:rPr lang="en-US" sz="2000" b="1" dirty="0">
+                <a:latin typeface="Quicksand" pitchFamily="2" charset="77"/>
+              </a:rPr>
+              <a:t>1. Building Blocks of NNs</a:t>
+            </a:r>
+          </a:p>
+          <a:p>
+            <a:pPr marL="171450" indent="-171450">
+              <a:buFont typeface="Arial" panose="020B0604020202020204" pitchFamily="34" charset="0"/>
+              <a:buChar char="•"/>
+            </a:pPr>
+            <a:endParaRPr lang="en-US" sz="1400" dirty="0">
+              <a:latin typeface="Quicksand" pitchFamily="2" charset="77"/>
+            </a:endParaRPr>
+          </a:p>
+          <a:p>
+            <a:pPr marL="628650" lvl="1" indent="-171450">
+              <a:buFont typeface="Arial" panose="020B0604020202020204" pitchFamily="34" charset="0"/>
+              <a:buChar char="•"/>
+            </a:pPr>
+            <a:r>
+              <a:rPr lang="en-US" dirty="0">
+                <a:latin typeface="Quicksand" pitchFamily="2" charset="77"/>
+              </a:rPr>
+              <a:t>Tensors (and relevant mathematical operations)</a:t>
+            </a:r>
+          </a:p>
+          <a:p>
+            <a:pPr marL="628650" lvl="1" indent="-171450">
+              <a:buFont typeface="Arial" panose="020B0604020202020204" pitchFamily="34" charset="0"/>
+              <a:buChar char="•"/>
+            </a:pPr>
+            <a:r>
+              <a:rPr lang="en-US" dirty="0">
+                <a:latin typeface="Quicksand" pitchFamily="2" charset="77"/>
+              </a:rPr>
+              <a:t>Activation and Loss Functions</a:t>
+            </a:r>
+          </a:p>
+          <a:p>
+            <a:pPr marL="628650" lvl="1" indent="-171450">
+              <a:buFont typeface="Arial" panose="020B0604020202020204" pitchFamily="34" charset="0"/>
+              <a:buChar char="•"/>
+            </a:pPr>
+            <a:r>
+              <a:rPr lang="en-US" dirty="0">
+                <a:latin typeface="Quicksand" pitchFamily="2" charset="77"/>
+              </a:rPr>
+              <a:t>Backpropagation: Derivatives, Gradients &amp; the Chain Rule (with examples)</a:t>
+            </a:r>
+          </a:p>
+          <a:p>
+            <a:endParaRPr lang="en-US" sz="2000" b="1" dirty="0">
+              <a:latin typeface="Quicksand" pitchFamily="2" charset="77"/>
+            </a:endParaRPr>
+          </a:p>
+          <a:p>
+            <a:r>
+              <a:rPr lang="en-US" sz="2000" b="1" dirty="0">
+                <a:latin typeface="Quicksand" pitchFamily="2" charset="77"/>
+              </a:rPr>
+              <a:t>2. Building a Linear Classifier</a:t>
+            </a:r>
+          </a:p>
+          <a:p>
+            <a:pPr marL="171450" indent="-171450">
+              <a:buFont typeface="Arial" panose="020B0604020202020204" pitchFamily="34" charset="0"/>
+              <a:buChar char="•"/>
+            </a:pPr>
+            <a:endParaRPr lang="en-US" sz="1400" dirty="0">
+              <a:latin typeface="Quicksand" pitchFamily="2" charset="77"/>
+            </a:endParaRPr>
+          </a:p>
+          <a:p>
+            <a:pPr marL="628650" lvl="1" indent="-171450">
+              <a:buFont typeface="Arial" panose="020B0604020202020204" pitchFamily="34" charset="0"/>
+              <a:buChar char="•"/>
+            </a:pPr>
+            <a:r>
+              <a:rPr lang="en-US" dirty="0">
+                <a:latin typeface="Quicksand" pitchFamily="2" charset="77"/>
+              </a:rPr>
+              <a:t>Overview of </a:t>
+            </a:r>
+            <a:r>
+              <a:rPr lang="en-US" dirty="0" err="1">
+                <a:latin typeface="Quicksand" pitchFamily="2" charset="77"/>
+              </a:rPr>
+              <a:t>Keras</a:t>
+            </a:r>
+            <a:r>
+              <a:rPr lang="en-US" dirty="0">
+                <a:latin typeface="Quicksand" pitchFamily="2" charset="77"/>
+              </a:rPr>
+              <a:t> and </a:t>
+            </a:r>
+            <a:r>
+              <a:rPr lang="en-US" dirty="0" err="1">
+                <a:latin typeface="Quicksand" pitchFamily="2" charset="77"/>
+              </a:rPr>
+              <a:t>Tensorflow</a:t>
+            </a:r>
+            <a:r>
+              <a:rPr lang="en-US" dirty="0">
+                <a:latin typeface="Quicksand" pitchFamily="2" charset="77"/>
+              </a:rPr>
+              <a:t>.</a:t>
+            </a:r>
+          </a:p>
+          <a:p>
+            <a:pPr marL="628650" lvl="1" indent="-171450">
+              <a:buFont typeface="Arial" panose="020B0604020202020204" pitchFamily="34" charset="0"/>
+              <a:buChar char="•"/>
+            </a:pPr>
+            <a:r>
+              <a:rPr lang="en-US" dirty="0">
+                <a:latin typeface="Quicksand" pitchFamily="2" charset="77"/>
+              </a:rPr>
+              <a:t>Implementing a linear classifier in </a:t>
+            </a:r>
+            <a:r>
+              <a:rPr lang="en-US" dirty="0" err="1">
+                <a:latin typeface="Quicksand" pitchFamily="2" charset="77"/>
+              </a:rPr>
+              <a:t>Keras</a:t>
+            </a:r>
+            <a:r>
+              <a:rPr lang="en-US" dirty="0">
+                <a:latin typeface="Quicksand" pitchFamily="2" charset="77"/>
+              </a:rPr>
+              <a:t> (now that we know the components).</a:t>
+            </a:r>
+          </a:p>
+          <a:p>
+            <a:pPr marL="171450" indent="-171450">
+              <a:buFont typeface="Arial" panose="020B0604020202020204" pitchFamily="34" charset="0"/>
+              <a:buChar char="•"/>
+            </a:pPr>
+            <a:endParaRPr lang="en-US" sz="1400" dirty="0">
+              <a:latin typeface="Quicksand" pitchFamily="2" charset="77"/>
+            </a:endParaRPr>
+          </a:p>
+        </p:txBody>
+      </p:sp>
+    </p:spTree>
+    <p:extLst>
+      <p:ext uri="{BB962C8B-B14F-4D97-AF65-F5344CB8AC3E}">
+        <p14:creationId xmlns:p14="http://schemas.microsoft.com/office/powerpoint/2010/main" val="2398758055"/>
+      </p:ext>
+    </p:extLst>
+  </p:cSld>
+  <p:clrMapOvr>
+    <a:masterClrMapping/>
+  </p:clrMapOvr>
+</p:sld>
+</file>
+
+<file path=ppt/slides/slide20.xml><?xml version="1.0" encoding="utf-8"?>
 <p:sld xmlns:a="http://schemas.openxmlformats.org/drawingml/2006/main" xmlns:r="http://schemas.openxmlformats.org/officeDocument/2006/relationships" xmlns:p="http://schemas.openxmlformats.org/presentationml/2006/main">
   <p:cSld>
     <p:bg>
@@ -10138,7 +10671,7 @@
           <a:p>
             <a:fld id="{5F85BDAF-76E7-5E4A-80A9-F732B06DC713}" type="slidenum">
               <a:rPr lang="en-US" smtClean="0"/>
-              <a:t>19</a:t>
+              <a:t>20</a:t>
             </a:fld>
             <a:endParaRPr lang="en-US"/>
           </a:p>
@@ -10177,7 +10710,7 @@
               <a:rPr lang="en-US" sz="5400" dirty="0">
                 <a:latin typeface="Economica" panose="02000506040000020004" pitchFamily="2" charset="77"/>
               </a:rPr>
-              <a:t>Computation Graphs</a:t>
+              <a:t>Simplifying Gradients: Computation Graph</a:t>
             </a:r>
           </a:p>
         </p:txBody>
@@ -11262,248 +11795,7 @@
 </p:sld>
 </file>
 
-<file path=ppt/slides/slide2.xml><?xml version="1.0" encoding="utf-8"?>
-<p:sld xmlns:a="http://schemas.openxmlformats.org/drawingml/2006/main" xmlns:r="http://schemas.openxmlformats.org/officeDocument/2006/relationships" xmlns:p="http://schemas.openxmlformats.org/presentationml/2006/main">
-  <p:cSld>
-    <p:spTree>
-      <p:nvGrpSpPr>
-        <p:cNvPr id="1" name=""/>
-        <p:cNvGrpSpPr/>
-        <p:nvPr/>
-      </p:nvGrpSpPr>
-      <p:grpSpPr>
-        <a:xfrm>
-          <a:off x="0" y="0"/>
-          <a:ext cx="0" cy="0"/>
-          <a:chOff x="0" y="0"/>
-          <a:chExt cx="0" cy="0"/>
-        </a:xfrm>
-      </p:grpSpPr>
-      <p:sp>
-        <p:nvSpPr>
-          <p:cNvPr id="4" name="TextBox 3">
-            <a:extLst>
-              <a:ext uri="{FF2B5EF4-FFF2-40B4-BE49-F238E27FC236}">
-                <a16:creationId xmlns:a16="http://schemas.microsoft.com/office/drawing/2014/main" id="{2E4ACB90-5B23-AE45-9404-FED4FB5128EF}"/>
-              </a:ext>
-            </a:extLst>
-          </p:cNvPr>
-          <p:cNvSpPr txBox="1"/>
-          <p:nvPr/>
-        </p:nvSpPr>
-        <p:spPr>
-          <a:xfrm>
-            <a:off x="2865521" y="586938"/>
-            <a:ext cx="6460957" cy="923330"/>
-          </a:xfrm>
-          <a:prstGeom prst="rect">
-            <a:avLst/>
-          </a:prstGeom>
-          <a:noFill/>
-        </p:spPr>
-        <p:txBody>
-          <a:bodyPr wrap="square" rtlCol="0">
-            <a:spAutoFit/>
-          </a:bodyPr>
-          <a:lstStyle/>
-          <a:p>
-            <a:pPr algn="ctr"/>
-            <a:r>
-              <a:rPr lang="en-US" sz="5400" dirty="0">
-                <a:latin typeface="Economica" panose="02000506040000020004" pitchFamily="2" charset="77"/>
-              </a:rPr>
-              <a:t>Today’s Agenda</a:t>
-            </a:r>
-          </a:p>
-        </p:txBody>
-      </p:sp>
-      <p:sp>
-        <p:nvSpPr>
-          <p:cNvPr id="5" name="TextBox 4">
-            <a:extLst>
-              <a:ext uri="{FF2B5EF4-FFF2-40B4-BE49-F238E27FC236}">
-                <a16:creationId xmlns:a16="http://schemas.microsoft.com/office/drawing/2014/main" id="{21B2E298-9F21-FF4E-96E1-1B758B6D7AC7}"/>
-              </a:ext>
-            </a:extLst>
-          </p:cNvPr>
-          <p:cNvSpPr txBox="1"/>
-          <p:nvPr/>
-        </p:nvSpPr>
-        <p:spPr>
-          <a:xfrm>
-            <a:off x="890337" y="1940249"/>
-            <a:ext cx="10016362" cy="3046988"/>
-          </a:xfrm>
-          <a:prstGeom prst="rect">
-            <a:avLst/>
-          </a:prstGeom>
-          <a:noFill/>
-        </p:spPr>
-        <p:txBody>
-          <a:bodyPr wrap="square" rtlCol="0">
-            <a:spAutoFit/>
-          </a:bodyPr>
-          <a:lstStyle/>
-          <a:p>
-            <a:r>
-              <a:rPr lang="en-US" sz="2000" b="1" dirty="0">
-                <a:latin typeface="Quicksand" pitchFamily="2" charset="77"/>
-              </a:rPr>
-              <a:t>1. Building Blocks of NNs</a:t>
-            </a:r>
-          </a:p>
-          <a:p>
-            <a:pPr marL="171450" indent="-171450">
-              <a:buFont typeface="Arial" panose="020B0604020202020204" pitchFamily="34" charset="0"/>
-              <a:buChar char="•"/>
-            </a:pPr>
-            <a:endParaRPr lang="en-US" sz="1400" dirty="0">
-              <a:latin typeface="Quicksand" pitchFamily="2" charset="77"/>
-            </a:endParaRPr>
-          </a:p>
-          <a:p>
-            <a:pPr marL="628650" lvl="1" indent="-171450">
-              <a:buFont typeface="Arial" panose="020B0604020202020204" pitchFamily="34" charset="0"/>
-              <a:buChar char="•"/>
-            </a:pPr>
-            <a:r>
-              <a:rPr lang="en-US" dirty="0">
-                <a:latin typeface="Quicksand" pitchFamily="2" charset="77"/>
-              </a:rPr>
-              <a:t>Tensors (and relevant mathematical operations)</a:t>
-            </a:r>
-          </a:p>
-          <a:p>
-            <a:pPr marL="628650" lvl="1" indent="-171450">
-              <a:buFont typeface="Arial" panose="020B0604020202020204" pitchFamily="34" charset="0"/>
-              <a:buChar char="•"/>
-            </a:pPr>
-            <a:r>
-              <a:rPr lang="en-US" dirty="0">
-                <a:latin typeface="Quicksand" pitchFamily="2" charset="77"/>
-              </a:rPr>
-              <a:t>Activation and Loss Functions</a:t>
-            </a:r>
-          </a:p>
-          <a:p>
-            <a:pPr marL="628650" lvl="1" indent="-171450">
-              <a:buFont typeface="Arial" panose="020B0604020202020204" pitchFamily="34" charset="0"/>
-              <a:buChar char="•"/>
-            </a:pPr>
-            <a:r>
-              <a:rPr lang="en-US" dirty="0">
-                <a:latin typeface="Quicksand" pitchFamily="2" charset="77"/>
-              </a:rPr>
-              <a:t>Backpropagation: Derivatives, Gradients &amp; the Chain Rule (with examples)</a:t>
-            </a:r>
-          </a:p>
-          <a:p>
-            <a:endParaRPr lang="en-US" sz="2000" b="1" dirty="0">
-              <a:latin typeface="Quicksand" pitchFamily="2" charset="77"/>
-            </a:endParaRPr>
-          </a:p>
-          <a:p>
-            <a:r>
-              <a:rPr lang="en-US" sz="2000" b="1" dirty="0">
-                <a:latin typeface="Quicksand" pitchFamily="2" charset="77"/>
-              </a:rPr>
-              <a:t>2. Building a Linear Classifier</a:t>
-            </a:r>
-          </a:p>
-          <a:p>
-            <a:pPr marL="171450" indent="-171450">
-              <a:buFont typeface="Arial" panose="020B0604020202020204" pitchFamily="34" charset="0"/>
-              <a:buChar char="•"/>
-            </a:pPr>
-            <a:endParaRPr lang="en-US" sz="1400" dirty="0">
-              <a:latin typeface="Quicksand" pitchFamily="2" charset="77"/>
-            </a:endParaRPr>
-          </a:p>
-          <a:p>
-            <a:pPr marL="628650" lvl="1" indent="-171450">
-              <a:buFont typeface="Arial" panose="020B0604020202020204" pitchFamily="34" charset="0"/>
-              <a:buChar char="•"/>
-            </a:pPr>
-            <a:r>
-              <a:rPr lang="en-US" dirty="0">
-                <a:latin typeface="Quicksand" pitchFamily="2" charset="77"/>
-              </a:rPr>
-              <a:t>Overview of </a:t>
-            </a:r>
-            <a:r>
-              <a:rPr lang="en-US" dirty="0" err="1">
-                <a:latin typeface="Quicksand" pitchFamily="2" charset="77"/>
-              </a:rPr>
-              <a:t>Keras</a:t>
-            </a:r>
-            <a:r>
-              <a:rPr lang="en-US" dirty="0">
-                <a:latin typeface="Quicksand" pitchFamily="2" charset="77"/>
-              </a:rPr>
-              <a:t> and </a:t>
-            </a:r>
-            <a:r>
-              <a:rPr lang="en-US" dirty="0" err="1">
-                <a:latin typeface="Quicksand" pitchFamily="2" charset="77"/>
-              </a:rPr>
-              <a:t>Tensorflow</a:t>
-            </a:r>
-            <a:r>
-              <a:rPr lang="en-US" dirty="0">
-                <a:latin typeface="Quicksand" pitchFamily="2" charset="77"/>
-              </a:rPr>
-              <a:t>.</a:t>
-            </a:r>
-          </a:p>
-          <a:p>
-            <a:pPr marL="628650" lvl="1" indent="-171450">
-              <a:buFont typeface="Arial" panose="020B0604020202020204" pitchFamily="34" charset="0"/>
-              <a:buChar char="•"/>
-            </a:pPr>
-            <a:r>
-              <a:rPr lang="en-US" dirty="0">
-                <a:latin typeface="Quicksand" pitchFamily="2" charset="77"/>
-              </a:rPr>
-              <a:t>Implementing a linear classifier in </a:t>
-            </a:r>
-            <a:r>
-              <a:rPr lang="en-US" dirty="0" err="1">
-                <a:latin typeface="Quicksand" pitchFamily="2" charset="77"/>
-              </a:rPr>
-              <a:t>Keras</a:t>
-            </a:r>
-            <a:r>
-              <a:rPr lang="en-US" dirty="0">
-                <a:latin typeface="Quicksand" pitchFamily="2" charset="77"/>
-              </a:rPr>
-              <a:t> (now that we know the components).</a:t>
-            </a:r>
-          </a:p>
-          <a:p>
-            <a:pPr marL="171450" indent="-171450">
-              <a:buFont typeface="Arial" panose="020B0604020202020204" pitchFamily="34" charset="0"/>
-              <a:buChar char="•"/>
-            </a:pPr>
-            <a:endParaRPr lang="en-US" sz="1400" dirty="0">
-              <a:latin typeface="Quicksand" pitchFamily="2" charset="77"/>
-            </a:endParaRPr>
-          </a:p>
-        </p:txBody>
-      </p:sp>
-    </p:spTree>
-    <p:extLst>
-      <p:ext uri="{BB962C8B-B14F-4D97-AF65-F5344CB8AC3E}">
-        <p14:creationId xmlns:p14="http://schemas.microsoft.com/office/powerpoint/2010/main" val="2398758055"/>
-      </p:ext>
-    </p:extLst>
-  </p:cSld>
-  <p:clrMapOvr>
-    <a:masterClrMapping/>
-  </p:clrMapOvr>
-</p:sld>
-</file>
-
-<file path=ppt/slides/slide20.xml><?xml version="1.0" encoding="utf-8"?>
+<file path=ppt/slides/slide21.xml><?xml version="1.0" encoding="utf-8"?>
 <p:sld xmlns:a="http://schemas.openxmlformats.org/drawingml/2006/main" xmlns:r="http://schemas.openxmlformats.org/officeDocument/2006/relationships" xmlns:p="http://schemas.openxmlformats.org/presentationml/2006/main">
   <p:cSld>
     <p:bg>
@@ -11551,7 +11843,7 @@
           <a:p>
             <a:fld id="{5F85BDAF-76E7-5E4A-80A9-F732B06DC713}" type="slidenum">
               <a:rPr lang="en-US" smtClean="0"/>
-              <a:t>20</a:t>
+              <a:t>21</a:t>
             </a:fld>
             <a:endParaRPr lang="en-US"/>
           </a:p>
@@ -11590,7 +11882,7 @@
               <a:rPr lang="en-US" sz="5400" dirty="0">
                 <a:latin typeface="Economica" panose="02000506040000020004" pitchFamily="2" charset="77"/>
               </a:rPr>
-              <a:t>Backpropagation = Work Backwards</a:t>
+              <a:t>Backpropagation = Working Backwards</a:t>
             </a:r>
           </a:p>
         </p:txBody>
@@ -12864,7 +13156,7 @@
 </p:sld>
 </file>
 
-<file path=ppt/slides/slide21.xml><?xml version="1.0" encoding="utf-8"?>
+<file path=ppt/slides/slide22.xml><?xml version="1.0" encoding="utf-8"?>
 <p:sld xmlns:a="http://schemas.openxmlformats.org/drawingml/2006/main" xmlns:r="http://schemas.openxmlformats.org/officeDocument/2006/relationships" xmlns:p="http://schemas.openxmlformats.org/presentationml/2006/main">
   <p:cSld>
     <p:bg>
@@ -12912,7 +13204,7 @@
           <a:p>
             <a:fld id="{5F85BDAF-76E7-5E4A-80A9-F732B06DC713}" type="slidenum">
               <a:rPr lang="en-US" smtClean="0"/>
-              <a:t>21</a:t>
+              <a:t>22</a:t>
             </a:fld>
             <a:endParaRPr lang="en-US"/>
           </a:p>
@@ -14590,7 +14882,7 @@
 </p:sld>
 </file>
 
-<file path=ppt/slides/slide22.xml><?xml version="1.0" encoding="utf-8"?>
+<file path=ppt/slides/slide23.xml><?xml version="1.0" encoding="utf-8"?>
 <p:sld xmlns:a="http://schemas.openxmlformats.org/drawingml/2006/main" xmlns:r="http://schemas.openxmlformats.org/officeDocument/2006/relationships" xmlns:p="http://schemas.openxmlformats.org/presentationml/2006/main">
   <p:cSld>
     <p:bg>
@@ -14638,7 +14930,7 @@
           <a:p>
             <a:fld id="{5F85BDAF-76E7-5E4A-80A9-F732B06DC713}" type="slidenum">
               <a:rPr lang="en-US" smtClean="0"/>
-              <a:t>22</a:t>
+              <a:t>23</a:t>
             </a:fld>
             <a:endParaRPr lang="en-US"/>
           </a:p>
@@ -16461,7 +16753,7 @@
 </p:sld>
 </file>
 
-<file path=ppt/slides/slide23.xml><?xml version="1.0" encoding="utf-8"?>
+<file path=ppt/slides/slide24.xml><?xml version="1.0" encoding="utf-8"?>
 <p:sld xmlns:a="http://schemas.openxmlformats.org/drawingml/2006/main" xmlns:r="http://schemas.openxmlformats.org/officeDocument/2006/relationships" xmlns:p="http://schemas.openxmlformats.org/presentationml/2006/main">
   <p:cSld>
     <p:bg>
@@ -16509,7 +16801,7 @@
           <a:p>
             <a:fld id="{5F85BDAF-76E7-5E4A-80A9-F732B06DC713}" type="slidenum">
               <a:rPr lang="en-US" smtClean="0"/>
-              <a:t>23</a:t>
+              <a:t>24</a:t>
             </a:fld>
             <a:endParaRPr lang="en-US"/>
           </a:p>
@@ -18447,7 +18739,7 @@
 </p:sld>
 </file>
 
-<file path=ppt/slides/slide24.xml><?xml version="1.0" encoding="utf-8"?>
+<file path=ppt/slides/slide25.xml><?xml version="1.0" encoding="utf-8"?>
 <p:sld xmlns:a="http://schemas.openxmlformats.org/drawingml/2006/main" xmlns:r="http://schemas.openxmlformats.org/officeDocument/2006/relationships" xmlns:p="http://schemas.openxmlformats.org/presentationml/2006/main">
   <p:cSld>
     <p:bg>
@@ -18495,7 +18787,7 @@
           <a:p>
             <a:fld id="{5F85BDAF-76E7-5E4A-80A9-F732B06DC713}" type="slidenum">
               <a:rPr lang="en-US" smtClean="0"/>
-              <a:t>24</a:t>
+              <a:t>25</a:t>
             </a:fld>
             <a:endParaRPr lang="en-US"/>
           </a:p>
@@ -20614,7 +20906,7 @@
 </p:sld>
 </file>
 
-<file path=ppt/slides/slide25.xml><?xml version="1.0" encoding="utf-8"?>
+<file path=ppt/slides/slide26.xml><?xml version="1.0" encoding="utf-8"?>
 <p:sld xmlns:a="http://schemas.openxmlformats.org/drawingml/2006/main" xmlns:r="http://schemas.openxmlformats.org/officeDocument/2006/relationships" xmlns:p="http://schemas.openxmlformats.org/presentationml/2006/main">
   <p:cSld>
     <p:bg>
@@ -22850,7 +23142,7 @@
 </p:sld>
 </file>
 
-<file path=ppt/slides/slide26.xml><?xml version="1.0" encoding="utf-8"?>
+<file path=ppt/slides/slide27.xml><?xml version="1.0" encoding="utf-8"?>
 <p:sld xmlns:a="http://schemas.openxmlformats.org/drawingml/2006/main" xmlns:r="http://schemas.openxmlformats.org/officeDocument/2006/relationships" xmlns:p="http://schemas.openxmlformats.org/presentationml/2006/main">
   <p:cSld>
     <p:bg>
@@ -25839,7 +26131,7 @@
 </p:sld>
 </file>
 
-<file path=ppt/slides/slide27.xml><?xml version="1.0" encoding="utf-8"?>
+<file path=ppt/slides/slide28.xml><?xml version="1.0" encoding="utf-8"?>
 <p:sld xmlns:a="http://schemas.openxmlformats.org/drawingml/2006/main" xmlns:r="http://schemas.openxmlformats.org/officeDocument/2006/relationships" xmlns:p="http://schemas.openxmlformats.org/presentationml/2006/main">
   <p:cSld>
     <p:bg>
@@ -27903,7 +28195,7 @@
 </p:sld>
 </file>
 
-<file path=ppt/slides/slide28.xml><?xml version="1.0" encoding="utf-8"?>
+<file path=ppt/slides/slide29.xml><?xml version="1.0" encoding="utf-8"?>
 <p:sld xmlns:a="http://schemas.openxmlformats.org/drawingml/2006/main" xmlns:r="http://schemas.openxmlformats.org/officeDocument/2006/relationships" xmlns:p="http://schemas.openxmlformats.org/presentationml/2006/main">
   <p:cSld>
     <p:spTree>
@@ -27943,7 +28235,7 @@
           <a:p>
             <a:fld id="{5F85BDAF-76E7-5E4A-80A9-F732B06DC713}" type="slidenum">
               <a:rPr lang="en-US" smtClean="0"/>
-              <a:t>28</a:t>
+              <a:t>29</a:t>
             </a:fld>
             <a:endParaRPr lang="en-US"/>
           </a:p>
@@ -28209,257 +28501,6 @@
     <p:extLst>
       <p:ext uri="{BB962C8B-B14F-4D97-AF65-F5344CB8AC3E}">
         <p14:creationId xmlns:p14="http://schemas.microsoft.com/office/powerpoint/2010/main" val="142035714"/>
-      </p:ext>
-    </p:extLst>
-  </p:cSld>
-  <p:clrMapOvr>
-    <a:masterClrMapping/>
-  </p:clrMapOvr>
-</p:sld>
-</file>
-
-<file path=ppt/slides/slide29.xml><?xml version="1.0" encoding="utf-8"?>
-<p:sld xmlns:a="http://schemas.openxmlformats.org/drawingml/2006/main" xmlns:r="http://schemas.openxmlformats.org/officeDocument/2006/relationships" xmlns:p="http://schemas.openxmlformats.org/presentationml/2006/main">
-  <p:cSld>
-    <p:spTree>
-      <p:nvGrpSpPr>
-        <p:cNvPr id="1" name=""/>
-        <p:cNvGrpSpPr/>
-        <p:nvPr/>
-      </p:nvGrpSpPr>
-      <p:grpSpPr>
-        <a:xfrm>
-          <a:off x="0" y="0"/>
-          <a:ext cx="0" cy="0"/>
-          <a:chOff x="0" y="0"/>
-          <a:chExt cx="0" cy="0"/>
-        </a:xfrm>
-      </p:grpSpPr>
-      <p:sp>
-        <p:nvSpPr>
-          <p:cNvPr id="4" name="Slide Number Placeholder 3">
-            <a:extLst>
-              <a:ext uri="{FF2B5EF4-FFF2-40B4-BE49-F238E27FC236}">
-                <a16:creationId xmlns:a16="http://schemas.microsoft.com/office/drawing/2014/main" id="{0B5E4CF9-A880-494D-A159-470F1B8BFB79}"/>
-              </a:ext>
-            </a:extLst>
-          </p:cNvPr>
-          <p:cNvSpPr>
-            <a:spLocks noGrp="1"/>
-          </p:cNvSpPr>
-          <p:nvPr>
-            <p:ph type="sldNum" sz="quarter" idx="12"/>
-          </p:nvPr>
-        </p:nvSpPr>
-        <p:spPr/>
-        <p:txBody>
-          <a:bodyPr/>
-          <a:lstStyle/>
-          <a:p>
-            <a:fld id="{5F85BDAF-76E7-5E4A-80A9-F732B06DC713}" type="slidenum">
-              <a:rPr lang="en-US" smtClean="0"/>
-              <a:t>29</a:t>
-            </a:fld>
-            <a:endParaRPr lang="en-US"/>
-          </a:p>
-        </p:txBody>
-      </p:sp>
-      <p:sp>
-        <p:nvSpPr>
-          <p:cNvPr id="5" name="TextBox 4">
-            <a:extLst>
-              <a:ext uri="{FF2B5EF4-FFF2-40B4-BE49-F238E27FC236}">
-                <a16:creationId xmlns:a16="http://schemas.microsoft.com/office/drawing/2014/main" id="{66017FFC-90AC-7943-A427-7919B7EFCD5A}"/>
-              </a:ext>
-            </a:extLst>
-          </p:cNvPr>
-          <p:cNvSpPr txBox="1"/>
-          <p:nvPr/>
-        </p:nvSpPr>
-        <p:spPr>
-          <a:xfrm>
-            <a:off x="2055613" y="613442"/>
-            <a:ext cx="8080774" cy="923330"/>
-          </a:xfrm>
-          <a:prstGeom prst="rect">
-            <a:avLst/>
-          </a:prstGeom>
-          <a:noFill/>
-        </p:spPr>
-        <p:txBody>
-          <a:bodyPr wrap="square" rtlCol="0">
-            <a:spAutoFit/>
-          </a:bodyPr>
-          <a:lstStyle/>
-          <a:p>
-            <a:pPr algn="ctr"/>
-            <a:r>
-              <a:rPr lang="en-US" sz="5400" dirty="0" err="1">
-                <a:latin typeface="Economica" panose="02000506040000020004" pitchFamily="2" charset="77"/>
-              </a:rPr>
-              <a:t>Tensorflow</a:t>
-            </a:r>
-            <a:r>
-              <a:rPr lang="en-US" sz="5400" dirty="0">
-                <a:latin typeface="Economica" panose="02000506040000020004" pitchFamily="2" charset="77"/>
-              </a:rPr>
-              <a:t> </a:t>
-            </a:r>
-            <a:r>
-              <a:rPr lang="en-US" sz="5400" dirty="0" err="1">
-                <a:latin typeface="Economica" panose="02000506040000020004" pitchFamily="2" charset="77"/>
-              </a:rPr>
-              <a:t>GradientTape</a:t>
-            </a:r>
-            <a:endParaRPr lang="en-US" sz="5400" dirty="0">
-              <a:latin typeface="Economica" panose="02000506040000020004" pitchFamily="2" charset="77"/>
-            </a:endParaRPr>
-          </a:p>
-        </p:txBody>
-      </p:sp>
-      <p:sp>
-        <p:nvSpPr>
-          <p:cNvPr id="6" name="TextBox 5">
-            <a:extLst>
-              <a:ext uri="{FF2B5EF4-FFF2-40B4-BE49-F238E27FC236}">
-                <a16:creationId xmlns:a16="http://schemas.microsoft.com/office/drawing/2014/main" id="{1878285F-4D88-EE4A-BBF5-E394C3312294}"/>
-              </a:ext>
-            </a:extLst>
-          </p:cNvPr>
-          <p:cNvSpPr txBox="1"/>
-          <p:nvPr/>
-        </p:nvSpPr>
-        <p:spPr>
-          <a:xfrm>
-            <a:off x="890337" y="1940249"/>
-            <a:ext cx="10016362" cy="2000548"/>
-          </a:xfrm>
-          <a:prstGeom prst="rect">
-            <a:avLst/>
-          </a:prstGeom>
-          <a:noFill/>
-        </p:spPr>
-        <p:txBody>
-          <a:bodyPr wrap="square" rtlCol="0">
-            <a:spAutoFit/>
-          </a:bodyPr>
-          <a:lstStyle/>
-          <a:p>
-            <a:r>
-              <a:rPr lang="en-US" sz="2000" b="1" dirty="0">
-                <a:latin typeface="Quicksand" pitchFamily="2" charset="77"/>
-              </a:rPr>
-              <a:t>1. Gradient Tape</a:t>
-            </a:r>
-          </a:p>
-          <a:p>
-            <a:pPr marL="171450" indent="-171450">
-              <a:buFont typeface="Arial" panose="020B0604020202020204" pitchFamily="34" charset="0"/>
-              <a:buChar char="•"/>
-            </a:pPr>
-            <a:endParaRPr lang="en-US" sz="1400" dirty="0">
-              <a:latin typeface="Quicksand" pitchFamily="2" charset="77"/>
-            </a:endParaRPr>
-          </a:p>
-          <a:p>
-            <a:pPr marL="628650" lvl="1" indent="-171450">
-              <a:buFont typeface="Arial" panose="020B0604020202020204" pitchFamily="34" charset="0"/>
-              <a:buChar char="•"/>
-            </a:pPr>
-            <a:r>
-              <a:rPr lang="en-US" dirty="0">
-                <a:latin typeface="Quicksand" pitchFamily="2" charset="77"/>
-              </a:rPr>
-              <a:t>A </a:t>
-            </a:r>
-            <a:r>
-              <a:rPr lang="en-US" dirty="0" err="1">
-                <a:latin typeface="Quicksand" pitchFamily="2" charset="77"/>
-              </a:rPr>
-              <a:t>Tensorflow</a:t>
-            </a:r>
-            <a:r>
-              <a:rPr lang="en-US" dirty="0">
-                <a:latin typeface="Quicksand" pitchFamily="2" charset="77"/>
-              </a:rPr>
-              <a:t> function that automates the calculation of derivatives. </a:t>
-            </a:r>
-          </a:p>
-          <a:p>
-            <a:pPr marL="628650" lvl="1" indent="-171450">
-              <a:buFont typeface="Arial" panose="020B0604020202020204" pitchFamily="34" charset="0"/>
-              <a:buChar char="•"/>
-            </a:pPr>
-            <a:r>
-              <a:rPr lang="en-US" dirty="0">
-                <a:latin typeface="Quicksand" pitchFamily="2" charset="77"/>
-              </a:rPr>
-              <a:t>It constructs a computation graph in the background and implements codified rules for calculating derivatives of functions. </a:t>
-            </a:r>
-          </a:p>
-          <a:p>
-            <a:pPr marL="628650" lvl="1" indent="-171450">
-              <a:buFont typeface="Arial" panose="020B0604020202020204" pitchFamily="34" charset="0"/>
-              <a:buChar char="•"/>
-            </a:pPr>
-            <a:r>
-              <a:rPr lang="en-US" dirty="0">
-                <a:latin typeface="Quicksand" pitchFamily="2" charset="77"/>
-              </a:rPr>
-              <a:t>You could technically use gradient tape to implement a gradient descent algorithm for many optimization problems.</a:t>
-            </a:r>
-          </a:p>
-        </p:txBody>
-      </p:sp>
-      <p:pic>
-        <p:nvPicPr>
-          <p:cNvPr id="1026" name="Picture 2" descr="Audio Cassette Design Decal image 1">
-            <a:extLst>
-              <a:ext uri="{FF2B5EF4-FFF2-40B4-BE49-F238E27FC236}">
-                <a16:creationId xmlns:a16="http://schemas.microsoft.com/office/drawing/2014/main" id="{F4294563-15FB-7545-BBD5-C166A9EFD083}"/>
-              </a:ext>
-            </a:extLst>
-          </p:cNvPr>
-          <p:cNvPicPr>
-            <a:picLocks noChangeAspect="1" noChangeArrowheads="1"/>
-          </p:cNvPicPr>
-          <p:nvPr/>
-        </p:nvPicPr>
-        <p:blipFill rotWithShape="1">
-          <a:blip r:embed="rId2">
-            <a:extLst>
-              <a:ext uri="{28A0092B-C50C-407E-A947-70E740481C1C}">
-                <a14:useLocalDpi xmlns:a14="http://schemas.microsoft.com/office/drawing/2010/main" val="0"/>
-              </a:ext>
-            </a:extLst>
-          </a:blip>
-          <a:srcRect t="19710" b="20000"/>
-          <a:stretch/>
-        </p:blipFill>
-        <p:spPr bwMode="auto">
-          <a:xfrm>
-            <a:off x="3971983" y="4033340"/>
-            <a:ext cx="3853070" cy="2323010"/>
-          </a:xfrm>
-          <a:prstGeom prst="rect">
-            <a:avLst/>
-          </a:prstGeom>
-          <a:noFill/>
-          <a:extLst>
-            <a:ext uri="{909E8E84-426E-40DD-AFC4-6F175D3DCCD1}">
-              <a14:hiddenFill xmlns:a14="http://schemas.microsoft.com/office/drawing/2010/main">
-                <a:solidFill>
-                  <a:srgbClr val="FFFFFF"/>
-                </a:solidFill>
-              </a14:hiddenFill>
-            </a:ext>
-          </a:extLst>
-        </p:spPr>
-      </p:pic>
-    </p:spTree>
-    <p:extLst>
-      <p:ext uri="{BB962C8B-B14F-4D97-AF65-F5344CB8AC3E}">
-        <p14:creationId xmlns:p14="http://schemas.microsoft.com/office/powerpoint/2010/main" val="1384349982"/>
       </p:ext>
     </p:extLst>
   </p:cSld>
@@ -28686,6 +28727,269 @@
           <a:p>
             <a:pPr algn="ctr"/>
             <a:r>
+              <a:rPr lang="en-US" sz="5400" dirty="0" err="1">
+                <a:latin typeface="Economica" panose="02000506040000020004" pitchFamily="2" charset="77"/>
+              </a:rPr>
+              <a:t>Tensorflow</a:t>
+            </a:r>
+            <a:r>
+              <a:rPr lang="en-US" sz="5400" dirty="0">
+                <a:latin typeface="Economica" panose="02000506040000020004" pitchFamily="2" charset="77"/>
+              </a:rPr>
+              <a:t> </a:t>
+            </a:r>
+            <a:r>
+              <a:rPr lang="en-US" sz="5400" dirty="0" err="1">
+                <a:latin typeface="Economica" panose="02000506040000020004" pitchFamily="2" charset="77"/>
+              </a:rPr>
+              <a:t>GradientTape</a:t>
+            </a:r>
+            <a:r>
+              <a:rPr lang="en-US" sz="5400" dirty="0">
+                <a:latin typeface="Economica" panose="02000506040000020004" pitchFamily="2" charset="77"/>
+              </a:rPr>
+              <a:t>: </a:t>
+            </a:r>
+            <a:r>
+              <a:rPr lang="en-US" sz="5400" dirty="0" err="1">
+                <a:latin typeface="Economica" panose="02000506040000020004" pitchFamily="2" charset="77"/>
+              </a:rPr>
+              <a:t>AutoDiff</a:t>
+            </a:r>
+            <a:endParaRPr lang="en-US" sz="5400" dirty="0">
+              <a:latin typeface="Economica" panose="02000506040000020004" pitchFamily="2" charset="77"/>
+            </a:endParaRPr>
+          </a:p>
+        </p:txBody>
+      </p:sp>
+      <p:sp>
+        <p:nvSpPr>
+          <p:cNvPr id="6" name="TextBox 5">
+            <a:extLst>
+              <a:ext uri="{FF2B5EF4-FFF2-40B4-BE49-F238E27FC236}">
+                <a16:creationId xmlns:a16="http://schemas.microsoft.com/office/drawing/2014/main" id="{1878285F-4D88-EE4A-BBF5-E394C3312294}"/>
+              </a:ext>
+            </a:extLst>
+          </p:cNvPr>
+          <p:cNvSpPr txBox="1"/>
+          <p:nvPr/>
+        </p:nvSpPr>
+        <p:spPr>
+          <a:xfrm>
+            <a:off x="890337" y="1940249"/>
+            <a:ext cx="10016362" cy="2000548"/>
+          </a:xfrm>
+          <a:prstGeom prst="rect">
+            <a:avLst/>
+          </a:prstGeom>
+          <a:noFill/>
+        </p:spPr>
+        <p:txBody>
+          <a:bodyPr wrap="square" rtlCol="0">
+            <a:spAutoFit/>
+          </a:bodyPr>
+          <a:lstStyle/>
+          <a:p>
+            <a:r>
+              <a:rPr lang="en-US" sz="2000" b="1" dirty="0">
+                <a:latin typeface="Quicksand" pitchFamily="2" charset="77"/>
+              </a:rPr>
+              <a:t>1. Gradient Tape</a:t>
+            </a:r>
+          </a:p>
+          <a:p>
+            <a:pPr marL="171450" indent="-171450">
+              <a:buFont typeface="Arial" panose="020B0604020202020204" pitchFamily="34" charset="0"/>
+              <a:buChar char="•"/>
+            </a:pPr>
+            <a:endParaRPr lang="en-US" sz="1400" dirty="0">
+              <a:latin typeface="Quicksand" pitchFamily="2" charset="77"/>
+            </a:endParaRPr>
+          </a:p>
+          <a:p>
+            <a:pPr marL="628650" lvl="1" indent="-171450">
+              <a:buFont typeface="Arial" panose="020B0604020202020204" pitchFamily="34" charset="0"/>
+              <a:buChar char="•"/>
+            </a:pPr>
+            <a:r>
+              <a:rPr lang="en-US" dirty="0">
+                <a:latin typeface="Quicksand" pitchFamily="2" charset="77"/>
+              </a:rPr>
+              <a:t>A </a:t>
+            </a:r>
+            <a:r>
+              <a:rPr lang="en-US" dirty="0" err="1">
+                <a:latin typeface="Quicksand" pitchFamily="2" charset="77"/>
+              </a:rPr>
+              <a:t>Tensorflow</a:t>
+            </a:r>
+            <a:r>
+              <a:rPr lang="en-US" dirty="0">
+                <a:latin typeface="Quicksand" pitchFamily="2" charset="77"/>
+              </a:rPr>
+              <a:t> function that automates the calculation of derivatives. </a:t>
+            </a:r>
+          </a:p>
+          <a:p>
+            <a:pPr marL="628650" lvl="1" indent="-171450">
+              <a:buFont typeface="Arial" panose="020B0604020202020204" pitchFamily="34" charset="0"/>
+              <a:buChar char="•"/>
+            </a:pPr>
+            <a:r>
+              <a:rPr lang="en-US" dirty="0">
+                <a:latin typeface="Quicksand" pitchFamily="2" charset="77"/>
+              </a:rPr>
+              <a:t>It constructs a computation graph in the background and implements codified rules for calculating derivatives of functions. </a:t>
+            </a:r>
+          </a:p>
+          <a:p>
+            <a:pPr marL="628650" lvl="1" indent="-171450">
+              <a:buFont typeface="Arial" panose="020B0604020202020204" pitchFamily="34" charset="0"/>
+              <a:buChar char="•"/>
+            </a:pPr>
+            <a:r>
+              <a:rPr lang="en-US" dirty="0">
+                <a:latin typeface="Quicksand" pitchFamily="2" charset="77"/>
+              </a:rPr>
+              <a:t>You could technically use gradient tape to implement a gradient descent algorithm for many optimization problems.</a:t>
+            </a:r>
+          </a:p>
+        </p:txBody>
+      </p:sp>
+      <p:pic>
+        <p:nvPicPr>
+          <p:cNvPr id="1026" name="Picture 2" descr="Audio Cassette Design Decal image 1">
+            <a:extLst>
+              <a:ext uri="{FF2B5EF4-FFF2-40B4-BE49-F238E27FC236}">
+                <a16:creationId xmlns:a16="http://schemas.microsoft.com/office/drawing/2014/main" id="{F4294563-15FB-7545-BBD5-C166A9EFD083}"/>
+              </a:ext>
+            </a:extLst>
+          </p:cNvPr>
+          <p:cNvPicPr>
+            <a:picLocks noChangeAspect="1" noChangeArrowheads="1"/>
+          </p:cNvPicPr>
+          <p:nvPr/>
+        </p:nvPicPr>
+        <p:blipFill rotWithShape="1">
+          <a:blip r:embed="rId2">
+            <a:extLst>
+              <a:ext uri="{28A0092B-C50C-407E-A947-70E740481C1C}">
+                <a14:useLocalDpi xmlns:a14="http://schemas.microsoft.com/office/drawing/2010/main" val="0"/>
+              </a:ext>
+            </a:extLst>
+          </a:blip>
+          <a:srcRect t="19710" b="20000"/>
+          <a:stretch/>
+        </p:blipFill>
+        <p:spPr bwMode="auto">
+          <a:xfrm>
+            <a:off x="3971983" y="4033340"/>
+            <a:ext cx="3853070" cy="2323010"/>
+          </a:xfrm>
+          <a:prstGeom prst="rect">
+            <a:avLst/>
+          </a:prstGeom>
+          <a:noFill/>
+          <a:extLst>
+            <a:ext uri="{909E8E84-426E-40DD-AFC4-6F175D3DCCD1}">
+              <a14:hiddenFill xmlns:a14="http://schemas.microsoft.com/office/drawing/2010/main">
+                <a:solidFill>
+                  <a:srgbClr val="FFFFFF"/>
+                </a:solidFill>
+              </a14:hiddenFill>
+            </a:ext>
+          </a:extLst>
+        </p:spPr>
+      </p:pic>
+    </p:spTree>
+    <p:extLst>
+      <p:ext uri="{BB962C8B-B14F-4D97-AF65-F5344CB8AC3E}">
+        <p14:creationId xmlns:p14="http://schemas.microsoft.com/office/powerpoint/2010/main" val="1384349982"/>
+      </p:ext>
+    </p:extLst>
+  </p:cSld>
+  <p:clrMapOvr>
+    <a:masterClrMapping/>
+  </p:clrMapOvr>
+</p:sld>
+</file>
+
+<file path=ppt/slides/slide31.xml><?xml version="1.0" encoding="utf-8"?>
+<p:sld xmlns:a="http://schemas.openxmlformats.org/drawingml/2006/main" xmlns:r="http://schemas.openxmlformats.org/officeDocument/2006/relationships" xmlns:p="http://schemas.openxmlformats.org/presentationml/2006/main">
+  <p:cSld>
+    <p:spTree>
+      <p:nvGrpSpPr>
+        <p:cNvPr id="1" name=""/>
+        <p:cNvGrpSpPr/>
+        <p:nvPr/>
+      </p:nvGrpSpPr>
+      <p:grpSpPr>
+        <a:xfrm>
+          <a:off x="0" y="0"/>
+          <a:ext cx="0" cy="0"/>
+          <a:chOff x="0" y="0"/>
+          <a:chExt cx="0" cy="0"/>
+        </a:xfrm>
+      </p:grpSpPr>
+      <p:sp>
+        <p:nvSpPr>
+          <p:cNvPr id="4" name="Slide Number Placeholder 3">
+            <a:extLst>
+              <a:ext uri="{FF2B5EF4-FFF2-40B4-BE49-F238E27FC236}">
+                <a16:creationId xmlns:a16="http://schemas.microsoft.com/office/drawing/2014/main" id="{0B5E4CF9-A880-494D-A159-470F1B8BFB79}"/>
+              </a:ext>
+            </a:extLst>
+          </p:cNvPr>
+          <p:cNvSpPr>
+            <a:spLocks noGrp="1"/>
+          </p:cNvSpPr>
+          <p:nvPr>
+            <p:ph type="sldNum" sz="quarter" idx="12"/>
+          </p:nvPr>
+        </p:nvSpPr>
+        <p:spPr/>
+        <p:txBody>
+          <a:bodyPr/>
+          <a:lstStyle/>
+          <a:p>
+            <a:fld id="{5F85BDAF-76E7-5E4A-80A9-F732B06DC713}" type="slidenum">
+              <a:rPr lang="en-US" smtClean="0"/>
+              <a:t>31</a:t>
+            </a:fld>
+            <a:endParaRPr lang="en-US"/>
+          </a:p>
+        </p:txBody>
+      </p:sp>
+      <p:sp>
+        <p:nvSpPr>
+          <p:cNvPr id="5" name="TextBox 4">
+            <a:extLst>
+              <a:ext uri="{FF2B5EF4-FFF2-40B4-BE49-F238E27FC236}">
+                <a16:creationId xmlns:a16="http://schemas.microsoft.com/office/drawing/2014/main" id="{66017FFC-90AC-7943-A427-7919B7EFCD5A}"/>
+              </a:ext>
+            </a:extLst>
+          </p:cNvPr>
+          <p:cNvSpPr txBox="1"/>
+          <p:nvPr/>
+        </p:nvSpPr>
+        <p:spPr>
+          <a:xfrm>
+            <a:off x="2055613" y="613442"/>
+            <a:ext cx="8080774" cy="923330"/>
+          </a:xfrm>
+          <a:prstGeom prst="rect">
+            <a:avLst/>
+          </a:prstGeom>
+          <a:noFill/>
+        </p:spPr>
+        <p:txBody>
+          <a:bodyPr wrap="square" rtlCol="0">
+            <a:spAutoFit/>
+          </a:bodyPr>
+          <a:lstStyle/>
+          <a:p>
+            <a:pPr algn="ctr"/>
+            <a:r>
               <a:rPr lang="en-US" sz="5400" dirty="0">
                 <a:latin typeface="Economica" panose="02000506040000020004" pitchFamily="2" charset="77"/>
               </a:rPr>
@@ -28882,7 +29186,7 @@
 </p:sld>
 </file>
 
-<file path=ppt/slides/slide31.xml><?xml version="1.0" encoding="utf-8"?>
+<file path=ppt/slides/slide32.xml><?xml version="1.0" encoding="utf-8"?>
 <p:sld xmlns:a="http://schemas.openxmlformats.org/drawingml/2006/main" xmlns:r="http://schemas.openxmlformats.org/officeDocument/2006/relationships" xmlns:p="http://schemas.openxmlformats.org/presentationml/2006/main">
   <p:cSld>
     <p:spTree>
@@ -28976,7 +29280,7 @@
           <a:p>
             <a:fld id="{5F85BDAF-76E7-5E4A-80A9-F732B06DC713}" type="slidenum">
               <a:rPr lang="en-US" smtClean="0"/>
-              <a:t>31</a:t>
+              <a:t>32</a:t>
             </a:fld>
             <a:endParaRPr lang="en-US"/>
           </a:p>
@@ -29042,7 +29346,7 @@
 </p:sld>
 </file>
 
-<file path=ppt/slides/slide32.xml><?xml version="1.0" encoding="utf-8"?>
+<file path=ppt/slides/slide33.xml><?xml version="1.0" encoding="utf-8"?>
 <p:sld xmlns:a="http://schemas.openxmlformats.org/drawingml/2006/main" xmlns:r="http://schemas.openxmlformats.org/officeDocument/2006/relationships" xmlns:p="http://schemas.openxmlformats.org/presentationml/2006/main">
   <p:cSld>
     <p:spTree>
@@ -29082,7 +29386,7 @@
           <a:p>
             <a:fld id="{5F85BDAF-76E7-5E4A-80A9-F732B06DC713}" type="slidenum">
               <a:rPr lang="en-US" smtClean="0"/>
-              <a:t>32</a:t>
+              <a:t>33</a:t>
             </a:fld>
             <a:endParaRPr lang="en-US"/>
           </a:p>

--- a/Week 2/02 - Math & Keras.pptx
+++ b/Week 2/02 - Math & Keras.pptx
@@ -5,42 +5,43 @@
     <p:sldMasterId id="2147483648" r:id="rId1"/>
   </p:sldMasterIdLst>
   <p:notesMasterIdLst>
-    <p:notesMasterId r:id="rId35"/>
+    <p:notesMasterId r:id="rId36"/>
   </p:notesMasterIdLst>
   <p:sldIdLst>
     <p:sldId id="256" r:id="rId2"/>
     <p:sldId id="369" r:id="rId3"/>
     <p:sldId id="375" r:id="rId4"/>
     <p:sldId id="370" r:id="rId5"/>
-    <p:sldId id="377" r:id="rId6"/>
-    <p:sldId id="378" r:id="rId7"/>
-    <p:sldId id="363" r:id="rId8"/>
+    <p:sldId id="363" r:id="rId6"/>
+    <p:sldId id="377" r:id="rId7"/>
+    <p:sldId id="405" r:id="rId8"/>
     <p:sldId id="374" r:id="rId9"/>
     <p:sldId id="371" r:id="rId10"/>
     <p:sldId id="381" r:id="rId11"/>
-    <p:sldId id="372" r:id="rId12"/>
-    <p:sldId id="383" r:id="rId13"/>
-    <p:sldId id="382" r:id="rId14"/>
-    <p:sldId id="404" r:id="rId15"/>
-    <p:sldId id="379" r:id="rId16"/>
-    <p:sldId id="384" r:id="rId17"/>
-    <p:sldId id="386" r:id="rId18"/>
-    <p:sldId id="385" r:id="rId19"/>
-    <p:sldId id="387" r:id="rId20"/>
-    <p:sldId id="388" r:id="rId21"/>
-    <p:sldId id="391" r:id="rId22"/>
-    <p:sldId id="392" r:id="rId23"/>
-    <p:sldId id="393" r:id="rId24"/>
-    <p:sldId id="394" r:id="rId25"/>
-    <p:sldId id="395" r:id="rId26"/>
-    <p:sldId id="397" r:id="rId27"/>
-    <p:sldId id="398" r:id="rId28"/>
-    <p:sldId id="399" r:id="rId29"/>
-    <p:sldId id="403" r:id="rId30"/>
-    <p:sldId id="400" r:id="rId31"/>
-    <p:sldId id="401" r:id="rId32"/>
-    <p:sldId id="402" r:id="rId33"/>
-    <p:sldId id="389" r:id="rId34"/>
+    <p:sldId id="406" r:id="rId12"/>
+    <p:sldId id="372" r:id="rId13"/>
+    <p:sldId id="383" r:id="rId14"/>
+    <p:sldId id="382" r:id="rId15"/>
+    <p:sldId id="404" r:id="rId16"/>
+    <p:sldId id="379" r:id="rId17"/>
+    <p:sldId id="384" r:id="rId18"/>
+    <p:sldId id="386" r:id="rId19"/>
+    <p:sldId id="385" r:id="rId20"/>
+    <p:sldId id="387" r:id="rId21"/>
+    <p:sldId id="388" r:id="rId22"/>
+    <p:sldId id="391" r:id="rId23"/>
+    <p:sldId id="392" r:id="rId24"/>
+    <p:sldId id="393" r:id="rId25"/>
+    <p:sldId id="394" r:id="rId26"/>
+    <p:sldId id="395" r:id="rId27"/>
+    <p:sldId id="397" r:id="rId28"/>
+    <p:sldId id="398" r:id="rId29"/>
+    <p:sldId id="399" r:id="rId30"/>
+    <p:sldId id="403" r:id="rId31"/>
+    <p:sldId id="400" r:id="rId32"/>
+    <p:sldId id="401" r:id="rId33"/>
+    <p:sldId id="402" r:id="rId34"/>
+    <p:sldId id="389" r:id="rId35"/>
   </p:sldIdLst>
   <p:sldSz cx="12192000" cy="6858000"/>
   <p:notesSz cx="6858000" cy="9144000"/>
@@ -229,7 +230,7 @@
           <a:p>
             <a:fld id="{EFA659FB-0419-C24D-A6C0-9A1B475B1E65}" type="datetimeFigureOut">
               <a:rPr lang="en-US" smtClean="0"/>
-              <a:t>1/22/22</a:t>
+              <a:t>1/24/22</a:t>
             </a:fld>
             <a:endParaRPr lang="en-US"/>
           </a:p>
@@ -540,10 +541,7 @@
           <a:bodyPr/>
           <a:lstStyle/>
           <a:p>
-            <a:r>
-              <a:rPr lang="en-US" dirty="0"/>
-              <a:t>We define the network structure (layers / nodes / edges) and the activate functions (within each node). Our data, X and Y (inputs and labels) are given. Our goal is then to “learn” the remaining parameters, i.e., the w’s and b’s.</a:t>
-            </a:r>
+            <a:endParaRPr lang="en-US" dirty="0"/>
           </a:p>
         </p:txBody>
       </p:sp>
@@ -573,7 +571,7 @@
     </p:spTree>
     <p:extLst>
       <p:ext uri="{BB962C8B-B14F-4D97-AF65-F5344CB8AC3E}">
-        <p14:creationId xmlns:p14="http://schemas.microsoft.com/office/powerpoint/2010/main" val="2096046321"/>
+        <p14:creationId xmlns:p14="http://schemas.microsoft.com/office/powerpoint/2010/main" val="344462250"/>
       </p:ext>
     </p:extLst>
   </p:cSld>
@@ -627,30 +625,10 @@
           <a:bodyPr/>
           <a:lstStyle/>
           <a:p>
-            <a:pPr marL="0" marR="0" lvl="0" indent="0" algn="l" defTabSz="914400" rtl="0" eaLnBrk="1" fontAlgn="auto" latinLnBrk="0" hangingPunct="1">
-              <a:lnSpc>
-                <a:spcPct val="100000"/>
-              </a:lnSpc>
-              <a:spcBef>
-                <a:spcPts val="0"/>
-              </a:spcBef>
-              <a:spcAft>
-                <a:spcPts val="0"/>
-              </a:spcAft>
-              <a:buClrTx/>
-              <a:buSzTx/>
-              <a:buFontTx/>
-              <a:buNone/>
-              <a:tabLst/>
-              <a:defRPr/>
-            </a:pPr>
             <a:r>
               <a:rPr lang="en-US" dirty="0"/>
-              <a:t>A gradient is just a higher dimensional derivative (e.g., we figure out derivative of y with respect to its two inputs, the gradient is the derivative in that two-dimensional space. We would want to find the direction in that two-dimensional space where the gradient is steepest (most positive) and then go in the opposite direction. </a:t>
+              <a:t>Now for the magic, where we propagate performance backward through the network to update our weight and bias parameters. The goal here is to figure how how we should bump all the parameters (and in what direction), to reduce the error (loss). </a:t>
             </a:r>
-          </a:p>
-          <a:p>
-            <a:endParaRPr lang="en-US" dirty="0"/>
           </a:p>
         </p:txBody>
       </p:sp>
@@ -671,7 +649,7 @@
           <a:p>
             <a:fld id="{E707AF2C-A832-324A-A13C-3791A9476477}" type="slidenum">
               <a:rPr lang="en-US" smtClean="0"/>
-              <a:t>17</a:t>
+              <a:t>16</a:t>
             </a:fld>
             <a:endParaRPr lang="en-US"/>
           </a:p>
@@ -680,7 +658,7 @@
     </p:spTree>
     <p:extLst>
       <p:ext uri="{BB962C8B-B14F-4D97-AF65-F5344CB8AC3E}">
-        <p14:creationId xmlns:p14="http://schemas.microsoft.com/office/powerpoint/2010/main" val="600007033"/>
+        <p14:creationId xmlns:p14="http://schemas.microsoft.com/office/powerpoint/2010/main" val="995508132"/>
       </p:ext>
     </p:extLst>
   </p:cSld>
@@ -736,7 +714,7 @@
           <a:p>
             <a:r>
               <a:rPr lang="en-US" dirty="0"/>
-              <a:t>A gradient is just a higher dimensional derivative (e.g., we figure out derivative of y with respect to its two inputs, the gradient is the derivative in that two-dimensional space. We would want to find the direction in that two-dimensional space where the gradient is steepest (most positive) and then go in the opposite direction. </a:t>
+              <a:t>We want to know how our loss function output will change for small increases in every parameter value. This is what a derivative tells us. For a small change in x from its current value (e.g., w_1+0.001), how will the value of y change relative to its current value (e.g., how will the loss value shift)? </a:t>
             </a:r>
           </a:p>
         </p:txBody>
@@ -758,7 +736,7 @@
           <a:p>
             <a:fld id="{E707AF2C-A832-324A-A13C-3791A9476477}" type="slidenum">
               <a:rPr lang="en-US" smtClean="0"/>
-              <a:t>18</a:t>
+              <a:t>17</a:t>
             </a:fld>
             <a:endParaRPr lang="en-US"/>
           </a:p>
@@ -767,7 +745,7 @@
     </p:spTree>
     <p:extLst>
       <p:ext uri="{BB962C8B-B14F-4D97-AF65-F5344CB8AC3E}">
-        <p14:creationId xmlns:p14="http://schemas.microsoft.com/office/powerpoint/2010/main" val="490729822"/>
+        <p14:creationId xmlns:p14="http://schemas.microsoft.com/office/powerpoint/2010/main" val="3793452413"/>
       </p:ext>
     </p:extLst>
   </p:cSld>
@@ -821,10 +799,30 @@
           <a:bodyPr/>
           <a:lstStyle/>
           <a:p>
+            <a:pPr marL="0" marR="0" lvl="0" indent="0" algn="l" defTabSz="914400" rtl="0" eaLnBrk="1" fontAlgn="auto" latinLnBrk="0" hangingPunct="1">
+              <a:lnSpc>
+                <a:spcPct val="100000"/>
+              </a:lnSpc>
+              <a:spcBef>
+                <a:spcPts val="0"/>
+              </a:spcBef>
+              <a:spcAft>
+                <a:spcPts val="0"/>
+              </a:spcAft>
+              <a:buClrTx/>
+              <a:buSzTx/>
+              <a:buFontTx/>
+              <a:buNone/>
+              <a:tabLst/>
+              <a:defRPr/>
+            </a:pPr>
             <a:r>
               <a:rPr lang="en-US" dirty="0"/>
-              <a:t>Computation graphs are implemented in TensorFlow using ‘Tape’</a:t>
+              <a:t>A gradient is just a higher dimensional derivative (e.g., we figure out derivative of y with respect to its two inputs, the gradient is the derivative in that two-dimensional space. We would want to find the direction in that two-dimensional space where the gradient is steepest (most positive) and then go in the opposite direction. </a:t>
             </a:r>
+          </a:p>
+          <a:p>
+            <a:endParaRPr lang="en-US" dirty="0"/>
           </a:p>
         </p:txBody>
       </p:sp>
@@ -845,7 +843,7 @@
           <a:p>
             <a:fld id="{E707AF2C-A832-324A-A13C-3791A9476477}" type="slidenum">
               <a:rPr lang="en-US" smtClean="0"/>
-              <a:t>20</a:t>
+              <a:t>18</a:t>
             </a:fld>
             <a:endParaRPr lang="en-US"/>
           </a:p>
@@ -854,7 +852,7 @@
     </p:spTree>
     <p:extLst>
       <p:ext uri="{BB962C8B-B14F-4D97-AF65-F5344CB8AC3E}">
-        <p14:creationId xmlns:p14="http://schemas.microsoft.com/office/powerpoint/2010/main" val="4281651413"/>
+        <p14:creationId xmlns:p14="http://schemas.microsoft.com/office/powerpoint/2010/main" val="600007033"/>
       </p:ext>
     </p:extLst>
   </p:cSld>
@@ -910,7 +908,7 @@
           <a:p>
             <a:r>
               <a:rPr lang="en-US" dirty="0"/>
-              <a:t>Computation graphs are implemented in TensorFlow using ‘Tape’</a:t>
+              <a:t>A gradient is just a higher dimensional derivative (e.g., we figure out derivative of y with respect to its two inputs, the gradient is the derivative in that two-dimensional space. We would want to find the direction in that two-dimensional space where the gradient is steepest (most positive) and then go in the opposite direction. </a:t>
             </a:r>
           </a:p>
         </p:txBody>
@@ -932,7 +930,7 @@
           <a:p>
             <a:fld id="{E707AF2C-A832-324A-A13C-3791A9476477}" type="slidenum">
               <a:rPr lang="en-US" smtClean="0"/>
-              <a:t>21</a:t>
+              <a:t>19</a:t>
             </a:fld>
             <a:endParaRPr lang="en-US"/>
           </a:p>
@@ -941,7 +939,7 @@
     </p:spTree>
     <p:extLst>
       <p:ext uri="{BB962C8B-B14F-4D97-AF65-F5344CB8AC3E}">
-        <p14:creationId xmlns:p14="http://schemas.microsoft.com/office/powerpoint/2010/main" val="2887316741"/>
+        <p14:creationId xmlns:p14="http://schemas.microsoft.com/office/powerpoint/2010/main" val="490729822"/>
       </p:ext>
     </p:extLst>
   </p:cSld>
@@ -1019,7 +1017,7 @@
           <a:p>
             <a:fld id="{E707AF2C-A832-324A-A13C-3791A9476477}" type="slidenum">
               <a:rPr lang="en-US" smtClean="0"/>
-              <a:t>22</a:t>
+              <a:t>21</a:t>
             </a:fld>
             <a:endParaRPr lang="en-US"/>
           </a:p>
@@ -1028,7 +1026,7 @@
     </p:spTree>
     <p:extLst>
       <p:ext uri="{BB962C8B-B14F-4D97-AF65-F5344CB8AC3E}">
-        <p14:creationId xmlns:p14="http://schemas.microsoft.com/office/powerpoint/2010/main" val="3054779500"/>
+        <p14:creationId xmlns:p14="http://schemas.microsoft.com/office/powerpoint/2010/main" val="4281651413"/>
       </p:ext>
     </p:extLst>
   </p:cSld>
@@ -1106,7 +1104,7 @@
           <a:p>
             <a:fld id="{E707AF2C-A832-324A-A13C-3791A9476477}" type="slidenum">
               <a:rPr lang="en-US" smtClean="0"/>
-              <a:t>23</a:t>
+              <a:t>22</a:t>
             </a:fld>
             <a:endParaRPr lang="en-US"/>
           </a:p>
@@ -1115,7 +1113,7 @@
     </p:spTree>
     <p:extLst>
       <p:ext uri="{BB962C8B-B14F-4D97-AF65-F5344CB8AC3E}">
-        <p14:creationId xmlns:p14="http://schemas.microsoft.com/office/powerpoint/2010/main" val="1656618693"/>
+        <p14:creationId xmlns:p14="http://schemas.microsoft.com/office/powerpoint/2010/main" val="2887316741"/>
       </p:ext>
     </p:extLst>
   </p:cSld>
@@ -1193,7 +1191,7 @@
           <a:p>
             <a:fld id="{E707AF2C-A832-324A-A13C-3791A9476477}" type="slidenum">
               <a:rPr lang="en-US" smtClean="0"/>
-              <a:t>24</a:t>
+              <a:t>23</a:t>
             </a:fld>
             <a:endParaRPr lang="en-US"/>
           </a:p>
@@ -1202,7 +1200,7 @@
     </p:spTree>
     <p:extLst>
       <p:ext uri="{BB962C8B-B14F-4D97-AF65-F5344CB8AC3E}">
-        <p14:creationId xmlns:p14="http://schemas.microsoft.com/office/powerpoint/2010/main" val="1629378142"/>
+        <p14:creationId xmlns:p14="http://schemas.microsoft.com/office/powerpoint/2010/main" val="3054779500"/>
       </p:ext>
     </p:extLst>
   </p:cSld>
@@ -1280,7 +1278,7 @@
           <a:p>
             <a:fld id="{E707AF2C-A832-324A-A13C-3791A9476477}" type="slidenum">
               <a:rPr lang="en-US" smtClean="0"/>
-              <a:t>25</a:t>
+              <a:t>24</a:t>
             </a:fld>
             <a:endParaRPr lang="en-US"/>
           </a:p>
@@ -1289,7 +1287,7 @@
     </p:spTree>
     <p:extLst>
       <p:ext uri="{BB962C8B-B14F-4D97-AF65-F5344CB8AC3E}">
-        <p14:creationId xmlns:p14="http://schemas.microsoft.com/office/powerpoint/2010/main" val="733678729"/>
+        <p14:creationId xmlns:p14="http://schemas.microsoft.com/office/powerpoint/2010/main" val="1656618693"/>
       </p:ext>
     </p:extLst>
   </p:cSld>
@@ -1345,13 +1343,8 @@
           <a:p>
             <a:r>
               <a:rPr lang="en-US" dirty="0"/>
-              <a:t>Loss function here is binary cross-entropy loss. Can prove that the derivative of cross entropy loss function with respect to prediction is what I </a:t>
+              <a:t>Computation graphs are implemented in TensorFlow using ‘Tape’</a:t>
             </a:r>
-            <a:r>
-              <a:rPr lang="en-US"/>
-              <a:t>have written here. </a:t>
-            </a:r>
-            <a:endParaRPr lang="en-US" dirty="0"/>
           </a:p>
         </p:txBody>
       </p:sp>
@@ -1372,7 +1365,7 @@
           <a:p>
             <a:fld id="{E707AF2C-A832-324A-A13C-3791A9476477}" type="slidenum">
               <a:rPr lang="en-US" smtClean="0"/>
-              <a:t>26</a:t>
+              <a:t>25</a:t>
             </a:fld>
             <a:endParaRPr lang="en-US"/>
           </a:p>
@@ -1381,7 +1374,7 @@
     </p:spTree>
     <p:extLst>
       <p:ext uri="{BB962C8B-B14F-4D97-AF65-F5344CB8AC3E}">
-        <p14:creationId xmlns:p14="http://schemas.microsoft.com/office/powerpoint/2010/main" val="318230188"/>
+        <p14:creationId xmlns:p14="http://schemas.microsoft.com/office/powerpoint/2010/main" val="1629378142"/>
       </p:ext>
     </p:extLst>
   </p:cSld>
@@ -1437,7 +1430,7 @@
           <a:p>
             <a:r>
               <a:rPr lang="en-US" dirty="0"/>
-              <a:t>You can rearrange to show the final step in sigmoid derivative… </a:t>
+              <a:t>Computation graphs are implemented in TensorFlow using ‘Tape’</a:t>
             </a:r>
           </a:p>
         </p:txBody>
@@ -1459,7 +1452,7 @@
           <a:p>
             <a:fld id="{E707AF2C-A832-324A-A13C-3791A9476477}" type="slidenum">
               <a:rPr lang="en-US" smtClean="0"/>
-              <a:t>27</a:t>
+              <a:t>26</a:t>
             </a:fld>
             <a:endParaRPr lang="en-US"/>
           </a:p>
@@ -1468,7 +1461,7 @@
     </p:spTree>
     <p:extLst>
       <p:ext uri="{BB962C8B-B14F-4D97-AF65-F5344CB8AC3E}">
-        <p14:creationId xmlns:p14="http://schemas.microsoft.com/office/powerpoint/2010/main" val="337195451"/>
+        <p14:creationId xmlns:p14="http://schemas.microsoft.com/office/powerpoint/2010/main" val="733678729"/>
       </p:ext>
     </p:extLst>
   </p:cSld>
@@ -1524,15 +1517,7 @@
           <a:p>
             <a:r>
               <a:rPr lang="en-US" dirty="0"/>
-              <a:t>For a particular node, the forward pass amounts to y = phi(x*</a:t>
-            </a:r>
-            <a:r>
-              <a:rPr lang="en-US" dirty="0" err="1"/>
-              <a:t>w+b</a:t>
-            </a:r>
-            <a:r>
-              <a:rPr lang="en-US" dirty="0"/>
-              <a:t>). That means we need to be able to do addition and multiplication. This is straightforward with vectors and scalars (dot product of x and w, then add the scalar b. However, we have a layer of nodes, and we will want to vectorize the calculations, so we won’t do this for each node one at a time; we do them in tandem, via matrix multiplication and addition. So, let’s quickly refresh matrix multiplication and addition. We will then talk about phi (activation function). </a:t>
+              <a:t>We define the network structure (layers / nodes / edges) and the activate functions (within each node). Our data, X and Y (inputs and labels) are given. Our goal is then to “learn” the remaining parameters, i.e., the w’s and b’s.</a:t>
             </a:r>
           </a:p>
         </p:txBody>
@@ -1563,7 +1548,7 @@
     </p:spTree>
     <p:extLst>
       <p:ext uri="{BB962C8B-B14F-4D97-AF65-F5344CB8AC3E}">
-        <p14:creationId xmlns:p14="http://schemas.microsoft.com/office/powerpoint/2010/main" val="3578304105"/>
+        <p14:creationId xmlns:p14="http://schemas.microsoft.com/office/powerpoint/2010/main" val="2096046321"/>
       </p:ext>
     </p:extLst>
   </p:cSld>
@@ -1619,11 +1604,11 @@
           <a:p>
             <a:r>
               <a:rPr lang="en-US" dirty="0"/>
-              <a:t>You can rearrange to show the final step in </a:t>
+              <a:t>Loss function here is binary cross-entropy loss. Can prove that the derivative of cross entropy loss function with respect to prediction is what I </a:t>
             </a:r>
             <a:r>
               <a:rPr lang="en-US"/>
-              <a:t>sigmoid derivative… </a:t>
+              <a:t>have written here. </a:t>
             </a:r>
             <a:endParaRPr lang="en-US" dirty="0"/>
           </a:p>
@@ -1646,7 +1631,7 @@
           <a:p>
             <a:fld id="{E707AF2C-A832-324A-A13C-3791A9476477}" type="slidenum">
               <a:rPr lang="en-US" smtClean="0"/>
-              <a:t>28</a:t>
+              <a:t>27</a:t>
             </a:fld>
             <a:endParaRPr lang="en-US"/>
           </a:p>
@@ -1655,7 +1640,7 @@
     </p:spTree>
     <p:extLst>
       <p:ext uri="{BB962C8B-B14F-4D97-AF65-F5344CB8AC3E}">
-        <p14:creationId xmlns:p14="http://schemas.microsoft.com/office/powerpoint/2010/main" val="1087848304"/>
+        <p14:creationId xmlns:p14="http://schemas.microsoft.com/office/powerpoint/2010/main" val="318230188"/>
       </p:ext>
     </p:extLst>
   </p:cSld>
@@ -1711,7 +1696,7 @@
           <a:p>
             <a:r>
               <a:rPr lang="en-US" dirty="0"/>
-              <a:t>Note that I don’t expect you to implement a neural network from scratch. This is just to give you an understanding of how they work. </a:t>
+              <a:t>You can rearrange to show the final step in sigmoid derivative… </a:t>
             </a:r>
           </a:p>
         </p:txBody>
@@ -1733,7 +1718,186 @@
           <a:p>
             <a:fld id="{E707AF2C-A832-324A-A13C-3791A9476477}" type="slidenum">
               <a:rPr lang="en-US" smtClean="0"/>
-              <a:t>33</a:t>
+              <a:t>28</a:t>
+            </a:fld>
+            <a:endParaRPr lang="en-US"/>
+          </a:p>
+        </p:txBody>
+      </p:sp>
+    </p:spTree>
+    <p:extLst>
+      <p:ext uri="{BB962C8B-B14F-4D97-AF65-F5344CB8AC3E}">
+        <p14:creationId xmlns:p14="http://schemas.microsoft.com/office/powerpoint/2010/main" val="337195451"/>
+      </p:ext>
+    </p:extLst>
+  </p:cSld>
+  <p:clrMapOvr>
+    <a:masterClrMapping/>
+  </p:clrMapOvr>
+</p:notes>
+</file>
+
+<file path=ppt/notesSlides/notesSlide22.xml><?xml version="1.0" encoding="utf-8"?>
+<p:notes xmlns:a="http://schemas.openxmlformats.org/drawingml/2006/main" xmlns:r="http://schemas.openxmlformats.org/officeDocument/2006/relationships" xmlns:p="http://schemas.openxmlformats.org/presentationml/2006/main">
+  <p:cSld>
+    <p:spTree>
+      <p:nvGrpSpPr>
+        <p:cNvPr id="1" name=""/>
+        <p:cNvGrpSpPr/>
+        <p:nvPr/>
+      </p:nvGrpSpPr>
+      <p:grpSpPr>
+        <a:xfrm>
+          <a:off x="0" y="0"/>
+          <a:ext cx="0" cy="0"/>
+          <a:chOff x="0" y="0"/>
+          <a:chExt cx="0" cy="0"/>
+        </a:xfrm>
+      </p:grpSpPr>
+      <p:sp>
+        <p:nvSpPr>
+          <p:cNvPr id="2" name="Slide Image Placeholder 1"/>
+          <p:cNvSpPr>
+            <a:spLocks noGrp="1" noRot="1" noChangeAspect="1"/>
+          </p:cNvSpPr>
+          <p:nvPr>
+            <p:ph type="sldImg"/>
+          </p:nvPr>
+        </p:nvSpPr>
+        <p:spPr/>
+      </p:sp>
+      <p:sp>
+        <p:nvSpPr>
+          <p:cNvPr id="3" name="Notes Placeholder 2"/>
+          <p:cNvSpPr>
+            <a:spLocks noGrp="1"/>
+          </p:cNvSpPr>
+          <p:nvPr>
+            <p:ph type="body" idx="1"/>
+          </p:nvPr>
+        </p:nvSpPr>
+        <p:spPr/>
+        <p:txBody>
+          <a:bodyPr/>
+          <a:lstStyle/>
+          <a:p>
+            <a:r>
+              <a:rPr lang="en-US" dirty="0"/>
+              <a:t>You can rearrange to show the final step in </a:t>
+            </a:r>
+            <a:r>
+              <a:rPr lang="en-US"/>
+              <a:t>sigmoid derivative… </a:t>
+            </a:r>
+            <a:endParaRPr lang="en-US" dirty="0"/>
+          </a:p>
+        </p:txBody>
+      </p:sp>
+      <p:sp>
+        <p:nvSpPr>
+          <p:cNvPr id="4" name="Slide Number Placeholder 3"/>
+          <p:cNvSpPr>
+            <a:spLocks noGrp="1"/>
+          </p:cNvSpPr>
+          <p:nvPr>
+            <p:ph type="sldNum" sz="quarter" idx="5"/>
+          </p:nvPr>
+        </p:nvSpPr>
+        <p:spPr/>
+        <p:txBody>
+          <a:bodyPr/>
+          <a:lstStyle/>
+          <a:p>
+            <a:fld id="{E707AF2C-A832-324A-A13C-3791A9476477}" type="slidenum">
+              <a:rPr lang="en-US" smtClean="0"/>
+              <a:t>29</a:t>
+            </a:fld>
+            <a:endParaRPr lang="en-US"/>
+          </a:p>
+        </p:txBody>
+      </p:sp>
+    </p:spTree>
+    <p:extLst>
+      <p:ext uri="{BB962C8B-B14F-4D97-AF65-F5344CB8AC3E}">
+        <p14:creationId xmlns:p14="http://schemas.microsoft.com/office/powerpoint/2010/main" val="1087848304"/>
+      </p:ext>
+    </p:extLst>
+  </p:cSld>
+  <p:clrMapOvr>
+    <a:masterClrMapping/>
+  </p:clrMapOvr>
+</p:notes>
+</file>
+
+<file path=ppt/notesSlides/notesSlide23.xml><?xml version="1.0" encoding="utf-8"?>
+<p:notes xmlns:a="http://schemas.openxmlformats.org/drawingml/2006/main" xmlns:r="http://schemas.openxmlformats.org/officeDocument/2006/relationships" xmlns:p="http://schemas.openxmlformats.org/presentationml/2006/main">
+  <p:cSld>
+    <p:spTree>
+      <p:nvGrpSpPr>
+        <p:cNvPr id="1" name=""/>
+        <p:cNvGrpSpPr/>
+        <p:nvPr/>
+      </p:nvGrpSpPr>
+      <p:grpSpPr>
+        <a:xfrm>
+          <a:off x="0" y="0"/>
+          <a:ext cx="0" cy="0"/>
+          <a:chOff x="0" y="0"/>
+          <a:chExt cx="0" cy="0"/>
+        </a:xfrm>
+      </p:grpSpPr>
+      <p:sp>
+        <p:nvSpPr>
+          <p:cNvPr id="2" name="Slide Image Placeholder 1"/>
+          <p:cNvSpPr>
+            <a:spLocks noGrp="1" noRot="1" noChangeAspect="1"/>
+          </p:cNvSpPr>
+          <p:nvPr>
+            <p:ph type="sldImg"/>
+          </p:nvPr>
+        </p:nvSpPr>
+        <p:spPr/>
+      </p:sp>
+      <p:sp>
+        <p:nvSpPr>
+          <p:cNvPr id="3" name="Notes Placeholder 2"/>
+          <p:cNvSpPr>
+            <a:spLocks noGrp="1"/>
+          </p:cNvSpPr>
+          <p:nvPr>
+            <p:ph type="body" idx="1"/>
+          </p:nvPr>
+        </p:nvSpPr>
+        <p:spPr/>
+        <p:txBody>
+          <a:bodyPr/>
+          <a:lstStyle/>
+          <a:p>
+            <a:r>
+              <a:rPr lang="en-US" dirty="0"/>
+              <a:t>Note that I don’t expect you to implement a neural network from scratch. This is just to give you an understanding of how they work. </a:t>
+            </a:r>
+          </a:p>
+        </p:txBody>
+      </p:sp>
+      <p:sp>
+        <p:nvSpPr>
+          <p:cNvPr id="4" name="Slide Number Placeholder 3"/>
+          <p:cNvSpPr>
+            <a:spLocks noGrp="1"/>
+          </p:cNvSpPr>
+          <p:nvPr>
+            <p:ph type="sldNum" sz="quarter" idx="5"/>
+          </p:nvPr>
+        </p:nvSpPr>
+        <p:spPr/>
+        <p:txBody>
+          <a:bodyPr/>
+          <a:lstStyle/>
+          <a:p>
+            <a:fld id="{E707AF2C-A832-324A-A13C-3791A9476477}" type="slidenum">
+              <a:rPr lang="en-US" smtClean="0"/>
+              <a:t>34</a:t>
             </a:fld>
             <a:endParaRPr lang="en-US"/>
           </a:p>
@@ -1796,10 +1960,7 @@
           <a:bodyPr/>
           <a:lstStyle/>
           <a:p>
-            <a:r>
-              <a:rPr lang="en-US" dirty="0"/>
-              <a:t>How do we implement the learning (optimization)? Gradient descent. We identify where we are on the loss curve, figure out a first derivative along all available dimensions (i.e., along all parameters), and proceed where the gradient is most negative (i.e., where the loss function progresses most rapidly toward zero. For this to work, we need to be able to figure out the gradient along each dimension (for each parameter) in a computationally efficient way (remember, some of the biggest models have thousands or millions of parameters!). </a:t>
-            </a:r>
+            <a:endParaRPr lang="en-US" dirty="0"/>
           </a:p>
         </p:txBody>
       </p:sp>
@@ -1829,7 +1990,7 @@
     </p:spTree>
     <p:extLst>
       <p:ext uri="{BB962C8B-B14F-4D97-AF65-F5344CB8AC3E}">
-        <p14:creationId xmlns:p14="http://schemas.microsoft.com/office/powerpoint/2010/main" val="344462250"/>
+        <p14:creationId xmlns:p14="http://schemas.microsoft.com/office/powerpoint/2010/main" val="4276893024"/>
       </p:ext>
     </p:extLst>
   </p:cSld>
@@ -1885,88 +2046,7 @@
           <a:p>
             <a:r>
               <a:rPr lang="en-US" dirty="0"/>
-              <a:t>The final step in the calculation at each neuron is applying an activation function. These are implemented elementwise to a matrix (representing a layer in the network). A single layer will generally use a common activation function. </a:t>
-            </a:r>
-          </a:p>
-          <a:p>
-            <a:endParaRPr lang="en-US" dirty="0"/>
-          </a:p>
-          <a:p>
-            <a:r>
-              <a:rPr lang="en-US" dirty="0"/>
-              <a:t>When people first started out, they used step functions, e.g., pass a 1 if the x*</a:t>
-            </a:r>
-            <a:r>
-              <a:rPr lang="en-US" dirty="0" err="1"/>
-              <a:t>w+b</a:t>
-            </a:r>
-            <a:r>
-              <a:rPr lang="en-US" dirty="0"/>
-              <a:t> surpasses a threshold, like 0, else return 0. This resulted in a very unstable network. Small changes in the inputs could have massive effects on the output. This makes the ‘learning’ (optimization) very difficult. </a:t>
-            </a:r>
-          </a:p>
-          <a:p>
-            <a:endParaRPr lang="en-US" dirty="0"/>
-          </a:p>
-          <a:p>
-            <a:r>
-              <a:rPr lang="en-US" dirty="0"/>
-              <a:t>Accordingly, we saw introduction of the sigmoid function, which still nicely bounds output between 0 and 1, but is smooth in its transition, and where the outputs are loosely interpretable as probabilities for binary outcomes taking on a value of 1. However, sigmoid also has problems; it has trouble ‘learning’ when the affine transformations get too positive or negative, because the gradient goes to 0, resulting in what’s known as the vanishing gradient problem, and its output values are strictly non-negative, which means gradients are always strictly positive or strictly negative with respect to inputs (again, presents challenges for the optimization process. </a:t>
-            </a:r>
-          </a:p>
-          <a:p>
-            <a:endParaRPr lang="en-US" dirty="0"/>
-          </a:p>
-          <a:p>
-            <a:r>
-              <a:rPr lang="en-US" dirty="0"/>
-              <a:t>Tanh addresses the issue of gradients being of common sign, by centering the distribution around 0 (outputs range from -1 to 1), but it still has the issue of vanishing gradients for values of large magnitude. </a:t>
-            </a:r>
-          </a:p>
-          <a:p>
-            <a:endParaRPr lang="en-US" dirty="0"/>
-          </a:p>
-          <a:p>
-            <a:r>
-              <a:rPr lang="en-US" dirty="0" err="1"/>
-              <a:t>ReLU</a:t>
-            </a:r>
-            <a:r>
-              <a:rPr lang="en-US" dirty="0"/>
-              <a:t> doesn’t suffer from the vanishing gradient problem if values are positive, though it doesn’t enable any sort of learning if outputs are negative. Leaky </a:t>
-            </a:r>
-            <a:r>
-              <a:rPr lang="en-US" dirty="0" err="1"/>
-              <a:t>ReLU</a:t>
-            </a:r>
-            <a:r>
-              <a:rPr lang="en-US" dirty="0"/>
-              <a:t> addresses this by allowing some gradient for negative values. </a:t>
-            </a:r>
-          </a:p>
-          <a:p>
-            <a:endParaRPr lang="en-US" dirty="0"/>
-          </a:p>
-          <a:p>
-            <a:r>
-              <a:rPr lang="en-US" dirty="0"/>
-              <a:t>A final, common activation function not shown here is </a:t>
-            </a:r>
-            <a:r>
-              <a:rPr lang="en-US" dirty="0" err="1"/>
-              <a:t>Softmax</a:t>
-            </a:r>
-            <a:r>
-              <a:rPr lang="en-US" dirty="0"/>
-              <a:t>, which is a multinomial generalization of sigmoid (think multinomial logistic vs. logistic regression). </a:t>
-            </a:r>
-            <a:r>
-              <a:rPr lang="en-US" dirty="0" err="1"/>
-              <a:t>Softmax</a:t>
-            </a:r>
-            <a:r>
-              <a:rPr lang="en-US" dirty="0"/>
-              <a:t> activation will output multiple positive values between 0 and 1, loosely interpretable as multi-category probabilities. We can’t draw this one because it’s high-dimensional in the output (not unidimensional). </a:t>
+              <a:t>General advice – always check the shape of output when writing things from scratch.</a:t>
             </a:r>
           </a:p>
         </p:txBody>
@@ -1988,7 +2068,7 @@
           <a:p>
             <a:fld id="{E707AF2C-A832-324A-A13C-3791A9476477}" type="slidenum">
               <a:rPr lang="en-US" smtClean="0"/>
-              <a:t>10</a:t>
+              <a:t>9</a:t>
             </a:fld>
             <a:endParaRPr lang="en-US"/>
           </a:p>
@@ -1997,7 +2077,7 @@
     </p:spTree>
     <p:extLst>
       <p:ext uri="{BB962C8B-B14F-4D97-AF65-F5344CB8AC3E}">
-        <p14:creationId xmlns:p14="http://schemas.microsoft.com/office/powerpoint/2010/main" val="3362207987"/>
+        <p14:creationId xmlns:p14="http://schemas.microsoft.com/office/powerpoint/2010/main" val="2263489734"/>
       </p:ext>
     </p:extLst>
   </p:cSld>
@@ -2053,7 +2133,88 @@
           <a:p>
             <a:r>
               <a:rPr lang="en-US" dirty="0"/>
-              <a:t>Note, for initial forward pass, we initialize w’s and b’s to small random values (not zero – if we set them all to the same value, e.g., zero, the optimization will fail, because small changes to parameters will have the same effect on the loss for every parameter, meaning the optimizer will update all of the parameters identically, and the optimizer will get stuck). </a:t>
+              <a:t>The final step in the calculation at each neuron is applying an activation function. These are implemented elementwise to a matrix (representing a layer in the network). A single layer will generally use a common activation function. </a:t>
+            </a:r>
+          </a:p>
+          <a:p>
+            <a:endParaRPr lang="en-US" dirty="0"/>
+          </a:p>
+          <a:p>
+            <a:r>
+              <a:rPr lang="en-US" dirty="0"/>
+              <a:t>When people first started out, they used step functions, e.g., pass a 1 if the x*</a:t>
+            </a:r>
+            <a:r>
+              <a:rPr lang="en-US" dirty="0" err="1"/>
+              <a:t>w+b</a:t>
+            </a:r>
+            <a:r>
+              <a:rPr lang="en-US" dirty="0"/>
+              <a:t> surpasses a threshold, like 0, else return 0. This resulted in a very unstable network. Small changes in the inputs could have massive effects on the output. This makes the ‘learning’ (optimization) very difficult. </a:t>
+            </a:r>
+          </a:p>
+          <a:p>
+            <a:endParaRPr lang="en-US" dirty="0"/>
+          </a:p>
+          <a:p>
+            <a:r>
+              <a:rPr lang="en-US" dirty="0"/>
+              <a:t>Accordingly, we saw introduction of the sigmoid function, which still nicely bounds output between 0 and 1, but is smooth in its transition, and where the outputs are loosely interpretable as probabilities for binary outcomes taking on a value of 1. However, sigmoid also has problems; it has trouble ‘learning’ when the affine transformations get too positive or negative, because the gradient goes to 0, resulting in what’s known as the vanishing gradient problem, and its output values are strictly non-negative, which means gradients are always strictly positive or strictly negative with respect to inputs (again, presents challenges for the optimization process. </a:t>
+            </a:r>
+          </a:p>
+          <a:p>
+            <a:endParaRPr lang="en-US" dirty="0"/>
+          </a:p>
+          <a:p>
+            <a:r>
+              <a:rPr lang="en-US" dirty="0"/>
+              <a:t>Tanh addresses the issue of gradients being of common sign, by centering the distribution around 0 (outputs range from -1 to 1), but it still has the issue of vanishing gradients for values of large magnitude. </a:t>
+            </a:r>
+          </a:p>
+          <a:p>
+            <a:endParaRPr lang="en-US" dirty="0"/>
+          </a:p>
+          <a:p>
+            <a:r>
+              <a:rPr lang="en-US" dirty="0" err="1"/>
+              <a:t>ReLU</a:t>
+            </a:r>
+            <a:r>
+              <a:rPr lang="en-US" dirty="0"/>
+              <a:t> doesn’t suffer from the vanishing gradient problem if values are positive, though it doesn’t enable any sort of learning if outputs are negative. Leaky </a:t>
+            </a:r>
+            <a:r>
+              <a:rPr lang="en-US" dirty="0" err="1"/>
+              <a:t>ReLU</a:t>
+            </a:r>
+            <a:r>
+              <a:rPr lang="en-US" dirty="0"/>
+              <a:t> addresses this by allowing some gradient for negative values. </a:t>
+            </a:r>
+          </a:p>
+          <a:p>
+            <a:endParaRPr lang="en-US" dirty="0"/>
+          </a:p>
+          <a:p>
+            <a:r>
+              <a:rPr lang="en-US" dirty="0"/>
+              <a:t>A final, common activation function not shown here is </a:t>
+            </a:r>
+            <a:r>
+              <a:rPr lang="en-US" dirty="0" err="1"/>
+              <a:t>Softmax</a:t>
+            </a:r>
+            <a:r>
+              <a:rPr lang="en-US" dirty="0"/>
+              <a:t>, which is a multinomial generalization of sigmoid (think multinomial logistic vs. logistic regression). </a:t>
+            </a:r>
+            <a:r>
+              <a:rPr lang="en-US" dirty="0" err="1"/>
+              <a:t>Softmax</a:t>
+            </a:r>
+            <a:r>
+              <a:rPr lang="en-US" dirty="0"/>
+              <a:t> activation will output multiple positive values between 0 and 1, loosely interpretable as multi-category probabilities. We can’t draw this one because it’s high-dimensional in the output (not unidimensional). </a:t>
             </a:r>
           </a:p>
         </p:txBody>
@@ -2075,7 +2236,7 @@
           <a:p>
             <a:fld id="{E707AF2C-A832-324A-A13C-3791A9476477}" type="slidenum">
               <a:rPr lang="en-US" smtClean="0"/>
-              <a:t>11</a:t>
+              <a:t>10</a:t>
             </a:fld>
             <a:endParaRPr lang="en-US"/>
           </a:p>
@@ -2084,7 +2245,7 @@
     </p:spTree>
     <p:extLst>
       <p:ext uri="{BB962C8B-B14F-4D97-AF65-F5344CB8AC3E}">
-        <p14:creationId xmlns:p14="http://schemas.microsoft.com/office/powerpoint/2010/main" val="1406350667"/>
+        <p14:creationId xmlns:p14="http://schemas.microsoft.com/office/powerpoint/2010/main" val="3362207987"/>
       </p:ext>
     </p:extLst>
   </p:cSld>
@@ -2140,7 +2301,88 @@
           <a:p>
             <a:r>
               <a:rPr lang="en-US" dirty="0"/>
-              <a:t>How do we implement the learning (optimization)? Gradient descent. We identify where we are on the loss curve, figure out a first derivative along all available dimensions (i.e., along all parameters), and proceed where the gradient is most negative (i.e., where the loss function progresses most rapidly toward zero. For this to work, we need to be able to figure out the gradient along each dimension (for each parameter) in a computationally efficient way (remember, some of the biggest models have thousands or millions of parameters!). </a:t>
+              <a:t>The final step in the calculation at each neuron is applying an activation function. These are implemented elementwise to a matrix (representing a layer in the network). A single layer will generally use a common activation function. </a:t>
+            </a:r>
+          </a:p>
+          <a:p>
+            <a:endParaRPr lang="en-US" dirty="0"/>
+          </a:p>
+          <a:p>
+            <a:r>
+              <a:rPr lang="en-US" dirty="0"/>
+              <a:t>When people first started out, they used step functions, e.g., pass a 1 if the x*</a:t>
+            </a:r>
+            <a:r>
+              <a:rPr lang="en-US" dirty="0" err="1"/>
+              <a:t>w+b</a:t>
+            </a:r>
+            <a:r>
+              <a:rPr lang="en-US" dirty="0"/>
+              <a:t> surpasses a threshold, like 0, else return 0. This resulted in a very unstable network. Small changes in the inputs could have massive effects on the output. This makes the ‘learning’ (optimization) very difficult. </a:t>
+            </a:r>
+          </a:p>
+          <a:p>
+            <a:endParaRPr lang="en-US" dirty="0"/>
+          </a:p>
+          <a:p>
+            <a:r>
+              <a:rPr lang="en-US" dirty="0"/>
+              <a:t>Accordingly, we saw introduction of the sigmoid function, which still nicely bounds output between 0 and 1, but is smooth in its transition, and where the outputs are loosely interpretable as probabilities for binary outcomes taking on a value of 1. However, sigmoid also has problems; it has trouble ‘learning’ when the affine transformations get too positive or negative, because the gradient goes to 0, resulting in what’s known as the vanishing gradient problem, and its output values are strictly non-negative, which means gradients are always strictly positive or strictly negative with respect to inputs (again, presents challenges for the optimization process. </a:t>
+            </a:r>
+          </a:p>
+          <a:p>
+            <a:endParaRPr lang="en-US" dirty="0"/>
+          </a:p>
+          <a:p>
+            <a:r>
+              <a:rPr lang="en-US" dirty="0"/>
+              <a:t>Tanh addresses the issue of gradients being of common sign, by centering the distribution around 0 (outputs range from -1 to 1), but it still has the issue of vanishing gradients for values of large magnitude. </a:t>
+            </a:r>
+          </a:p>
+          <a:p>
+            <a:endParaRPr lang="en-US" dirty="0"/>
+          </a:p>
+          <a:p>
+            <a:r>
+              <a:rPr lang="en-US" dirty="0" err="1"/>
+              <a:t>ReLU</a:t>
+            </a:r>
+            <a:r>
+              <a:rPr lang="en-US" dirty="0"/>
+              <a:t> doesn’t suffer from the vanishing gradient problem if values are positive, though it doesn’t enable any sort of learning if outputs are negative. Leaky </a:t>
+            </a:r>
+            <a:r>
+              <a:rPr lang="en-US" dirty="0" err="1"/>
+              <a:t>ReLU</a:t>
+            </a:r>
+            <a:r>
+              <a:rPr lang="en-US" dirty="0"/>
+              <a:t> addresses this by allowing some gradient for negative values. </a:t>
+            </a:r>
+          </a:p>
+          <a:p>
+            <a:endParaRPr lang="en-US" dirty="0"/>
+          </a:p>
+          <a:p>
+            <a:r>
+              <a:rPr lang="en-US" dirty="0"/>
+              <a:t>A final, common activation function not shown here is </a:t>
+            </a:r>
+            <a:r>
+              <a:rPr lang="en-US" dirty="0" err="1"/>
+              <a:t>Softmax</a:t>
+            </a:r>
+            <a:r>
+              <a:rPr lang="en-US" dirty="0"/>
+              <a:t>, which is a multinomial generalization of sigmoid (think multinomial logistic vs. logistic regression). </a:t>
+            </a:r>
+            <a:r>
+              <a:rPr lang="en-US" dirty="0" err="1"/>
+              <a:t>Softmax</a:t>
+            </a:r>
+            <a:r>
+              <a:rPr lang="en-US" dirty="0"/>
+              <a:t> activation will output multiple positive values between 0 and 1, loosely interpretable as multi-category probabilities. We can’t draw this one because it’s high-dimensional in the output (not unidimensional). </a:t>
             </a:r>
           </a:p>
         </p:txBody>
@@ -2162,7 +2404,7 @@
           <a:p>
             <a:fld id="{E707AF2C-A832-324A-A13C-3791A9476477}" type="slidenum">
               <a:rPr lang="en-US" smtClean="0"/>
-              <a:t>12</a:t>
+              <a:t>11</a:t>
             </a:fld>
             <a:endParaRPr lang="en-US"/>
           </a:p>
@@ -2171,7 +2413,7 @@
     </p:spTree>
     <p:extLst>
       <p:ext uri="{BB962C8B-B14F-4D97-AF65-F5344CB8AC3E}">
-        <p14:creationId xmlns:p14="http://schemas.microsoft.com/office/powerpoint/2010/main" val="2490306114"/>
+        <p14:creationId xmlns:p14="http://schemas.microsoft.com/office/powerpoint/2010/main" val="3038385521"/>
       </p:ext>
     </p:extLst>
   </p:cSld>
@@ -2249,7 +2491,7 @@
           <a:p>
             <a:fld id="{E707AF2C-A832-324A-A13C-3791A9476477}" type="slidenum">
               <a:rPr lang="en-US" smtClean="0"/>
-              <a:t>13</a:t>
+              <a:t>12</a:t>
             </a:fld>
             <a:endParaRPr lang="en-US"/>
           </a:p>
@@ -2258,7 +2500,7 @@
     </p:spTree>
     <p:extLst>
       <p:ext uri="{BB962C8B-B14F-4D97-AF65-F5344CB8AC3E}">
-        <p14:creationId xmlns:p14="http://schemas.microsoft.com/office/powerpoint/2010/main" val="1665894112"/>
+        <p14:creationId xmlns:p14="http://schemas.microsoft.com/office/powerpoint/2010/main" val="1406350667"/>
       </p:ext>
     </p:extLst>
   </p:cSld>
@@ -2314,7 +2556,7 @@
           <a:p>
             <a:r>
               <a:rPr lang="en-US" dirty="0"/>
-              <a:t>Now for the magic, where we propagate performance backward through the network to update our weight and bias parameters. The goal here is to figure how how we should bump all the parameters (and in what direction), to reduce the error (loss). </a:t>
+              <a:t>How do we implement the learning (optimization)? Gradient descent. We identify where we are on the loss curve, figure out a first derivative along all available dimensions (i.e., along all parameters), and proceed where the gradient is most negative (i.e., where the loss function progresses most rapidly toward zero. For this to work, we need to be able to figure out the gradient along each dimension (for each parameter) in a computationally efficient way (remember, some of the biggest models have thousands or millions of parameters!). </a:t>
             </a:r>
           </a:p>
         </p:txBody>
@@ -2336,7 +2578,7 @@
           <a:p>
             <a:fld id="{E707AF2C-A832-324A-A13C-3791A9476477}" type="slidenum">
               <a:rPr lang="en-US" smtClean="0"/>
-              <a:t>15</a:t>
+              <a:t>13</a:t>
             </a:fld>
             <a:endParaRPr lang="en-US"/>
           </a:p>
@@ -2345,7 +2587,7 @@
     </p:spTree>
     <p:extLst>
       <p:ext uri="{BB962C8B-B14F-4D97-AF65-F5344CB8AC3E}">
-        <p14:creationId xmlns:p14="http://schemas.microsoft.com/office/powerpoint/2010/main" val="995508132"/>
+        <p14:creationId xmlns:p14="http://schemas.microsoft.com/office/powerpoint/2010/main" val="2490306114"/>
       </p:ext>
     </p:extLst>
   </p:cSld>
@@ -2401,7 +2643,7 @@
           <a:p>
             <a:r>
               <a:rPr lang="en-US" dirty="0"/>
-              <a:t>We want to know how our loss function output will change for small increases in every parameter value. This is what a derivative tells us. For a small change in x from its current value (e.g., w_1+0.001), how will the value of y change relative to its current value (e.g., how will the loss value shift)? </a:t>
+              <a:t>Note, for initial forward pass, we initialize w’s and b’s to small random values (not zero – if we set them all to the same value, e.g., zero, the optimization will fail, because small changes to parameters will have the same effect on the loss for every parameter, meaning the optimizer will update all of the parameters identically, and the optimizer will get stuck). </a:t>
             </a:r>
           </a:p>
         </p:txBody>
@@ -2423,7 +2665,7 @@
           <a:p>
             <a:fld id="{E707AF2C-A832-324A-A13C-3791A9476477}" type="slidenum">
               <a:rPr lang="en-US" smtClean="0"/>
-              <a:t>16</a:t>
+              <a:t>14</a:t>
             </a:fld>
             <a:endParaRPr lang="en-US"/>
           </a:p>
@@ -2432,7 +2674,7 @@
     </p:spTree>
     <p:extLst>
       <p:ext uri="{BB962C8B-B14F-4D97-AF65-F5344CB8AC3E}">
-        <p14:creationId xmlns:p14="http://schemas.microsoft.com/office/powerpoint/2010/main" val="3793452413"/>
+        <p14:creationId xmlns:p14="http://schemas.microsoft.com/office/powerpoint/2010/main" val="1665894112"/>
       </p:ext>
     </p:extLst>
   </p:cSld>
@@ -2796,7 +3038,7 @@
           <a:p>
             <a:fld id="{87C2F797-6DFD-C74C-BA29-8B3CE1E6C725}" type="datetime1">
               <a:rPr lang="en-US" smtClean="0"/>
-              <a:t>1/22/22</a:t>
+              <a:t>1/24/22</a:t>
             </a:fld>
             <a:endParaRPr lang="en-US"/>
           </a:p>
@@ -3004,7 +3246,7 @@
           <a:p>
             <a:fld id="{64FE1960-B74B-0949-9DEF-CBE661CB7825}" type="datetime1">
               <a:rPr lang="en-US" smtClean="0"/>
-              <a:t>1/22/22</a:t>
+              <a:t>1/24/22</a:t>
             </a:fld>
             <a:endParaRPr lang="en-US"/>
           </a:p>
@@ -3202,7 +3444,7 @@
           <a:p>
             <a:fld id="{91871F70-41C7-F44D-9284-EB301E270CC7}" type="datetime1">
               <a:rPr lang="en-US" smtClean="0"/>
-              <a:t>1/22/22</a:t>
+              <a:t>1/24/22</a:t>
             </a:fld>
             <a:endParaRPr lang="en-US"/>
           </a:p>
@@ -3515,7 +3757,7 @@
           <a:p>
             <a:fld id="{E33F645A-02C2-AF41-9FDB-389E34E8B990}" type="datetime1">
               <a:rPr lang="en-US" smtClean="0"/>
-              <a:t>1/22/22</a:t>
+              <a:t>1/24/22</a:t>
             </a:fld>
             <a:endParaRPr lang="en-US"/>
           </a:p>
@@ -3780,7 +4022,7 @@
           <a:p>
             <a:fld id="{AB873A4C-DE8A-2F49-8ABE-1735EE515528}" type="datetime1">
               <a:rPr lang="en-US" smtClean="0"/>
-              <a:t>1/22/22</a:t>
+              <a:t>1/24/22</a:t>
             </a:fld>
             <a:endParaRPr lang="en-US"/>
           </a:p>
@@ -4192,7 +4434,7 @@
           <a:p>
             <a:fld id="{7DA13BA6-E929-9643-AF0C-C0B90BC6EAC0}" type="datetime1">
               <a:rPr lang="en-US" smtClean="0"/>
-              <a:t>1/22/22</a:t>
+              <a:t>1/24/22</a:t>
             </a:fld>
             <a:endParaRPr lang="en-US"/>
           </a:p>
@@ -4333,7 +4575,7 @@
           <a:p>
             <a:fld id="{1062371E-C5A0-7448-8CF8-A797D242C61D}" type="datetime1">
               <a:rPr lang="en-US" smtClean="0"/>
-              <a:t>1/22/22</a:t>
+              <a:t>1/24/22</a:t>
             </a:fld>
             <a:endParaRPr lang="en-US"/>
           </a:p>
@@ -4446,7 +4688,7 @@
           <a:p>
             <a:fld id="{33C9D714-59A4-C649-915B-E960BF4AC878}" type="datetime1">
               <a:rPr lang="en-US" smtClean="0"/>
-              <a:t>1/22/22</a:t>
+              <a:t>1/24/22</a:t>
             </a:fld>
             <a:endParaRPr lang="en-US"/>
           </a:p>
@@ -4757,7 +4999,7 @@
           <a:p>
             <a:fld id="{3951679C-160D-1F41-A3C3-54837256FB50}" type="datetime1">
               <a:rPr lang="en-US" smtClean="0"/>
-              <a:t>1/22/22</a:t>
+              <a:t>1/24/22</a:t>
             </a:fld>
             <a:endParaRPr lang="en-US"/>
           </a:p>
@@ -5045,7 +5287,7 @@
           <a:p>
             <a:fld id="{296B5A14-0E14-114B-AA5F-546D4BF7B2DC}" type="datetime1">
               <a:rPr lang="en-US" smtClean="0"/>
-              <a:t>1/22/22</a:t>
+              <a:t>1/24/22</a:t>
             </a:fld>
             <a:endParaRPr lang="en-US"/>
           </a:p>
@@ -5286,7 +5528,7 @@
           <a:p>
             <a:fld id="{1A75E9CF-B19A-3C42-99C1-DBC4AFBA0816}" type="datetime1">
               <a:rPr lang="en-US" smtClean="0"/>
-              <a:t>1/22/22</a:t>
+              <a:t>1/24/22</a:t>
             </a:fld>
             <a:endParaRPr lang="en-US"/>
           </a:p>
@@ -6458,6 +6700,775 @@
         </p:nvSpPr>
         <p:spPr>
           <a:xfrm>
+            <a:off x="2075144" y="586938"/>
+            <a:ext cx="8041709" cy="923330"/>
+          </a:xfrm>
+          <a:prstGeom prst="rect">
+            <a:avLst/>
+          </a:prstGeom>
+          <a:noFill/>
+        </p:spPr>
+        <p:txBody>
+          <a:bodyPr wrap="square" rtlCol="0">
+            <a:spAutoFit/>
+          </a:bodyPr>
+          <a:lstStyle/>
+          <a:p>
+            <a:pPr algn="ctr"/>
+            <a:r>
+              <a:rPr lang="en-US" sz="5400" dirty="0" err="1">
+                <a:latin typeface="Economica" panose="02000506040000020004" pitchFamily="2" charset="77"/>
+              </a:rPr>
+              <a:t>Softmax</a:t>
+            </a:r>
+            <a:r>
+              <a:rPr lang="en-US" sz="5400" dirty="0">
+                <a:latin typeface="Economica" panose="02000506040000020004" pitchFamily="2" charset="77"/>
+              </a:rPr>
+              <a:t> Activation</a:t>
+            </a:r>
+          </a:p>
+        </p:txBody>
+      </p:sp>
+      <mc:AlternateContent xmlns:mc="http://schemas.openxmlformats.org/markup-compatibility/2006">
+        <mc:Choice xmlns:a14="http://schemas.microsoft.com/office/drawing/2010/main" Requires="a14">
+          <p:sp>
+            <p:nvSpPr>
+              <p:cNvPr id="9" name="TextBox 8">
+                <a:extLst>
+                  <a:ext uri="{FF2B5EF4-FFF2-40B4-BE49-F238E27FC236}">
+                    <a16:creationId xmlns:a16="http://schemas.microsoft.com/office/drawing/2014/main" id="{1D4BD8E3-21BC-714E-B036-3291E21FCB33}"/>
+                  </a:ext>
+                </a:extLst>
+              </p:cNvPr>
+              <p:cNvSpPr txBox="1"/>
+              <p:nvPr/>
+            </p:nvSpPr>
+            <p:spPr>
+              <a:xfrm>
+                <a:off x="129249" y="1204136"/>
+                <a:ext cx="3869553" cy="307777"/>
+              </a:xfrm>
+              <a:prstGeom prst="rect">
+                <a:avLst/>
+              </a:prstGeom>
+              <a:noFill/>
+            </p:spPr>
+            <p:txBody>
+              <a:bodyPr wrap="square" rtlCol="0">
+                <a:spAutoFit/>
+              </a:bodyPr>
+              <a:lstStyle/>
+              <a:p>
+                <a:pPr/>
+                <a14:m>
+                  <m:oMathPara xmlns:m="http://schemas.openxmlformats.org/officeDocument/2006/math">
+                    <m:oMathParaPr>
+                      <m:jc m:val="centerGroup"/>
+                    </m:oMathParaPr>
+                    <m:oMath xmlns:m="http://schemas.openxmlformats.org/officeDocument/2006/math">
+                      <m:sSub>
+                        <m:sSubPr>
+                          <m:ctrlPr>
+                            <a:rPr lang="en-US" sz="1400" b="0" i="1" smtClean="0">
+                              <a:latin typeface="Cambria Math" panose="02040503050406030204" pitchFamily="18" charset="0"/>
+                            </a:rPr>
+                          </m:ctrlPr>
+                        </m:sSubPr>
+                        <m:e>
+                          <m:r>
+                            <a:rPr lang="en-US" sz="1400" b="0" i="1" smtClean="0">
+                              <a:latin typeface="Cambria Math" panose="02040503050406030204" pitchFamily="18" charset="0"/>
+                            </a:rPr>
+                            <m:t>𝑦</m:t>
+                          </m:r>
+                        </m:e>
+                        <m:sub>
+                          <m:r>
+                            <a:rPr lang="en-US" sz="1400" b="0" i="1" smtClean="0">
+                              <a:latin typeface="Cambria Math" panose="02040503050406030204" pitchFamily="18" charset="0"/>
+                            </a:rPr>
+                            <m:t>1</m:t>
+                          </m:r>
+                        </m:sub>
+                      </m:sSub>
+                      <m:r>
+                        <a:rPr lang="en-US" sz="1400" b="0" i="1" smtClean="0">
+                          <a:latin typeface="Cambria Math" panose="02040503050406030204" pitchFamily="18" charset="0"/>
+                        </a:rPr>
+                        <m:t>=</m:t>
+                      </m:r>
+                      <m:r>
+                        <a:rPr lang="en-US" sz="1400" b="0" i="1" smtClean="0">
+                          <a:solidFill>
+                            <a:srgbClr val="FF0000"/>
+                          </a:solidFill>
+                          <a:latin typeface="Cambria Math" panose="02040503050406030204" pitchFamily="18" charset="0"/>
+                          <a:ea typeface="Cambria Math" panose="02040503050406030204" pitchFamily="18" charset="0"/>
+                        </a:rPr>
+                        <m:t>𝜑</m:t>
+                      </m:r>
+                      <m:r>
+                        <a:rPr lang="en-US" sz="1400" b="0" i="1" smtClean="0">
+                          <a:solidFill>
+                            <a:srgbClr val="FF0000"/>
+                          </a:solidFill>
+                          <a:latin typeface="Cambria Math" panose="02040503050406030204" pitchFamily="18" charset="0"/>
+                        </a:rPr>
+                        <m:t> (</m:t>
+                      </m:r>
+                      <m:sSub>
+                        <m:sSubPr>
+                          <m:ctrlPr>
+                            <a:rPr lang="en-US" sz="1400" i="1" smtClean="0">
+                              <a:solidFill>
+                                <a:srgbClr val="FF0000"/>
+                              </a:solidFill>
+                              <a:latin typeface="Cambria Math" panose="02040503050406030204" pitchFamily="18" charset="0"/>
+                            </a:rPr>
+                          </m:ctrlPr>
+                        </m:sSubPr>
+                        <m:e>
+                          <m:r>
+                            <a:rPr lang="en-US" sz="1400" b="0" i="1" smtClean="0">
+                              <a:solidFill>
+                                <a:srgbClr val="FF0000"/>
+                              </a:solidFill>
+                              <a:latin typeface="Cambria Math" panose="02040503050406030204" pitchFamily="18" charset="0"/>
+                            </a:rPr>
+                            <m:t>𝑥</m:t>
+                          </m:r>
+                        </m:e>
+                        <m:sub>
+                          <m:r>
+                            <a:rPr lang="en-US" sz="1400" i="1">
+                              <a:solidFill>
+                                <a:srgbClr val="FF0000"/>
+                              </a:solidFill>
+                              <a:latin typeface="Cambria Math" panose="02040503050406030204" pitchFamily="18" charset="0"/>
+                            </a:rPr>
+                            <m:t>1</m:t>
+                          </m:r>
+                        </m:sub>
+                      </m:sSub>
+                      <m:r>
+                        <a:rPr lang="en-US" sz="1400" i="1" smtClean="0">
+                          <a:solidFill>
+                            <a:srgbClr val="FF0000"/>
+                          </a:solidFill>
+                          <a:latin typeface="Cambria Math" panose="02040503050406030204" pitchFamily="18" charset="0"/>
+                          <a:ea typeface="Cambria Math" panose="02040503050406030204" pitchFamily="18" charset="0"/>
+                        </a:rPr>
+                        <m:t>∙</m:t>
+                      </m:r>
+                      <m:sSub>
+                        <m:sSubPr>
+                          <m:ctrlPr>
+                            <a:rPr lang="en-US" sz="1400" i="1">
+                              <a:solidFill>
+                                <a:srgbClr val="FF0000"/>
+                              </a:solidFill>
+                              <a:latin typeface="Cambria Math" panose="02040503050406030204" pitchFamily="18" charset="0"/>
+                            </a:rPr>
+                          </m:ctrlPr>
+                        </m:sSubPr>
+                        <m:e>
+                          <m:r>
+                            <a:rPr lang="en-US" sz="1400" b="0" i="1" smtClean="0">
+                              <a:solidFill>
+                                <a:srgbClr val="FF0000"/>
+                              </a:solidFill>
+                              <a:latin typeface="Cambria Math" panose="02040503050406030204" pitchFamily="18" charset="0"/>
+                            </a:rPr>
+                            <m:t>𝑤</m:t>
+                          </m:r>
+                        </m:e>
+                        <m:sub>
+                          <m:r>
+                            <a:rPr lang="en-US" sz="1400" i="1">
+                              <a:solidFill>
+                                <a:srgbClr val="FF0000"/>
+                              </a:solidFill>
+                              <a:latin typeface="Cambria Math" panose="02040503050406030204" pitchFamily="18" charset="0"/>
+                            </a:rPr>
+                            <m:t>1</m:t>
+                          </m:r>
+                        </m:sub>
+                      </m:sSub>
+                      <m:r>
+                        <a:rPr lang="en-US" sz="1400" b="0" i="1" smtClean="0">
+                          <a:solidFill>
+                            <a:srgbClr val="FF0000"/>
+                          </a:solidFill>
+                          <a:latin typeface="Cambria Math" panose="02040503050406030204" pitchFamily="18" charset="0"/>
+                        </a:rPr>
+                        <m:t>+</m:t>
+                      </m:r>
+                      <m:sSub>
+                        <m:sSubPr>
+                          <m:ctrlPr>
+                            <a:rPr lang="en-US" sz="1400" b="0" i="1" smtClean="0">
+                              <a:solidFill>
+                                <a:srgbClr val="FF0000"/>
+                              </a:solidFill>
+                              <a:latin typeface="Cambria Math" panose="02040503050406030204" pitchFamily="18" charset="0"/>
+                            </a:rPr>
+                          </m:ctrlPr>
+                        </m:sSubPr>
+                        <m:e>
+                          <m:r>
+                            <a:rPr lang="en-US" sz="1400" b="0" i="1" smtClean="0">
+                              <a:solidFill>
+                                <a:srgbClr val="FF0000"/>
+                              </a:solidFill>
+                              <a:latin typeface="Cambria Math" panose="02040503050406030204" pitchFamily="18" charset="0"/>
+                            </a:rPr>
+                            <m:t>𝑏</m:t>
+                          </m:r>
+                        </m:e>
+                        <m:sub>
+                          <m:r>
+                            <a:rPr lang="en-US" sz="1400" b="0" i="1" smtClean="0">
+                              <a:solidFill>
+                                <a:srgbClr val="FF0000"/>
+                              </a:solidFill>
+                              <a:latin typeface="Cambria Math" panose="02040503050406030204" pitchFamily="18" charset="0"/>
+                            </a:rPr>
+                            <m:t>1</m:t>
+                          </m:r>
+                        </m:sub>
+                      </m:sSub>
+                      <m:r>
+                        <a:rPr lang="en-US" sz="1400" b="0" i="1" smtClean="0">
+                          <a:solidFill>
+                            <a:srgbClr val="FF0000"/>
+                          </a:solidFill>
+                          <a:latin typeface="Cambria Math" panose="02040503050406030204" pitchFamily="18" charset="0"/>
+                        </a:rPr>
+                        <m:t>)</m:t>
+                      </m:r>
+                    </m:oMath>
+                  </m:oMathPara>
+                </a14:m>
+                <a:endParaRPr lang="en-US" sz="1400" dirty="0">
+                  <a:latin typeface="Quicksand" pitchFamily="2" charset="77"/>
+                </a:endParaRPr>
+              </a:p>
+            </p:txBody>
+          </p:sp>
+        </mc:Choice>
+        <mc:Fallback>
+          <p:sp>
+            <p:nvSpPr>
+              <p:cNvPr id="9" name="TextBox 8">
+                <a:extLst>
+                  <a:ext uri="{FF2B5EF4-FFF2-40B4-BE49-F238E27FC236}">
+                    <a16:creationId xmlns:a16="http://schemas.microsoft.com/office/drawing/2014/main" id="{1D4BD8E3-21BC-714E-B036-3291E21FCB33}"/>
+                  </a:ext>
+                </a:extLst>
+              </p:cNvPr>
+              <p:cNvSpPr txBox="1">
+                <a:spLocks noRot="1" noChangeAspect="1" noMove="1" noResize="1" noEditPoints="1" noAdjustHandles="1" noChangeArrowheads="1" noChangeShapeType="1" noTextEdit="1"/>
+              </p:cNvSpPr>
+              <p:nvPr/>
+            </p:nvSpPr>
+            <p:spPr>
+              <a:xfrm>
+                <a:off x="129249" y="1204136"/>
+                <a:ext cx="3869553" cy="307777"/>
+              </a:xfrm>
+              <a:prstGeom prst="rect">
+                <a:avLst/>
+              </a:prstGeom>
+              <a:blipFill>
+                <a:blip r:embed="rId3"/>
+                <a:stretch>
+                  <a:fillRect b="-8000"/>
+                </a:stretch>
+              </a:blipFill>
+            </p:spPr>
+            <p:txBody>
+              <a:bodyPr/>
+              <a:lstStyle/>
+              <a:p>
+                <a:r>
+                  <a:rPr lang="en-US">
+                    <a:noFill/>
+                  </a:rPr>
+                  <a:t> </a:t>
+                </a:r>
+              </a:p>
+            </p:txBody>
+          </p:sp>
+        </mc:Fallback>
+      </mc:AlternateContent>
+      <p:pic>
+        <p:nvPicPr>
+          <p:cNvPr id="2" name="Picture 1">
+            <a:extLst>
+              <a:ext uri="{FF2B5EF4-FFF2-40B4-BE49-F238E27FC236}">
+                <a16:creationId xmlns:a16="http://schemas.microsoft.com/office/drawing/2014/main" id="{6C2ED050-83BB-E440-B9C1-139F82B48889}"/>
+              </a:ext>
+            </a:extLst>
+          </p:cNvPr>
+          <p:cNvPicPr>
+            <a:picLocks noChangeAspect="1"/>
+          </p:cNvPicPr>
+          <p:nvPr/>
+        </p:nvPicPr>
+        <p:blipFill>
+          <a:blip r:embed="rId4"/>
+          <a:stretch>
+            <a:fillRect/>
+          </a:stretch>
+        </p:blipFill>
+        <p:spPr>
+          <a:xfrm>
+            <a:off x="4704281" y="2932686"/>
+            <a:ext cx="1270000" cy="431800"/>
+          </a:xfrm>
+          <a:prstGeom prst="rect">
+            <a:avLst/>
+          </a:prstGeom>
+        </p:spPr>
+      </p:pic>
+      <p:pic>
+        <p:nvPicPr>
+          <p:cNvPr id="7" name="Picture 8" descr="The structure of a simple Multi-Layer Feedfoward Neural Network | Download  Scientific Diagram">
+            <a:extLst>
+              <a:ext uri="{FF2B5EF4-FFF2-40B4-BE49-F238E27FC236}">
+                <a16:creationId xmlns:a16="http://schemas.microsoft.com/office/drawing/2014/main" id="{B92B8627-D13F-A644-8010-3D06F433EE6F}"/>
+              </a:ext>
+            </a:extLst>
+          </p:cNvPr>
+          <p:cNvPicPr>
+            <a:picLocks noChangeAspect="1" noChangeArrowheads="1"/>
+          </p:cNvPicPr>
+          <p:nvPr/>
+        </p:nvPicPr>
+        <p:blipFill rotWithShape="1">
+          <a:blip r:embed="rId5">
+            <a:extLst>
+              <a:ext uri="{28A0092B-C50C-407E-A947-70E740481C1C}">
+                <a14:useLocalDpi xmlns:a14="http://schemas.microsoft.com/office/drawing/2010/main" val="0"/>
+              </a:ext>
+            </a:extLst>
+          </a:blip>
+          <a:srcRect l="47520" t="1950" r="2209" b="1954"/>
+          <a:stretch/>
+        </p:blipFill>
+        <p:spPr bwMode="auto">
+          <a:xfrm>
+            <a:off x="7802088" y="1949112"/>
+            <a:ext cx="2619165" cy="3612027"/>
+          </a:xfrm>
+          <a:prstGeom prst="rect">
+            <a:avLst/>
+          </a:prstGeom>
+          <a:noFill/>
+          <a:extLst>
+            <a:ext uri="{909E8E84-426E-40DD-AFC4-6F175D3DCCD1}">
+              <a14:hiddenFill xmlns:a14="http://schemas.microsoft.com/office/drawing/2010/main">
+                <a:solidFill>
+                  <a:srgbClr val="FFFFFF"/>
+                </a:solidFill>
+              </a14:hiddenFill>
+            </a:ext>
+          </a:extLst>
+        </p:spPr>
+      </p:pic>
+      <p:sp>
+        <p:nvSpPr>
+          <p:cNvPr id="5" name="TextBox 4">
+            <a:extLst>
+              <a:ext uri="{FF2B5EF4-FFF2-40B4-BE49-F238E27FC236}">
+                <a16:creationId xmlns:a16="http://schemas.microsoft.com/office/drawing/2014/main" id="{42CFC983-59C7-2F40-B136-BB49E8C8209A}"/>
+              </a:ext>
+            </a:extLst>
+          </p:cNvPr>
+          <p:cNvSpPr txBox="1"/>
+          <p:nvPr/>
+        </p:nvSpPr>
+        <p:spPr>
+          <a:xfrm>
+            <a:off x="6852720" y="3765385"/>
+            <a:ext cx="296883" cy="369332"/>
+          </a:xfrm>
+          <a:prstGeom prst="rect">
+            <a:avLst/>
+          </a:prstGeom>
+          <a:noFill/>
+        </p:spPr>
+        <p:txBody>
+          <a:bodyPr wrap="square" rtlCol="0">
+            <a:spAutoFit/>
+          </a:bodyPr>
+          <a:lstStyle/>
+          <a:p>
+            <a:r>
+              <a:rPr lang="en-US" dirty="0">
+                <a:latin typeface="Garamond" panose="02020404030301010803" pitchFamily="18" charset="0"/>
+              </a:rPr>
+              <a:t>D</a:t>
+            </a:r>
+          </a:p>
+        </p:txBody>
+      </p:sp>
+      <p:sp>
+        <p:nvSpPr>
+          <p:cNvPr id="6" name="Left Brace 5">
+            <a:extLst>
+              <a:ext uri="{FF2B5EF4-FFF2-40B4-BE49-F238E27FC236}">
+                <a16:creationId xmlns:a16="http://schemas.microsoft.com/office/drawing/2014/main" id="{09A2CC86-0467-8B49-BF0F-3198B2A2B8C1}"/>
+              </a:ext>
+            </a:extLst>
+          </p:cNvPr>
+          <p:cNvSpPr/>
+          <p:nvPr/>
+        </p:nvSpPr>
+        <p:spPr>
+          <a:xfrm>
+            <a:off x="7192688" y="2338963"/>
+            <a:ext cx="475937" cy="3222176"/>
+          </a:xfrm>
+          <a:prstGeom prst="leftBrace">
+            <a:avLst/>
+          </a:prstGeom>
+          <a:ln>
+            <a:solidFill>
+              <a:schemeClr val="tx1"/>
+            </a:solidFill>
+          </a:ln>
+        </p:spPr>
+        <p:style>
+          <a:lnRef idx="1">
+            <a:schemeClr val="accent1"/>
+          </a:lnRef>
+          <a:fillRef idx="0">
+            <a:schemeClr val="accent1"/>
+          </a:fillRef>
+          <a:effectRef idx="0">
+            <a:schemeClr val="accent1"/>
+          </a:effectRef>
+          <a:fontRef idx="minor">
+            <a:schemeClr val="tx1"/>
+          </a:fontRef>
+        </p:style>
+        <p:txBody>
+          <a:bodyPr rtlCol="0" anchor="ctr"/>
+          <a:lstStyle/>
+          <a:p>
+            <a:pPr algn="ctr"/>
+            <a:endParaRPr lang="en-US">
+              <a:latin typeface="Garamond" panose="02020404030301010803" pitchFamily="18" charset="0"/>
+            </a:endParaRPr>
+          </a:p>
+        </p:txBody>
+      </p:sp>
+      <p:sp>
+        <p:nvSpPr>
+          <p:cNvPr id="8" name="TextBox 7">
+            <a:extLst>
+              <a:ext uri="{FF2B5EF4-FFF2-40B4-BE49-F238E27FC236}">
+                <a16:creationId xmlns:a16="http://schemas.microsoft.com/office/drawing/2014/main" id="{04420202-89EE-E846-9326-BDB1523AFA45}"/>
+              </a:ext>
+            </a:extLst>
+          </p:cNvPr>
+          <p:cNvSpPr txBox="1"/>
+          <p:nvPr/>
+        </p:nvSpPr>
+        <p:spPr>
+          <a:xfrm>
+            <a:off x="1022992" y="2233853"/>
+            <a:ext cx="2843485" cy="3693319"/>
+          </a:xfrm>
+          <a:prstGeom prst="rect">
+            <a:avLst/>
+          </a:prstGeom>
+          <a:noFill/>
+        </p:spPr>
+        <p:txBody>
+          <a:bodyPr wrap="square" rtlCol="0">
+            <a:spAutoFit/>
+          </a:bodyPr>
+          <a:lstStyle/>
+          <a:p>
+            <a:r>
+              <a:rPr lang="en-US" b="1" u="sng" dirty="0">
+                <a:latin typeface="Garamond" panose="02020404030301010803" pitchFamily="18" charset="0"/>
+              </a:rPr>
+              <a:t>Notes: </a:t>
+            </a:r>
+          </a:p>
+          <a:p>
+            <a:endParaRPr lang="en-US" b="1" u="sng" dirty="0">
+              <a:latin typeface="Garamond" panose="02020404030301010803" pitchFamily="18" charset="0"/>
+            </a:endParaRPr>
+          </a:p>
+          <a:p>
+            <a:r>
+              <a:rPr lang="en-US" dirty="0">
+                <a:latin typeface="Garamond" panose="02020404030301010803" pitchFamily="18" charset="0"/>
+              </a:rPr>
+              <a:t>We have D inputs (x’s).</a:t>
+            </a:r>
+          </a:p>
+          <a:p>
+            <a:r>
+              <a:rPr lang="en-US" dirty="0">
+                <a:latin typeface="Garamond" panose="02020404030301010803" pitchFamily="18" charset="0"/>
+              </a:rPr>
+              <a:t>We have k outputs (classes).</a:t>
+            </a:r>
+          </a:p>
+          <a:p>
+            <a:endParaRPr lang="en-US" dirty="0">
+              <a:latin typeface="Garamond" panose="02020404030301010803" pitchFamily="18" charset="0"/>
+            </a:endParaRPr>
+          </a:p>
+          <a:p>
+            <a:r>
+              <a:rPr lang="en-US" dirty="0">
+                <a:latin typeface="Garamond" panose="02020404030301010803" pitchFamily="18" charset="0"/>
+              </a:rPr>
+              <a:t>So, W is a (</a:t>
+            </a:r>
+            <a:r>
+              <a:rPr lang="en-US" dirty="0" err="1">
+                <a:latin typeface="Garamond" panose="02020404030301010803" pitchFamily="18" charset="0"/>
+              </a:rPr>
+              <a:t>D,k</a:t>
+            </a:r>
+            <a:r>
+              <a:rPr lang="en-US" dirty="0">
+                <a:latin typeface="Garamond" panose="02020404030301010803" pitchFamily="18" charset="0"/>
+              </a:rPr>
+              <a:t>) matrix and X is a (D,1) matrix. </a:t>
+            </a:r>
+          </a:p>
+          <a:p>
+            <a:endParaRPr lang="en-US" dirty="0">
+              <a:latin typeface="Garamond" panose="02020404030301010803" pitchFamily="18" charset="0"/>
+            </a:endParaRPr>
+          </a:p>
+          <a:p>
+            <a:r>
+              <a:rPr lang="en-US" dirty="0">
+                <a:latin typeface="Garamond" panose="02020404030301010803" pitchFamily="18" charset="0"/>
+              </a:rPr>
+              <a:t>That means, A is a (k,1) matrix.</a:t>
+            </a:r>
+          </a:p>
+          <a:p>
+            <a:endParaRPr lang="en-US" dirty="0">
+              <a:latin typeface="Garamond" panose="02020404030301010803" pitchFamily="18" charset="0"/>
+            </a:endParaRPr>
+          </a:p>
+          <a:p>
+            <a:r>
+              <a:rPr lang="en-US" dirty="0">
+                <a:latin typeface="Garamond" panose="02020404030301010803" pitchFamily="18" charset="0"/>
+              </a:rPr>
+              <a:t>That means Y is also a (k,1) matrix.</a:t>
+            </a:r>
+          </a:p>
+        </p:txBody>
+      </p:sp>
+      <p:pic>
+        <p:nvPicPr>
+          <p:cNvPr id="11" name="Picture 10">
+            <a:extLst>
+              <a:ext uri="{FF2B5EF4-FFF2-40B4-BE49-F238E27FC236}">
+                <a16:creationId xmlns:a16="http://schemas.microsoft.com/office/drawing/2014/main" id="{9BB05228-F9FF-6A4C-8494-F6B8C90983F1}"/>
+              </a:ext>
+            </a:extLst>
+          </p:cNvPr>
+          <p:cNvPicPr>
+            <a:picLocks noChangeAspect="1"/>
+          </p:cNvPicPr>
+          <p:nvPr/>
+        </p:nvPicPr>
+        <p:blipFill>
+          <a:blip r:embed="rId6"/>
+          <a:stretch>
+            <a:fillRect/>
+          </a:stretch>
+        </p:blipFill>
+        <p:spPr>
+          <a:xfrm>
+            <a:off x="4475681" y="3587103"/>
+            <a:ext cx="1727200" cy="406400"/>
+          </a:xfrm>
+          <a:prstGeom prst="rect">
+            <a:avLst/>
+          </a:prstGeom>
+        </p:spPr>
+      </p:pic>
+      <p:pic>
+        <p:nvPicPr>
+          <p:cNvPr id="12" name="Picture 11">
+            <a:extLst>
+              <a:ext uri="{FF2B5EF4-FFF2-40B4-BE49-F238E27FC236}">
+                <a16:creationId xmlns:a16="http://schemas.microsoft.com/office/drawing/2014/main" id="{CEEFC493-8BCF-3849-9CE5-BFF0F12A4477}"/>
+              </a:ext>
+            </a:extLst>
+          </p:cNvPr>
+          <p:cNvPicPr>
+            <a:picLocks noChangeAspect="1"/>
+          </p:cNvPicPr>
+          <p:nvPr/>
+        </p:nvPicPr>
+        <p:blipFill>
+          <a:blip r:embed="rId7"/>
+          <a:stretch>
+            <a:fillRect/>
+          </a:stretch>
+        </p:blipFill>
+        <p:spPr>
+          <a:xfrm>
+            <a:off x="4475681" y="4216120"/>
+            <a:ext cx="1727200" cy="1117600"/>
+          </a:xfrm>
+          <a:prstGeom prst="rect">
+            <a:avLst/>
+          </a:prstGeom>
+        </p:spPr>
+      </p:pic>
+      <p:sp>
+        <p:nvSpPr>
+          <p:cNvPr id="14" name="Left Brace 13">
+            <a:extLst>
+              <a:ext uri="{FF2B5EF4-FFF2-40B4-BE49-F238E27FC236}">
+                <a16:creationId xmlns:a16="http://schemas.microsoft.com/office/drawing/2014/main" id="{12121591-2CB8-824B-BF68-DD9B100446F6}"/>
+              </a:ext>
+            </a:extLst>
+          </p:cNvPr>
+          <p:cNvSpPr/>
+          <p:nvPr/>
+        </p:nvSpPr>
+        <p:spPr>
+          <a:xfrm flipH="1">
+            <a:off x="10235536" y="2932686"/>
+            <a:ext cx="371431" cy="1926322"/>
+          </a:xfrm>
+          <a:prstGeom prst="leftBrace">
+            <a:avLst>
+              <a:gd name="adj1" fmla="val 8333"/>
+              <a:gd name="adj2" fmla="val 50369"/>
+            </a:avLst>
+          </a:prstGeom>
+          <a:ln>
+            <a:solidFill>
+              <a:schemeClr val="tx1"/>
+            </a:solidFill>
+          </a:ln>
+        </p:spPr>
+        <p:style>
+          <a:lnRef idx="1">
+            <a:schemeClr val="accent1"/>
+          </a:lnRef>
+          <a:fillRef idx="0">
+            <a:schemeClr val="accent1"/>
+          </a:fillRef>
+          <a:effectRef idx="0">
+            <a:schemeClr val="accent1"/>
+          </a:effectRef>
+          <a:fontRef idx="minor">
+            <a:schemeClr val="tx1"/>
+          </a:fontRef>
+        </p:style>
+        <p:txBody>
+          <a:bodyPr rtlCol="0" anchor="ctr"/>
+          <a:lstStyle/>
+          <a:p>
+            <a:pPr algn="ctr"/>
+            <a:endParaRPr lang="en-US">
+              <a:latin typeface="Garamond" panose="02020404030301010803" pitchFamily="18" charset="0"/>
+            </a:endParaRPr>
+          </a:p>
+        </p:txBody>
+      </p:sp>
+      <p:sp>
+        <p:nvSpPr>
+          <p:cNvPr id="15" name="TextBox 14">
+            <a:extLst>
+              <a:ext uri="{FF2B5EF4-FFF2-40B4-BE49-F238E27FC236}">
+                <a16:creationId xmlns:a16="http://schemas.microsoft.com/office/drawing/2014/main" id="{03C49E9B-060B-2E46-9840-0A4864A8EECD}"/>
+              </a:ext>
+            </a:extLst>
+          </p:cNvPr>
+          <p:cNvSpPr txBox="1"/>
+          <p:nvPr/>
+        </p:nvSpPr>
+        <p:spPr>
+          <a:xfrm>
+            <a:off x="10641271" y="3711181"/>
+            <a:ext cx="296883" cy="369332"/>
+          </a:xfrm>
+          <a:prstGeom prst="rect">
+            <a:avLst/>
+          </a:prstGeom>
+          <a:noFill/>
+        </p:spPr>
+        <p:txBody>
+          <a:bodyPr wrap="square" rtlCol="0">
+            <a:spAutoFit/>
+          </a:bodyPr>
+          <a:lstStyle/>
+          <a:p>
+            <a:r>
+              <a:rPr lang="en-US" dirty="0">
+                <a:latin typeface="Garamond" panose="02020404030301010803" pitchFamily="18" charset="0"/>
+              </a:rPr>
+              <a:t>k</a:t>
+            </a:r>
+          </a:p>
+        </p:txBody>
+      </p:sp>
+    </p:spTree>
+    <p:extLst>
+      <p:ext uri="{BB962C8B-B14F-4D97-AF65-F5344CB8AC3E}">
+        <p14:creationId xmlns:p14="http://schemas.microsoft.com/office/powerpoint/2010/main" val="1976846373"/>
+      </p:ext>
+    </p:extLst>
+  </p:cSld>
+  <p:clrMapOvr>
+    <a:masterClrMapping/>
+  </p:clrMapOvr>
+</p:sld>
+</file>
+
+<file path=ppt/slides/slide12.xml><?xml version="1.0" encoding="utf-8"?>
+<p:sld xmlns:a="http://schemas.openxmlformats.org/drawingml/2006/main" xmlns:r="http://schemas.openxmlformats.org/officeDocument/2006/relationships" xmlns:p="http://schemas.openxmlformats.org/presentationml/2006/main">
+  <p:cSld>
+    <p:spTree>
+      <p:nvGrpSpPr>
+        <p:cNvPr id="1" name=""/>
+        <p:cNvGrpSpPr/>
+        <p:nvPr/>
+      </p:nvGrpSpPr>
+      <p:grpSpPr>
+        <a:xfrm>
+          <a:off x="0" y="0"/>
+          <a:ext cx="0" cy="0"/>
+          <a:chOff x="0" y="0"/>
+          <a:chExt cx="0" cy="0"/>
+        </a:xfrm>
+      </p:grpSpPr>
+      <p:sp>
+        <p:nvSpPr>
+          <p:cNvPr id="4" name="TextBox 3">
+            <a:extLst>
+              <a:ext uri="{FF2B5EF4-FFF2-40B4-BE49-F238E27FC236}">
+                <a16:creationId xmlns:a16="http://schemas.microsoft.com/office/drawing/2014/main" id="{2E4ACB90-5B23-AE45-9404-FED4FB5128EF}"/>
+              </a:ext>
+            </a:extLst>
+          </p:cNvPr>
+          <p:cNvSpPr txBox="1"/>
+          <p:nvPr/>
+        </p:nvSpPr>
+        <p:spPr>
+          <a:xfrm>
             <a:off x="2055613" y="613442"/>
             <a:ext cx="8080774" cy="923330"/>
           </a:xfrm>
@@ -7742,7 +8753,7 @@
 </p:sld>
 </file>
 
-<file path=ppt/slides/slide12.xml><?xml version="1.0" encoding="utf-8"?>
+<file path=ppt/slides/slide13.xml><?xml version="1.0" encoding="utf-8"?>
 <p:sld xmlns:a="http://schemas.openxmlformats.org/drawingml/2006/main" xmlns:r="http://schemas.openxmlformats.org/officeDocument/2006/relationships" xmlns:p="http://schemas.openxmlformats.org/presentationml/2006/main">
   <p:cSld>
     <p:spTree>
@@ -7782,7 +8793,7 @@
           <a:p>
             <a:fld id="{5F85BDAF-76E7-5E4A-80A9-F732B06DC713}" type="slidenum">
               <a:rPr lang="en-US" smtClean="0"/>
-              <a:t>12</a:t>
+              <a:t>13</a:t>
             </a:fld>
             <a:endParaRPr lang="en-US"/>
           </a:p>
@@ -7938,7 +8949,7 @@
 </p:sld>
 </file>
 
-<file path=ppt/slides/slide13.xml><?xml version="1.0" encoding="utf-8"?>
+<file path=ppt/slides/slide14.xml><?xml version="1.0" encoding="utf-8"?>
 <p:sld xmlns:a="http://schemas.openxmlformats.org/drawingml/2006/main" xmlns:r="http://schemas.openxmlformats.org/officeDocument/2006/relationships" xmlns:p="http://schemas.openxmlformats.org/presentationml/2006/main">
   <p:cSld>
     <p:spTree>
@@ -8357,7 +9368,7 @@
 </p:sld>
 </file>
 
-<file path=ppt/slides/slide14.xml><?xml version="1.0" encoding="utf-8"?>
+<file path=ppt/slides/slide15.xml><?xml version="1.0" encoding="utf-8"?>
 <p:sld xmlns:a="http://schemas.openxmlformats.org/drawingml/2006/main" xmlns:r="http://schemas.openxmlformats.org/officeDocument/2006/relationships" xmlns:p="http://schemas.openxmlformats.org/presentationml/2006/main">
   <p:cSld>
     <p:bg>
@@ -8405,7 +9416,7 @@
           <a:p>
             <a:fld id="{5F85BDAF-76E7-5E4A-80A9-F732B06DC713}" type="slidenum">
               <a:rPr lang="en-US" smtClean="0"/>
-              <a:t>14</a:t>
+              <a:t>15</a:t>
             </a:fld>
             <a:endParaRPr lang="en-US"/>
           </a:p>
@@ -8648,7 +9659,7 @@
 </p:sld>
 </file>
 
-<file path=ppt/slides/slide15.xml><?xml version="1.0" encoding="utf-8"?>
+<file path=ppt/slides/slide16.xml><?xml version="1.0" encoding="utf-8"?>
 <p:sld xmlns:a="http://schemas.openxmlformats.org/drawingml/2006/main" xmlns:r="http://schemas.openxmlformats.org/officeDocument/2006/relationships" xmlns:p="http://schemas.openxmlformats.org/presentationml/2006/main">
   <p:cSld>
     <p:spTree>
@@ -8688,7 +9699,7 @@
           <a:p>
             <a:fld id="{5F85BDAF-76E7-5E4A-80A9-F732B06DC713}" type="slidenum">
               <a:rPr lang="en-US" smtClean="0"/>
-              <a:t>15</a:t>
+              <a:t>16</a:t>
             </a:fld>
             <a:endParaRPr lang="en-US"/>
           </a:p>
@@ -8844,7 +9855,7 @@
 </p:sld>
 </file>
 
-<file path=ppt/slides/slide16.xml><?xml version="1.0" encoding="utf-8"?>
+<file path=ppt/slides/slide17.xml><?xml version="1.0" encoding="utf-8"?>
 <p:sld xmlns:a="http://schemas.openxmlformats.org/drawingml/2006/main" xmlns:r="http://schemas.openxmlformats.org/officeDocument/2006/relationships" xmlns:p="http://schemas.openxmlformats.org/presentationml/2006/main">
   <p:cSld>
     <p:bg>
@@ -8892,7 +9903,7 @@
           <a:p>
             <a:fld id="{5F85BDAF-76E7-5E4A-80A9-F732B06DC713}" type="slidenum">
               <a:rPr lang="en-US" smtClean="0"/>
-              <a:t>16</a:t>
+              <a:t>17</a:t>
             </a:fld>
             <a:endParaRPr lang="en-US"/>
           </a:p>
@@ -9043,7 +10054,7 @@
 </p:sld>
 </file>
 
-<file path=ppt/slides/slide17.xml><?xml version="1.0" encoding="utf-8"?>
+<file path=ppt/slides/slide18.xml><?xml version="1.0" encoding="utf-8"?>
 <p:sld xmlns:a="http://schemas.openxmlformats.org/drawingml/2006/main" xmlns:r="http://schemas.openxmlformats.org/officeDocument/2006/relationships" xmlns:p="http://schemas.openxmlformats.org/presentationml/2006/main">
   <p:cSld>
     <p:spTree>
@@ -9083,7 +10094,7 @@
           <a:p>
             <a:fld id="{5F85BDAF-76E7-5E4A-80A9-F732B06DC713}" type="slidenum">
               <a:rPr lang="en-US" smtClean="0"/>
-              <a:t>17</a:t>
+              <a:t>18</a:t>
             </a:fld>
             <a:endParaRPr lang="en-US"/>
           </a:p>
@@ -9187,7 +10198,7 @@
 </p:sld>
 </file>
 
-<file path=ppt/slides/slide18.xml><?xml version="1.0" encoding="utf-8"?>
+<file path=ppt/slides/slide19.xml><?xml version="1.0" encoding="utf-8"?>
 <p:sld xmlns:a="http://schemas.openxmlformats.org/drawingml/2006/main" xmlns:r="http://schemas.openxmlformats.org/officeDocument/2006/relationships" xmlns:p="http://schemas.openxmlformats.org/presentationml/2006/main">
   <p:cSld>
     <p:bg>
@@ -9235,7 +10246,7 @@
           <a:p>
             <a:fld id="{5F85BDAF-76E7-5E4A-80A9-F732B06DC713}" type="slidenum">
               <a:rPr lang="en-US" smtClean="0"/>
-              <a:t>18</a:t>
+              <a:t>19</a:t>
             </a:fld>
             <a:endParaRPr lang="en-US"/>
           </a:p>
@@ -9339,7 +10350,248 @@
 </p:sld>
 </file>
 
-<file path=ppt/slides/slide19.xml><?xml version="1.0" encoding="utf-8"?>
+<file path=ppt/slides/slide2.xml><?xml version="1.0" encoding="utf-8"?>
+<p:sld xmlns:a="http://schemas.openxmlformats.org/drawingml/2006/main" xmlns:r="http://schemas.openxmlformats.org/officeDocument/2006/relationships" xmlns:p="http://schemas.openxmlformats.org/presentationml/2006/main">
+  <p:cSld>
+    <p:spTree>
+      <p:nvGrpSpPr>
+        <p:cNvPr id="1" name=""/>
+        <p:cNvGrpSpPr/>
+        <p:nvPr/>
+      </p:nvGrpSpPr>
+      <p:grpSpPr>
+        <a:xfrm>
+          <a:off x="0" y="0"/>
+          <a:ext cx="0" cy="0"/>
+          <a:chOff x="0" y="0"/>
+          <a:chExt cx="0" cy="0"/>
+        </a:xfrm>
+      </p:grpSpPr>
+      <p:sp>
+        <p:nvSpPr>
+          <p:cNvPr id="4" name="TextBox 3">
+            <a:extLst>
+              <a:ext uri="{FF2B5EF4-FFF2-40B4-BE49-F238E27FC236}">
+                <a16:creationId xmlns:a16="http://schemas.microsoft.com/office/drawing/2014/main" id="{2E4ACB90-5B23-AE45-9404-FED4FB5128EF}"/>
+              </a:ext>
+            </a:extLst>
+          </p:cNvPr>
+          <p:cNvSpPr txBox="1"/>
+          <p:nvPr/>
+        </p:nvSpPr>
+        <p:spPr>
+          <a:xfrm>
+            <a:off x="2865521" y="586938"/>
+            <a:ext cx="6460957" cy="923330"/>
+          </a:xfrm>
+          <a:prstGeom prst="rect">
+            <a:avLst/>
+          </a:prstGeom>
+          <a:noFill/>
+        </p:spPr>
+        <p:txBody>
+          <a:bodyPr wrap="square" rtlCol="0">
+            <a:spAutoFit/>
+          </a:bodyPr>
+          <a:lstStyle/>
+          <a:p>
+            <a:pPr algn="ctr"/>
+            <a:r>
+              <a:rPr lang="en-US" sz="5400" dirty="0">
+                <a:latin typeface="Economica" panose="02000506040000020004" pitchFamily="2" charset="77"/>
+              </a:rPr>
+              <a:t>Today’s Agenda</a:t>
+            </a:r>
+          </a:p>
+        </p:txBody>
+      </p:sp>
+      <p:sp>
+        <p:nvSpPr>
+          <p:cNvPr id="5" name="TextBox 4">
+            <a:extLst>
+              <a:ext uri="{FF2B5EF4-FFF2-40B4-BE49-F238E27FC236}">
+                <a16:creationId xmlns:a16="http://schemas.microsoft.com/office/drawing/2014/main" id="{21B2E298-9F21-FF4E-96E1-1B758B6D7AC7}"/>
+              </a:ext>
+            </a:extLst>
+          </p:cNvPr>
+          <p:cNvSpPr txBox="1"/>
+          <p:nvPr/>
+        </p:nvSpPr>
+        <p:spPr>
+          <a:xfrm>
+            <a:off x="890337" y="1940249"/>
+            <a:ext cx="10016362" cy="3046988"/>
+          </a:xfrm>
+          <a:prstGeom prst="rect">
+            <a:avLst/>
+          </a:prstGeom>
+          <a:noFill/>
+        </p:spPr>
+        <p:txBody>
+          <a:bodyPr wrap="square" rtlCol="0">
+            <a:spAutoFit/>
+          </a:bodyPr>
+          <a:lstStyle/>
+          <a:p>
+            <a:r>
+              <a:rPr lang="en-US" sz="2000" b="1" dirty="0">
+                <a:latin typeface="Quicksand" pitchFamily="2" charset="77"/>
+              </a:rPr>
+              <a:t>1. Building Blocks of NNs</a:t>
+            </a:r>
+          </a:p>
+          <a:p>
+            <a:pPr marL="171450" indent="-171450">
+              <a:buFont typeface="Arial" panose="020B0604020202020204" pitchFamily="34" charset="0"/>
+              <a:buChar char="•"/>
+            </a:pPr>
+            <a:endParaRPr lang="en-US" sz="1400" dirty="0">
+              <a:latin typeface="Quicksand" pitchFamily="2" charset="77"/>
+            </a:endParaRPr>
+          </a:p>
+          <a:p>
+            <a:pPr marL="628650" lvl="1" indent="-171450">
+              <a:buFont typeface="Arial" panose="020B0604020202020204" pitchFamily="34" charset="0"/>
+              <a:buChar char="•"/>
+            </a:pPr>
+            <a:r>
+              <a:rPr lang="en-US" dirty="0">
+                <a:latin typeface="Quicksand" pitchFamily="2" charset="77"/>
+              </a:rPr>
+              <a:t>Tensors (and relevant mathematical operations)</a:t>
+            </a:r>
+          </a:p>
+          <a:p>
+            <a:pPr marL="628650" lvl="1" indent="-171450">
+              <a:buFont typeface="Arial" panose="020B0604020202020204" pitchFamily="34" charset="0"/>
+              <a:buChar char="•"/>
+            </a:pPr>
+            <a:r>
+              <a:rPr lang="en-US" dirty="0">
+                <a:latin typeface="Quicksand" pitchFamily="2" charset="77"/>
+              </a:rPr>
+              <a:t>Activation and Loss Functions</a:t>
+            </a:r>
+          </a:p>
+          <a:p>
+            <a:pPr marL="628650" lvl="1" indent="-171450">
+              <a:buFont typeface="Arial" panose="020B0604020202020204" pitchFamily="34" charset="0"/>
+              <a:buChar char="•"/>
+            </a:pPr>
+            <a:r>
+              <a:rPr lang="en-US" dirty="0">
+                <a:latin typeface="Quicksand" pitchFamily="2" charset="77"/>
+              </a:rPr>
+              <a:t>Backpropagation: Derivatives, Gradients &amp; the Chain Rule (with examples)</a:t>
+            </a:r>
+          </a:p>
+          <a:p>
+            <a:endParaRPr lang="en-US" sz="2000" b="1" dirty="0">
+              <a:latin typeface="Quicksand" pitchFamily="2" charset="77"/>
+            </a:endParaRPr>
+          </a:p>
+          <a:p>
+            <a:r>
+              <a:rPr lang="en-US" sz="2000" b="1" dirty="0">
+                <a:latin typeface="Quicksand" pitchFamily="2" charset="77"/>
+              </a:rPr>
+              <a:t>2. Building a Linear Classifier</a:t>
+            </a:r>
+          </a:p>
+          <a:p>
+            <a:pPr marL="171450" indent="-171450">
+              <a:buFont typeface="Arial" panose="020B0604020202020204" pitchFamily="34" charset="0"/>
+              <a:buChar char="•"/>
+            </a:pPr>
+            <a:endParaRPr lang="en-US" sz="1400" dirty="0">
+              <a:latin typeface="Quicksand" pitchFamily="2" charset="77"/>
+            </a:endParaRPr>
+          </a:p>
+          <a:p>
+            <a:pPr marL="628650" lvl="1" indent="-171450">
+              <a:buFont typeface="Arial" panose="020B0604020202020204" pitchFamily="34" charset="0"/>
+              <a:buChar char="•"/>
+            </a:pPr>
+            <a:r>
+              <a:rPr lang="en-US" dirty="0">
+                <a:latin typeface="Quicksand" pitchFamily="2" charset="77"/>
+              </a:rPr>
+              <a:t>Overview of </a:t>
+            </a:r>
+            <a:r>
+              <a:rPr lang="en-US" dirty="0" err="1">
+                <a:latin typeface="Quicksand" pitchFamily="2" charset="77"/>
+              </a:rPr>
+              <a:t>Keras</a:t>
+            </a:r>
+            <a:r>
+              <a:rPr lang="en-US" dirty="0">
+                <a:latin typeface="Quicksand" pitchFamily="2" charset="77"/>
+              </a:rPr>
+              <a:t> and </a:t>
+            </a:r>
+            <a:r>
+              <a:rPr lang="en-US" dirty="0" err="1">
+                <a:latin typeface="Quicksand" pitchFamily="2" charset="77"/>
+              </a:rPr>
+              <a:t>Tensorflow</a:t>
+            </a:r>
+            <a:r>
+              <a:rPr lang="en-US" dirty="0">
+                <a:latin typeface="Quicksand" pitchFamily="2" charset="77"/>
+              </a:rPr>
+              <a:t>.</a:t>
+            </a:r>
+          </a:p>
+          <a:p>
+            <a:pPr marL="628650" lvl="1" indent="-171450">
+              <a:buFont typeface="Arial" panose="020B0604020202020204" pitchFamily="34" charset="0"/>
+              <a:buChar char="•"/>
+            </a:pPr>
+            <a:r>
+              <a:rPr lang="en-US" dirty="0">
+                <a:latin typeface="Quicksand" pitchFamily="2" charset="77"/>
+              </a:rPr>
+              <a:t>Implementing a linear classifier in </a:t>
+            </a:r>
+            <a:r>
+              <a:rPr lang="en-US" dirty="0" err="1">
+                <a:latin typeface="Quicksand" pitchFamily="2" charset="77"/>
+              </a:rPr>
+              <a:t>Keras</a:t>
+            </a:r>
+            <a:r>
+              <a:rPr lang="en-US" dirty="0">
+                <a:latin typeface="Quicksand" pitchFamily="2" charset="77"/>
+              </a:rPr>
+              <a:t> (now that we know the components).</a:t>
+            </a:r>
+          </a:p>
+          <a:p>
+            <a:pPr marL="171450" indent="-171450">
+              <a:buFont typeface="Arial" panose="020B0604020202020204" pitchFamily="34" charset="0"/>
+              <a:buChar char="•"/>
+            </a:pPr>
+            <a:endParaRPr lang="en-US" sz="1400" dirty="0">
+              <a:latin typeface="Quicksand" pitchFamily="2" charset="77"/>
+            </a:endParaRPr>
+          </a:p>
+        </p:txBody>
+      </p:sp>
+    </p:spTree>
+    <p:extLst>
+      <p:ext uri="{BB962C8B-B14F-4D97-AF65-F5344CB8AC3E}">
+        <p14:creationId xmlns:p14="http://schemas.microsoft.com/office/powerpoint/2010/main" val="2398758055"/>
+      </p:ext>
+    </p:extLst>
+  </p:cSld>
+  <p:clrMapOvr>
+    <a:masterClrMapping/>
+  </p:clrMapOvr>
+</p:sld>
+</file>
+
+<file path=ppt/slides/slide20.xml><?xml version="1.0" encoding="utf-8"?>
 <p:sld xmlns:a="http://schemas.openxmlformats.org/drawingml/2006/main" xmlns:r="http://schemas.openxmlformats.org/officeDocument/2006/relationships" xmlns:p="http://schemas.openxmlformats.org/presentationml/2006/main">
   <p:cSld>
     <p:spTree>
@@ -9379,7 +10631,7 @@
           <a:p>
             <a:fld id="{5F85BDAF-76E7-5E4A-80A9-F732B06DC713}" type="slidenum">
               <a:rPr lang="en-US" smtClean="0"/>
-              <a:t>19</a:t>
+              <a:t>20</a:t>
             </a:fld>
             <a:endParaRPr lang="en-US"/>
           </a:p>
@@ -10382,248 +11634,7 @@
 </p:sld>
 </file>
 
-<file path=ppt/slides/slide2.xml><?xml version="1.0" encoding="utf-8"?>
-<p:sld xmlns:a="http://schemas.openxmlformats.org/drawingml/2006/main" xmlns:r="http://schemas.openxmlformats.org/officeDocument/2006/relationships" xmlns:p="http://schemas.openxmlformats.org/presentationml/2006/main">
-  <p:cSld>
-    <p:spTree>
-      <p:nvGrpSpPr>
-        <p:cNvPr id="1" name=""/>
-        <p:cNvGrpSpPr/>
-        <p:nvPr/>
-      </p:nvGrpSpPr>
-      <p:grpSpPr>
-        <a:xfrm>
-          <a:off x="0" y="0"/>
-          <a:ext cx="0" cy="0"/>
-          <a:chOff x="0" y="0"/>
-          <a:chExt cx="0" cy="0"/>
-        </a:xfrm>
-      </p:grpSpPr>
-      <p:sp>
-        <p:nvSpPr>
-          <p:cNvPr id="4" name="TextBox 3">
-            <a:extLst>
-              <a:ext uri="{FF2B5EF4-FFF2-40B4-BE49-F238E27FC236}">
-                <a16:creationId xmlns:a16="http://schemas.microsoft.com/office/drawing/2014/main" id="{2E4ACB90-5B23-AE45-9404-FED4FB5128EF}"/>
-              </a:ext>
-            </a:extLst>
-          </p:cNvPr>
-          <p:cNvSpPr txBox="1"/>
-          <p:nvPr/>
-        </p:nvSpPr>
-        <p:spPr>
-          <a:xfrm>
-            <a:off x="2865521" y="586938"/>
-            <a:ext cx="6460957" cy="923330"/>
-          </a:xfrm>
-          <a:prstGeom prst="rect">
-            <a:avLst/>
-          </a:prstGeom>
-          <a:noFill/>
-        </p:spPr>
-        <p:txBody>
-          <a:bodyPr wrap="square" rtlCol="0">
-            <a:spAutoFit/>
-          </a:bodyPr>
-          <a:lstStyle/>
-          <a:p>
-            <a:pPr algn="ctr"/>
-            <a:r>
-              <a:rPr lang="en-US" sz="5400" dirty="0">
-                <a:latin typeface="Economica" panose="02000506040000020004" pitchFamily="2" charset="77"/>
-              </a:rPr>
-              <a:t>Today’s Agenda</a:t>
-            </a:r>
-          </a:p>
-        </p:txBody>
-      </p:sp>
-      <p:sp>
-        <p:nvSpPr>
-          <p:cNvPr id="5" name="TextBox 4">
-            <a:extLst>
-              <a:ext uri="{FF2B5EF4-FFF2-40B4-BE49-F238E27FC236}">
-                <a16:creationId xmlns:a16="http://schemas.microsoft.com/office/drawing/2014/main" id="{21B2E298-9F21-FF4E-96E1-1B758B6D7AC7}"/>
-              </a:ext>
-            </a:extLst>
-          </p:cNvPr>
-          <p:cNvSpPr txBox="1"/>
-          <p:nvPr/>
-        </p:nvSpPr>
-        <p:spPr>
-          <a:xfrm>
-            <a:off x="890337" y="1940249"/>
-            <a:ext cx="10016362" cy="3046988"/>
-          </a:xfrm>
-          <a:prstGeom prst="rect">
-            <a:avLst/>
-          </a:prstGeom>
-          <a:noFill/>
-        </p:spPr>
-        <p:txBody>
-          <a:bodyPr wrap="square" rtlCol="0">
-            <a:spAutoFit/>
-          </a:bodyPr>
-          <a:lstStyle/>
-          <a:p>
-            <a:r>
-              <a:rPr lang="en-US" sz="2000" b="1" dirty="0">
-                <a:latin typeface="Quicksand" pitchFamily="2" charset="77"/>
-              </a:rPr>
-              <a:t>1. Building Blocks of NNs</a:t>
-            </a:r>
-          </a:p>
-          <a:p>
-            <a:pPr marL="171450" indent="-171450">
-              <a:buFont typeface="Arial" panose="020B0604020202020204" pitchFamily="34" charset="0"/>
-              <a:buChar char="•"/>
-            </a:pPr>
-            <a:endParaRPr lang="en-US" sz="1400" dirty="0">
-              <a:latin typeface="Quicksand" pitchFamily="2" charset="77"/>
-            </a:endParaRPr>
-          </a:p>
-          <a:p>
-            <a:pPr marL="628650" lvl="1" indent="-171450">
-              <a:buFont typeface="Arial" panose="020B0604020202020204" pitchFamily="34" charset="0"/>
-              <a:buChar char="•"/>
-            </a:pPr>
-            <a:r>
-              <a:rPr lang="en-US" dirty="0">
-                <a:latin typeface="Quicksand" pitchFamily="2" charset="77"/>
-              </a:rPr>
-              <a:t>Tensors (and relevant mathematical operations)</a:t>
-            </a:r>
-          </a:p>
-          <a:p>
-            <a:pPr marL="628650" lvl="1" indent="-171450">
-              <a:buFont typeface="Arial" panose="020B0604020202020204" pitchFamily="34" charset="0"/>
-              <a:buChar char="•"/>
-            </a:pPr>
-            <a:r>
-              <a:rPr lang="en-US" dirty="0">
-                <a:latin typeface="Quicksand" pitchFamily="2" charset="77"/>
-              </a:rPr>
-              <a:t>Activation and Loss Functions</a:t>
-            </a:r>
-          </a:p>
-          <a:p>
-            <a:pPr marL="628650" lvl="1" indent="-171450">
-              <a:buFont typeface="Arial" panose="020B0604020202020204" pitchFamily="34" charset="0"/>
-              <a:buChar char="•"/>
-            </a:pPr>
-            <a:r>
-              <a:rPr lang="en-US" dirty="0">
-                <a:latin typeface="Quicksand" pitchFamily="2" charset="77"/>
-              </a:rPr>
-              <a:t>Backpropagation: Derivatives, Gradients &amp; the Chain Rule (with examples)</a:t>
-            </a:r>
-          </a:p>
-          <a:p>
-            <a:endParaRPr lang="en-US" sz="2000" b="1" dirty="0">
-              <a:latin typeface="Quicksand" pitchFamily="2" charset="77"/>
-            </a:endParaRPr>
-          </a:p>
-          <a:p>
-            <a:r>
-              <a:rPr lang="en-US" sz="2000" b="1" dirty="0">
-                <a:latin typeface="Quicksand" pitchFamily="2" charset="77"/>
-              </a:rPr>
-              <a:t>2. Building a Linear Classifier</a:t>
-            </a:r>
-          </a:p>
-          <a:p>
-            <a:pPr marL="171450" indent="-171450">
-              <a:buFont typeface="Arial" panose="020B0604020202020204" pitchFamily="34" charset="0"/>
-              <a:buChar char="•"/>
-            </a:pPr>
-            <a:endParaRPr lang="en-US" sz="1400" dirty="0">
-              <a:latin typeface="Quicksand" pitchFamily="2" charset="77"/>
-            </a:endParaRPr>
-          </a:p>
-          <a:p>
-            <a:pPr marL="628650" lvl="1" indent="-171450">
-              <a:buFont typeface="Arial" panose="020B0604020202020204" pitchFamily="34" charset="0"/>
-              <a:buChar char="•"/>
-            </a:pPr>
-            <a:r>
-              <a:rPr lang="en-US" dirty="0">
-                <a:latin typeface="Quicksand" pitchFamily="2" charset="77"/>
-              </a:rPr>
-              <a:t>Overview of </a:t>
-            </a:r>
-            <a:r>
-              <a:rPr lang="en-US" dirty="0" err="1">
-                <a:latin typeface="Quicksand" pitchFamily="2" charset="77"/>
-              </a:rPr>
-              <a:t>Keras</a:t>
-            </a:r>
-            <a:r>
-              <a:rPr lang="en-US" dirty="0">
-                <a:latin typeface="Quicksand" pitchFamily="2" charset="77"/>
-              </a:rPr>
-              <a:t> and </a:t>
-            </a:r>
-            <a:r>
-              <a:rPr lang="en-US" dirty="0" err="1">
-                <a:latin typeface="Quicksand" pitchFamily="2" charset="77"/>
-              </a:rPr>
-              <a:t>Tensorflow</a:t>
-            </a:r>
-            <a:r>
-              <a:rPr lang="en-US" dirty="0">
-                <a:latin typeface="Quicksand" pitchFamily="2" charset="77"/>
-              </a:rPr>
-              <a:t>.</a:t>
-            </a:r>
-          </a:p>
-          <a:p>
-            <a:pPr marL="628650" lvl="1" indent="-171450">
-              <a:buFont typeface="Arial" panose="020B0604020202020204" pitchFamily="34" charset="0"/>
-              <a:buChar char="•"/>
-            </a:pPr>
-            <a:r>
-              <a:rPr lang="en-US" dirty="0">
-                <a:latin typeface="Quicksand" pitchFamily="2" charset="77"/>
-              </a:rPr>
-              <a:t>Implementing a linear classifier in </a:t>
-            </a:r>
-            <a:r>
-              <a:rPr lang="en-US" dirty="0" err="1">
-                <a:latin typeface="Quicksand" pitchFamily="2" charset="77"/>
-              </a:rPr>
-              <a:t>Keras</a:t>
-            </a:r>
-            <a:r>
-              <a:rPr lang="en-US" dirty="0">
-                <a:latin typeface="Quicksand" pitchFamily="2" charset="77"/>
-              </a:rPr>
-              <a:t> (now that we know the components).</a:t>
-            </a:r>
-          </a:p>
-          <a:p>
-            <a:pPr marL="171450" indent="-171450">
-              <a:buFont typeface="Arial" panose="020B0604020202020204" pitchFamily="34" charset="0"/>
-              <a:buChar char="•"/>
-            </a:pPr>
-            <a:endParaRPr lang="en-US" sz="1400" dirty="0">
-              <a:latin typeface="Quicksand" pitchFamily="2" charset="77"/>
-            </a:endParaRPr>
-          </a:p>
-        </p:txBody>
-      </p:sp>
-    </p:spTree>
-    <p:extLst>
-      <p:ext uri="{BB962C8B-B14F-4D97-AF65-F5344CB8AC3E}">
-        <p14:creationId xmlns:p14="http://schemas.microsoft.com/office/powerpoint/2010/main" val="2398758055"/>
-      </p:ext>
-    </p:extLst>
-  </p:cSld>
-  <p:clrMapOvr>
-    <a:masterClrMapping/>
-  </p:clrMapOvr>
-</p:sld>
-</file>
-
-<file path=ppt/slides/slide20.xml><?xml version="1.0" encoding="utf-8"?>
+<file path=ppt/slides/slide21.xml><?xml version="1.0" encoding="utf-8"?>
 <p:sld xmlns:a="http://schemas.openxmlformats.org/drawingml/2006/main" xmlns:r="http://schemas.openxmlformats.org/officeDocument/2006/relationships" xmlns:p="http://schemas.openxmlformats.org/presentationml/2006/main">
   <p:cSld>
     <p:bg>
@@ -10671,7 +11682,7 @@
           <a:p>
             <a:fld id="{5F85BDAF-76E7-5E4A-80A9-F732B06DC713}" type="slidenum">
               <a:rPr lang="en-US" smtClean="0"/>
-              <a:t>20</a:t>
+              <a:t>21</a:t>
             </a:fld>
             <a:endParaRPr lang="en-US"/>
           </a:p>
@@ -11795,7 +12806,7 @@
 </p:sld>
 </file>
 
-<file path=ppt/slides/slide21.xml><?xml version="1.0" encoding="utf-8"?>
+<file path=ppt/slides/slide22.xml><?xml version="1.0" encoding="utf-8"?>
 <p:sld xmlns:a="http://schemas.openxmlformats.org/drawingml/2006/main" xmlns:r="http://schemas.openxmlformats.org/officeDocument/2006/relationships" xmlns:p="http://schemas.openxmlformats.org/presentationml/2006/main">
   <p:cSld>
     <p:bg>
@@ -11843,7 +12854,7 @@
           <a:p>
             <a:fld id="{5F85BDAF-76E7-5E4A-80A9-F732B06DC713}" type="slidenum">
               <a:rPr lang="en-US" smtClean="0"/>
-              <a:t>21</a:t>
+              <a:t>22</a:t>
             </a:fld>
             <a:endParaRPr lang="en-US"/>
           </a:p>
@@ -13156,7 +14167,7 @@
 </p:sld>
 </file>
 
-<file path=ppt/slides/slide22.xml><?xml version="1.0" encoding="utf-8"?>
+<file path=ppt/slides/slide23.xml><?xml version="1.0" encoding="utf-8"?>
 <p:sld xmlns:a="http://schemas.openxmlformats.org/drawingml/2006/main" xmlns:r="http://schemas.openxmlformats.org/officeDocument/2006/relationships" xmlns:p="http://schemas.openxmlformats.org/presentationml/2006/main">
   <p:cSld>
     <p:bg>
@@ -13204,7 +14215,7 @@
           <a:p>
             <a:fld id="{5F85BDAF-76E7-5E4A-80A9-F732B06DC713}" type="slidenum">
               <a:rPr lang="en-US" smtClean="0"/>
-              <a:t>22</a:t>
+              <a:t>23</a:t>
             </a:fld>
             <a:endParaRPr lang="en-US"/>
           </a:p>
@@ -14882,7 +15893,7 @@
 </p:sld>
 </file>
 
-<file path=ppt/slides/slide23.xml><?xml version="1.0" encoding="utf-8"?>
+<file path=ppt/slides/slide24.xml><?xml version="1.0" encoding="utf-8"?>
 <p:sld xmlns:a="http://schemas.openxmlformats.org/drawingml/2006/main" xmlns:r="http://schemas.openxmlformats.org/officeDocument/2006/relationships" xmlns:p="http://schemas.openxmlformats.org/presentationml/2006/main">
   <p:cSld>
     <p:bg>
@@ -14930,7 +15941,7 @@
           <a:p>
             <a:fld id="{5F85BDAF-76E7-5E4A-80A9-F732B06DC713}" type="slidenum">
               <a:rPr lang="en-US" smtClean="0"/>
-              <a:t>23</a:t>
+              <a:t>24</a:t>
             </a:fld>
             <a:endParaRPr lang="en-US"/>
           </a:p>
@@ -16753,7 +17764,7 @@
 </p:sld>
 </file>
 
-<file path=ppt/slides/slide24.xml><?xml version="1.0" encoding="utf-8"?>
+<file path=ppt/slides/slide25.xml><?xml version="1.0" encoding="utf-8"?>
 <p:sld xmlns:a="http://schemas.openxmlformats.org/drawingml/2006/main" xmlns:r="http://schemas.openxmlformats.org/officeDocument/2006/relationships" xmlns:p="http://schemas.openxmlformats.org/presentationml/2006/main">
   <p:cSld>
     <p:bg>
@@ -16801,7 +17812,7 @@
           <a:p>
             <a:fld id="{5F85BDAF-76E7-5E4A-80A9-F732B06DC713}" type="slidenum">
               <a:rPr lang="en-US" smtClean="0"/>
-              <a:t>24</a:t>
+              <a:t>25</a:t>
             </a:fld>
             <a:endParaRPr lang="en-US"/>
           </a:p>
@@ -18739,7 +19750,7 @@
 </p:sld>
 </file>
 
-<file path=ppt/slides/slide25.xml><?xml version="1.0" encoding="utf-8"?>
+<file path=ppt/slides/slide26.xml><?xml version="1.0" encoding="utf-8"?>
 <p:sld xmlns:a="http://schemas.openxmlformats.org/drawingml/2006/main" xmlns:r="http://schemas.openxmlformats.org/officeDocument/2006/relationships" xmlns:p="http://schemas.openxmlformats.org/presentationml/2006/main">
   <p:cSld>
     <p:bg>
@@ -18787,7 +19798,7 @@
           <a:p>
             <a:fld id="{5F85BDAF-76E7-5E4A-80A9-F732B06DC713}" type="slidenum">
               <a:rPr lang="en-US" smtClean="0"/>
-              <a:t>25</a:t>
+              <a:t>26</a:t>
             </a:fld>
             <a:endParaRPr lang="en-US"/>
           </a:p>
@@ -20906,7 +21917,7 @@
 </p:sld>
 </file>
 
-<file path=ppt/slides/slide26.xml><?xml version="1.0" encoding="utf-8"?>
+<file path=ppt/slides/slide27.xml><?xml version="1.0" encoding="utf-8"?>
 <p:sld xmlns:a="http://schemas.openxmlformats.org/drawingml/2006/main" xmlns:r="http://schemas.openxmlformats.org/officeDocument/2006/relationships" xmlns:p="http://schemas.openxmlformats.org/presentationml/2006/main">
   <p:cSld>
     <p:bg>
@@ -23142,7 +24153,7 @@
 </p:sld>
 </file>
 
-<file path=ppt/slides/slide27.xml><?xml version="1.0" encoding="utf-8"?>
+<file path=ppt/slides/slide28.xml><?xml version="1.0" encoding="utf-8"?>
 <p:sld xmlns:a="http://schemas.openxmlformats.org/drawingml/2006/main" xmlns:r="http://schemas.openxmlformats.org/officeDocument/2006/relationships" xmlns:p="http://schemas.openxmlformats.org/presentationml/2006/main">
   <p:cSld>
     <p:bg>
@@ -26131,7 +27142,7 @@
 </p:sld>
 </file>
 
-<file path=ppt/slides/slide28.xml><?xml version="1.0" encoding="utf-8"?>
+<file path=ppt/slides/slide29.xml><?xml version="1.0" encoding="utf-8"?>
 <p:sld xmlns:a="http://schemas.openxmlformats.org/drawingml/2006/main" xmlns:r="http://schemas.openxmlformats.org/officeDocument/2006/relationships" xmlns:p="http://schemas.openxmlformats.org/presentationml/2006/main">
   <p:cSld>
     <p:bg>
@@ -28195,321 +29206,6 @@
 </p:sld>
 </file>
 
-<file path=ppt/slides/slide29.xml><?xml version="1.0" encoding="utf-8"?>
-<p:sld xmlns:a="http://schemas.openxmlformats.org/drawingml/2006/main" xmlns:r="http://schemas.openxmlformats.org/officeDocument/2006/relationships" xmlns:p="http://schemas.openxmlformats.org/presentationml/2006/main">
-  <p:cSld>
-    <p:spTree>
-      <p:nvGrpSpPr>
-        <p:cNvPr id="1" name=""/>
-        <p:cNvGrpSpPr/>
-        <p:nvPr/>
-      </p:nvGrpSpPr>
-      <p:grpSpPr>
-        <a:xfrm>
-          <a:off x="0" y="0"/>
-          <a:ext cx="0" cy="0"/>
-          <a:chOff x="0" y="0"/>
-          <a:chExt cx="0" cy="0"/>
-        </a:xfrm>
-      </p:grpSpPr>
-      <p:sp>
-        <p:nvSpPr>
-          <p:cNvPr id="4" name="Slide Number Placeholder 3">
-            <a:extLst>
-              <a:ext uri="{FF2B5EF4-FFF2-40B4-BE49-F238E27FC236}">
-                <a16:creationId xmlns:a16="http://schemas.microsoft.com/office/drawing/2014/main" id="{0B5E4CF9-A880-494D-A159-470F1B8BFB79}"/>
-              </a:ext>
-            </a:extLst>
-          </p:cNvPr>
-          <p:cNvSpPr>
-            <a:spLocks noGrp="1"/>
-          </p:cNvSpPr>
-          <p:nvPr>
-            <p:ph type="sldNum" sz="quarter" idx="12"/>
-          </p:nvPr>
-        </p:nvSpPr>
-        <p:spPr/>
-        <p:txBody>
-          <a:bodyPr/>
-          <a:lstStyle/>
-          <a:p>
-            <a:fld id="{5F85BDAF-76E7-5E4A-80A9-F732B06DC713}" type="slidenum">
-              <a:rPr lang="en-US" smtClean="0"/>
-              <a:t>29</a:t>
-            </a:fld>
-            <a:endParaRPr lang="en-US"/>
-          </a:p>
-        </p:txBody>
-      </p:sp>
-      <p:sp>
-        <p:nvSpPr>
-          <p:cNvPr id="5" name="TextBox 4">
-            <a:extLst>
-              <a:ext uri="{FF2B5EF4-FFF2-40B4-BE49-F238E27FC236}">
-                <a16:creationId xmlns:a16="http://schemas.microsoft.com/office/drawing/2014/main" id="{66017FFC-90AC-7943-A427-7919B7EFCD5A}"/>
-              </a:ext>
-            </a:extLst>
-          </p:cNvPr>
-          <p:cNvSpPr txBox="1"/>
-          <p:nvPr/>
-        </p:nvSpPr>
-        <p:spPr>
-          <a:xfrm>
-            <a:off x="2055613" y="613442"/>
-            <a:ext cx="8080774" cy="923330"/>
-          </a:xfrm>
-          <a:prstGeom prst="rect">
-            <a:avLst/>
-          </a:prstGeom>
-          <a:noFill/>
-        </p:spPr>
-        <p:txBody>
-          <a:bodyPr wrap="square" rtlCol="0">
-            <a:spAutoFit/>
-          </a:bodyPr>
-          <a:lstStyle/>
-          <a:p>
-            <a:pPr algn="ctr"/>
-            <a:r>
-              <a:rPr lang="en-US" sz="5400" dirty="0" err="1">
-                <a:latin typeface="Economica" panose="02000506040000020004" pitchFamily="2" charset="77"/>
-              </a:rPr>
-              <a:t>Keras</a:t>
-            </a:r>
-            <a:r>
-              <a:rPr lang="en-US" sz="5400" dirty="0">
-                <a:latin typeface="Economica" panose="02000506040000020004" pitchFamily="2" charset="77"/>
-              </a:rPr>
-              <a:t> and </a:t>
-            </a:r>
-            <a:r>
-              <a:rPr lang="en-US" sz="5400" dirty="0" err="1">
-                <a:latin typeface="Economica" panose="02000506040000020004" pitchFamily="2" charset="77"/>
-              </a:rPr>
-              <a:t>Tensorflow</a:t>
-            </a:r>
-            <a:endParaRPr lang="en-US" sz="5400" dirty="0">
-              <a:latin typeface="Economica" panose="02000506040000020004" pitchFamily="2" charset="77"/>
-            </a:endParaRPr>
-          </a:p>
-        </p:txBody>
-      </p:sp>
-      <p:sp>
-        <p:nvSpPr>
-          <p:cNvPr id="6" name="TextBox 5">
-            <a:extLst>
-              <a:ext uri="{FF2B5EF4-FFF2-40B4-BE49-F238E27FC236}">
-                <a16:creationId xmlns:a16="http://schemas.microsoft.com/office/drawing/2014/main" id="{1878285F-4D88-EE4A-BBF5-E394C3312294}"/>
-              </a:ext>
-            </a:extLst>
-          </p:cNvPr>
-          <p:cNvSpPr txBox="1"/>
-          <p:nvPr/>
-        </p:nvSpPr>
-        <p:spPr>
-          <a:xfrm>
-            <a:off x="890337" y="1940249"/>
-            <a:ext cx="10016362" cy="2739211"/>
-          </a:xfrm>
-          <a:prstGeom prst="rect">
-            <a:avLst/>
-          </a:prstGeom>
-          <a:noFill/>
-        </p:spPr>
-        <p:txBody>
-          <a:bodyPr wrap="square" rtlCol="0">
-            <a:spAutoFit/>
-          </a:bodyPr>
-          <a:lstStyle/>
-          <a:p>
-            <a:r>
-              <a:rPr lang="en-US" sz="2000" b="1" dirty="0">
-                <a:latin typeface="Quicksand" pitchFamily="2" charset="77"/>
-              </a:rPr>
-              <a:t>1. </a:t>
-            </a:r>
-            <a:r>
-              <a:rPr lang="en-US" sz="2000" b="1" dirty="0" err="1">
-                <a:latin typeface="Quicksand" pitchFamily="2" charset="77"/>
-              </a:rPr>
-              <a:t>Tensorflow</a:t>
-            </a:r>
-            <a:endParaRPr lang="en-US" sz="2000" b="1" dirty="0">
-              <a:latin typeface="Quicksand" pitchFamily="2" charset="77"/>
-            </a:endParaRPr>
-          </a:p>
-          <a:p>
-            <a:pPr marL="171450" indent="-171450">
-              <a:buFont typeface="Arial" panose="020B0604020202020204" pitchFamily="34" charset="0"/>
-              <a:buChar char="•"/>
-            </a:pPr>
-            <a:endParaRPr lang="en-US" sz="1400" dirty="0">
-              <a:latin typeface="Quicksand" pitchFamily="2" charset="77"/>
-            </a:endParaRPr>
-          </a:p>
-          <a:p>
-            <a:pPr marL="628650" lvl="1" indent="-171450">
-              <a:buFont typeface="Arial" panose="020B0604020202020204" pitchFamily="34" charset="0"/>
-              <a:buChar char="•"/>
-            </a:pPr>
-            <a:r>
-              <a:rPr lang="en-US" dirty="0">
-                <a:latin typeface="Quicksand" pitchFamily="2" charset="77"/>
-              </a:rPr>
-              <a:t>A Python platform for working with tensors, implementing automatic differentiation, providing access to repositories of (well-known) pre-trained models. </a:t>
-            </a:r>
-          </a:p>
-          <a:p>
-            <a:pPr marL="171450" indent="-171450">
-              <a:buFont typeface="Arial" panose="020B0604020202020204" pitchFamily="34" charset="0"/>
-              <a:buChar char="•"/>
-            </a:pPr>
-            <a:endParaRPr lang="en-US" sz="1400" dirty="0">
-              <a:latin typeface="Quicksand" pitchFamily="2" charset="77"/>
-            </a:endParaRPr>
-          </a:p>
-          <a:p>
-            <a:r>
-              <a:rPr lang="en-US" sz="2000" b="1" dirty="0">
-                <a:latin typeface="Quicksand" pitchFamily="2" charset="77"/>
-              </a:rPr>
-              <a:t>2. </a:t>
-            </a:r>
-            <a:r>
-              <a:rPr lang="en-US" sz="2000" b="1" dirty="0" err="1">
-                <a:latin typeface="Quicksand" pitchFamily="2" charset="77"/>
-              </a:rPr>
-              <a:t>Keras</a:t>
-            </a:r>
-            <a:endParaRPr lang="en-US" sz="2000" b="1" dirty="0">
-              <a:latin typeface="Quicksand" pitchFamily="2" charset="77"/>
-            </a:endParaRPr>
-          </a:p>
-          <a:p>
-            <a:pPr marL="171450" indent="-171450">
-              <a:buFont typeface="Arial" panose="020B0604020202020204" pitchFamily="34" charset="0"/>
-              <a:buChar char="•"/>
-            </a:pPr>
-            <a:endParaRPr lang="en-US" sz="1400" dirty="0">
-              <a:latin typeface="Quicksand" pitchFamily="2" charset="77"/>
-            </a:endParaRPr>
-          </a:p>
-          <a:p>
-            <a:pPr marL="628650" lvl="1" indent="-171450">
-              <a:buFont typeface="Arial" panose="020B0604020202020204" pitchFamily="34" charset="0"/>
-              <a:buChar char="•"/>
-            </a:pPr>
-            <a:r>
-              <a:rPr lang="en-US" dirty="0">
-                <a:latin typeface="Quicksand" pitchFamily="2" charset="77"/>
-              </a:rPr>
-              <a:t>A higher-level API that wraps common usage patterns with </a:t>
-            </a:r>
-            <a:r>
-              <a:rPr lang="en-US" dirty="0" err="1">
-                <a:latin typeface="Quicksand" pitchFamily="2" charset="77"/>
-              </a:rPr>
-              <a:t>Tensorflow</a:t>
-            </a:r>
-            <a:r>
-              <a:rPr lang="en-US" dirty="0">
-                <a:latin typeface="Quicksand" pitchFamily="2" charset="77"/>
-              </a:rPr>
-              <a:t> functions, pre-defined loss functions, optimization algorithms, etc.</a:t>
-            </a:r>
-          </a:p>
-          <a:p>
-            <a:pPr marL="628650" lvl="1" indent="-171450">
-              <a:buFont typeface="Arial" panose="020B0604020202020204" pitchFamily="34" charset="0"/>
-              <a:buChar char="•"/>
-            </a:pPr>
-            <a:r>
-              <a:rPr lang="en-US" dirty="0" err="1">
-                <a:latin typeface="Quicksand" pitchFamily="2" charset="77"/>
-              </a:rPr>
-              <a:t>Keras</a:t>
-            </a:r>
-            <a:r>
-              <a:rPr lang="en-US" dirty="0">
-                <a:latin typeface="Quicksand" pitchFamily="2" charset="77"/>
-              </a:rPr>
-              <a:t> simplifies data scientists’ interaction with </a:t>
-            </a:r>
-            <a:r>
-              <a:rPr lang="en-US" dirty="0" err="1">
-                <a:latin typeface="Quicksand" pitchFamily="2" charset="77"/>
-              </a:rPr>
-              <a:t>Tensorflow</a:t>
-            </a:r>
-            <a:r>
-              <a:rPr lang="en-US" dirty="0">
-                <a:latin typeface="Quicksand" pitchFamily="2" charset="77"/>
-              </a:rPr>
-              <a:t>.</a:t>
-            </a:r>
-          </a:p>
-        </p:txBody>
-      </p:sp>
-      <p:pic>
-        <p:nvPicPr>
-          <p:cNvPr id="1026" name="Picture 2" descr="Top 3 Ways to Write Your Tensorflow Code - Analytics Vidhya">
-            <a:extLst>
-              <a:ext uri="{FF2B5EF4-FFF2-40B4-BE49-F238E27FC236}">
-                <a16:creationId xmlns:a16="http://schemas.microsoft.com/office/drawing/2014/main" id="{25F8C8C0-7310-1547-B44C-A40961669B63}"/>
-              </a:ext>
-            </a:extLst>
-          </p:cNvPr>
-          <p:cNvPicPr>
-            <a:picLocks noChangeAspect="1" noChangeArrowheads="1"/>
-          </p:cNvPicPr>
-          <p:nvPr/>
-        </p:nvPicPr>
-        <p:blipFill>
-          <a:blip r:embed="rId2">
-            <a:extLst>
-              <a:ext uri="{28A0092B-C50C-407E-A947-70E740481C1C}">
-                <a14:useLocalDpi xmlns:a14="http://schemas.microsoft.com/office/drawing/2010/main" val="0"/>
-              </a:ext>
-            </a:extLst>
-          </a:blip>
-          <a:srcRect/>
-          <a:stretch>
-            <a:fillRect/>
-          </a:stretch>
-        </p:blipFill>
-        <p:spPr bwMode="auto">
-          <a:xfrm>
-            <a:off x="3917321" y="4969267"/>
-            <a:ext cx="4357357" cy="1575352"/>
-          </a:xfrm>
-          <a:prstGeom prst="rect">
-            <a:avLst/>
-          </a:prstGeom>
-          <a:noFill/>
-          <a:extLst>
-            <a:ext uri="{909E8E84-426E-40DD-AFC4-6F175D3DCCD1}">
-              <a14:hiddenFill xmlns:a14="http://schemas.microsoft.com/office/drawing/2010/main">
-                <a:solidFill>
-                  <a:srgbClr val="FFFFFF"/>
-                </a:solidFill>
-              </a14:hiddenFill>
-            </a:ext>
-          </a:extLst>
-        </p:spPr>
-      </p:pic>
-    </p:spTree>
-    <p:extLst>
-      <p:ext uri="{BB962C8B-B14F-4D97-AF65-F5344CB8AC3E}">
-        <p14:creationId xmlns:p14="http://schemas.microsoft.com/office/powerpoint/2010/main" val="142035714"/>
-      </p:ext>
-    </p:extLst>
-  </p:cSld>
-  <p:clrMapOvr>
-    <a:masterClrMapping/>
-  </p:clrMapOvr>
-</p:sld>
-</file>
-
 <file path=ppt/slides/slide3.xml><?xml version="1.0" encoding="utf-8"?>
 <p:sld xmlns:a="http://schemas.openxmlformats.org/drawingml/2006/main" xmlns:r="http://schemas.openxmlformats.org/officeDocument/2006/relationships" xmlns:p="http://schemas.openxmlformats.org/presentationml/2006/main">
   <p:cSld>
@@ -28730,6 +29426,321 @@
               <a:rPr lang="en-US" sz="5400" dirty="0" err="1">
                 <a:latin typeface="Economica" panose="02000506040000020004" pitchFamily="2" charset="77"/>
               </a:rPr>
+              <a:t>Keras</a:t>
+            </a:r>
+            <a:r>
+              <a:rPr lang="en-US" sz="5400" dirty="0">
+                <a:latin typeface="Economica" panose="02000506040000020004" pitchFamily="2" charset="77"/>
+              </a:rPr>
+              <a:t> and </a:t>
+            </a:r>
+            <a:r>
+              <a:rPr lang="en-US" sz="5400" dirty="0" err="1">
+                <a:latin typeface="Economica" panose="02000506040000020004" pitchFamily="2" charset="77"/>
+              </a:rPr>
+              <a:t>Tensorflow</a:t>
+            </a:r>
+            <a:endParaRPr lang="en-US" sz="5400" dirty="0">
+              <a:latin typeface="Economica" panose="02000506040000020004" pitchFamily="2" charset="77"/>
+            </a:endParaRPr>
+          </a:p>
+        </p:txBody>
+      </p:sp>
+      <p:sp>
+        <p:nvSpPr>
+          <p:cNvPr id="6" name="TextBox 5">
+            <a:extLst>
+              <a:ext uri="{FF2B5EF4-FFF2-40B4-BE49-F238E27FC236}">
+                <a16:creationId xmlns:a16="http://schemas.microsoft.com/office/drawing/2014/main" id="{1878285F-4D88-EE4A-BBF5-E394C3312294}"/>
+              </a:ext>
+            </a:extLst>
+          </p:cNvPr>
+          <p:cNvSpPr txBox="1"/>
+          <p:nvPr/>
+        </p:nvSpPr>
+        <p:spPr>
+          <a:xfrm>
+            <a:off x="890337" y="1940249"/>
+            <a:ext cx="10016362" cy="2739211"/>
+          </a:xfrm>
+          <a:prstGeom prst="rect">
+            <a:avLst/>
+          </a:prstGeom>
+          <a:noFill/>
+        </p:spPr>
+        <p:txBody>
+          <a:bodyPr wrap="square" rtlCol="0">
+            <a:spAutoFit/>
+          </a:bodyPr>
+          <a:lstStyle/>
+          <a:p>
+            <a:r>
+              <a:rPr lang="en-US" sz="2000" b="1" dirty="0">
+                <a:latin typeface="Quicksand" pitchFamily="2" charset="77"/>
+              </a:rPr>
+              <a:t>1. </a:t>
+            </a:r>
+            <a:r>
+              <a:rPr lang="en-US" sz="2000" b="1" dirty="0" err="1">
+                <a:latin typeface="Quicksand" pitchFamily="2" charset="77"/>
+              </a:rPr>
+              <a:t>Tensorflow</a:t>
+            </a:r>
+            <a:endParaRPr lang="en-US" sz="2000" b="1" dirty="0">
+              <a:latin typeface="Quicksand" pitchFamily="2" charset="77"/>
+            </a:endParaRPr>
+          </a:p>
+          <a:p>
+            <a:pPr marL="171450" indent="-171450">
+              <a:buFont typeface="Arial" panose="020B0604020202020204" pitchFamily="34" charset="0"/>
+              <a:buChar char="•"/>
+            </a:pPr>
+            <a:endParaRPr lang="en-US" sz="1400" dirty="0">
+              <a:latin typeface="Quicksand" pitchFamily="2" charset="77"/>
+            </a:endParaRPr>
+          </a:p>
+          <a:p>
+            <a:pPr marL="628650" lvl="1" indent="-171450">
+              <a:buFont typeface="Arial" panose="020B0604020202020204" pitchFamily="34" charset="0"/>
+              <a:buChar char="•"/>
+            </a:pPr>
+            <a:r>
+              <a:rPr lang="en-US" dirty="0">
+                <a:latin typeface="Quicksand" pitchFamily="2" charset="77"/>
+              </a:rPr>
+              <a:t>A Python platform for working with tensors, implementing automatic differentiation, providing access to repositories of (well-known) pre-trained models. </a:t>
+            </a:r>
+          </a:p>
+          <a:p>
+            <a:pPr marL="171450" indent="-171450">
+              <a:buFont typeface="Arial" panose="020B0604020202020204" pitchFamily="34" charset="0"/>
+              <a:buChar char="•"/>
+            </a:pPr>
+            <a:endParaRPr lang="en-US" sz="1400" dirty="0">
+              <a:latin typeface="Quicksand" pitchFamily="2" charset="77"/>
+            </a:endParaRPr>
+          </a:p>
+          <a:p>
+            <a:r>
+              <a:rPr lang="en-US" sz="2000" b="1" dirty="0">
+                <a:latin typeface="Quicksand" pitchFamily="2" charset="77"/>
+              </a:rPr>
+              <a:t>2. </a:t>
+            </a:r>
+            <a:r>
+              <a:rPr lang="en-US" sz="2000" b="1" dirty="0" err="1">
+                <a:latin typeface="Quicksand" pitchFamily="2" charset="77"/>
+              </a:rPr>
+              <a:t>Keras</a:t>
+            </a:r>
+            <a:endParaRPr lang="en-US" sz="2000" b="1" dirty="0">
+              <a:latin typeface="Quicksand" pitchFamily="2" charset="77"/>
+            </a:endParaRPr>
+          </a:p>
+          <a:p>
+            <a:pPr marL="171450" indent="-171450">
+              <a:buFont typeface="Arial" panose="020B0604020202020204" pitchFamily="34" charset="0"/>
+              <a:buChar char="•"/>
+            </a:pPr>
+            <a:endParaRPr lang="en-US" sz="1400" dirty="0">
+              <a:latin typeface="Quicksand" pitchFamily="2" charset="77"/>
+            </a:endParaRPr>
+          </a:p>
+          <a:p>
+            <a:pPr marL="628650" lvl="1" indent="-171450">
+              <a:buFont typeface="Arial" panose="020B0604020202020204" pitchFamily="34" charset="0"/>
+              <a:buChar char="•"/>
+            </a:pPr>
+            <a:r>
+              <a:rPr lang="en-US" dirty="0">
+                <a:latin typeface="Quicksand" pitchFamily="2" charset="77"/>
+              </a:rPr>
+              <a:t>A higher-level API that wraps common usage patterns with </a:t>
+            </a:r>
+            <a:r>
+              <a:rPr lang="en-US" dirty="0" err="1">
+                <a:latin typeface="Quicksand" pitchFamily="2" charset="77"/>
+              </a:rPr>
+              <a:t>Tensorflow</a:t>
+            </a:r>
+            <a:r>
+              <a:rPr lang="en-US" dirty="0">
+                <a:latin typeface="Quicksand" pitchFamily="2" charset="77"/>
+              </a:rPr>
+              <a:t> functions, pre-defined loss functions, optimization algorithms, etc.</a:t>
+            </a:r>
+          </a:p>
+          <a:p>
+            <a:pPr marL="628650" lvl="1" indent="-171450">
+              <a:buFont typeface="Arial" panose="020B0604020202020204" pitchFamily="34" charset="0"/>
+              <a:buChar char="•"/>
+            </a:pPr>
+            <a:r>
+              <a:rPr lang="en-US" dirty="0" err="1">
+                <a:latin typeface="Quicksand" pitchFamily="2" charset="77"/>
+              </a:rPr>
+              <a:t>Keras</a:t>
+            </a:r>
+            <a:r>
+              <a:rPr lang="en-US" dirty="0">
+                <a:latin typeface="Quicksand" pitchFamily="2" charset="77"/>
+              </a:rPr>
+              <a:t> simplifies data scientists’ interaction with </a:t>
+            </a:r>
+            <a:r>
+              <a:rPr lang="en-US" dirty="0" err="1">
+                <a:latin typeface="Quicksand" pitchFamily="2" charset="77"/>
+              </a:rPr>
+              <a:t>Tensorflow</a:t>
+            </a:r>
+            <a:r>
+              <a:rPr lang="en-US" dirty="0">
+                <a:latin typeface="Quicksand" pitchFamily="2" charset="77"/>
+              </a:rPr>
+              <a:t>.</a:t>
+            </a:r>
+          </a:p>
+        </p:txBody>
+      </p:sp>
+      <p:pic>
+        <p:nvPicPr>
+          <p:cNvPr id="1026" name="Picture 2" descr="Top 3 Ways to Write Your Tensorflow Code - Analytics Vidhya">
+            <a:extLst>
+              <a:ext uri="{FF2B5EF4-FFF2-40B4-BE49-F238E27FC236}">
+                <a16:creationId xmlns:a16="http://schemas.microsoft.com/office/drawing/2014/main" id="{25F8C8C0-7310-1547-B44C-A40961669B63}"/>
+              </a:ext>
+            </a:extLst>
+          </p:cNvPr>
+          <p:cNvPicPr>
+            <a:picLocks noChangeAspect="1" noChangeArrowheads="1"/>
+          </p:cNvPicPr>
+          <p:nvPr/>
+        </p:nvPicPr>
+        <p:blipFill>
+          <a:blip r:embed="rId2">
+            <a:extLst>
+              <a:ext uri="{28A0092B-C50C-407E-A947-70E740481C1C}">
+                <a14:useLocalDpi xmlns:a14="http://schemas.microsoft.com/office/drawing/2010/main" val="0"/>
+              </a:ext>
+            </a:extLst>
+          </a:blip>
+          <a:srcRect/>
+          <a:stretch>
+            <a:fillRect/>
+          </a:stretch>
+        </p:blipFill>
+        <p:spPr bwMode="auto">
+          <a:xfrm>
+            <a:off x="3917321" y="4969267"/>
+            <a:ext cx="4357357" cy="1575352"/>
+          </a:xfrm>
+          <a:prstGeom prst="rect">
+            <a:avLst/>
+          </a:prstGeom>
+          <a:noFill/>
+          <a:extLst>
+            <a:ext uri="{909E8E84-426E-40DD-AFC4-6F175D3DCCD1}">
+              <a14:hiddenFill xmlns:a14="http://schemas.microsoft.com/office/drawing/2010/main">
+                <a:solidFill>
+                  <a:srgbClr val="FFFFFF"/>
+                </a:solidFill>
+              </a14:hiddenFill>
+            </a:ext>
+          </a:extLst>
+        </p:spPr>
+      </p:pic>
+    </p:spTree>
+    <p:extLst>
+      <p:ext uri="{BB962C8B-B14F-4D97-AF65-F5344CB8AC3E}">
+        <p14:creationId xmlns:p14="http://schemas.microsoft.com/office/powerpoint/2010/main" val="142035714"/>
+      </p:ext>
+    </p:extLst>
+  </p:cSld>
+  <p:clrMapOvr>
+    <a:masterClrMapping/>
+  </p:clrMapOvr>
+</p:sld>
+</file>
+
+<file path=ppt/slides/slide31.xml><?xml version="1.0" encoding="utf-8"?>
+<p:sld xmlns:a="http://schemas.openxmlformats.org/drawingml/2006/main" xmlns:r="http://schemas.openxmlformats.org/officeDocument/2006/relationships" xmlns:p="http://schemas.openxmlformats.org/presentationml/2006/main">
+  <p:cSld>
+    <p:spTree>
+      <p:nvGrpSpPr>
+        <p:cNvPr id="1" name=""/>
+        <p:cNvGrpSpPr/>
+        <p:nvPr/>
+      </p:nvGrpSpPr>
+      <p:grpSpPr>
+        <a:xfrm>
+          <a:off x="0" y="0"/>
+          <a:ext cx="0" cy="0"/>
+          <a:chOff x="0" y="0"/>
+          <a:chExt cx="0" cy="0"/>
+        </a:xfrm>
+      </p:grpSpPr>
+      <p:sp>
+        <p:nvSpPr>
+          <p:cNvPr id="4" name="Slide Number Placeholder 3">
+            <a:extLst>
+              <a:ext uri="{FF2B5EF4-FFF2-40B4-BE49-F238E27FC236}">
+                <a16:creationId xmlns:a16="http://schemas.microsoft.com/office/drawing/2014/main" id="{0B5E4CF9-A880-494D-A159-470F1B8BFB79}"/>
+              </a:ext>
+            </a:extLst>
+          </p:cNvPr>
+          <p:cNvSpPr>
+            <a:spLocks noGrp="1"/>
+          </p:cNvSpPr>
+          <p:nvPr>
+            <p:ph type="sldNum" sz="quarter" idx="12"/>
+          </p:nvPr>
+        </p:nvSpPr>
+        <p:spPr/>
+        <p:txBody>
+          <a:bodyPr/>
+          <a:lstStyle/>
+          <a:p>
+            <a:fld id="{5F85BDAF-76E7-5E4A-80A9-F732B06DC713}" type="slidenum">
+              <a:rPr lang="en-US" smtClean="0"/>
+              <a:t>31</a:t>
+            </a:fld>
+            <a:endParaRPr lang="en-US"/>
+          </a:p>
+        </p:txBody>
+      </p:sp>
+      <p:sp>
+        <p:nvSpPr>
+          <p:cNvPr id="5" name="TextBox 4">
+            <a:extLst>
+              <a:ext uri="{FF2B5EF4-FFF2-40B4-BE49-F238E27FC236}">
+                <a16:creationId xmlns:a16="http://schemas.microsoft.com/office/drawing/2014/main" id="{66017FFC-90AC-7943-A427-7919B7EFCD5A}"/>
+              </a:ext>
+            </a:extLst>
+          </p:cNvPr>
+          <p:cNvSpPr txBox="1"/>
+          <p:nvPr/>
+        </p:nvSpPr>
+        <p:spPr>
+          <a:xfrm>
+            <a:off x="2055613" y="613442"/>
+            <a:ext cx="8080774" cy="923330"/>
+          </a:xfrm>
+          <a:prstGeom prst="rect">
+            <a:avLst/>
+          </a:prstGeom>
+          <a:noFill/>
+        </p:spPr>
+        <p:txBody>
+          <a:bodyPr wrap="square" rtlCol="0">
+            <a:spAutoFit/>
+          </a:bodyPr>
+          <a:lstStyle/>
+          <a:p>
+            <a:pPr algn="ctr"/>
+            <a:r>
+              <a:rPr lang="en-US" sz="5400" dirty="0" err="1">
+                <a:latin typeface="Economica" panose="02000506040000020004" pitchFamily="2" charset="77"/>
+              </a:rPr>
               <a:t>Tensorflow</a:t>
             </a:r>
             <a:r>
@@ -28914,7 +29925,7 @@
 </p:sld>
 </file>
 
-<file path=ppt/slides/slide31.xml><?xml version="1.0" encoding="utf-8"?>
+<file path=ppt/slides/slide32.xml><?xml version="1.0" encoding="utf-8"?>
 <p:sld xmlns:a="http://schemas.openxmlformats.org/drawingml/2006/main" xmlns:r="http://schemas.openxmlformats.org/officeDocument/2006/relationships" xmlns:p="http://schemas.openxmlformats.org/presentationml/2006/main">
   <p:cSld>
     <p:spTree>
@@ -28954,7 +29965,7 @@
           <a:p>
             <a:fld id="{5F85BDAF-76E7-5E4A-80A9-F732B06DC713}" type="slidenum">
               <a:rPr lang="en-US" smtClean="0"/>
-              <a:t>31</a:t>
+              <a:t>32</a:t>
             </a:fld>
             <a:endParaRPr lang="en-US"/>
           </a:p>
@@ -29186,7 +30197,7 @@
 </p:sld>
 </file>
 
-<file path=ppt/slides/slide32.xml><?xml version="1.0" encoding="utf-8"?>
+<file path=ppt/slides/slide33.xml><?xml version="1.0" encoding="utf-8"?>
 <p:sld xmlns:a="http://schemas.openxmlformats.org/drawingml/2006/main" xmlns:r="http://schemas.openxmlformats.org/officeDocument/2006/relationships" xmlns:p="http://schemas.openxmlformats.org/presentationml/2006/main">
   <p:cSld>
     <p:spTree>
@@ -29280,7 +30291,7 @@
           <a:p>
             <a:fld id="{5F85BDAF-76E7-5E4A-80A9-F732B06DC713}" type="slidenum">
               <a:rPr lang="en-US" smtClean="0"/>
-              <a:t>32</a:t>
+              <a:t>33</a:t>
             </a:fld>
             <a:endParaRPr lang="en-US"/>
           </a:p>
@@ -29346,7 +30357,7 @@
 </p:sld>
 </file>
 
-<file path=ppt/slides/slide33.xml><?xml version="1.0" encoding="utf-8"?>
+<file path=ppt/slides/slide34.xml><?xml version="1.0" encoding="utf-8"?>
 <p:sld xmlns:a="http://schemas.openxmlformats.org/drawingml/2006/main" xmlns:r="http://schemas.openxmlformats.org/officeDocument/2006/relationships" xmlns:p="http://schemas.openxmlformats.org/presentationml/2006/main">
   <p:cSld>
     <p:spTree>
@@ -29386,7 +30397,7 @@
           <a:p>
             <a:fld id="{5F85BDAF-76E7-5E4A-80A9-F732B06DC713}" type="slidenum">
               <a:rPr lang="en-US" smtClean="0"/>
-              <a:t>33</a:t>
+              <a:t>34</a:t>
             </a:fld>
             <a:endParaRPr lang="en-US"/>
           </a:p>
@@ -29746,8 +30757,8 @@
         </p:blipFill>
         <p:spPr bwMode="auto">
           <a:xfrm>
-            <a:off x="1883297" y="1782339"/>
-            <a:ext cx="8425406" cy="4488723"/>
+            <a:off x="2624674" y="1755837"/>
+            <a:ext cx="6942651" cy="3698770"/>
           </a:xfrm>
           <a:prstGeom prst="rect">
             <a:avLst/>
@@ -29764,6 +30775,55 @@
           </a:extLst>
         </p:spPr>
       </p:pic>
+      <p:sp>
+        <p:nvSpPr>
+          <p:cNvPr id="2" name="TextBox 1">
+            <a:extLst>
+              <a:ext uri="{FF2B5EF4-FFF2-40B4-BE49-F238E27FC236}">
+                <a16:creationId xmlns:a16="http://schemas.microsoft.com/office/drawing/2014/main" id="{65F1741E-7C61-0149-B92A-097C09DEE9D9}"/>
+              </a:ext>
+            </a:extLst>
+          </p:cNvPr>
+          <p:cNvSpPr txBox="1"/>
+          <p:nvPr/>
+        </p:nvSpPr>
+        <p:spPr>
+          <a:xfrm>
+            <a:off x="2983264" y="5832696"/>
+            <a:ext cx="6225470" cy="769441"/>
+          </a:xfrm>
+          <a:prstGeom prst="rect">
+            <a:avLst/>
+          </a:prstGeom>
+          <a:noFill/>
+        </p:spPr>
+        <p:txBody>
+          <a:bodyPr wrap="square" rtlCol="0">
+            <a:spAutoFit/>
+          </a:bodyPr>
+          <a:lstStyle/>
+          <a:p>
+            <a:pPr algn="ctr"/>
+            <a:r>
+              <a:rPr lang="en-US" sz="2400" i="1" dirty="0">
+                <a:latin typeface="Economica" panose="02000506040000020004" pitchFamily="2" charset="77"/>
+              </a:rPr>
+              <a:t>Question: </a:t>
+            </a:r>
+            <a:r>
+              <a:rPr lang="en-US" sz="2000" dirty="0">
+                <a:latin typeface="Calibri" panose="020F0502020204030204" pitchFamily="34" charset="0"/>
+                <a:cs typeface="Calibri" panose="020F0502020204030204" pitchFamily="34" charset="0"/>
+              </a:rPr>
+              <a:t>What sort of data (give an example) would be stored in a rank-3 tensor? How about a rank-4 tensor? </a:t>
+            </a:r>
+            <a:endParaRPr lang="en-US" sz="2400" dirty="0">
+              <a:latin typeface="Calibri" panose="020F0502020204030204" pitchFamily="34" charset="0"/>
+              <a:cs typeface="Calibri" panose="020F0502020204030204" pitchFamily="34" charset="0"/>
+            </a:endParaRPr>
+          </a:p>
+        </p:txBody>
+      </p:sp>
     </p:spTree>
     <p:extLst>
       <p:ext uri="{BB962C8B-B14F-4D97-AF65-F5344CB8AC3E}">
@@ -29778,620 +30838,6 @@
 </file>
 
 <file path=ppt/slides/slide5.xml><?xml version="1.0" encoding="utf-8"?>
-<p:sld xmlns:a="http://schemas.openxmlformats.org/drawingml/2006/main" xmlns:r="http://schemas.openxmlformats.org/officeDocument/2006/relationships" xmlns:p="http://schemas.openxmlformats.org/presentationml/2006/main">
-  <p:cSld>
-    <p:bg>
-      <p:bgPr>
-        <a:solidFill>
-          <a:srgbClr val="F1F5F9"/>
-        </a:solidFill>
-        <a:effectLst/>
-      </p:bgPr>
-    </p:bg>
-    <p:spTree>
-      <p:nvGrpSpPr>
-        <p:cNvPr id="1" name=""/>
-        <p:cNvGrpSpPr/>
-        <p:nvPr/>
-      </p:nvGrpSpPr>
-      <p:grpSpPr>
-        <a:xfrm>
-          <a:off x="0" y="0"/>
-          <a:ext cx="0" cy="0"/>
-          <a:chOff x="0" y="0"/>
-          <a:chExt cx="0" cy="0"/>
-        </a:xfrm>
-      </p:grpSpPr>
-      <p:sp>
-        <p:nvSpPr>
-          <p:cNvPr id="4" name="Slide Number Placeholder 3">
-            <a:extLst>
-              <a:ext uri="{FF2B5EF4-FFF2-40B4-BE49-F238E27FC236}">
-                <a16:creationId xmlns:a16="http://schemas.microsoft.com/office/drawing/2014/main" id="{057F0EBD-F03A-FC46-8E96-7843E7A2EBF4}"/>
-              </a:ext>
-            </a:extLst>
-          </p:cNvPr>
-          <p:cNvSpPr>
-            <a:spLocks noGrp="1"/>
-          </p:cNvSpPr>
-          <p:nvPr>
-            <p:ph type="sldNum" sz="quarter" idx="12"/>
-          </p:nvPr>
-        </p:nvSpPr>
-        <p:spPr/>
-        <p:txBody>
-          <a:bodyPr/>
-          <a:lstStyle/>
-          <a:p>
-            <a:fld id="{5F85BDAF-76E7-5E4A-80A9-F732B06DC713}" type="slidenum">
-              <a:rPr lang="en-US" smtClean="0"/>
-              <a:t>5</a:t>
-            </a:fld>
-            <a:endParaRPr lang="en-US"/>
-          </a:p>
-        </p:txBody>
-      </p:sp>
-      <p:sp>
-        <p:nvSpPr>
-          <p:cNvPr id="6" name="TextBox 5">
-            <a:extLst>
-              <a:ext uri="{FF2B5EF4-FFF2-40B4-BE49-F238E27FC236}">
-                <a16:creationId xmlns:a16="http://schemas.microsoft.com/office/drawing/2014/main" id="{A96ED50C-E30B-CC43-9CCB-DF622C0118BC}"/>
-              </a:ext>
-            </a:extLst>
-          </p:cNvPr>
-          <p:cNvSpPr txBox="1"/>
-          <p:nvPr/>
-        </p:nvSpPr>
-        <p:spPr>
-          <a:xfrm>
-            <a:off x="2649625" y="758297"/>
-            <a:ext cx="7332575" cy="923330"/>
-          </a:xfrm>
-          <a:prstGeom prst="rect">
-            <a:avLst/>
-          </a:prstGeom>
-          <a:noFill/>
-        </p:spPr>
-        <p:txBody>
-          <a:bodyPr wrap="square" rtlCol="0">
-            <a:spAutoFit/>
-          </a:bodyPr>
-          <a:lstStyle/>
-          <a:p>
-            <a:pPr algn="ctr"/>
-            <a:r>
-              <a:rPr lang="en-US" sz="5400" dirty="0">
-                <a:latin typeface="Economica" panose="02000506040000020004" pitchFamily="2" charset="77"/>
-              </a:rPr>
-              <a:t>Neuron / Network Components</a:t>
-            </a:r>
-          </a:p>
-        </p:txBody>
-      </p:sp>
-      <p:sp>
-        <p:nvSpPr>
-          <p:cNvPr id="5" name="TextBox 4">
-            <a:extLst>
-              <a:ext uri="{FF2B5EF4-FFF2-40B4-BE49-F238E27FC236}">
-                <a16:creationId xmlns:a16="http://schemas.microsoft.com/office/drawing/2014/main" id="{6C45AD2E-62FC-AD4B-A57B-6C56D65595AC}"/>
-              </a:ext>
-            </a:extLst>
-          </p:cNvPr>
-          <p:cNvSpPr txBox="1"/>
-          <p:nvPr/>
-        </p:nvSpPr>
-        <p:spPr>
-          <a:xfrm>
-            <a:off x="838200" y="2168195"/>
-            <a:ext cx="3869553" cy="3477875"/>
-          </a:xfrm>
-          <a:prstGeom prst="rect">
-            <a:avLst/>
-          </a:prstGeom>
-          <a:noFill/>
-        </p:spPr>
-        <p:txBody>
-          <a:bodyPr wrap="square" rtlCol="0">
-            <a:spAutoFit/>
-          </a:bodyPr>
-          <a:lstStyle/>
-          <a:p>
-            <a:r>
-              <a:rPr lang="en-US" sz="2000" b="1" dirty="0">
-                <a:latin typeface="Quicksand" pitchFamily="2" charset="77"/>
-              </a:rPr>
-              <a:t>X and Y are data</a:t>
-            </a:r>
-          </a:p>
-          <a:p>
-            <a:pPr marL="231775" indent="-230188">
-              <a:buFont typeface="Arial" panose="020B0604020202020204" pitchFamily="34" charset="0"/>
-              <a:buChar char="•"/>
-            </a:pPr>
-            <a:r>
-              <a:rPr lang="en-US" sz="2000" dirty="0">
-                <a:latin typeface="Quicksand" pitchFamily="2" charset="77"/>
-              </a:rPr>
-              <a:t>These are input values and labels.</a:t>
-            </a:r>
-          </a:p>
-          <a:p>
-            <a:pPr marL="231775" indent="-230188">
-              <a:buFont typeface="Arial" panose="020B0604020202020204" pitchFamily="34" charset="0"/>
-              <a:buChar char="•"/>
-            </a:pPr>
-            <a:endParaRPr lang="en-US" sz="2000" dirty="0">
-              <a:latin typeface="Quicksand" pitchFamily="2" charset="77"/>
-            </a:endParaRPr>
-          </a:p>
-          <a:p>
-            <a:pPr marL="1587"/>
-            <a:r>
-              <a:rPr lang="en-US" sz="2000" b="1" dirty="0">
-                <a:latin typeface="Quicksand" pitchFamily="2" charset="77"/>
-              </a:rPr>
-              <a:t>W and b are parameters</a:t>
-            </a:r>
-          </a:p>
-          <a:p>
-            <a:pPr marL="231775" indent="-230188">
-              <a:buFont typeface="Arial" panose="020B0604020202020204" pitchFamily="34" charset="0"/>
-              <a:buChar char="•"/>
-            </a:pPr>
-            <a:r>
-              <a:rPr lang="en-US" sz="2000" dirty="0">
-                <a:latin typeface="Quicksand" pitchFamily="2" charset="77"/>
-              </a:rPr>
-              <a:t>These are values we ‘learn’ through the optimization process.</a:t>
-            </a:r>
-          </a:p>
-          <a:p>
-            <a:pPr marL="1587"/>
-            <a:endParaRPr lang="en-US" sz="2000" dirty="0">
-              <a:latin typeface="Quicksand" pitchFamily="2" charset="77"/>
-            </a:endParaRPr>
-          </a:p>
-          <a:p>
-            <a:pPr marL="1587"/>
-            <a:r>
-              <a:rPr lang="en-US" sz="2000" dirty="0">
-                <a:latin typeface="Quicksand" pitchFamily="2" charset="77"/>
-              </a:rPr>
-              <a:t>          </a:t>
-            </a:r>
-            <a:r>
-              <a:rPr lang="en-US" sz="2000" b="1" dirty="0">
-                <a:latin typeface="Quicksand" pitchFamily="2" charset="77"/>
-              </a:rPr>
-              <a:t>is a function we choose</a:t>
-            </a:r>
-          </a:p>
-          <a:p>
-            <a:pPr marL="344487" indent="-342900">
-              <a:buFont typeface="Arial" panose="020B0604020202020204" pitchFamily="34" charset="0"/>
-              <a:buChar char="•"/>
-            </a:pPr>
-            <a:r>
-              <a:rPr lang="en-US" sz="2000" dirty="0">
-                <a:latin typeface="Quicksand" pitchFamily="2" charset="77"/>
-              </a:rPr>
-              <a:t>This is a hyper-parameter.</a:t>
-            </a:r>
-          </a:p>
-        </p:txBody>
-      </p:sp>
-      <p:pic>
-        <p:nvPicPr>
-          <p:cNvPr id="7" name="Picture 4" descr="The Essential Guide to Neural Network Architectures">
-            <a:extLst>
-              <a:ext uri="{FF2B5EF4-FFF2-40B4-BE49-F238E27FC236}">
-                <a16:creationId xmlns:a16="http://schemas.microsoft.com/office/drawing/2014/main" id="{8020FDCA-5B92-0249-BC45-348C6770817F}"/>
-              </a:ext>
-            </a:extLst>
-          </p:cNvPr>
-          <p:cNvPicPr>
-            <a:picLocks noChangeAspect="1" noChangeArrowheads="1"/>
-          </p:cNvPicPr>
-          <p:nvPr/>
-        </p:nvPicPr>
-        <p:blipFill rotWithShape="1">
-          <a:blip r:embed="rId3" cstate="email">
-            <a:extLst>
-              <a:ext uri="{28A0092B-C50C-407E-A947-70E740481C1C}">
-                <a14:useLocalDpi xmlns:a14="http://schemas.microsoft.com/office/drawing/2010/main"/>
-              </a:ext>
-            </a:extLst>
-          </a:blip>
-          <a:srcRect l="59507" t="46406" r="32345" b="44923"/>
-          <a:stretch/>
-        </p:blipFill>
-        <p:spPr bwMode="auto">
-          <a:xfrm>
-            <a:off x="904302" y="4916090"/>
-            <a:ext cx="538619" cy="388307"/>
-          </a:xfrm>
-          <a:prstGeom prst="rect">
-            <a:avLst/>
-          </a:prstGeom>
-          <a:noFill/>
-          <a:extLst>
-            <a:ext uri="{909E8E84-426E-40DD-AFC4-6F175D3DCCD1}">
-              <a14:hiddenFill xmlns:a14="http://schemas.microsoft.com/office/drawing/2010/main">
-                <a:solidFill>
-                  <a:srgbClr val="FFFFFF"/>
-                </a:solidFill>
-              </a14:hiddenFill>
-            </a:ext>
-          </a:extLst>
-        </p:spPr>
-      </p:pic>
-      <p:pic>
-        <p:nvPicPr>
-          <p:cNvPr id="8" name="Picture 4" descr="The Essential Guide to Neural Network Architectures">
-            <a:extLst>
-              <a:ext uri="{FF2B5EF4-FFF2-40B4-BE49-F238E27FC236}">
-                <a16:creationId xmlns:a16="http://schemas.microsoft.com/office/drawing/2014/main" id="{1D6CDD51-8A75-1C4D-98BA-63EB89B88367}"/>
-              </a:ext>
-            </a:extLst>
-          </p:cNvPr>
-          <p:cNvPicPr>
-            <a:picLocks noChangeAspect="1" noChangeArrowheads="1"/>
-          </p:cNvPicPr>
-          <p:nvPr/>
-        </p:nvPicPr>
-        <p:blipFill rotWithShape="1">
-          <a:blip r:embed="rId3" cstate="email">
-            <a:extLst>
-              <a:ext uri="{28A0092B-C50C-407E-A947-70E740481C1C}">
-                <a14:useLocalDpi xmlns:a14="http://schemas.microsoft.com/office/drawing/2010/main"/>
-              </a:ext>
-            </a:extLst>
-          </a:blip>
-          <a:srcRect t="8483" b="16054"/>
-          <a:stretch/>
-        </p:blipFill>
-        <p:spPr bwMode="auto">
-          <a:xfrm>
-            <a:off x="5158244" y="1965749"/>
-            <a:ext cx="6610350" cy="3379304"/>
-          </a:xfrm>
-          <a:prstGeom prst="rect">
-            <a:avLst/>
-          </a:prstGeom>
-          <a:noFill/>
-          <a:extLst>
-            <a:ext uri="{909E8E84-426E-40DD-AFC4-6F175D3DCCD1}">
-              <a14:hiddenFill xmlns:a14="http://schemas.microsoft.com/office/drawing/2010/main">
-                <a:solidFill>
-                  <a:srgbClr val="FFFFFF"/>
-                </a:solidFill>
-              </a14:hiddenFill>
-            </a:ext>
-          </a:extLst>
-        </p:spPr>
-      </p:pic>
-    </p:spTree>
-    <p:extLst>
-      <p:ext uri="{BB962C8B-B14F-4D97-AF65-F5344CB8AC3E}">
-        <p14:creationId xmlns:p14="http://schemas.microsoft.com/office/powerpoint/2010/main" val="3325922563"/>
-      </p:ext>
-    </p:extLst>
-  </p:cSld>
-  <p:clrMapOvr>
-    <a:masterClrMapping/>
-  </p:clrMapOvr>
-</p:sld>
-</file>
-
-<file path=ppt/slides/slide6.xml><?xml version="1.0" encoding="utf-8"?>
-<p:sld xmlns:a="http://schemas.openxmlformats.org/drawingml/2006/main" xmlns:r="http://schemas.openxmlformats.org/officeDocument/2006/relationships" xmlns:p="http://schemas.openxmlformats.org/presentationml/2006/main">
-  <p:cSld>
-    <p:bg>
-      <p:bgPr>
-        <a:solidFill>
-          <a:srgbClr val="F1F5F9"/>
-        </a:solidFill>
-        <a:effectLst/>
-      </p:bgPr>
-    </p:bg>
-    <p:spTree>
-      <p:nvGrpSpPr>
-        <p:cNvPr id="1" name=""/>
-        <p:cNvGrpSpPr/>
-        <p:nvPr/>
-      </p:nvGrpSpPr>
-      <p:grpSpPr>
-        <a:xfrm>
-          <a:off x="0" y="0"/>
-          <a:ext cx="0" cy="0"/>
-          <a:chOff x="0" y="0"/>
-          <a:chExt cx="0" cy="0"/>
-        </a:xfrm>
-      </p:grpSpPr>
-      <p:sp>
-        <p:nvSpPr>
-          <p:cNvPr id="4" name="Slide Number Placeholder 3">
-            <a:extLst>
-              <a:ext uri="{FF2B5EF4-FFF2-40B4-BE49-F238E27FC236}">
-                <a16:creationId xmlns:a16="http://schemas.microsoft.com/office/drawing/2014/main" id="{057F0EBD-F03A-FC46-8E96-7843E7A2EBF4}"/>
-              </a:ext>
-            </a:extLst>
-          </p:cNvPr>
-          <p:cNvSpPr>
-            <a:spLocks noGrp="1"/>
-          </p:cNvSpPr>
-          <p:nvPr>
-            <p:ph type="sldNum" sz="quarter" idx="12"/>
-          </p:nvPr>
-        </p:nvSpPr>
-        <p:spPr/>
-        <p:txBody>
-          <a:bodyPr/>
-          <a:lstStyle/>
-          <a:p>
-            <a:fld id="{5F85BDAF-76E7-5E4A-80A9-F732B06DC713}" type="slidenum">
-              <a:rPr lang="en-US" smtClean="0"/>
-              <a:t>6</a:t>
-            </a:fld>
-            <a:endParaRPr lang="en-US"/>
-          </a:p>
-        </p:txBody>
-      </p:sp>
-      <p:sp>
-        <p:nvSpPr>
-          <p:cNvPr id="6" name="TextBox 5">
-            <a:extLst>
-              <a:ext uri="{FF2B5EF4-FFF2-40B4-BE49-F238E27FC236}">
-                <a16:creationId xmlns:a16="http://schemas.microsoft.com/office/drawing/2014/main" id="{A96ED50C-E30B-CC43-9CCB-DF622C0118BC}"/>
-              </a:ext>
-            </a:extLst>
-          </p:cNvPr>
-          <p:cNvSpPr txBox="1"/>
-          <p:nvPr/>
-        </p:nvSpPr>
-        <p:spPr>
-          <a:xfrm>
-            <a:off x="2649625" y="758297"/>
-            <a:ext cx="7332575" cy="923330"/>
-          </a:xfrm>
-          <a:prstGeom prst="rect">
-            <a:avLst/>
-          </a:prstGeom>
-          <a:noFill/>
-        </p:spPr>
-        <p:txBody>
-          <a:bodyPr wrap="square" rtlCol="0">
-            <a:spAutoFit/>
-          </a:bodyPr>
-          <a:lstStyle/>
-          <a:p>
-            <a:pPr algn="ctr"/>
-            <a:r>
-              <a:rPr lang="en-US" sz="5400" dirty="0">
-                <a:latin typeface="Economica" panose="02000506040000020004" pitchFamily="2" charset="77"/>
-              </a:rPr>
-              <a:t>Neuron / Network Components</a:t>
-            </a:r>
-          </a:p>
-        </p:txBody>
-      </p:sp>
-      <p:sp>
-        <p:nvSpPr>
-          <p:cNvPr id="5" name="TextBox 4">
-            <a:extLst>
-              <a:ext uri="{FF2B5EF4-FFF2-40B4-BE49-F238E27FC236}">
-                <a16:creationId xmlns:a16="http://schemas.microsoft.com/office/drawing/2014/main" id="{6C45AD2E-62FC-AD4B-A57B-6C56D65595AC}"/>
-              </a:ext>
-            </a:extLst>
-          </p:cNvPr>
-          <p:cNvSpPr txBox="1"/>
-          <p:nvPr/>
-        </p:nvSpPr>
-        <p:spPr>
-          <a:xfrm>
-            <a:off x="838200" y="1965749"/>
-            <a:ext cx="3869553" cy="4093428"/>
-          </a:xfrm>
-          <a:prstGeom prst="rect">
-            <a:avLst/>
-          </a:prstGeom>
-          <a:noFill/>
-        </p:spPr>
-        <p:txBody>
-          <a:bodyPr wrap="square" rtlCol="0">
-            <a:spAutoFit/>
-          </a:bodyPr>
-          <a:lstStyle/>
-          <a:p>
-            <a:r>
-              <a:rPr lang="en-US" sz="2000" b="1" i="1" dirty="0">
-                <a:latin typeface="Quicksand" pitchFamily="2" charset="77"/>
-              </a:rPr>
-              <a:t>x</a:t>
-            </a:r>
-            <a:r>
-              <a:rPr lang="en-US" sz="2000" b="1" dirty="0">
-                <a:latin typeface="Quicksand" pitchFamily="2" charset="77"/>
-              </a:rPr>
-              <a:t> and </a:t>
-            </a:r>
-            <a:r>
-              <a:rPr lang="en-US" sz="2000" b="1" i="1" dirty="0">
-                <a:latin typeface="Quicksand" pitchFamily="2" charset="77"/>
-              </a:rPr>
-              <a:t>w</a:t>
-            </a:r>
-            <a:r>
-              <a:rPr lang="en-US" sz="2000" b="1" dirty="0">
-                <a:latin typeface="Quicksand" pitchFamily="2" charset="77"/>
-              </a:rPr>
-              <a:t> are vectors for a node</a:t>
-            </a:r>
-          </a:p>
-          <a:p>
-            <a:pPr marL="231775" indent="-230188">
-              <a:buFont typeface="Arial" panose="020B0604020202020204" pitchFamily="34" charset="0"/>
-              <a:buChar char="•"/>
-            </a:pPr>
-            <a:r>
-              <a:rPr lang="en-US" sz="2000" dirty="0">
-                <a:latin typeface="Quicksand" pitchFamily="2" charset="77"/>
-              </a:rPr>
-              <a:t>These vectors comprise matrices that represent a layer of nodes in the network.</a:t>
-            </a:r>
-          </a:p>
-          <a:p>
-            <a:pPr marL="231775" indent="-230188">
-              <a:buFont typeface="Arial" panose="020B0604020202020204" pitchFamily="34" charset="0"/>
-              <a:buChar char="•"/>
-            </a:pPr>
-            <a:endParaRPr lang="en-US" sz="2000" dirty="0">
-              <a:latin typeface="Quicksand" pitchFamily="2" charset="77"/>
-            </a:endParaRPr>
-          </a:p>
-          <a:p>
-            <a:pPr marL="1587"/>
-            <a:r>
-              <a:rPr lang="en-US" sz="2000" b="1" i="1" dirty="0">
-                <a:latin typeface="Quicksand" pitchFamily="2" charset="77"/>
-              </a:rPr>
-              <a:t>b</a:t>
-            </a:r>
-            <a:r>
-              <a:rPr lang="en-US" sz="2000" b="1" dirty="0">
-                <a:latin typeface="Quicksand" pitchFamily="2" charset="77"/>
-              </a:rPr>
-              <a:t> and </a:t>
-            </a:r>
-            <a:r>
-              <a:rPr lang="en-US" sz="2000" b="1" i="1" dirty="0">
-                <a:latin typeface="Quicksand" pitchFamily="2" charset="77"/>
-              </a:rPr>
-              <a:t>y</a:t>
-            </a:r>
-            <a:r>
-              <a:rPr lang="en-US" sz="2000" b="1" dirty="0">
-                <a:latin typeface="Quicksand" pitchFamily="2" charset="77"/>
-              </a:rPr>
-              <a:t> are scalars for a node</a:t>
-            </a:r>
-          </a:p>
-          <a:p>
-            <a:pPr marL="231775" indent="-230188">
-              <a:buFont typeface="Arial" panose="020B0604020202020204" pitchFamily="34" charset="0"/>
-              <a:buChar char="•"/>
-            </a:pPr>
-            <a:r>
-              <a:rPr lang="en-US" sz="2000" dirty="0">
-                <a:latin typeface="Quicksand" pitchFamily="2" charset="77"/>
-              </a:rPr>
-              <a:t>The set of all b’s in a layer becomes a vector.</a:t>
-            </a:r>
-          </a:p>
-          <a:p>
-            <a:pPr marL="231775" indent="-230188">
-              <a:buFont typeface="Arial" panose="020B0604020202020204" pitchFamily="34" charset="0"/>
-              <a:buChar char="•"/>
-            </a:pPr>
-            <a:endParaRPr lang="en-US" sz="2000" dirty="0">
-              <a:latin typeface="Quicksand" pitchFamily="2" charset="77"/>
-            </a:endParaRPr>
-          </a:p>
-          <a:p>
-            <a:pPr marL="1587"/>
-            <a:r>
-              <a:rPr lang="en-US" sz="2000" b="1" dirty="0">
-                <a:latin typeface="Quicksand" pitchFamily="2" charset="77"/>
-              </a:rPr>
-              <a:t>Nature of output, i.e., </a:t>
-            </a:r>
-            <a:r>
-              <a:rPr lang="en-US" sz="2000" b="1" i="1" dirty="0">
-                <a:latin typeface="Quicksand" pitchFamily="2" charset="77"/>
-              </a:rPr>
-              <a:t>y</a:t>
-            </a:r>
-            <a:r>
-              <a:rPr lang="en-US" sz="2000" b="1" dirty="0">
-                <a:latin typeface="Quicksand" pitchFamily="2" charset="77"/>
-              </a:rPr>
-              <a:t> </a:t>
-            </a:r>
-          </a:p>
-          <a:p>
-            <a:pPr marL="236538" indent="-236538">
-              <a:buFont typeface="Arial" panose="020B0604020202020204" pitchFamily="34" charset="0"/>
-              <a:buChar char="•"/>
-            </a:pPr>
-            <a:r>
-              <a:rPr lang="en-US" sz="2000" dirty="0">
-                <a:latin typeface="Quicksand" pitchFamily="2" charset="77"/>
-              </a:rPr>
-              <a:t>Depends on position in the network, and what we are predicting</a:t>
-            </a:r>
-          </a:p>
-        </p:txBody>
-      </p:sp>
-      <p:pic>
-        <p:nvPicPr>
-          <p:cNvPr id="9" name="Picture 4" descr="The Essential Guide to Neural Network Architectures">
-            <a:extLst>
-              <a:ext uri="{FF2B5EF4-FFF2-40B4-BE49-F238E27FC236}">
-                <a16:creationId xmlns:a16="http://schemas.microsoft.com/office/drawing/2014/main" id="{F18A9F31-063C-194C-81E0-840B1B7C5F90}"/>
-              </a:ext>
-            </a:extLst>
-          </p:cNvPr>
-          <p:cNvPicPr>
-            <a:picLocks noChangeAspect="1" noChangeArrowheads="1"/>
-          </p:cNvPicPr>
-          <p:nvPr/>
-        </p:nvPicPr>
-        <p:blipFill rotWithShape="1">
-          <a:blip r:embed="rId3" cstate="email">
-            <a:extLst>
-              <a:ext uri="{28A0092B-C50C-407E-A947-70E740481C1C}">
-                <a14:useLocalDpi xmlns:a14="http://schemas.microsoft.com/office/drawing/2010/main"/>
-              </a:ext>
-            </a:extLst>
-          </a:blip>
-          <a:srcRect t="8483" b="16054"/>
-          <a:stretch/>
-        </p:blipFill>
-        <p:spPr bwMode="auto">
-          <a:xfrm>
-            <a:off x="5158244" y="1965749"/>
-            <a:ext cx="6610350" cy="3379304"/>
-          </a:xfrm>
-          <a:prstGeom prst="rect">
-            <a:avLst/>
-          </a:prstGeom>
-          <a:noFill/>
-          <a:extLst>
-            <a:ext uri="{909E8E84-426E-40DD-AFC4-6F175D3DCCD1}">
-              <a14:hiddenFill xmlns:a14="http://schemas.microsoft.com/office/drawing/2010/main">
-                <a:solidFill>
-                  <a:srgbClr val="FFFFFF"/>
-                </a:solidFill>
-              </a14:hiddenFill>
-            </a:ext>
-          </a:extLst>
-        </p:spPr>
-      </p:pic>
-    </p:spTree>
-    <p:extLst>
-      <p:ext uri="{BB962C8B-B14F-4D97-AF65-F5344CB8AC3E}">
-        <p14:creationId xmlns:p14="http://schemas.microsoft.com/office/powerpoint/2010/main" val="3893082680"/>
-      </p:ext>
-    </p:extLst>
-  </p:cSld>
-  <p:clrMapOvr>
-    <a:masterClrMapping/>
-  </p:clrMapOvr>
-</p:sld>
-</file>
-
-<file path=ppt/slides/slide7.xml><?xml version="1.0" encoding="utf-8"?>
 <p:sld xmlns:a="http://schemas.openxmlformats.org/drawingml/2006/main" xmlns:r="http://schemas.openxmlformats.org/officeDocument/2006/relationships" xmlns:p="http://schemas.openxmlformats.org/presentationml/2006/main">
   <p:cSld>
     <p:spTree>
@@ -30431,7 +30877,7 @@
           <a:p>
             <a:fld id="{5F85BDAF-76E7-5E4A-80A9-F732B06DC713}" type="slidenum">
               <a:rPr lang="en-US" smtClean="0"/>
-              <a:t>7</a:t>
+              <a:t>5</a:t>
             </a:fld>
             <a:endParaRPr lang="en-US"/>
           </a:p>
@@ -30578,6 +31024,437 @@
     <p:extLst>
       <p:ext uri="{BB962C8B-B14F-4D97-AF65-F5344CB8AC3E}">
         <p14:creationId xmlns:p14="http://schemas.microsoft.com/office/powerpoint/2010/main" val="3217823709"/>
+      </p:ext>
+    </p:extLst>
+  </p:cSld>
+  <p:clrMapOvr>
+    <a:masterClrMapping/>
+  </p:clrMapOvr>
+</p:sld>
+</file>
+
+<file path=ppt/slides/slide6.xml><?xml version="1.0" encoding="utf-8"?>
+<p:sld xmlns:a="http://schemas.openxmlformats.org/drawingml/2006/main" xmlns:r="http://schemas.openxmlformats.org/officeDocument/2006/relationships" xmlns:p="http://schemas.openxmlformats.org/presentationml/2006/main">
+  <p:cSld>
+    <p:bg>
+      <p:bgPr>
+        <a:solidFill>
+          <a:srgbClr val="F1F5F9"/>
+        </a:solidFill>
+        <a:effectLst/>
+      </p:bgPr>
+    </p:bg>
+    <p:spTree>
+      <p:nvGrpSpPr>
+        <p:cNvPr id="1" name=""/>
+        <p:cNvGrpSpPr/>
+        <p:nvPr/>
+      </p:nvGrpSpPr>
+      <p:grpSpPr>
+        <a:xfrm>
+          <a:off x="0" y="0"/>
+          <a:ext cx="0" cy="0"/>
+          <a:chOff x="0" y="0"/>
+          <a:chExt cx="0" cy="0"/>
+        </a:xfrm>
+      </p:grpSpPr>
+      <p:sp>
+        <p:nvSpPr>
+          <p:cNvPr id="4" name="Slide Number Placeholder 3">
+            <a:extLst>
+              <a:ext uri="{FF2B5EF4-FFF2-40B4-BE49-F238E27FC236}">
+                <a16:creationId xmlns:a16="http://schemas.microsoft.com/office/drawing/2014/main" id="{057F0EBD-F03A-FC46-8E96-7843E7A2EBF4}"/>
+              </a:ext>
+            </a:extLst>
+          </p:cNvPr>
+          <p:cNvSpPr>
+            <a:spLocks noGrp="1"/>
+          </p:cNvSpPr>
+          <p:nvPr>
+            <p:ph type="sldNum" sz="quarter" idx="12"/>
+          </p:nvPr>
+        </p:nvSpPr>
+        <p:spPr/>
+        <p:txBody>
+          <a:bodyPr/>
+          <a:lstStyle/>
+          <a:p>
+            <a:fld id="{5F85BDAF-76E7-5E4A-80A9-F732B06DC713}" type="slidenum">
+              <a:rPr lang="en-US" smtClean="0"/>
+              <a:t>6</a:t>
+            </a:fld>
+            <a:endParaRPr lang="en-US"/>
+          </a:p>
+        </p:txBody>
+      </p:sp>
+      <p:sp>
+        <p:nvSpPr>
+          <p:cNvPr id="6" name="TextBox 5">
+            <a:extLst>
+              <a:ext uri="{FF2B5EF4-FFF2-40B4-BE49-F238E27FC236}">
+                <a16:creationId xmlns:a16="http://schemas.microsoft.com/office/drawing/2014/main" id="{A96ED50C-E30B-CC43-9CCB-DF622C0118BC}"/>
+              </a:ext>
+            </a:extLst>
+          </p:cNvPr>
+          <p:cNvSpPr txBox="1"/>
+          <p:nvPr/>
+        </p:nvSpPr>
+        <p:spPr>
+          <a:xfrm>
+            <a:off x="2649625" y="758297"/>
+            <a:ext cx="7332575" cy="923330"/>
+          </a:xfrm>
+          <a:prstGeom prst="rect">
+            <a:avLst/>
+          </a:prstGeom>
+          <a:noFill/>
+        </p:spPr>
+        <p:txBody>
+          <a:bodyPr wrap="square" rtlCol="0">
+            <a:spAutoFit/>
+          </a:bodyPr>
+          <a:lstStyle/>
+          <a:p>
+            <a:pPr algn="ctr"/>
+            <a:r>
+              <a:rPr lang="en-US" sz="5400" dirty="0">
+                <a:latin typeface="Economica" panose="02000506040000020004" pitchFamily="2" charset="77"/>
+              </a:rPr>
+              <a:t>Neuron / Network Components</a:t>
+            </a:r>
+          </a:p>
+        </p:txBody>
+      </p:sp>
+      <p:pic>
+        <p:nvPicPr>
+          <p:cNvPr id="8" name="Picture 4" descr="The Essential Guide to Neural Network Architectures">
+            <a:extLst>
+              <a:ext uri="{FF2B5EF4-FFF2-40B4-BE49-F238E27FC236}">
+                <a16:creationId xmlns:a16="http://schemas.microsoft.com/office/drawing/2014/main" id="{1D6CDD51-8A75-1C4D-98BA-63EB89B88367}"/>
+              </a:ext>
+            </a:extLst>
+          </p:cNvPr>
+          <p:cNvPicPr>
+            <a:picLocks noChangeAspect="1" noChangeArrowheads="1"/>
+          </p:cNvPicPr>
+          <p:nvPr/>
+        </p:nvPicPr>
+        <p:blipFill rotWithShape="1">
+          <a:blip r:embed="rId3" cstate="email">
+            <a:extLst>
+              <a:ext uri="{28A0092B-C50C-407E-A947-70E740481C1C}">
+                <a14:useLocalDpi xmlns:a14="http://schemas.microsoft.com/office/drawing/2010/main"/>
+              </a:ext>
+            </a:extLst>
+          </a:blip>
+          <a:srcRect t="8483" b="16054"/>
+          <a:stretch/>
+        </p:blipFill>
+        <p:spPr bwMode="auto">
+          <a:xfrm>
+            <a:off x="2095418" y="1899488"/>
+            <a:ext cx="8001164" cy="4090308"/>
+          </a:xfrm>
+          <a:prstGeom prst="rect">
+            <a:avLst/>
+          </a:prstGeom>
+          <a:noFill/>
+          <a:extLst>
+            <a:ext uri="{909E8E84-426E-40DD-AFC4-6F175D3DCCD1}">
+              <a14:hiddenFill xmlns:a14="http://schemas.microsoft.com/office/drawing/2010/main">
+                <a:solidFill>
+                  <a:srgbClr val="FFFFFF"/>
+                </a:solidFill>
+              </a14:hiddenFill>
+            </a:ext>
+          </a:extLst>
+        </p:spPr>
+      </p:pic>
+      <p:sp>
+        <p:nvSpPr>
+          <p:cNvPr id="9" name="TextBox 8">
+            <a:extLst>
+              <a:ext uri="{FF2B5EF4-FFF2-40B4-BE49-F238E27FC236}">
+                <a16:creationId xmlns:a16="http://schemas.microsoft.com/office/drawing/2014/main" id="{D604B15B-A7ED-054F-87B4-F68D6346CB82}"/>
+              </a:ext>
+            </a:extLst>
+          </p:cNvPr>
+          <p:cNvSpPr txBox="1"/>
+          <p:nvPr/>
+        </p:nvSpPr>
+        <p:spPr>
+          <a:xfrm>
+            <a:off x="5696647" y="5330262"/>
+            <a:ext cx="6225470" cy="769441"/>
+          </a:xfrm>
+          <a:prstGeom prst="rect">
+            <a:avLst/>
+          </a:prstGeom>
+          <a:noFill/>
+        </p:spPr>
+        <p:txBody>
+          <a:bodyPr wrap="square" rtlCol="0">
+            <a:spAutoFit/>
+          </a:bodyPr>
+          <a:lstStyle/>
+          <a:p>
+            <a:pPr algn="ctr"/>
+            <a:r>
+              <a:rPr lang="en-US" sz="2400" i="1" dirty="0">
+                <a:latin typeface="Economica" panose="02000506040000020004" pitchFamily="2" charset="77"/>
+              </a:rPr>
+              <a:t>Question: </a:t>
+            </a:r>
+            <a:r>
+              <a:rPr lang="en-US" sz="2000" dirty="0">
+                <a:latin typeface="Calibri" panose="020F0502020204030204" pitchFamily="34" charset="0"/>
+                <a:cs typeface="Calibri" panose="020F0502020204030204" pitchFamily="34" charset="0"/>
+              </a:rPr>
+              <a:t>Which of these values are constants? </a:t>
+            </a:r>
+            <a:br>
+              <a:rPr lang="en-US" sz="2000" dirty="0">
+                <a:latin typeface="Calibri" panose="020F0502020204030204" pitchFamily="34" charset="0"/>
+                <a:cs typeface="Calibri" panose="020F0502020204030204" pitchFamily="34" charset="0"/>
+              </a:rPr>
+            </a:br>
+            <a:r>
+              <a:rPr lang="en-US" sz="2000" dirty="0">
+                <a:latin typeface="Calibri" panose="020F0502020204030204" pitchFamily="34" charset="0"/>
+                <a:cs typeface="Calibri" panose="020F0502020204030204" pitchFamily="34" charset="0"/>
+              </a:rPr>
+              <a:t>Which are trainable parameters?</a:t>
+            </a:r>
+            <a:endParaRPr lang="en-US" sz="2400" dirty="0">
+              <a:latin typeface="Calibri" panose="020F0502020204030204" pitchFamily="34" charset="0"/>
+              <a:cs typeface="Calibri" panose="020F0502020204030204" pitchFamily="34" charset="0"/>
+            </a:endParaRPr>
+          </a:p>
+        </p:txBody>
+      </p:sp>
+    </p:spTree>
+    <p:extLst>
+      <p:ext uri="{BB962C8B-B14F-4D97-AF65-F5344CB8AC3E}">
+        <p14:creationId xmlns:p14="http://schemas.microsoft.com/office/powerpoint/2010/main" val="3325922563"/>
+      </p:ext>
+    </p:extLst>
+  </p:cSld>
+  <p:clrMapOvr>
+    <a:masterClrMapping/>
+  </p:clrMapOvr>
+</p:sld>
+</file>
+
+<file path=ppt/slides/slide7.xml><?xml version="1.0" encoding="utf-8"?>
+<p:sld xmlns:a="http://schemas.openxmlformats.org/drawingml/2006/main" xmlns:r="http://schemas.openxmlformats.org/officeDocument/2006/relationships" xmlns:p="http://schemas.openxmlformats.org/presentationml/2006/main">
+  <p:cSld>
+    <p:bg>
+      <p:bgPr>
+        <a:solidFill>
+          <a:srgbClr val="F1F5F9"/>
+        </a:solidFill>
+        <a:effectLst/>
+      </p:bgPr>
+    </p:bg>
+    <p:spTree>
+      <p:nvGrpSpPr>
+        <p:cNvPr id="1" name=""/>
+        <p:cNvGrpSpPr/>
+        <p:nvPr/>
+      </p:nvGrpSpPr>
+      <p:grpSpPr>
+        <a:xfrm>
+          <a:off x="0" y="0"/>
+          <a:ext cx="0" cy="0"/>
+          <a:chOff x="0" y="0"/>
+          <a:chExt cx="0" cy="0"/>
+        </a:xfrm>
+      </p:grpSpPr>
+      <p:sp>
+        <p:nvSpPr>
+          <p:cNvPr id="4" name="Slide Number Placeholder 3">
+            <a:extLst>
+              <a:ext uri="{FF2B5EF4-FFF2-40B4-BE49-F238E27FC236}">
+                <a16:creationId xmlns:a16="http://schemas.microsoft.com/office/drawing/2014/main" id="{057F0EBD-F03A-FC46-8E96-7843E7A2EBF4}"/>
+              </a:ext>
+            </a:extLst>
+          </p:cNvPr>
+          <p:cNvSpPr>
+            <a:spLocks noGrp="1"/>
+          </p:cNvSpPr>
+          <p:nvPr>
+            <p:ph type="sldNum" sz="quarter" idx="12"/>
+          </p:nvPr>
+        </p:nvSpPr>
+        <p:spPr/>
+        <p:txBody>
+          <a:bodyPr/>
+          <a:lstStyle/>
+          <a:p>
+            <a:fld id="{5F85BDAF-76E7-5E4A-80A9-F732B06DC713}" type="slidenum">
+              <a:rPr lang="en-US" smtClean="0"/>
+              <a:t>7</a:t>
+            </a:fld>
+            <a:endParaRPr lang="en-US"/>
+          </a:p>
+        </p:txBody>
+      </p:sp>
+      <p:sp>
+        <p:nvSpPr>
+          <p:cNvPr id="6" name="TextBox 5">
+            <a:extLst>
+              <a:ext uri="{FF2B5EF4-FFF2-40B4-BE49-F238E27FC236}">
+                <a16:creationId xmlns:a16="http://schemas.microsoft.com/office/drawing/2014/main" id="{A96ED50C-E30B-CC43-9CCB-DF622C0118BC}"/>
+              </a:ext>
+            </a:extLst>
+          </p:cNvPr>
+          <p:cNvSpPr txBox="1"/>
+          <p:nvPr/>
+        </p:nvSpPr>
+        <p:spPr>
+          <a:xfrm>
+            <a:off x="2649625" y="758297"/>
+            <a:ext cx="7332575" cy="923330"/>
+          </a:xfrm>
+          <a:prstGeom prst="rect">
+            <a:avLst/>
+          </a:prstGeom>
+          <a:noFill/>
+        </p:spPr>
+        <p:txBody>
+          <a:bodyPr wrap="square" rtlCol="0">
+            <a:spAutoFit/>
+          </a:bodyPr>
+          <a:lstStyle/>
+          <a:p>
+            <a:pPr algn="ctr"/>
+            <a:r>
+              <a:rPr lang="en-US" sz="5400" dirty="0">
+                <a:latin typeface="Economica" panose="02000506040000020004" pitchFamily="2" charset="77"/>
+              </a:rPr>
+              <a:t>Neuron / Network Components</a:t>
+            </a:r>
+          </a:p>
+        </p:txBody>
+      </p:sp>
+      <p:pic>
+        <p:nvPicPr>
+          <p:cNvPr id="8" name="Picture 4" descr="The Essential Guide to Neural Network Architectures">
+            <a:extLst>
+              <a:ext uri="{FF2B5EF4-FFF2-40B4-BE49-F238E27FC236}">
+                <a16:creationId xmlns:a16="http://schemas.microsoft.com/office/drawing/2014/main" id="{1D6CDD51-8A75-1C4D-98BA-63EB89B88367}"/>
+              </a:ext>
+            </a:extLst>
+          </p:cNvPr>
+          <p:cNvPicPr>
+            <a:picLocks noChangeAspect="1" noChangeArrowheads="1"/>
+          </p:cNvPicPr>
+          <p:nvPr/>
+        </p:nvPicPr>
+        <p:blipFill rotWithShape="1">
+          <a:blip r:embed="rId3" cstate="email">
+            <a:extLst>
+              <a:ext uri="{28A0092B-C50C-407E-A947-70E740481C1C}">
+                <a14:useLocalDpi xmlns:a14="http://schemas.microsoft.com/office/drawing/2010/main"/>
+              </a:ext>
+            </a:extLst>
+          </a:blip>
+          <a:srcRect t="8483" b="16054"/>
+          <a:stretch/>
+        </p:blipFill>
+        <p:spPr bwMode="auto">
+          <a:xfrm>
+            <a:off x="2095418" y="1899488"/>
+            <a:ext cx="8001164" cy="4090308"/>
+          </a:xfrm>
+          <a:prstGeom prst="rect">
+            <a:avLst/>
+          </a:prstGeom>
+          <a:noFill/>
+          <a:extLst>
+            <a:ext uri="{909E8E84-426E-40DD-AFC4-6F175D3DCCD1}">
+              <a14:hiddenFill xmlns:a14="http://schemas.microsoft.com/office/drawing/2010/main">
+                <a:solidFill>
+                  <a:srgbClr val="FFFFFF"/>
+                </a:solidFill>
+              </a14:hiddenFill>
+            </a:ext>
+          </a:extLst>
+        </p:spPr>
+      </p:pic>
+      <p:sp>
+        <p:nvSpPr>
+          <p:cNvPr id="9" name="TextBox 8">
+            <a:extLst>
+              <a:ext uri="{FF2B5EF4-FFF2-40B4-BE49-F238E27FC236}">
+                <a16:creationId xmlns:a16="http://schemas.microsoft.com/office/drawing/2014/main" id="{D604B15B-A7ED-054F-87B4-F68D6346CB82}"/>
+              </a:ext>
+            </a:extLst>
+          </p:cNvPr>
+          <p:cNvSpPr txBox="1"/>
+          <p:nvPr/>
+        </p:nvSpPr>
+        <p:spPr>
+          <a:xfrm>
+            <a:off x="5696647" y="5330262"/>
+            <a:ext cx="6225470" cy="1077218"/>
+          </a:xfrm>
+          <a:prstGeom prst="rect">
+            <a:avLst/>
+          </a:prstGeom>
+          <a:noFill/>
+        </p:spPr>
+        <p:txBody>
+          <a:bodyPr wrap="square" rtlCol="0">
+            <a:spAutoFit/>
+          </a:bodyPr>
+          <a:lstStyle/>
+          <a:p>
+            <a:pPr algn="ctr"/>
+            <a:r>
+              <a:rPr lang="en-US" sz="2400" i="1" dirty="0">
+                <a:latin typeface="Economica" panose="02000506040000020004" pitchFamily="2" charset="77"/>
+              </a:rPr>
+              <a:t>Question: </a:t>
+            </a:r>
+            <a:r>
+              <a:rPr lang="en-US" sz="2000" i="1" dirty="0">
+                <a:latin typeface="Calibri" panose="020F0502020204030204" pitchFamily="34" charset="0"/>
+                <a:cs typeface="Calibri" panose="020F0502020204030204" pitchFamily="34" charset="0"/>
+              </a:rPr>
+              <a:t>What rank tensor are x, w and b here?</a:t>
+            </a:r>
+          </a:p>
+          <a:p>
+            <a:pPr algn="ctr"/>
+            <a:r>
+              <a:rPr lang="en-US" sz="2000" i="1" dirty="0">
+                <a:latin typeface="Calibri" panose="020F0502020204030204" pitchFamily="34" charset="0"/>
+                <a:cs typeface="Calibri" panose="020F0502020204030204" pitchFamily="34" charset="0"/>
+              </a:rPr>
+              <a:t>What will the shape of y be?</a:t>
+            </a:r>
+          </a:p>
+          <a:p>
+            <a:pPr algn="ctr"/>
+            <a:r>
+              <a:rPr lang="en-US" sz="2000" i="1" dirty="0">
+                <a:latin typeface="Calibri" panose="020F0502020204030204" pitchFamily="34" charset="0"/>
+                <a:cs typeface="Calibri" panose="020F0502020204030204" pitchFamily="34" charset="0"/>
+              </a:rPr>
+              <a:t>What is the order of operations in a forward pass?</a:t>
+            </a:r>
+            <a:endParaRPr lang="en-US" sz="2400" dirty="0">
+              <a:latin typeface="Calibri" panose="020F0502020204030204" pitchFamily="34" charset="0"/>
+              <a:cs typeface="Calibri" panose="020F0502020204030204" pitchFamily="34" charset="0"/>
+            </a:endParaRPr>
+          </a:p>
+        </p:txBody>
+      </p:sp>
+    </p:spTree>
+    <p:extLst>
+      <p:ext uri="{BB962C8B-B14F-4D97-AF65-F5344CB8AC3E}">
+        <p14:creationId xmlns:p14="http://schemas.microsoft.com/office/powerpoint/2010/main" val="1158998565"/>
       </p:ext>
     </p:extLst>
   </p:cSld>
@@ -31154,7 +32031,7 @@
               <a:rPr lang="en-US" sz="5400" dirty="0">
                 <a:latin typeface="Economica" panose="02000506040000020004" pitchFamily="2" charset="77"/>
               </a:rPr>
-              <a:t>Addition + Broadcast</a:t>
+              <a:t>Matrix Addition (Broadcast)</a:t>
             </a:r>
           </a:p>
         </p:txBody>
@@ -31216,7 +32093,7 @@
               <a:rPr lang="en-US" sz="2000" b="1" dirty="0">
                 <a:latin typeface="Quicksand" pitchFamily="2" charset="77"/>
               </a:rPr>
-              <a:t>Sum the Element-wise Products</a:t>
+              <a:t>Sum Element-wise</a:t>
             </a:r>
             <a:endParaRPr lang="en-US" sz="1400" dirty="0">
               <a:latin typeface="Quicksand" pitchFamily="2" charset="77"/>
@@ -31231,7 +32108,7 @@
               <a:rPr lang="en-US" sz="2000" dirty="0">
                 <a:latin typeface="Quicksand" pitchFamily="2" charset="77"/>
               </a:rPr>
-              <a:t>Replicate B until it matches A’s dimensions, then element-wise addition.</a:t>
+              <a:t>Replicate B until it matches A’s dimensions, then perform element-wise addition.</a:t>
             </a:r>
           </a:p>
           <a:p>
@@ -31292,7 +32169,7 @@
           <p:nvPr/>
         </p:nvPicPr>
         <p:blipFill>
-          <a:blip r:embed="rId2">
+          <a:blip r:embed="rId3">
             <a:extLst>
               <a:ext uri="{28A0092B-C50C-407E-A947-70E740481C1C}">
                 <a14:useLocalDpi xmlns:a14="http://schemas.microsoft.com/office/drawing/2010/main" val="0"/>
@@ -31578,7 +32455,7 @@
                 <a:avLst/>
               </a:prstGeom>
               <a:blipFill>
-                <a:blip r:embed="rId3"/>
+                <a:blip r:embed="rId4"/>
                 <a:stretch>
                   <a:fillRect b="-8000"/>
                 </a:stretch>

--- a/Week 2/02 - Math & Keras.pptx
+++ b/Week 2/02 - Math & Keras.pptx
@@ -9121,7 +9121,7 @@
               <a:rPr lang="en-US" sz="2000" dirty="0">
                 <a:latin typeface="Quicksand" pitchFamily="2" charset="77"/>
               </a:rPr>
-              <a:t>Multi-category outcomes have an analogous loss function known as multi-class cross-entropy.</a:t>
+              <a:t>Multi-category outcomes have an analogous loss function known as categorical cross-entropy.</a:t>
             </a:r>
             <a:endParaRPr lang="en-US" sz="1400" dirty="0">
               <a:latin typeface="Quicksand" pitchFamily="2" charset="77"/>
@@ -9339,6 +9339,53 @@
           <a:xfrm>
             <a:off x="7225892" y="2510440"/>
             <a:ext cx="1767574" cy="374739"/>
+          </a:xfrm>
+          <a:prstGeom prst="rect">
+            <a:avLst/>
+          </a:prstGeom>
+          <a:noFill/>
+          <a:extLst>
+            <a:ext uri="{909E8E84-426E-40DD-AFC4-6F175D3DCCD1}">
+              <a14:hiddenFill xmlns:a14="http://schemas.microsoft.com/office/drawing/2010/main">
+                <a:solidFill>
+                  <a:srgbClr val="FFFFFF"/>
+                </a:solidFill>
+              </a14:hiddenFill>
+            </a:ext>
+          </a:extLst>
+        </p:spPr>
+      </p:pic>
+      <p:pic>
+        <p:nvPicPr>
+          <p:cNvPr id="1026" name="Picture 2">
+            <a:extLst>
+              <a:ext uri="{FF2B5EF4-FFF2-40B4-BE49-F238E27FC236}">
+                <a16:creationId xmlns:a16="http://schemas.microsoft.com/office/drawing/2014/main" id="{0A7605B7-F1EC-5A4F-BE26-FB598C00B340}"/>
+              </a:ext>
+            </a:extLst>
+          </p:cNvPr>
+          <p:cNvPicPr>
+            <a:picLocks noChangeAspect="1" noChangeArrowheads="1"/>
+          </p:cNvPicPr>
+          <p:nvPr/>
+        </p:nvPicPr>
+        <p:blipFill>
+          <a:blip r:embed="rId6">
+            <a:extLst>
+              <a:ext uri="{28A0092B-C50C-407E-A947-70E740481C1C}">
+                <a14:useLocalDpi xmlns:a14="http://schemas.microsoft.com/office/drawing/2010/main" val="0"/>
+              </a:ext>
+            </a:extLst>
+          </a:blip>
+          <a:srcRect/>
+          <a:stretch>
+            <a:fillRect/>
+          </a:stretch>
+        </p:blipFill>
+        <p:spPr bwMode="auto">
+          <a:xfrm>
+            <a:off x="1736576" y="5580455"/>
+            <a:ext cx="2044700" cy="673100"/>
           </a:xfrm>
           <a:prstGeom prst="rect">
             <a:avLst/>

--- a/Week 2/02 - Math & Keras.pptx
+++ b/Week 2/02 - Math & Keras.pptx
@@ -5,7 +5,7 @@
     <p:sldMasterId id="2147483648" r:id="rId1"/>
   </p:sldMasterIdLst>
   <p:notesMasterIdLst>
-    <p:notesMasterId r:id="rId36"/>
+    <p:notesMasterId r:id="rId45"/>
   </p:notesMasterIdLst>
   <p:sldIdLst>
     <p:sldId id="256" r:id="rId2"/>
@@ -19,29 +19,38 @@
     <p:sldId id="371" r:id="rId10"/>
     <p:sldId id="381" r:id="rId11"/>
     <p:sldId id="406" r:id="rId12"/>
-    <p:sldId id="372" r:id="rId13"/>
-    <p:sldId id="383" r:id="rId14"/>
-    <p:sldId id="382" r:id="rId15"/>
-    <p:sldId id="404" r:id="rId16"/>
-    <p:sldId id="379" r:id="rId17"/>
-    <p:sldId id="384" r:id="rId18"/>
-    <p:sldId id="386" r:id="rId19"/>
-    <p:sldId id="385" r:id="rId20"/>
-    <p:sldId id="387" r:id="rId21"/>
-    <p:sldId id="388" r:id="rId22"/>
-    <p:sldId id="391" r:id="rId23"/>
-    <p:sldId id="392" r:id="rId24"/>
-    <p:sldId id="393" r:id="rId25"/>
-    <p:sldId id="394" r:id="rId26"/>
-    <p:sldId id="395" r:id="rId27"/>
-    <p:sldId id="397" r:id="rId28"/>
-    <p:sldId id="398" r:id="rId29"/>
-    <p:sldId id="399" r:id="rId30"/>
-    <p:sldId id="403" r:id="rId31"/>
-    <p:sldId id="400" r:id="rId32"/>
-    <p:sldId id="401" r:id="rId33"/>
-    <p:sldId id="402" r:id="rId34"/>
-    <p:sldId id="389" r:id="rId35"/>
+    <p:sldId id="416" r:id="rId13"/>
+    <p:sldId id="413" r:id="rId14"/>
+    <p:sldId id="372" r:id="rId15"/>
+    <p:sldId id="383" r:id="rId16"/>
+    <p:sldId id="382" r:id="rId17"/>
+    <p:sldId id="404" r:id="rId18"/>
+    <p:sldId id="379" r:id="rId19"/>
+    <p:sldId id="384" r:id="rId20"/>
+    <p:sldId id="386" r:id="rId21"/>
+    <p:sldId id="385" r:id="rId22"/>
+    <p:sldId id="387" r:id="rId23"/>
+    <p:sldId id="388" r:id="rId24"/>
+    <p:sldId id="391" r:id="rId25"/>
+    <p:sldId id="392" r:id="rId26"/>
+    <p:sldId id="393" r:id="rId27"/>
+    <p:sldId id="394" r:id="rId28"/>
+    <p:sldId id="395" r:id="rId29"/>
+    <p:sldId id="397" r:id="rId30"/>
+    <p:sldId id="398" r:id="rId31"/>
+    <p:sldId id="399" r:id="rId32"/>
+    <p:sldId id="403" r:id="rId33"/>
+    <p:sldId id="400" r:id="rId34"/>
+    <p:sldId id="401" r:id="rId35"/>
+    <p:sldId id="414" r:id="rId36"/>
+    <p:sldId id="402" r:id="rId37"/>
+    <p:sldId id="407" r:id="rId38"/>
+    <p:sldId id="409" r:id="rId39"/>
+    <p:sldId id="408" r:id="rId40"/>
+    <p:sldId id="410" r:id="rId41"/>
+    <p:sldId id="412" r:id="rId42"/>
+    <p:sldId id="411" r:id="rId43"/>
+    <p:sldId id="389" r:id="rId44"/>
   </p:sldIdLst>
   <p:sldSz cx="12192000" cy="6858000"/>
   <p:notesSz cx="6858000" cy="9144000"/>
@@ -230,7 +239,7 @@
           <a:p>
             <a:fld id="{EFA659FB-0419-C24D-A6C0-9A1B475B1E65}" type="datetimeFigureOut">
               <a:rPr lang="en-US" smtClean="0"/>
-              <a:t>1/24/22</a:t>
+              <a:t>1/25/22</a:t>
             </a:fld>
             <a:endParaRPr lang="en-US"/>
           </a:p>
@@ -627,7 +636,7 @@
           <a:p>
             <a:r>
               <a:rPr lang="en-US" dirty="0"/>
-              <a:t>Now for the magic, where we propagate performance backward through the network to update our weight and bias parameters. The goal here is to figure how how we should bump all the parameters (and in what direction), to reduce the error (loss). </a:t>
+              <a:t>How do we implement the learning (optimization)? Gradient descent. We identify where we are on the loss curve, figure out a first derivative along all available dimensions (i.e., along all parameters), and proceed where the gradient is most negative (i.e., where the loss function progresses most rapidly toward zero. For this to work, we need to be able to figure out the gradient along each dimension (for each parameter) in a computationally efficient way (remember, some of the biggest models have thousands or millions of parameters!). </a:t>
             </a:r>
           </a:p>
         </p:txBody>
@@ -649,7 +658,7 @@
           <a:p>
             <a:fld id="{E707AF2C-A832-324A-A13C-3791A9476477}" type="slidenum">
               <a:rPr lang="en-US" smtClean="0"/>
-              <a:t>16</a:t>
+              <a:t>15</a:t>
             </a:fld>
             <a:endParaRPr lang="en-US"/>
           </a:p>
@@ -658,7 +667,7 @@
     </p:spTree>
     <p:extLst>
       <p:ext uri="{BB962C8B-B14F-4D97-AF65-F5344CB8AC3E}">
-        <p14:creationId xmlns:p14="http://schemas.microsoft.com/office/powerpoint/2010/main" val="995508132"/>
+        <p14:creationId xmlns:p14="http://schemas.microsoft.com/office/powerpoint/2010/main" val="2490306114"/>
       </p:ext>
     </p:extLst>
   </p:cSld>
@@ -714,7 +723,7 @@
           <a:p>
             <a:r>
               <a:rPr lang="en-US" dirty="0"/>
-              <a:t>We want to know how our loss function output will change for small increases in every parameter value. This is what a derivative tells us. For a small change in x from its current value (e.g., w_1+0.001), how will the value of y change relative to its current value (e.g., how will the loss value shift)? </a:t>
+              <a:t>Note, for initial forward pass, we initialize w’s and b’s to small random values (not zero – if we set them all to the same value, e.g., zero, the optimization will fail, because small changes to parameters will have the same effect on the loss for every parameter, meaning the optimizer will update all of the parameters identically, and the optimizer will get stuck). </a:t>
             </a:r>
           </a:p>
         </p:txBody>
@@ -736,7 +745,7 @@
           <a:p>
             <a:fld id="{E707AF2C-A832-324A-A13C-3791A9476477}" type="slidenum">
               <a:rPr lang="en-US" smtClean="0"/>
-              <a:t>17</a:t>
+              <a:t>16</a:t>
             </a:fld>
             <a:endParaRPr lang="en-US"/>
           </a:p>
@@ -745,7 +754,7 @@
     </p:spTree>
     <p:extLst>
       <p:ext uri="{BB962C8B-B14F-4D97-AF65-F5344CB8AC3E}">
-        <p14:creationId xmlns:p14="http://schemas.microsoft.com/office/powerpoint/2010/main" val="3793452413"/>
+        <p14:creationId xmlns:p14="http://schemas.microsoft.com/office/powerpoint/2010/main" val="1665894112"/>
       </p:ext>
     </p:extLst>
   </p:cSld>
@@ -799,30 +808,10 @@
           <a:bodyPr/>
           <a:lstStyle/>
           <a:p>
-            <a:pPr marL="0" marR="0" lvl="0" indent="0" algn="l" defTabSz="914400" rtl="0" eaLnBrk="1" fontAlgn="auto" latinLnBrk="0" hangingPunct="1">
-              <a:lnSpc>
-                <a:spcPct val="100000"/>
-              </a:lnSpc>
-              <a:spcBef>
-                <a:spcPts val="0"/>
-              </a:spcBef>
-              <a:spcAft>
-                <a:spcPts val="0"/>
-              </a:spcAft>
-              <a:buClrTx/>
-              <a:buSzTx/>
-              <a:buFontTx/>
-              <a:buNone/>
-              <a:tabLst/>
-              <a:defRPr/>
-            </a:pPr>
             <a:r>
               <a:rPr lang="en-US" dirty="0"/>
-              <a:t>A gradient is just a higher dimensional derivative (e.g., we figure out derivative of y with respect to its two inputs, the gradient is the derivative in that two-dimensional space. We would want to find the direction in that two-dimensional space where the gradient is steepest (most positive) and then go in the opposite direction. </a:t>
-            </a:r>
-          </a:p>
-          <a:p>
-            <a:endParaRPr lang="en-US" dirty="0"/>
+              <a:t>Now for the magic, where we propagate performance backward through the network to update our weight and bias parameters. The goal here is to figure how how we should bump all the parameters (and in what direction), to reduce the error (loss). </a:t>
+            </a:r>
           </a:p>
         </p:txBody>
       </p:sp>
@@ -852,7 +841,7 @@
     </p:spTree>
     <p:extLst>
       <p:ext uri="{BB962C8B-B14F-4D97-AF65-F5344CB8AC3E}">
-        <p14:creationId xmlns:p14="http://schemas.microsoft.com/office/powerpoint/2010/main" val="600007033"/>
+        <p14:creationId xmlns:p14="http://schemas.microsoft.com/office/powerpoint/2010/main" val="995508132"/>
       </p:ext>
     </p:extLst>
   </p:cSld>
@@ -908,7 +897,7 @@
           <a:p>
             <a:r>
               <a:rPr lang="en-US" dirty="0"/>
-              <a:t>A gradient is just a higher dimensional derivative (e.g., we figure out derivative of y with respect to its two inputs, the gradient is the derivative in that two-dimensional space. We would want to find the direction in that two-dimensional space where the gradient is steepest (most positive) and then go in the opposite direction. </a:t>
+              <a:t>We want to know how our loss function output will change for small increases in every parameter value. This is what a derivative tells us. For a small change in x from its current value (e.g., w_1+0.001), how will the value of y change relative to its current value (e.g., how will the loss value shift)? </a:t>
             </a:r>
           </a:p>
         </p:txBody>
@@ -939,7 +928,7 @@
     </p:spTree>
     <p:extLst>
       <p:ext uri="{BB962C8B-B14F-4D97-AF65-F5344CB8AC3E}">
-        <p14:creationId xmlns:p14="http://schemas.microsoft.com/office/powerpoint/2010/main" val="490729822"/>
+        <p14:creationId xmlns:p14="http://schemas.microsoft.com/office/powerpoint/2010/main" val="3793452413"/>
       </p:ext>
     </p:extLst>
   </p:cSld>
@@ -993,10 +982,30 @@
           <a:bodyPr/>
           <a:lstStyle/>
           <a:p>
+            <a:pPr marL="0" marR="0" lvl="0" indent="0" algn="l" defTabSz="914400" rtl="0" eaLnBrk="1" fontAlgn="auto" latinLnBrk="0" hangingPunct="1">
+              <a:lnSpc>
+                <a:spcPct val="100000"/>
+              </a:lnSpc>
+              <a:spcBef>
+                <a:spcPts val="0"/>
+              </a:spcBef>
+              <a:spcAft>
+                <a:spcPts val="0"/>
+              </a:spcAft>
+              <a:buClrTx/>
+              <a:buSzTx/>
+              <a:buFontTx/>
+              <a:buNone/>
+              <a:tabLst/>
+              <a:defRPr/>
+            </a:pPr>
             <a:r>
               <a:rPr lang="en-US" dirty="0"/>
-              <a:t>Computation graphs are implemented in TensorFlow using ‘Tape’</a:t>
-            </a:r>
+              <a:t>A gradient is just a higher dimensional derivative (e.g., we figure out derivative of y with respect to its two inputs, the gradient is the derivative in that two-dimensional space. We would want to find the direction in that two-dimensional space where the gradient is steepest (most positive) and then go in the opposite direction. </a:t>
+            </a:r>
+          </a:p>
+          <a:p>
+            <a:endParaRPr lang="en-US" dirty="0"/>
           </a:p>
         </p:txBody>
       </p:sp>
@@ -1017,7 +1026,7 @@
           <a:p>
             <a:fld id="{E707AF2C-A832-324A-A13C-3791A9476477}" type="slidenum">
               <a:rPr lang="en-US" smtClean="0"/>
-              <a:t>21</a:t>
+              <a:t>20</a:t>
             </a:fld>
             <a:endParaRPr lang="en-US"/>
           </a:p>
@@ -1026,7 +1035,7 @@
     </p:spTree>
     <p:extLst>
       <p:ext uri="{BB962C8B-B14F-4D97-AF65-F5344CB8AC3E}">
-        <p14:creationId xmlns:p14="http://schemas.microsoft.com/office/powerpoint/2010/main" val="4281651413"/>
+        <p14:creationId xmlns:p14="http://schemas.microsoft.com/office/powerpoint/2010/main" val="600007033"/>
       </p:ext>
     </p:extLst>
   </p:cSld>
@@ -1082,7 +1091,7 @@
           <a:p>
             <a:r>
               <a:rPr lang="en-US" dirty="0"/>
-              <a:t>Computation graphs are implemented in TensorFlow using ‘Tape’</a:t>
+              <a:t>A gradient is just a higher dimensional derivative (e.g., we figure out derivative of y with respect to its two inputs, the gradient is the derivative in that two-dimensional space. We would want to find the direction in that two-dimensional space where the gradient is steepest (most positive) and then go in the opposite direction. </a:t>
             </a:r>
           </a:p>
         </p:txBody>
@@ -1104,7 +1113,7 @@
           <a:p>
             <a:fld id="{E707AF2C-A832-324A-A13C-3791A9476477}" type="slidenum">
               <a:rPr lang="en-US" smtClean="0"/>
-              <a:t>22</a:t>
+              <a:t>21</a:t>
             </a:fld>
             <a:endParaRPr lang="en-US"/>
           </a:p>
@@ -1113,7 +1122,7 @@
     </p:spTree>
     <p:extLst>
       <p:ext uri="{BB962C8B-B14F-4D97-AF65-F5344CB8AC3E}">
-        <p14:creationId xmlns:p14="http://schemas.microsoft.com/office/powerpoint/2010/main" val="2887316741"/>
+        <p14:creationId xmlns:p14="http://schemas.microsoft.com/office/powerpoint/2010/main" val="490729822"/>
       </p:ext>
     </p:extLst>
   </p:cSld>
@@ -1200,7 +1209,7 @@
     </p:spTree>
     <p:extLst>
       <p:ext uri="{BB962C8B-B14F-4D97-AF65-F5344CB8AC3E}">
-        <p14:creationId xmlns:p14="http://schemas.microsoft.com/office/powerpoint/2010/main" val="3054779500"/>
+        <p14:creationId xmlns:p14="http://schemas.microsoft.com/office/powerpoint/2010/main" val="4281651413"/>
       </p:ext>
     </p:extLst>
   </p:cSld>
@@ -1287,7 +1296,7 @@
     </p:spTree>
     <p:extLst>
       <p:ext uri="{BB962C8B-B14F-4D97-AF65-F5344CB8AC3E}">
-        <p14:creationId xmlns:p14="http://schemas.microsoft.com/office/powerpoint/2010/main" val="1656618693"/>
+        <p14:creationId xmlns:p14="http://schemas.microsoft.com/office/powerpoint/2010/main" val="2887316741"/>
       </p:ext>
     </p:extLst>
   </p:cSld>
@@ -1374,7 +1383,7 @@
     </p:spTree>
     <p:extLst>
       <p:ext uri="{BB962C8B-B14F-4D97-AF65-F5344CB8AC3E}">
-        <p14:creationId xmlns:p14="http://schemas.microsoft.com/office/powerpoint/2010/main" val="1629378142"/>
+        <p14:creationId xmlns:p14="http://schemas.microsoft.com/office/powerpoint/2010/main" val="3054779500"/>
       </p:ext>
     </p:extLst>
   </p:cSld>
@@ -1461,7 +1470,7 @@
     </p:spTree>
     <p:extLst>
       <p:ext uri="{BB962C8B-B14F-4D97-AF65-F5344CB8AC3E}">
-        <p14:creationId xmlns:p14="http://schemas.microsoft.com/office/powerpoint/2010/main" val="733678729"/>
+        <p14:creationId xmlns:p14="http://schemas.microsoft.com/office/powerpoint/2010/main" val="1656618693"/>
       </p:ext>
     </p:extLst>
   </p:cSld>
@@ -1604,13 +1613,8 @@
           <a:p>
             <a:r>
               <a:rPr lang="en-US" dirty="0"/>
-              <a:t>Loss function here is binary cross-entropy loss. Can prove that the derivative of cross entropy loss function with respect to prediction is what I </a:t>
-            </a:r>
-            <a:r>
-              <a:rPr lang="en-US"/>
-              <a:t>have written here. </a:t>
-            </a:r>
-            <a:endParaRPr lang="en-US" dirty="0"/>
+              <a:t>Computation graphs are implemented in TensorFlow using ‘Tape’</a:t>
+            </a:r>
           </a:p>
         </p:txBody>
       </p:sp>
@@ -1640,7 +1644,7 @@
     </p:spTree>
     <p:extLst>
       <p:ext uri="{BB962C8B-B14F-4D97-AF65-F5344CB8AC3E}">
-        <p14:creationId xmlns:p14="http://schemas.microsoft.com/office/powerpoint/2010/main" val="318230188"/>
+        <p14:creationId xmlns:p14="http://schemas.microsoft.com/office/powerpoint/2010/main" val="1629378142"/>
       </p:ext>
     </p:extLst>
   </p:cSld>
@@ -1696,7 +1700,7 @@
           <a:p>
             <a:r>
               <a:rPr lang="en-US" dirty="0"/>
-              <a:t>You can rearrange to show the final step in sigmoid derivative… </a:t>
+              <a:t>Computation graphs are implemented in TensorFlow using ‘Tape’</a:t>
             </a:r>
           </a:p>
         </p:txBody>
@@ -1727,7 +1731,7 @@
     </p:spTree>
     <p:extLst>
       <p:ext uri="{BB962C8B-B14F-4D97-AF65-F5344CB8AC3E}">
-        <p14:creationId xmlns:p14="http://schemas.microsoft.com/office/powerpoint/2010/main" val="337195451"/>
+        <p14:creationId xmlns:p14="http://schemas.microsoft.com/office/powerpoint/2010/main" val="733678729"/>
       </p:ext>
     </p:extLst>
   </p:cSld>
@@ -1783,11 +1787,11 @@
           <a:p>
             <a:r>
               <a:rPr lang="en-US" dirty="0"/>
-              <a:t>You can rearrange to show the final step in </a:t>
+              <a:t>Loss function here is binary cross-entropy loss. Can prove that the derivative of cross entropy loss function with respect to prediction is what I </a:t>
             </a:r>
             <a:r>
               <a:rPr lang="en-US"/>
-              <a:t>sigmoid derivative… </a:t>
+              <a:t>have written here. </a:t>
             </a:r>
             <a:endParaRPr lang="en-US" dirty="0"/>
           </a:p>
@@ -1819,7 +1823,7 @@
     </p:spTree>
     <p:extLst>
       <p:ext uri="{BB962C8B-B14F-4D97-AF65-F5344CB8AC3E}">
-        <p14:creationId xmlns:p14="http://schemas.microsoft.com/office/powerpoint/2010/main" val="1087848304"/>
+        <p14:creationId xmlns:p14="http://schemas.microsoft.com/office/powerpoint/2010/main" val="318230188"/>
       </p:ext>
     </p:extLst>
   </p:cSld>
@@ -1875,7 +1879,7 @@
           <a:p>
             <a:r>
               <a:rPr lang="en-US" dirty="0"/>
-              <a:t>Note that I don’t expect you to implement a neural network from scratch. This is just to give you an understanding of how they work. </a:t>
+              <a:t>You can rearrange to show the final step in sigmoid derivative… </a:t>
             </a:r>
           </a:p>
         </p:txBody>
@@ -1897,7 +1901,270 @@
           <a:p>
             <a:fld id="{E707AF2C-A832-324A-A13C-3791A9476477}" type="slidenum">
               <a:rPr lang="en-US" smtClean="0"/>
-              <a:t>34</a:t>
+              <a:t>30</a:t>
+            </a:fld>
+            <a:endParaRPr lang="en-US"/>
+          </a:p>
+        </p:txBody>
+      </p:sp>
+    </p:spTree>
+    <p:extLst>
+      <p:ext uri="{BB962C8B-B14F-4D97-AF65-F5344CB8AC3E}">
+        <p14:creationId xmlns:p14="http://schemas.microsoft.com/office/powerpoint/2010/main" val="337195451"/>
+      </p:ext>
+    </p:extLst>
+  </p:cSld>
+  <p:clrMapOvr>
+    <a:masterClrMapping/>
+  </p:clrMapOvr>
+</p:notes>
+</file>
+
+<file path=ppt/notesSlides/notesSlide24.xml><?xml version="1.0" encoding="utf-8"?>
+<p:notes xmlns:a="http://schemas.openxmlformats.org/drawingml/2006/main" xmlns:r="http://schemas.openxmlformats.org/officeDocument/2006/relationships" xmlns:p="http://schemas.openxmlformats.org/presentationml/2006/main">
+  <p:cSld>
+    <p:spTree>
+      <p:nvGrpSpPr>
+        <p:cNvPr id="1" name=""/>
+        <p:cNvGrpSpPr/>
+        <p:nvPr/>
+      </p:nvGrpSpPr>
+      <p:grpSpPr>
+        <a:xfrm>
+          <a:off x="0" y="0"/>
+          <a:ext cx="0" cy="0"/>
+          <a:chOff x="0" y="0"/>
+          <a:chExt cx="0" cy="0"/>
+        </a:xfrm>
+      </p:grpSpPr>
+      <p:sp>
+        <p:nvSpPr>
+          <p:cNvPr id="2" name="Slide Image Placeholder 1"/>
+          <p:cNvSpPr>
+            <a:spLocks noGrp="1" noRot="1" noChangeAspect="1"/>
+          </p:cNvSpPr>
+          <p:nvPr>
+            <p:ph type="sldImg"/>
+          </p:nvPr>
+        </p:nvSpPr>
+        <p:spPr/>
+      </p:sp>
+      <p:sp>
+        <p:nvSpPr>
+          <p:cNvPr id="3" name="Notes Placeholder 2"/>
+          <p:cNvSpPr>
+            <a:spLocks noGrp="1"/>
+          </p:cNvSpPr>
+          <p:nvPr>
+            <p:ph type="body" idx="1"/>
+          </p:nvPr>
+        </p:nvSpPr>
+        <p:spPr/>
+        <p:txBody>
+          <a:bodyPr/>
+          <a:lstStyle/>
+          <a:p>
+            <a:r>
+              <a:rPr lang="en-US" dirty="0"/>
+              <a:t>You can rearrange to show the final step in </a:t>
+            </a:r>
+            <a:r>
+              <a:rPr lang="en-US"/>
+              <a:t>sigmoid derivative… </a:t>
+            </a:r>
+            <a:endParaRPr lang="en-US" dirty="0"/>
+          </a:p>
+        </p:txBody>
+      </p:sp>
+      <p:sp>
+        <p:nvSpPr>
+          <p:cNvPr id="4" name="Slide Number Placeholder 3"/>
+          <p:cNvSpPr>
+            <a:spLocks noGrp="1"/>
+          </p:cNvSpPr>
+          <p:nvPr>
+            <p:ph type="sldNum" sz="quarter" idx="5"/>
+          </p:nvPr>
+        </p:nvSpPr>
+        <p:spPr/>
+        <p:txBody>
+          <a:bodyPr/>
+          <a:lstStyle/>
+          <a:p>
+            <a:fld id="{E707AF2C-A832-324A-A13C-3791A9476477}" type="slidenum">
+              <a:rPr lang="en-US" smtClean="0"/>
+              <a:t>31</a:t>
+            </a:fld>
+            <a:endParaRPr lang="en-US"/>
+          </a:p>
+        </p:txBody>
+      </p:sp>
+    </p:spTree>
+    <p:extLst>
+      <p:ext uri="{BB962C8B-B14F-4D97-AF65-F5344CB8AC3E}">
+        <p14:creationId xmlns:p14="http://schemas.microsoft.com/office/powerpoint/2010/main" val="1087848304"/>
+      </p:ext>
+    </p:extLst>
+  </p:cSld>
+  <p:clrMapOvr>
+    <a:masterClrMapping/>
+  </p:clrMapOvr>
+</p:notes>
+</file>
+
+<file path=ppt/notesSlides/notesSlide25.xml><?xml version="1.0" encoding="utf-8"?>
+<p:notes xmlns:a="http://schemas.openxmlformats.org/drawingml/2006/main" xmlns:r="http://schemas.openxmlformats.org/officeDocument/2006/relationships" xmlns:p="http://schemas.openxmlformats.org/presentationml/2006/main">
+  <p:cSld>
+    <p:spTree>
+      <p:nvGrpSpPr>
+        <p:cNvPr id="1" name=""/>
+        <p:cNvGrpSpPr/>
+        <p:nvPr/>
+      </p:nvGrpSpPr>
+      <p:grpSpPr>
+        <a:xfrm>
+          <a:off x="0" y="0"/>
+          <a:ext cx="0" cy="0"/>
+          <a:chOff x="0" y="0"/>
+          <a:chExt cx="0" cy="0"/>
+        </a:xfrm>
+      </p:grpSpPr>
+      <p:sp>
+        <p:nvSpPr>
+          <p:cNvPr id="2" name="Slide Image Placeholder 1"/>
+          <p:cNvSpPr>
+            <a:spLocks noGrp="1" noRot="1" noChangeAspect="1"/>
+          </p:cNvSpPr>
+          <p:nvPr>
+            <p:ph type="sldImg"/>
+          </p:nvPr>
+        </p:nvSpPr>
+        <p:spPr/>
+      </p:sp>
+      <p:sp>
+        <p:nvSpPr>
+          <p:cNvPr id="3" name="Notes Placeholder 2"/>
+          <p:cNvSpPr>
+            <a:spLocks noGrp="1"/>
+          </p:cNvSpPr>
+          <p:nvPr>
+            <p:ph type="body" idx="1"/>
+          </p:nvPr>
+        </p:nvSpPr>
+        <p:spPr/>
+        <p:txBody>
+          <a:bodyPr/>
+          <a:lstStyle/>
+          <a:p>
+            <a:endParaRPr lang="en-US" dirty="0"/>
+          </a:p>
+        </p:txBody>
+      </p:sp>
+      <p:sp>
+        <p:nvSpPr>
+          <p:cNvPr id="4" name="Slide Number Placeholder 3"/>
+          <p:cNvSpPr>
+            <a:spLocks noGrp="1"/>
+          </p:cNvSpPr>
+          <p:nvPr>
+            <p:ph type="sldNum" sz="quarter" idx="5"/>
+          </p:nvPr>
+        </p:nvSpPr>
+        <p:spPr/>
+        <p:txBody>
+          <a:bodyPr/>
+          <a:lstStyle/>
+          <a:p>
+            <a:fld id="{E707AF2C-A832-324A-A13C-3791A9476477}" type="slidenum">
+              <a:rPr lang="en-US" smtClean="0"/>
+              <a:t>35</a:t>
+            </a:fld>
+            <a:endParaRPr lang="en-US"/>
+          </a:p>
+        </p:txBody>
+      </p:sp>
+    </p:spTree>
+    <p:extLst>
+      <p:ext uri="{BB962C8B-B14F-4D97-AF65-F5344CB8AC3E}">
+        <p14:creationId xmlns:p14="http://schemas.microsoft.com/office/powerpoint/2010/main" val="3335417389"/>
+      </p:ext>
+    </p:extLst>
+  </p:cSld>
+  <p:clrMapOvr>
+    <a:masterClrMapping/>
+  </p:clrMapOvr>
+</p:notes>
+</file>
+
+<file path=ppt/notesSlides/notesSlide26.xml><?xml version="1.0" encoding="utf-8"?>
+<p:notes xmlns:a="http://schemas.openxmlformats.org/drawingml/2006/main" xmlns:r="http://schemas.openxmlformats.org/officeDocument/2006/relationships" xmlns:p="http://schemas.openxmlformats.org/presentationml/2006/main">
+  <p:cSld>
+    <p:spTree>
+      <p:nvGrpSpPr>
+        <p:cNvPr id="1" name=""/>
+        <p:cNvGrpSpPr/>
+        <p:nvPr/>
+      </p:nvGrpSpPr>
+      <p:grpSpPr>
+        <a:xfrm>
+          <a:off x="0" y="0"/>
+          <a:ext cx="0" cy="0"/>
+          <a:chOff x="0" y="0"/>
+          <a:chExt cx="0" cy="0"/>
+        </a:xfrm>
+      </p:grpSpPr>
+      <p:sp>
+        <p:nvSpPr>
+          <p:cNvPr id="2" name="Slide Image Placeholder 1"/>
+          <p:cNvSpPr>
+            <a:spLocks noGrp="1" noRot="1" noChangeAspect="1"/>
+          </p:cNvSpPr>
+          <p:nvPr>
+            <p:ph type="sldImg"/>
+          </p:nvPr>
+        </p:nvSpPr>
+        <p:spPr/>
+      </p:sp>
+      <p:sp>
+        <p:nvSpPr>
+          <p:cNvPr id="3" name="Notes Placeholder 2"/>
+          <p:cNvSpPr>
+            <a:spLocks noGrp="1"/>
+          </p:cNvSpPr>
+          <p:nvPr>
+            <p:ph type="body" idx="1"/>
+          </p:nvPr>
+        </p:nvSpPr>
+        <p:spPr/>
+        <p:txBody>
+          <a:bodyPr/>
+          <a:lstStyle/>
+          <a:p>
+            <a:r>
+              <a:rPr lang="en-US" dirty="0"/>
+              <a:t>Note that I don’t expect you to implement a neural network from scratch. This is just to give you an understanding of how they work. </a:t>
+            </a:r>
+          </a:p>
+        </p:txBody>
+      </p:sp>
+      <p:sp>
+        <p:nvSpPr>
+          <p:cNvPr id="4" name="Slide Number Placeholder 3"/>
+          <p:cNvSpPr>
+            <a:spLocks noGrp="1"/>
+          </p:cNvSpPr>
+          <p:nvPr>
+            <p:ph type="sldNum" sz="quarter" idx="5"/>
+          </p:nvPr>
+        </p:nvSpPr>
+        <p:spPr/>
+        <p:txBody>
+          <a:bodyPr/>
+          <a:lstStyle/>
+          <a:p>
+            <a:fld id="{E707AF2C-A832-324A-A13C-3791A9476477}" type="slidenum">
+              <a:rPr lang="en-US" smtClean="0"/>
+              <a:t>43</a:t>
             </a:fld>
             <a:endParaRPr lang="en-US"/>
           </a:p>
@@ -2469,7 +2736,88 @@
           <a:p>
             <a:r>
               <a:rPr lang="en-US" dirty="0"/>
-              <a:t>Note, for initial forward pass, we initialize w’s and b’s to small random values (not zero – if we set them all to the same value, e.g., zero, the optimization will fail, because small changes to parameters will have the same effect on the loss for every parameter, meaning the optimizer will update all of the parameters identically, and the optimizer will get stuck). </a:t>
+              <a:t>The final step in the calculation at each neuron is applying an activation function. These are implemented elementwise to a matrix (representing a layer in the network). A single layer will generally use a common activation function. </a:t>
+            </a:r>
+          </a:p>
+          <a:p>
+            <a:endParaRPr lang="en-US" dirty="0"/>
+          </a:p>
+          <a:p>
+            <a:r>
+              <a:rPr lang="en-US" dirty="0"/>
+              <a:t>When people first started out, they used step functions, e.g., pass a 1 if the x*</a:t>
+            </a:r>
+            <a:r>
+              <a:rPr lang="en-US" dirty="0" err="1"/>
+              <a:t>w+b</a:t>
+            </a:r>
+            <a:r>
+              <a:rPr lang="en-US" dirty="0"/>
+              <a:t> surpasses a threshold, like 0, else return 0. This resulted in a very unstable network. Small changes in the inputs could have massive effects on the output. This makes the ‘learning’ (optimization) very difficult. </a:t>
+            </a:r>
+          </a:p>
+          <a:p>
+            <a:endParaRPr lang="en-US" dirty="0"/>
+          </a:p>
+          <a:p>
+            <a:r>
+              <a:rPr lang="en-US" dirty="0"/>
+              <a:t>Accordingly, we saw introduction of the sigmoid function, which still nicely bounds output between 0 and 1, but is smooth in its transition, and where the outputs are loosely interpretable as probabilities for binary outcomes taking on a value of 1. However, sigmoid also has problems; it has trouble ‘learning’ when the affine transformations get too positive or negative, because the gradient goes to 0, resulting in what’s known as the vanishing gradient problem, and its output values are strictly non-negative, which means gradients are always strictly positive or strictly negative with respect to inputs (again, presents challenges for the optimization process. </a:t>
+            </a:r>
+          </a:p>
+          <a:p>
+            <a:endParaRPr lang="en-US" dirty="0"/>
+          </a:p>
+          <a:p>
+            <a:r>
+              <a:rPr lang="en-US" dirty="0"/>
+              <a:t>Tanh addresses the issue of gradients being of common sign, by centering the distribution around 0 (outputs range from -1 to 1), but it still has the issue of vanishing gradients for values of large magnitude. </a:t>
+            </a:r>
+          </a:p>
+          <a:p>
+            <a:endParaRPr lang="en-US" dirty="0"/>
+          </a:p>
+          <a:p>
+            <a:r>
+              <a:rPr lang="en-US" dirty="0" err="1"/>
+              <a:t>ReLU</a:t>
+            </a:r>
+            <a:r>
+              <a:rPr lang="en-US" dirty="0"/>
+              <a:t> doesn’t suffer from the vanishing gradient problem if values are positive, though it doesn’t enable any sort of learning if outputs are negative. Leaky </a:t>
+            </a:r>
+            <a:r>
+              <a:rPr lang="en-US" dirty="0" err="1"/>
+              <a:t>ReLU</a:t>
+            </a:r>
+            <a:r>
+              <a:rPr lang="en-US" dirty="0"/>
+              <a:t> addresses this by allowing some gradient for negative values. </a:t>
+            </a:r>
+          </a:p>
+          <a:p>
+            <a:endParaRPr lang="en-US" dirty="0"/>
+          </a:p>
+          <a:p>
+            <a:r>
+              <a:rPr lang="en-US" dirty="0"/>
+              <a:t>A final, common activation function not shown here is </a:t>
+            </a:r>
+            <a:r>
+              <a:rPr lang="en-US" dirty="0" err="1"/>
+              <a:t>Softmax</a:t>
+            </a:r>
+            <a:r>
+              <a:rPr lang="en-US" dirty="0"/>
+              <a:t>, which is a multinomial generalization of sigmoid (think multinomial logistic vs. logistic regression). </a:t>
+            </a:r>
+            <a:r>
+              <a:rPr lang="en-US" dirty="0" err="1"/>
+              <a:t>Softmax</a:t>
+            </a:r>
+            <a:r>
+              <a:rPr lang="en-US" dirty="0"/>
+              <a:t> activation will output multiple positive values between 0 and 1, loosely interpretable as multi-category probabilities. We can’t draw this one because it’s high-dimensional in the output (not unidimensional). </a:t>
             </a:r>
           </a:p>
         </p:txBody>
@@ -2500,7 +2848,7 @@
     </p:spTree>
     <p:extLst>
       <p:ext uri="{BB962C8B-B14F-4D97-AF65-F5344CB8AC3E}">
-        <p14:creationId xmlns:p14="http://schemas.microsoft.com/office/powerpoint/2010/main" val="1406350667"/>
+        <p14:creationId xmlns:p14="http://schemas.microsoft.com/office/powerpoint/2010/main" val="3417030723"/>
       </p:ext>
     </p:extLst>
   </p:cSld>
@@ -2556,7 +2904,88 @@
           <a:p>
             <a:r>
               <a:rPr lang="en-US" dirty="0"/>
-              <a:t>How do we implement the learning (optimization)? Gradient descent. We identify where we are on the loss curve, figure out a first derivative along all available dimensions (i.e., along all parameters), and proceed where the gradient is most negative (i.e., where the loss function progresses most rapidly toward zero. For this to work, we need to be able to figure out the gradient along each dimension (for each parameter) in a computationally efficient way (remember, some of the biggest models have thousands or millions of parameters!). </a:t>
+              <a:t>The final step in the calculation at each neuron is applying an activation function. These are implemented elementwise to a matrix (representing a layer in the network). A single layer will generally use a common activation function. </a:t>
+            </a:r>
+          </a:p>
+          <a:p>
+            <a:endParaRPr lang="en-US" dirty="0"/>
+          </a:p>
+          <a:p>
+            <a:r>
+              <a:rPr lang="en-US" dirty="0"/>
+              <a:t>When people first started out, they used step functions, e.g., pass a 1 if the x*</a:t>
+            </a:r>
+            <a:r>
+              <a:rPr lang="en-US" dirty="0" err="1"/>
+              <a:t>w+b</a:t>
+            </a:r>
+            <a:r>
+              <a:rPr lang="en-US" dirty="0"/>
+              <a:t> surpasses a threshold, like 0, else return 0. This resulted in a very unstable network. Small changes in the inputs could have massive effects on the output. This makes the ‘learning’ (optimization) very difficult. </a:t>
+            </a:r>
+          </a:p>
+          <a:p>
+            <a:endParaRPr lang="en-US" dirty="0"/>
+          </a:p>
+          <a:p>
+            <a:r>
+              <a:rPr lang="en-US" dirty="0"/>
+              <a:t>Accordingly, we saw introduction of the sigmoid function, which still nicely bounds output between 0 and 1, but is smooth in its transition, and where the outputs are loosely interpretable as probabilities for binary outcomes taking on a value of 1. However, sigmoid also has problems; it has trouble ‘learning’ when the affine transformations get too positive or negative, because the gradient goes to 0, resulting in what’s known as the vanishing gradient problem, and its output values are strictly non-negative, which means gradients are always strictly positive or strictly negative with respect to inputs (again, presents challenges for the optimization process. </a:t>
+            </a:r>
+          </a:p>
+          <a:p>
+            <a:endParaRPr lang="en-US" dirty="0"/>
+          </a:p>
+          <a:p>
+            <a:r>
+              <a:rPr lang="en-US" dirty="0"/>
+              <a:t>Tanh addresses the issue of gradients being of common sign, by centering the distribution around 0 (outputs range from -1 to 1), but it still has the issue of vanishing gradients for values of large magnitude. </a:t>
+            </a:r>
+          </a:p>
+          <a:p>
+            <a:endParaRPr lang="en-US" dirty="0"/>
+          </a:p>
+          <a:p>
+            <a:r>
+              <a:rPr lang="en-US" dirty="0" err="1"/>
+              <a:t>ReLU</a:t>
+            </a:r>
+            <a:r>
+              <a:rPr lang="en-US" dirty="0"/>
+              <a:t> doesn’t suffer from the vanishing gradient problem if values are positive, though it doesn’t enable any sort of learning if outputs are negative. Leaky </a:t>
+            </a:r>
+            <a:r>
+              <a:rPr lang="en-US" dirty="0" err="1"/>
+              <a:t>ReLU</a:t>
+            </a:r>
+            <a:r>
+              <a:rPr lang="en-US" dirty="0"/>
+              <a:t> addresses this by allowing some gradient for negative values. </a:t>
+            </a:r>
+          </a:p>
+          <a:p>
+            <a:endParaRPr lang="en-US" dirty="0"/>
+          </a:p>
+          <a:p>
+            <a:r>
+              <a:rPr lang="en-US" dirty="0"/>
+              <a:t>A final, common activation function not shown here is </a:t>
+            </a:r>
+            <a:r>
+              <a:rPr lang="en-US" dirty="0" err="1"/>
+              <a:t>Softmax</a:t>
+            </a:r>
+            <a:r>
+              <a:rPr lang="en-US" dirty="0"/>
+              <a:t>, which is a multinomial generalization of sigmoid (think multinomial logistic vs. logistic regression). </a:t>
+            </a:r>
+            <a:r>
+              <a:rPr lang="en-US" dirty="0" err="1"/>
+              <a:t>Softmax</a:t>
+            </a:r>
+            <a:r>
+              <a:rPr lang="en-US" dirty="0"/>
+              <a:t> activation will output multiple positive values between 0 and 1, loosely interpretable as multi-category probabilities. We can’t draw this one because it’s high-dimensional in the output (not unidimensional). </a:t>
             </a:r>
           </a:p>
         </p:txBody>
@@ -2587,7 +3016,7 @@
     </p:spTree>
     <p:extLst>
       <p:ext uri="{BB962C8B-B14F-4D97-AF65-F5344CB8AC3E}">
-        <p14:creationId xmlns:p14="http://schemas.microsoft.com/office/powerpoint/2010/main" val="2490306114"/>
+        <p14:creationId xmlns:p14="http://schemas.microsoft.com/office/powerpoint/2010/main" val="417853907"/>
       </p:ext>
     </p:extLst>
   </p:cSld>
@@ -2674,7 +3103,7 @@
     </p:spTree>
     <p:extLst>
       <p:ext uri="{BB962C8B-B14F-4D97-AF65-F5344CB8AC3E}">
-        <p14:creationId xmlns:p14="http://schemas.microsoft.com/office/powerpoint/2010/main" val="1665894112"/>
+        <p14:creationId xmlns:p14="http://schemas.microsoft.com/office/powerpoint/2010/main" val="1406350667"/>
       </p:ext>
     </p:extLst>
   </p:cSld>
@@ -3038,7 +3467,7 @@
           <a:p>
             <a:fld id="{87C2F797-6DFD-C74C-BA29-8B3CE1E6C725}" type="datetime1">
               <a:rPr lang="en-US" smtClean="0"/>
-              <a:t>1/24/22</a:t>
+              <a:t>1/25/22</a:t>
             </a:fld>
             <a:endParaRPr lang="en-US"/>
           </a:p>
@@ -3246,7 +3675,7 @@
           <a:p>
             <a:fld id="{64FE1960-B74B-0949-9DEF-CBE661CB7825}" type="datetime1">
               <a:rPr lang="en-US" smtClean="0"/>
-              <a:t>1/24/22</a:t>
+              <a:t>1/25/22</a:t>
             </a:fld>
             <a:endParaRPr lang="en-US"/>
           </a:p>
@@ -3444,7 +3873,7 @@
           <a:p>
             <a:fld id="{91871F70-41C7-F44D-9284-EB301E270CC7}" type="datetime1">
               <a:rPr lang="en-US" smtClean="0"/>
-              <a:t>1/24/22</a:t>
+              <a:t>1/25/22</a:t>
             </a:fld>
             <a:endParaRPr lang="en-US"/>
           </a:p>
@@ -3757,7 +4186,7 @@
           <a:p>
             <a:fld id="{E33F645A-02C2-AF41-9FDB-389E34E8B990}" type="datetime1">
               <a:rPr lang="en-US" smtClean="0"/>
-              <a:t>1/24/22</a:t>
+              <a:t>1/25/22</a:t>
             </a:fld>
             <a:endParaRPr lang="en-US"/>
           </a:p>
@@ -4022,7 +4451,7 @@
           <a:p>
             <a:fld id="{AB873A4C-DE8A-2F49-8ABE-1735EE515528}" type="datetime1">
               <a:rPr lang="en-US" smtClean="0"/>
-              <a:t>1/24/22</a:t>
+              <a:t>1/25/22</a:t>
             </a:fld>
             <a:endParaRPr lang="en-US"/>
           </a:p>
@@ -4434,7 +4863,7 @@
           <a:p>
             <a:fld id="{7DA13BA6-E929-9643-AF0C-C0B90BC6EAC0}" type="datetime1">
               <a:rPr lang="en-US" smtClean="0"/>
-              <a:t>1/24/22</a:t>
+              <a:t>1/25/22</a:t>
             </a:fld>
             <a:endParaRPr lang="en-US"/>
           </a:p>
@@ -4575,7 +5004,7 @@
           <a:p>
             <a:fld id="{1062371E-C5A0-7448-8CF8-A797D242C61D}" type="datetime1">
               <a:rPr lang="en-US" smtClean="0"/>
-              <a:t>1/24/22</a:t>
+              <a:t>1/25/22</a:t>
             </a:fld>
             <a:endParaRPr lang="en-US"/>
           </a:p>
@@ -4688,7 +5117,7 @@
           <a:p>
             <a:fld id="{33C9D714-59A4-C649-915B-E960BF4AC878}" type="datetime1">
               <a:rPr lang="en-US" smtClean="0"/>
-              <a:t>1/24/22</a:t>
+              <a:t>1/25/22</a:t>
             </a:fld>
             <a:endParaRPr lang="en-US"/>
           </a:p>
@@ -4999,7 +5428,7 @@
           <a:p>
             <a:fld id="{3951679C-160D-1F41-A3C3-54837256FB50}" type="datetime1">
               <a:rPr lang="en-US" smtClean="0"/>
-              <a:t>1/24/22</a:t>
+              <a:t>1/25/22</a:t>
             </a:fld>
             <a:endParaRPr lang="en-US"/>
           </a:p>
@@ -5287,7 +5716,7 @@
           <a:p>
             <a:fld id="{296B5A14-0E14-114B-AA5F-546D4BF7B2DC}" type="datetime1">
               <a:rPr lang="en-US" smtClean="0"/>
-              <a:t>1/24/22</a:t>
+              <a:t>1/25/22</a:t>
             </a:fld>
             <a:endParaRPr lang="en-US"/>
           </a:p>
@@ -5528,7 +5957,7 @@
           <a:p>
             <a:fld id="{1A75E9CF-B19A-3C42-99C1-DBC4AFBA0816}" type="datetime1">
               <a:rPr lang="en-US" smtClean="0"/>
-              <a:t>1/24/22</a:t>
+              <a:t>1/25/22</a:t>
             </a:fld>
             <a:endParaRPr lang="en-US"/>
           </a:p>
@@ -6686,52 +7115,8 @@
           <a:chExt cx="0" cy="0"/>
         </a:xfrm>
       </p:grpSpPr>
-      <p:sp>
-        <p:nvSpPr>
-          <p:cNvPr id="4" name="TextBox 3">
-            <a:extLst>
-              <a:ext uri="{FF2B5EF4-FFF2-40B4-BE49-F238E27FC236}">
-                <a16:creationId xmlns:a16="http://schemas.microsoft.com/office/drawing/2014/main" id="{2E4ACB90-5B23-AE45-9404-FED4FB5128EF}"/>
-              </a:ext>
-            </a:extLst>
-          </p:cNvPr>
-          <p:cNvSpPr txBox="1"/>
-          <p:nvPr/>
-        </p:nvSpPr>
-        <p:spPr>
-          <a:xfrm>
-            <a:off x="2075144" y="586938"/>
-            <a:ext cx="8041709" cy="923330"/>
-          </a:xfrm>
-          <a:prstGeom prst="rect">
-            <a:avLst/>
-          </a:prstGeom>
-          <a:noFill/>
-        </p:spPr>
-        <p:txBody>
-          <a:bodyPr wrap="square" rtlCol="0">
-            <a:spAutoFit/>
-          </a:bodyPr>
-          <a:lstStyle/>
-          <a:p>
-            <a:pPr algn="ctr"/>
-            <a:r>
-              <a:rPr lang="en-US" sz="5400" dirty="0" err="1">
-                <a:latin typeface="Economica" panose="02000506040000020004" pitchFamily="2" charset="77"/>
-              </a:rPr>
-              <a:t>Softmax</a:t>
-            </a:r>
-            <a:r>
-              <a:rPr lang="en-US" sz="5400" dirty="0">
-                <a:latin typeface="Economica" panose="02000506040000020004" pitchFamily="2" charset="77"/>
-              </a:rPr>
-              <a:t> Activation</a:t>
-            </a:r>
-          </a:p>
-        </p:txBody>
-      </p:sp>
-      <mc:AlternateContent xmlns:mc="http://schemas.openxmlformats.org/markup-compatibility/2006">
-        <mc:Choice xmlns:a14="http://schemas.microsoft.com/office/drawing/2010/main" Requires="a14">
+      <mc:AlternateContent xmlns:mc="http://schemas.openxmlformats.org/markup-compatibility/2006" xmlns:a14="http://schemas.microsoft.com/office/drawing/2010/main">
+        <mc:Choice Requires="a14">
           <p:sp>
             <p:nvSpPr>
               <p:cNvPr id="9" name="TextBox 8">
@@ -6957,7 +7342,7 @@
             </p:txBody>
           </p:sp>
         </mc:Choice>
-        <mc:Fallback>
+        <mc:Fallback xmlns="">
           <p:sp>
             <p:nvSpPr>
               <p:cNvPr id="9" name="TextBox 8">
@@ -7194,10 +7579,16 @@
           <a:lstStyle/>
           <a:p>
             <a:r>
+              <a:rPr lang="en-US" b="1" u="sng" dirty="0" err="1">
+                <a:latin typeface="Garamond" panose="02020404030301010803" pitchFamily="18" charset="0"/>
+              </a:rPr>
+              <a:t>Softmax</a:t>
+            </a:r>
+            <a:r>
               <a:rPr lang="en-US" b="1" u="sng" dirty="0">
                 <a:latin typeface="Garamond" panose="02020404030301010803" pitchFamily="18" charset="0"/>
               </a:rPr>
-              <a:t>Notes: </a:t>
+              <a:t> (MLOGIT): </a:t>
             </a:r>
           </a:p>
           <a:p>
@@ -7425,6 +7816,44 @@
           </a:p>
         </p:txBody>
       </p:sp>
+      <p:sp>
+        <p:nvSpPr>
+          <p:cNvPr id="13" name="TextBox 12">
+            <a:extLst>
+              <a:ext uri="{FF2B5EF4-FFF2-40B4-BE49-F238E27FC236}">
+                <a16:creationId xmlns:a16="http://schemas.microsoft.com/office/drawing/2014/main" id="{5ACDF931-FED9-4344-8884-8726CF0BC1E1}"/>
+              </a:ext>
+            </a:extLst>
+          </p:cNvPr>
+          <p:cNvSpPr txBox="1"/>
+          <p:nvPr/>
+        </p:nvSpPr>
+        <p:spPr>
+          <a:xfrm>
+            <a:off x="2193827" y="588583"/>
+            <a:ext cx="8041709" cy="923330"/>
+          </a:xfrm>
+          <a:prstGeom prst="rect">
+            <a:avLst/>
+          </a:prstGeom>
+          <a:noFill/>
+        </p:spPr>
+        <p:txBody>
+          <a:bodyPr wrap="square" rtlCol="0">
+            <a:spAutoFit/>
+          </a:bodyPr>
+          <a:lstStyle/>
+          <a:p>
+            <a:pPr algn="ctr"/>
+            <a:r>
+              <a:rPr lang="en-US" sz="5400" dirty="0">
+                <a:latin typeface="Economica" panose="02000506040000020004" pitchFamily="2" charset="77"/>
+              </a:rPr>
+              <a:t>Multi-Class, Single-Label</a:t>
+            </a:r>
+          </a:p>
+        </p:txBody>
+      </p:sp>
     </p:spTree>
     <p:extLst>
       <p:ext uri="{BB962C8B-B14F-4D97-AF65-F5344CB8AC3E}">
@@ -7439,6 +7868,564 @@
 </file>
 
 <file path=ppt/slides/slide12.xml><?xml version="1.0" encoding="utf-8"?>
+<p:sld xmlns:a="http://schemas.openxmlformats.org/drawingml/2006/main" xmlns:r="http://schemas.openxmlformats.org/officeDocument/2006/relationships" xmlns:p="http://schemas.openxmlformats.org/presentationml/2006/main">
+  <p:cSld>
+    <p:spTree>
+      <p:nvGrpSpPr>
+        <p:cNvPr id="1" name=""/>
+        <p:cNvGrpSpPr/>
+        <p:nvPr/>
+      </p:nvGrpSpPr>
+      <p:grpSpPr>
+        <a:xfrm>
+          <a:off x="0" y="0"/>
+          <a:ext cx="0" cy="0"/>
+          <a:chOff x="0" y="0"/>
+          <a:chExt cx="0" cy="0"/>
+        </a:xfrm>
+      </p:grpSpPr>
+      <mc:AlternateContent xmlns:mc="http://schemas.openxmlformats.org/markup-compatibility/2006">
+        <mc:Choice xmlns:a14="http://schemas.microsoft.com/office/drawing/2010/main" Requires="a14">
+          <p:sp>
+            <p:nvSpPr>
+              <p:cNvPr id="9" name="TextBox 8">
+                <a:extLst>
+                  <a:ext uri="{FF2B5EF4-FFF2-40B4-BE49-F238E27FC236}">
+                    <a16:creationId xmlns:a16="http://schemas.microsoft.com/office/drawing/2014/main" id="{1D4BD8E3-21BC-714E-B036-3291E21FCB33}"/>
+                  </a:ext>
+                </a:extLst>
+              </p:cNvPr>
+              <p:cNvSpPr txBox="1"/>
+              <p:nvPr/>
+            </p:nvSpPr>
+            <p:spPr>
+              <a:xfrm>
+                <a:off x="129249" y="1204136"/>
+                <a:ext cx="3869553" cy="307777"/>
+              </a:xfrm>
+              <a:prstGeom prst="rect">
+                <a:avLst/>
+              </a:prstGeom>
+              <a:noFill/>
+            </p:spPr>
+            <p:txBody>
+              <a:bodyPr wrap="square" rtlCol="0">
+                <a:spAutoFit/>
+              </a:bodyPr>
+              <a:lstStyle/>
+              <a:p>
+                <a:pPr/>
+                <a14:m>
+                  <m:oMathPara xmlns:m="http://schemas.openxmlformats.org/officeDocument/2006/math">
+                    <m:oMathParaPr>
+                      <m:jc m:val="centerGroup"/>
+                    </m:oMathParaPr>
+                    <m:oMath xmlns:m="http://schemas.openxmlformats.org/officeDocument/2006/math">
+                      <m:sSub>
+                        <m:sSubPr>
+                          <m:ctrlPr>
+                            <a:rPr lang="en-US" sz="1400" b="0" i="1" smtClean="0">
+                              <a:latin typeface="Cambria Math" panose="02040503050406030204" pitchFamily="18" charset="0"/>
+                            </a:rPr>
+                          </m:ctrlPr>
+                        </m:sSubPr>
+                        <m:e>
+                          <m:r>
+                            <a:rPr lang="en-US" sz="1400" b="0" i="1" smtClean="0">
+                              <a:latin typeface="Cambria Math" panose="02040503050406030204" pitchFamily="18" charset="0"/>
+                            </a:rPr>
+                            <m:t>𝑦</m:t>
+                          </m:r>
+                        </m:e>
+                        <m:sub>
+                          <m:r>
+                            <a:rPr lang="en-US" sz="1400" b="0" i="1" smtClean="0">
+                              <a:latin typeface="Cambria Math" panose="02040503050406030204" pitchFamily="18" charset="0"/>
+                            </a:rPr>
+                            <m:t>1</m:t>
+                          </m:r>
+                        </m:sub>
+                      </m:sSub>
+                      <m:r>
+                        <a:rPr lang="en-US" sz="1400" b="0" i="1" smtClean="0">
+                          <a:latin typeface="Cambria Math" panose="02040503050406030204" pitchFamily="18" charset="0"/>
+                        </a:rPr>
+                        <m:t>=</m:t>
+                      </m:r>
+                      <m:r>
+                        <a:rPr lang="en-US" sz="1400" b="0" i="1" smtClean="0">
+                          <a:solidFill>
+                            <a:srgbClr val="FF0000"/>
+                          </a:solidFill>
+                          <a:latin typeface="Cambria Math" panose="02040503050406030204" pitchFamily="18" charset="0"/>
+                          <a:ea typeface="Cambria Math" panose="02040503050406030204" pitchFamily="18" charset="0"/>
+                        </a:rPr>
+                        <m:t>𝜑</m:t>
+                      </m:r>
+                      <m:r>
+                        <a:rPr lang="en-US" sz="1400" b="0" i="1" smtClean="0">
+                          <a:solidFill>
+                            <a:srgbClr val="FF0000"/>
+                          </a:solidFill>
+                          <a:latin typeface="Cambria Math" panose="02040503050406030204" pitchFamily="18" charset="0"/>
+                        </a:rPr>
+                        <m:t> (</m:t>
+                      </m:r>
+                      <m:sSub>
+                        <m:sSubPr>
+                          <m:ctrlPr>
+                            <a:rPr lang="en-US" sz="1400" i="1" smtClean="0">
+                              <a:solidFill>
+                                <a:srgbClr val="FF0000"/>
+                              </a:solidFill>
+                              <a:latin typeface="Cambria Math" panose="02040503050406030204" pitchFamily="18" charset="0"/>
+                            </a:rPr>
+                          </m:ctrlPr>
+                        </m:sSubPr>
+                        <m:e>
+                          <m:r>
+                            <a:rPr lang="en-US" sz="1400" b="0" i="1" smtClean="0">
+                              <a:solidFill>
+                                <a:srgbClr val="FF0000"/>
+                              </a:solidFill>
+                              <a:latin typeface="Cambria Math" panose="02040503050406030204" pitchFamily="18" charset="0"/>
+                            </a:rPr>
+                            <m:t>𝑥</m:t>
+                          </m:r>
+                        </m:e>
+                        <m:sub>
+                          <m:r>
+                            <a:rPr lang="en-US" sz="1400" i="1">
+                              <a:solidFill>
+                                <a:srgbClr val="FF0000"/>
+                              </a:solidFill>
+                              <a:latin typeface="Cambria Math" panose="02040503050406030204" pitchFamily="18" charset="0"/>
+                            </a:rPr>
+                            <m:t>1</m:t>
+                          </m:r>
+                        </m:sub>
+                      </m:sSub>
+                      <m:r>
+                        <a:rPr lang="en-US" sz="1400" i="1" smtClean="0">
+                          <a:solidFill>
+                            <a:srgbClr val="FF0000"/>
+                          </a:solidFill>
+                          <a:latin typeface="Cambria Math" panose="02040503050406030204" pitchFamily="18" charset="0"/>
+                          <a:ea typeface="Cambria Math" panose="02040503050406030204" pitchFamily="18" charset="0"/>
+                        </a:rPr>
+                        <m:t>∙</m:t>
+                      </m:r>
+                      <m:sSub>
+                        <m:sSubPr>
+                          <m:ctrlPr>
+                            <a:rPr lang="en-US" sz="1400" i="1">
+                              <a:solidFill>
+                                <a:srgbClr val="FF0000"/>
+                              </a:solidFill>
+                              <a:latin typeface="Cambria Math" panose="02040503050406030204" pitchFamily="18" charset="0"/>
+                            </a:rPr>
+                          </m:ctrlPr>
+                        </m:sSubPr>
+                        <m:e>
+                          <m:r>
+                            <a:rPr lang="en-US" sz="1400" b="0" i="1" smtClean="0">
+                              <a:solidFill>
+                                <a:srgbClr val="FF0000"/>
+                              </a:solidFill>
+                              <a:latin typeface="Cambria Math" panose="02040503050406030204" pitchFamily="18" charset="0"/>
+                            </a:rPr>
+                            <m:t>𝑤</m:t>
+                          </m:r>
+                        </m:e>
+                        <m:sub>
+                          <m:r>
+                            <a:rPr lang="en-US" sz="1400" i="1">
+                              <a:solidFill>
+                                <a:srgbClr val="FF0000"/>
+                              </a:solidFill>
+                              <a:latin typeface="Cambria Math" panose="02040503050406030204" pitchFamily="18" charset="0"/>
+                            </a:rPr>
+                            <m:t>1</m:t>
+                          </m:r>
+                        </m:sub>
+                      </m:sSub>
+                      <m:r>
+                        <a:rPr lang="en-US" sz="1400" b="0" i="1" smtClean="0">
+                          <a:solidFill>
+                            <a:srgbClr val="FF0000"/>
+                          </a:solidFill>
+                          <a:latin typeface="Cambria Math" panose="02040503050406030204" pitchFamily="18" charset="0"/>
+                        </a:rPr>
+                        <m:t>+</m:t>
+                      </m:r>
+                      <m:sSub>
+                        <m:sSubPr>
+                          <m:ctrlPr>
+                            <a:rPr lang="en-US" sz="1400" b="0" i="1" smtClean="0">
+                              <a:solidFill>
+                                <a:srgbClr val="FF0000"/>
+                              </a:solidFill>
+                              <a:latin typeface="Cambria Math" panose="02040503050406030204" pitchFamily="18" charset="0"/>
+                            </a:rPr>
+                          </m:ctrlPr>
+                        </m:sSubPr>
+                        <m:e>
+                          <m:r>
+                            <a:rPr lang="en-US" sz="1400" b="0" i="1" smtClean="0">
+                              <a:solidFill>
+                                <a:srgbClr val="FF0000"/>
+                              </a:solidFill>
+                              <a:latin typeface="Cambria Math" panose="02040503050406030204" pitchFamily="18" charset="0"/>
+                            </a:rPr>
+                            <m:t>𝑏</m:t>
+                          </m:r>
+                        </m:e>
+                        <m:sub>
+                          <m:r>
+                            <a:rPr lang="en-US" sz="1400" b="0" i="1" smtClean="0">
+                              <a:solidFill>
+                                <a:srgbClr val="FF0000"/>
+                              </a:solidFill>
+                              <a:latin typeface="Cambria Math" panose="02040503050406030204" pitchFamily="18" charset="0"/>
+                            </a:rPr>
+                            <m:t>1</m:t>
+                          </m:r>
+                        </m:sub>
+                      </m:sSub>
+                      <m:r>
+                        <a:rPr lang="en-US" sz="1400" b="0" i="1" smtClean="0">
+                          <a:solidFill>
+                            <a:srgbClr val="FF0000"/>
+                          </a:solidFill>
+                          <a:latin typeface="Cambria Math" panose="02040503050406030204" pitchFamily="18" charset="0"/>
+                        </a:rPr>
+                        <m:t>)</m:t>
+                      </m:r>
+                    </m:oMath>
+                  </m:oMathPara>
+                </a14:m>
+                <a:endParaRPr lang="en-US" sz="1400" dirty="0">
+                  <a:latin typeface="Quicksand" pitchFamily="2" charset="77"/>
+                </a:endParaRPr>
+              </a:p>
+            </p:txBody>
+          </p:sp>
+        </mc:Choice>
+        <mc:Fallback>
+          <p:sp>
+            <p:nvSpPr>
+              <p:cNvPr id="9" name="TextBox 8">
+                <a:extLst>
+                  <a:ext uri="{FF2B5EF4-FFF2-40B4-BE49-F238E27FC236}">
+                    <a16:creationId xmlns:a16="http://schemas.microsoft.com/office/drawing/2014/main" id="{1D4BD8E3-21BC-714E-B036-3291E21FCB33}"/>
+                  </a:ext>
+                </a:extLst>
+              </p:cNvPr>
+              <p:cNvSpPr txBox="1">
+                <a:spLocks noRot="1" noChangeAspect="1" noMove="1" noResize="1" noEditPoints="1" noAdjustHandles="1" noChangeArrowheads="1" noChangeShapeType="1" noTextEdit="1"/>
+              </p:cNvSpPr>
+              <p:nvPr/>
+            </p:nvSpPr>
+            <p:spPr>
+              <a:xfrm>
+                <a:off x="129249" y="1204136"/>
+                <a:ext cx="3869553" cy="307777"/>
+              </a:xfrm>
+              <a:prstGeom prst="rect">
+                <a:avLst/>
+              </a:prstGeom>
+              <a:blipFill>
+                <a:blip r:embed="rId3"/>
+                <a:stretch>
+                  <a:fillRect b="-8000"/>
+                </a:stretch>
+              </a:blipFill>
+            </p:spPr>
+            <p:txBody>
+              <a:bodyPr/>
+              <a:lstStyle/>
+              <a:p>
+                <a:r>
+                  <a:rPr lang="en-US">
+                    <a:noFill/>
+                  </a:rPr>
+                  <a:t> </a:t>
+                </a:r>
+              </a:p>
+            </p:txBody>
+          </p:sp>
+        </mc:Fallback>
+      </mc:AlternateContent>
+      <p:sp>
+        <p:nvSpPr>
+          <p:cNvPr id="13" name="TextBox 12">
+            <a:extLst>
+              <a:ext uri="{FF2B5EF4-FFF2-40B4-BE49-F238E27FC236}">
+                <a16:creationId xmlns:a16="http://schemas.microsoft.com/office/drawing/2014/main" id="{5ACDF931-FED9-4344-8884-8726CF0BC1E1}"/>
+              </a:ext>
+            </a:extLst>
+          </p:cNvPr>
+          <p:cNvSpPr txBox="1"/>
+          <p:nvPr/>
+        </p:nvSpPr>
+        <p:spPr>
+          <a:xfrm>
+            <a:off x="2193827" y="588583"/>
+            <a:ext cx="8041709" cy="923330"/>
+          </a:xfrm>
+          <a:prstGeom prst="rect">
+            <a:avLst/>
+          </a:prstGeom>
+          <a:noFill/>
+        </p:spPr>
+        <p:txBody>
+          <a:bodyPr wrap="square" rtlCol="0">
+            <a:spAutoFit/>
+          </a:bodyPr>
+          <a:lstStyle/>
+          <a:p>
+            <a:pPr algn="ctr"/>
+            <a:r>
+              <a:rPr lang="en-US" sz="5400" dirty="0">
+                <a:latin typeface="Economica" panose="02000506040000020004" pitchFamily="2" charset="77"/>
+              </a:rPr>
+              <a:t>Multi-Class, Single-Label</a:t>
+            </a:r>
+          </a:p>
+        </p:txBody>
+      </p:sp>
+      <p:pic>
+        <p:nvPicPr>
+          <p:cNvPr id="4098" name="Picture 2">
+            <a:extLst>
+              <a:ext uri="{FF2B5EF4-FFF2-40B4-BE49-F238E27FC236}">
+                <a16:creationId xmlns:a16="http://schemas.microsoft.com/office/drawing/2014/main" id="{E82E0C1B-51C3-C841-BA03-E82C338CFFBD}"/>
+              </a:ext>
+            </a:extLst>
+          </p:cNvPr>
+          <p:cNvPicPr>
+            <a:picLocks noChangeAspect="1" noChangeArrowheads="1"/>
+          </p:cNvPicPr>
+          <p:nvPr/>
+        </p:nvPicPr>
+        <p:blipFill>
+          <a:blip r:embed="rId4">
+            <a:extLst>
+              <a:ext uri="{28A0092B-C50C-407E-A947-70E740481C1C}">
+                <a14:useLocalDpi xmlns:a14="http://schemas.microsoft.com/office/drawing/2010/main" val="0"/>
+              </a:ext>
+            </a:extLst>
+          </a:blip>
+          <a:srcRect/>
+          <a:stretch>
+            <a:fillRect/>
+          </a:stretch>
+        </p:blipFill>
+        <p:spPr bwMode="auto">
+          <a:xfrm>
+            <a:off x="3390117" y="1730827"/>
+            <a:ext cx="5411766" cy="4638657"/>
+          </a:xfrm>
+          <a:prstGeom prst="rect">
+            <a:avLst/>
+          </a:prstGeom>
+          <a:noFill/>
+          <a:extLst>
+            <a:ext uri="{909E8E84-426E-40DD-AFC4-6F175D3DCCD1}">
+              <a14:hiddenFill xmlns:a14="http://schemas.microsoft.com/office/drawing/2010/main">
+                <a:solidFill>
+                  <a:srgbClr val="FFFFFF"/>
+                </a:solidFill>
+              </a14:hiddenFill>
+            </a:ext>
+          </a:extLst>
+        </p:spPr>
+      </p:pic>
+    </p:spTree>
+    <p:extLst>
+      <p:ext uri="{BB962C8B-B14F-4D97-AF65-F5344CB8AC3E}">
+        <p14:creationId xmlns:p14="http://schemas.microsoft.com/office/powerpoint/2010/main" val="2817336499"/>
+      </p:ext>
+    </p:extLst>
+  </p:cSld>
+  <p:clrMapOvr>
+    <a:masterClrMapping/>
+  </p:clrMapOvr>
+</p:sld>
+</file>
+
+<file path=ppt/slides/slide13.xml><?xml version="1.0" encoding="utf-8"?>
+<p:sld xmlns:a="http://schemas.openxmlformats.org/drawingml/2006/main" xmlns:r="http://schemas.openxmlformats.org/officeDocument/2006/relationships" xmlns:p="http://schemas.openxmlformats.org/presentationml/2006/main">
+  <p:cSld>
+    <p:spTree>
+      <p:nvGrpSpPr>
+        <p:cNvPr id="1" name=""/>
+        <p:cNvGrpSpPr/>
+        <p:nvPr/>
+      </p:nvGrpSpPr>
+      <p:grpSpPr>
+        <a:xfrm>
+          <a:off x="0" y="0"/>
+          <a:ext cx="0" cy="0"/>
+          <a:chOff x="0" y="0"/>
+          <a:chExt cx="0" cy="0"/>
+        </a:xfrm>
+      </p:grpSpPr>
+      <p:sp>
+        <p:nvSpPr>
+          <p:cNvPr id="4" name="TextBox 3">
+            <a:extLst>
+              <a:ext uri="{FF2B5EF4-FFF2-40B4-BE49-F238E27FC236}">
+                <a16:creationId xmlns:a16="http://schemas.microsoft.com/office/drawing/2014/main" id="{2E4ACB90-5B23-AE45-9404-FED4FB5128EF}"/>
+              </a:ext>
+            </a:extLst>
+          </p:cNvPr>
+          <p:cNvSpPr txBox="1"/>
+          <p:nvPr/>
+        </p:nvSpPr>
+        <p:spPr>
+          <a:xfrm>
+            <a:off x="2075144" y="586938"/>
+            <a:ext cx="8041709" cy="923330"/>
+          </a:xfrm>
+          <a:prstGeom prst="rect">
+            <a:avLst/>
+          </a:prstGeom>
+          <a:noFill/>
+        </p:spPr>
+        <p:txBody>
+          <a:bodyPr wrap="square" rtlCol="0">
+            <a:spAutoFit/>
+          </a:bodyPr>
+          <a:lstStyle/>
+          <a:p>
+            <a:pPr algn="ctr"/>
+            <a:r>
+              <a:rPr lang="en-US" sz="5400" dirty="0">
+                <a:latin typeface="Economica" panose="02000506040000020004" pitchFamily="2" charset="77"/>
+              </a:rPr>
+              <a:t>Multi-Class, Multi-Label</a:t>
+            </a:r>
+          </a:p>
+        </p:txBody>
+      </p:sp>
+      <p:pic>
+        <p:nvPicPr>
+          <p:cNvPr id="3" name="Picture 2">
+            <a:extLst>
+              <a:ext uri="{FF2B5EF4-FFF2-40B4-BE49-F238E27FC236}">
+                <a16:creationId xmlns:a16="http://schemas.microsoft.com/office/drawing/2014/main" id="{D4445D74-251E-7C45-ABFC-CFC18B71DD5B}"/>
+              </a:ext>
+            </a:extLst>
+          </p:cNvPr>
+          <p:cNvPicPr>
+            <a:picLocks noChangeAspect="1"/>
+          </p:cNvPicPr>
+          <p:nvPr/>
+        </p:nvPicPr>
+        <p:blipFill>
+          <a:blip r:embed="rId3"/>
+          <a:stretch>
+            <a:fillRect/>
+          </a:stretch>
+        </p:blipFill>
+        <p:spPr>
+          <a:xfrm>
+            <a:off x="5646279" y="2023173"/>
+            <a:ext cx="5308600" cy="3771900"/>
+          </a:xfrm>
+          <a:prstGeom prst="rect">
+            <a:avLst/>
+          </a:prstGeom>
+        </p:spPr>
+      </p:pic>
+      <p:sp>
+        <p:nvSpPr>
+          <p:cNvPr id="16" name="TextBox 15">
+            <a:extLst>
+              <a:ext uri="{FF2B5EF4-FFF2-40B4-BE49-F238E27FC236}">
+                <a16:creationId xmlns:a16="http://schemas.microsoft.com/office/drawing/2014/main" id="{32FDDE1A-D0F4-8349-BA63-CFA22913C013}"/>
+              </a:ext>
+            </a:extLst>
+          </p:cNvPr>
+          <p:cNvSpPr txBox="1"/>
+          <p:nvPr/>
+        </p:nvSpPr>
+        <p:spPr>
+          <a:xfrm>
+            <a:off x="929424" y="2176865"/>
+            <a:ext cx="4519398" cy="1846659"/>
+          </a:xfrm>
+          <a:prstGeom prst="rect">
+            <a:avLst/>
+          </a:prstGeom>
+          <a:noFill/>
+        </p:spPr>
+        <p:txBody>
+          <a:bodyPr wrap="square" rtlCol="0">
+            <a:spAutoFit/>
+          </a:bodyPr>
+          <a:lstStyle/>
+          <a:p>
+            <a:r>
+              <a:rPr lang="en-US" sz="2000" b="1" dirty="0">
+                <a:latin typeface="Quicksand" pitchFamily="2" charset="77"/>
+              </a:rPr>
+              <a:t>Many Non-Exclusive Labels</a:t>
+            </a:r>
+          </a:p>
+          <a:p>
+            <a:pPr marL="688975" lvl="1" indent="-230188">
+              <a:buFont typeface="Arial" panose="020B0604020202020204" pitchFamily="34" charset="0"/>
+              <a:buChar char="•"/>
+            </a:pPr>
+            <a:r>
+              <a:rPr lang="en-US" sz="2000" dirty="0">
+                <a:latin typeface="Quicksand" pitchFamily="2" charset="77"/>
+              </a:rPr>
+              <a:t>We would create a sigmoid output layer with one output for each class we are predicting. </a:t>
+            </a:r>
+          </a:p>
+          <a:p>
+            <a:pPr marL="688975" lvl="1" indent="-230188">
+              <a:buFont typeface="Arial" panose="020B0604020202020204" pitchFamily="34" charset="0"/>
+              <a:buChar char="•"/>
+            </a:pPr>
+            <a:r>
+              <a:rPr lang="en-US" sz="2000" dirty="0">
+                <a:latin typeface="Quicksand" pitchFamily="2" charset="77"/>
+              </a:rPr>
+              <a:t>Train on all labels together. </a:t>
+            </a:r>
+            <a:endParaRPr lang="en-US" dirty="0">
+              <a:latin typeface="Quicksand" pitchFamily="2" charset="77"/>
+            </a:endParaRPr>
+          </a:p>
+          <a:p>
+            <a:pPr marL="171450" indent="-171450">
+              <a:buFont typeface="Arial" panose="020B0604020202020204" pitchFamily="34" charset="0"/>
+              <a:buChar char="•"/>
+            </a:pPr>
+            <a:endParaRPr lang="en-US" sz="1400" dirty="0">
+              <a:latin typeface="Quicksand" pitchFamily="2" charset="77"/>
+            </a:endParaRPr>
+          </a:p>
+        </p:txBody>
+      </p:sp>
+    </p:spTree>
+    <p:extLst>
+      <p:ext uri="{BB962C8B-B14F-4D97-AF65-F5344CB8AC3E}">
+        <p14:creationId xmlns:p14="http://schemas.microsoft.com/office/powerpoint/2010/main" val="3380145955"/>
+      </p:ext>
+    </p:extLst>
+  </p:cSld>
+  <p:clrMapOvr>
+    <a:masterClrMapping/>
+  </p:clrMapOvr>
+</p:sld>
+</file>
+
+<file path=ppt/slides/slide14.xml><?xml version="1.0" encoding="utf-8"?>
 <p:sld xmlns:a="http://schemas.openxmlformats.org/drawingml/2006/main" xmlns:r="http://schemas.openxmlformats.org/officeDocument/2006/relationships" xmlns:p="http://schemas.openxmlformats.org/presentationml/2006/main">
   <p:cSld>
     <p:spTree>
@@ -8753,7 +9740,7 @@
 </p:sld>
 </file>
 
-<file path=ppt/slides/slide13.xml><?xml version="1.0" encoding="utf-8"?>
+<file path=ppt/slides/slide15.xml><?xml version="1.0" encoding="utf-8"?>
 <p:sld xmlns:a="http://schemas.openxmlformats.org/drawingml/2006/main" xmlns:r="http://schemas.openxmlformats.org/officeDocument/2006/relationships" xmlns:p="http://schemas.openxmlformats.org/presentationml/2006/main">
   <p:cSld>
     <p:spTree>
@@ -8793,7 +9780,7 @@
           <a:p>
             <a:fld id="{5F85BDAF-76E7-5E4A-80A9-F732B06DC713}" type="slidenum">
               <a:rPr lang="en-US" smtClean="0"/>
-              <a:t>13</a:t>
+              <a:t>15</a:t>
             </a:fld>
             <a:endParaRPr lang="en-US"/>
           </a:p>
@@ -8949,7 +9936,7 @@
 </p:sld>
 </file>
 
-<file path=ppt/slides/slide14.xml><?xml version="1.0" encoding="utf-8"?>
+<file path=ppt/slides/slide16.xml><?xml version="1.0" encoding="utf-8"?>
 <p:sld xmlns:a="http://schemas.openxmlformats.org/drawingml/2006/main" xmlns:r="http://schemas.openxmlformats.org/officeDocument/2006/relationships" xmlns:p="http://schemas.openxmlformats.org/presentationml/2006/main">
   <p:cSld>
     <p:spTree>
@@ -9415,7 +10402,7 @@
 </p:sld>
 </file>
 
-<file path=ppt/slides/slide15.xml><?xml version="1.0" encoding="utf-8"?>
+<file path=ppt/slides/slide17.xml><?xml version="1.0" encoding="utf-8"?>
 <p:sld xmlns:a="http://schemas.openxmlformats.org/drawingml/2006/main" xmlns:r="http://schemas.openxmlformats.org/officeDocument/2006/relationships" xmlns:p="http://schemas.openxmlformats.org/presentationml/2006/main">
   <p:cSld>
     <p:bg>
@@ -9463,7 +10450,7 @@
           <a:p>
             <a:fld id="{5F85BDAF-76E7-5E4A-80A9-F732B06DC713}" type="slidenum">
               <a:rPr lang="en-US" smtClean="0"/>
-              <a:t>15</a:t>
+              <a:t>17</a:t>
             </a:fld>
             <a:endParaRPr lang="en-US"/>
           </a:p>
@@ -9706,7 +10693,7 @@
 </p:sld>
 </file>
 
-<file path=ppt/slides/slide16.xml><?xml version="1.0" encoding="utf-8"?>
+<file path=ppt/slides/slide18.xml><?xml version="1.0" encoding="utf-8"?>
 <p:sld xmlns:a="http://schemas.openxmlformats.org/drawingml/2006/main" xmlns:r="http://schemas.openxmlformats.org/officeDocument/2006/relationships" xmlns:p="http://schemas.openxmlformats.org/presentationml/2006/main">
   <p:cSld>
     <p:spTree>
@@ -9746,7 +10733,7 @@
           <a:p>
             <a:fld id="{5F85BDAF-76E7-5E4A-80A9-F732B06DC713}" type="slidenum">
               <a:rPr lang="en-US" smtClean="0"/>
-              <a:t>16</a:t>
+              <a:t>18</a:t>
             </a:fld>
             <a:endParaRPr lang="en-US"/>
           </a:p>
@@ -9902,7 +10889,7 @@
 </p:sld>
 </file>
 
-<file path=ppt/slides/slide17.xml><?xml version="1.0" encoding="utf-8"?>
+<file path=ppt/slides/slide19.xml><?xml version="1.0" encoding="utf-8"?>
 <p:sld xmlns:a="http://schemas.openxmlformats.org/drawingml/2006/main" xmlns:r="http://schemas.openxmlformats.org/officeDocument/2006/relationships" xmlns:p="http://schemas.openxmlformats.org/presentationml/2006/main">
   <p:cSld>
     <p:bg>
@@ -9950,7 +10937,7 @@
           <a:p>
             <a:fld id="{5F85BDAF-76E7-5E4A-80A9-F732B06DC713}" type="slidenum">
               <a:rPr lang="en-US" smtClean="0"/>
-              <a:t>17</a:t>
+              <a:t>19</a:t>
             </a:fld>
             <a:endParaRPr lang="en-US"/>
           </a:p>
@@ -10101,7 +11088,272 @@
 </p:sld>
 </file>
 
-<file path=ppt/slides/slide18.xml><?xml version="1.0" encoding="utf-8"?>
+<file path=ppt/slides/slide2.xml><?xml version="1.0" encoding="utf-8"?>
+<p:sld xmlns:a="http://schemas.openxmlformats.org/drawingml/2006/main" xmlns:r="http://schemas.openxmlformats.org/officeDocument/2006/relationships" xmlns:p="http://schemas.openxmlformats.org/presentationml/2006/main">
+  <p:cSld>
+    <p:spTree>
+      <p:nvGrpSpPr>
+        <p:cNvPr id="1" name=""/>
+        <p:cNvGrpSpPr/>
+        <p:nvPr/>
+      </p:nvGrpSpPr>
+      <p:grpSpPr>
+        <a:xfrm>
+          <a:off x="0" y="0"/>
+          <a:ext cx="0" cy="0"/>
+          <a:chOff x="0" y="0"/>
+          <a:chExt cx="0" cy="0"/>
+        </a:xfrm>
+      </p:grpSpPr>
+      <p:sp>
+        <p:nvSpPr>
+          <p:cNvPr id="4" name="TextBox 3">
+            <a:extLst>
+              <a:ext uri="{FF2B5EF4-FFF2-40B4-BE49-F238E27FC236}">
+                <a16:creationId xmlns:a16="http://schemas.microsoft.com/office/drawing/2014/main" id="{2E4ACB90-5B23-AE45-9404-FED4FB5128EF}"/>
+              </a:ext>
+            </a:extLst>
+          </p:cNvPr>
+          <p:cNvSpPr txBox="1"/>
+          <p:nvPr/>
+        </p:nvSpPr>
+        <p:spPr>
+          <a:xfrm>
+            <a:off x="2865521" y="586938"/>
+            <a:ext cx="6460957" cy="923330"/>
+          </a:xfrm>
+          <a:prstGeom prst="rect">
+            <a:avLst/>
+          </a:prstGeom>
+          <a:noFill/>
+        </p:spPr>
+        <p:txBody>
+          <a:bodyPr wrap="square" rtlCol="0">
+            <a:spAutoFit/>
+          </a:bodyPr>
+          <a:lstStyle/>
+          <a:p>
+            <a:pPr algn="ctr"/>
+            <a:r>
+              <a:rPr lang="en-US" sz="5400" dirty="0">
+                <a:latin typeface="Economica" panose="02000506040000020004" pitchFamily="2" charset="77"/>
+              </a:rPr>
+              <a:t>Today’s Agenda</a:t>
+            </a:r>
+          </a:p>
+        </p:txBody>
+      </p:sp>
+      <p:sp>
+        <p:nvSpPr>
+          <p:cNvPr id="5" name="TextBox 4">
+            <a:extLst>
+              <a:ext uri="{FF2B5EF4-FFF2-40B4-BE49-F238E27FC236}">
+                <a16:creationId xmlns:a16="http://schemas.microsoft.com/office/drawing/2014/main" id="{21B2E298-9F21-FF4E-96E1-1B758B6D7AC7}"/>
+              </a:ext>
+            </a:extLst>
+          </p:cNvPr>
+          <p:cNvSpPr txBox="1"/>
+          <p:nvPr/>
+        </p:nvSpPr>
+        <p:spPr>
+          <a:xfrm>
+            <a:off x="890337" y="1940249"/>
+            <a:ext cx="10016362" cy="3600986"/>
+          </a:xfrm>
+          <a:prstGeom prst="rect">
+            <a:avLst/>
+          </a:prstGeom>
+          <a:noFill/>
+        </p:spPr>
+        <p:txBody>
+          <a:bodyPr wrap="square" rtlCol="0">
+            <a:spAutoFit/>
+          </a:bodyPr>
+          <a:lstStyle/>
+          <a:p>
+            <a:r>
+              <a:rPr lang="en-US" sz="2000" b="1" dirty="0">
+                <a:latin typeface="Quicksand" pitchFamily="2" charset="77"/>
+              </a:rPr>
+              <a:t>1. Building Blocks of NNs</a:t>
+            </a:r>
+          </a:p>
+          <a:p>
+            <a:pPr marL="171450" indent="-171450">
+              <a:buFont typeface="Arial" panose="020B0604020202020204" pitchFamily="34" charset="0"/>
+              <a:buChar char="•"/>
+            </a:pPr>
+            <a:endParaRPr lang="en-US" sz="1400" dirty="0">
+              <a:latin typeface="Quicksand" pitchFamily="2" charset="77"/>
+            </a:endParaRPr>
+          </a:p>
+          <a:p>
+            <a:pPr marL="628650" lvl="1" indent="-171450">
+              <a:buFont typeface="Arial" panose="020B0604020202020204" pitchFamily="34" charset="0"/>
+              <a:buChar char="•"/>
+            </a:pPr>
+            <a:r>
+              <a:rPr lang="en-US" dirty="0">
+                <a:latin typeface="Quicksand" pitchFamily="2" charset="77"/>
+              </a:rPr>
+              <a:t>Tensors (and relevant mathematical operations)</a:t>
+            </a:r>
+          </a:p>
+          <a:p>
+            <a:pPr marL="628650" lvl="1" indent="-171450">
+              <a:buFont typeface="Arial" panose="020B0604020202020204" pitchFamily="34" charset="0"/>
+              <a:buChar char="•"/>
+            </a:pPr>
+            <a:r>
+              <a:rPr lang="en-US" dirty="0">
+                <a:latin typeface="Quicksand" pitchFamily="2" charset="77"/>
+              </a:rPr>
+              <a:t>Activation Functions</a:t>
+            </a:r>
+          </a:p>
+          <a:p>
+            <a:pPr marL="628650" lvl="1" indent="-171450">
+              <a:buFont typeface="Arial" panose="020B0604020202020204" pitchFamily="34" charset="0"/>
+              <a:buChar char="•"/>
+            </a:pPr>
+            <a:r>
+              <a:rPr lang="en-US" dirty="0">
+                <a:latin typeface="Quicksand" pitchFamily="2" charset="77"/>
+              </a:rPr>
+              <a:t>Loss Functions</a:t>
+            </a:r>
+          </a:p>
+          <a:p>
+            <a:pPr marL="628650" lvl="1" indent="-171450">
+              <a:buFont typeface="Arial" panose="020B0604020202020204" pitchFamily="34" charset="0"/>
+              <a:buChar char="•"/>
+            </a:pPr>
+            <a:r>
+              <a:rPr lang="en-US" dirty="0">
+                <a:latin typeface="Quicksand" pitchFamily="2" charset="77"/>
+              </a:rPr>
+              <a:t>Backpropagation: Derivatives, Gradients &amp; the Chain Rule (with examples)</a:t>
+            </a:r>
+          </a:p>
+          <a:p>
+            <a:pPr marL="628650" lvl="1" indent="-171450">
+              <a:buFont typeface="Arial" panose="020B0604020202020204" pitchFamily="34" charset="0"/>
+              <a:buChar char="•"/>
+            </a:pPr>
+            <a:r>
+              <a:rPr lang="en-US" dirty="0">
+                <a:latin typeface="Quicksand" pitchFamily="2" charset="77"/>
+              </a:rPr>
+              <a:t>Optimizers</a:t>
+            </a:r>
+          </a:p>
+          <a:p>
+            <a:endParaRPr lang="en-US" sz="2000" b="1" dirty="0">
+              <a:latin typeface="Quicksand" pitchFamily="2" charset="77"/>
+            </a:endParaRPr>
+          </a:p>
+          <a:p>
+            <a:r>
+              <a:rPr lang="en-US" sz="2000" b="1" dirty="0">
+                <a:latin typeface="Quicksand" pitchFamily="2" charset="77"/>
+              </a:rPr>
+              <a:t>2. Building a Linear Classifier</a:t>
+            </a:r>
+          </a:p>
+          <a:p>
+            <a:pPr marL="171450" indent="-171450">
+              <a:buFont typeface="Arial" panose="020B0604020202020204" pitchFamily="34" charset="0"/>
+              <a:buChar char="•"/>
+            </a:pPr>
+            <a:endParaRPr lang="en-US" sz="1400" dirty="0">
+              <a:latin typeface="Quicksand" pitchFamily="2" charset="77"/>
+            </a:endParaRPr>
+          </a:p>
+          <a:p>
+            <a:pPr marL="628650" lvl="1" indent="-171450">
+              <a:buFont typeface="Arial" panose="020B0604020202020204" pitchFamily="34" charset="0"/>
+              <a:buChar char="•"/>
+            </a:pPr>
+            <a:r>
+              <a:rPr lang="en-US" dirty="0">
+                <a:latin typeface="Quicksand" pitchFamily="2" charset="77"/>
+              </a:rPr>
+              <a:t>Overview of </a:t>
+            </a:r>
+            <a:r>
+              <a:rPr lang="en-US" dirty="0" err="1">
+                <a:latin typeface="Quicksand" pitchFamily="2" charset="77"/>
+              </a:rPr>
+              <a:t>Keras</a:t>
+            </a:r>
+            <a:r>
+              <a:rPr lang="en-US" dirty="0">
+                <a:latin typeface="Quicksand" pitchFamily="2" charset="77"/>
+              </a:rPr>
+              <a:t> and </a:t>
+            </a:r>
+            <a:r>
+              <a:rPr lang="en-US" dirty="0" err="1">
+                <a:latin typeface="Quicksand" pitchFamily="2" charset="77"/>
+              </a:rPr>
+              <a:t>Tensorflow</a:t>
+            </a:r>
+            <a:r>
+              <a:rPr lang="en-US" dirty="0">
+                <a:latin typeface="Quicksand" pitchFamily="2" charset="77"/>
+              </a:rPr>
+              <a:t>.</a:t>
+            </a:r>
+          </a:p>
+          <a:p>
+            <a:pPr marL="628650" lvl="1" indent="-171450">
+              <a:buFont typeface="Arial" panose="020B0604020202020204" pitchFamily="34" charset="0"/>
+              <a:buChar char="•"/>
+            </a:pPr>
+            <a:r>
+              <a:rPr lang="en-US" dirty="0">
+                <a:latin typeface="Quicksand" pitchFamily="2" charset="77"/>
+              </a:rPr>
+              <a:t>Implementing a linear classifier in </a:t>
+            </a:r>
+            <a:r>
+              <a:rPr lang="en-US" dirty="0" err="1">
+                <a:latin typeface="Quicksand" pitchFamily="2" charset="77"/>
+              </a:rPr>
+              <a:t>Keras</a:t>
+            </a:r>
+            <a:r>
+              <a:rPr lang="en-US" dirty="0">
+                <a:latin typeface="Quicksand" pitchFamily="2" charset="77"/>
+              </a:rPr>
+              <a:t> (now that we know the components).</a:t>
+            </a:r>
+          </a:p>
+          <a:p>
+            <a:pPr marL="171450" indent="-171450">
+              <a:buFont typeface="Arial" panose="020B0604020202020204" pitchFamily="34" charset="0"/>
+              <a:buChar char="•"/>
+            </a:pPr>
+            <a:endParaRPr lang="en-US" sz="1400" dirty="0">
+              <a:latin typeface="Quicksand" pitchFamily="2" charset="77"/>
+            </a:endParaRPr>
+          </a:p>
+        </p:txBody>
+      </p:sp>
+    </p:spTree>
+    <p:extLst>
+      <p:ext uri="{BB962C8B-B14F-4D97-AF65-F5344CB8AC3E}">
+        <p14:creationId xmlns:p14="http://schemas.microsoft.com/office/powerpoint/2010/main" val="2398758055"/>
+      </p:ext>
+    </p:extLst>
+  </p:cSld>
+  <p:clrMapOvr>
+    <a:masterClrMapping/>
+  </p:clrMapOvr>
+</p:sld>
+</file>
+
+<file path=ppt/slides/slide20.xml><?xml version="1.0" encoding="utf-8"?>
 <p:sld xmlns:a="http://schemas.openxmlformats.org/drawingml/2006/main" xmlns:r="http://schemas.openxmlformats.org/officeDocument/2006/relationships" xmlns:p="http://schemas.openxmlformats.org/presentationml/2006/main">
   <p:cSld>
     <p:spTree>
@@ -10141,7 +11393,7 @@
           <a:p>
             <a:fld id="{5F85BDAF-76E7-5E4A-80A9-F732B06DC713}" type="slidenum">
               <a:rPr lang="en-US" smtClean="0"/>
-              <a:t>18</a:t>
+              <a:t>20</a:t>
             </a:fld>
             <a:endParaRPr lang="en-US"/>
           </a:p>
@@ -10245,7 +11497,7 @@
 </p:sld>
 </file>
 
-<file path=ppt/slides/slide19.xml><?xml version="1.0" encoding="utf-8"?>
+<file path=ppt/slides/slide21.xml><?xml version="1.0" encoding="utf-8"?>
 <p:sld xmlns:a="http://schemas.openxmlformats.org/drawingml/2006/main" xmlns:r="http://schemas.openxmlformats.org/officeDocument/2006/relationships" xmlns:p="http://schemas.openxmlformats.org/presentationml/2006/main">
   <p:cSld>
     <p:bg>
@@ -10293,7 +11545,7 @@
           <a:p>
             <a:fld id="{5F85BDAF-76E7-5E4A-80A9-F732B06DC713}" type="slidenum">
               <a:rPr lang="en-US" smtClean="0"/>
-              <a:t>19</a:t>
+              <a:t>21</a:t>
             </a:fld>
             <a:endParaRPr lang="en-US"/>
           </a:p>
@@ -10397,248 +11649,7 @@
 </p:sld>
 </file>
 
-<file path=ppt/slides/slide2.xml><?xml version="1.0" encoding="utf-8"?>
-<p:sld xmlns:a="http://schemas.openxmlformats.org/drawingml/2006/main" xmlns:r="http://schemas.openxmlformats.org/officeDocument/2006/relationships" xmlns:p="http://schemas.openxmlformats.org/presentationml/2006/main">
-  <p:cSld>
-    <p:spTree>
-      <p:nvGrpSpPr>
-        <p:cNvPr id="1" name=""/>
-        <p:cNvGrpSpPr/>
-        <p:nvPr/>
-      </p:nvGrpSpPr>
-      <p:grpSpPr>
-        <a:xfrm>
-          <a:off x="0" y="0"/>
-          <a:ext cx="0" cy="0"/>
-          <a:chOff x="0" y="0"/>
-          <a:chExt cx="0" cy="0"/>
-        </a:xfrm>
-      </p:grpSpPr>
-      <p:sp>
-        <p:nvSpPr>
-          <p:cNvPr id="4" name="TextBox 3">
-            <a:extLst>
-              <a:ext uri="{FF2B5EF4-FFF2-40B4-BE49-F238E27FC236}">
-                <a16:creationId xmlns:a16="http://schemas.microsoft.com/office/drawing/2014/main" id="{2E4ACB90-5B23-AE45-9404-FED4FB5128EF}"/>
-              </a:ext>
-            </a:extLst>
-          </p:cNvPr>
-          <p:cNvSpPr txBox="1"/>
-          <p:nvPr/>
-        </p:nvSpPr>
-        <p:spPr>
-          <a:xfrm>
-            <a:off x="2865521" y="586938"/>
-            <a:ext cx="6460957" cy="923330"/>
-          </a:xfrm>
-          <a:prstGeom prst="rect">
-            <a:avLst/>
-          </a:prstGeom>
-          <a:noFill/>
-        </p:spPr>
-        <p:txBody>
-          <a:bodyPr wrap="square" rtlCol="0">
-            <a:spAutoFit/>
-          </a:bodyPr>
-          <a:lstStyle/>
-          <a:p>
-            <a:pPr algn="ctr"/>
-            <a:r>
-              <a:rPr lang="en-US" sz="5400" dirty="0">
-                <a:latin typeface="Economica" panose="02000506040000020004" pitchFamily="2" charset="77"/>
-              </a:rPr>
-              <a:t>Today’s Agenda</a:t>
-            </a:r>
-          </a:p>
-        </p:txBody>
-      </p:sp>
-      <p:sp>
-        <p:nvSpPr>
-          <p:cNvPr id="5" name="TextBox 4">
-            <a:extLst>
-              <a:ext uri="{FF2B5EF4-FFF2-40B4-BE49-F238E27FC236}">
-                <a16:creationId xmlns:a16="http://schemas.microsoft.com/office/drawing/2014/main" id="{21B2E298-9F21-FF4E-96E1-1B758B6D7AC7}"/>
-              </a:ext>
-            </a:extLst>
-          </p:cNvPr>
-          <p:cNvSpPr txBox="1"/>
-          <p:nvPr/>
-        </p:nvSpPr>
-        <p:spPr>
-          <a:xfrm>
-            <a:off x="890337" y="1940249"/>
-            <a:ext cx="10016362" cy="3046988"/>
-          </a:xfrm>
-          <a:prstGeom prst="rect">
-            <a:avLst/>
-          </a:prstGeom>
-          <a:noFill/>
-        </p:spPr>
-        <p:txBody>
-          <a:bodyPr wrap="square" rtlCol="0">
-            <a:spAutoFit/>
-          </a:bodyPr>
-          <a:lstStyle/>
-          <a:p>
-            <a:r>
-              <a:rPr lang="en-US" sz="2000" b="1" dirty="0">
-                <a:latin typeface="Quicksand" pitchFamily="2" charset="77"/>
-              </a:rPr>
-              <a:t>1. Building Blocks of NNs</a:t>
-            </a:r>
-          </a:p>
-          <a:p>
-            <a:pPr marL="171450" indent="-171450">
-              <a:buFont typeface="Arial" panose="020B0604020202020204" pitchFamily="34" charset="0"/>
-              <a:buChar char="•"/>
-            </a:pPr>
-            <a:endParaRPr lang="en-US" sz="1400" dirty="0">
-              <a:latin typeface="Quicksand" pitchFamily="2" charset="77"/>
-            </a:endParaRPr>
-          </a:p>
-          <a:p>
-            <a:pPr marL="628650" lvl="1" indent="-171450">
-              <a:buFont typeface="Arial" panose="020B0604020202020204" pitchFamily="34" charset="0"/>
-              <a:buChar char="•"/>
-            </a:pPr>
-            <a:r>
-              <a:rPr lang="en-US" dirty="0">
-                <a:latin typeface="Quicksand" pitchFamily="2" charset="77"/>
-              </a:rPr>
-              <a:t>Tensors (and relevant mathematical operations)</a:t>
-            </a:r>
-          </a:p>
-          <a:p>
-            <a:pPr marL="628650" lvl="1" indent="-171450">
-              <a:buFont typeface="Arial" panose="020B0604020202020204" pitchFamily="34" charset="0"/>
-              <a:buChar char="•"/>
-            </a:pPr>
-            <a:r>
-              <a:rPr lang="en-US" dirty="0">
-                <a:latin typeface="Quicksand" pitchFamily="2" charset="77"/>
-              </a:rPr>
-              <a:t>Activation and Loss Functions</a:t>
-            </a:r>
-          </a:p>
-          <a:p>
-            <a:pPr marL="628650" lvl="1" indent="-171450">
-              <a:buFont typeface="Arial" panose="020B0604020202020204" pitchFamily="34" charset="0"/>
-              <a:buChar char="•"/>
-            </a:pPr>
-            <a:r>
-              <a:rPr lang="en-US" dirty="0">
-                <a:latin typeface="Quicksand" pitchFamily="2" charset="77"/>
-              </a:rPr>
-              <a:t>Backpropagation: Derivatives, Gradients &amp; the Chain Rule (with examples)</a:t>
-            </a:r>
-          </a:p>
-          <a:p>
-            <a:endParaRPr lang="en-US" sz="2000" b="1" dirty="0">
-              <a:latin typeface="Quicksand" pitchFamily="2" charset="77"/>
-            </a:endParaRPr>
-          </a:p>
-          <a:p>
-            <a:r>
-              <a:rPr lang="en-US" sz="2000" b="1" dirty="0">
-                <a:latin typeface="Quicksand" pitchFamily="2" charset="77"/>
-              </a:rPr>
-              <a:t>2. Building a Linear Classifier</a:t>
-            </a:r>
-          </a:p>
-          <a:p>
-            <a:pPr marL="171450" indent="-171450">
-              <a:buFont typeface="Arial" panose="020B0604020202020204" pitchFamily="34" charset="0"/>
-              <a:buChar char="•"/>
-            </a:pPr>
-            <a:endParaRPr lang="en-US" sz="1400" dirty="0">
-              <a:latin typeface="Quicksand" pitchFamily="2" charset="77"/>
-            </a:endParaRPr>
-          </a:p>
-          <a:p>
-            <a:pPr marL="628650" lvl="1" indent="-171450">
-              <a:buFont typeface="Arial" panose="020B0604020202020204" pitchFamily="34" charset="0"/>
-              <a:buChar char="•"/>
-            </a:pPr>
-            <a:r>
-              <a:rPr lang="en-US" dirty="0">
-                <a:latin typeface="Quicksand" pitchFamily="2" charset="77"/>
-              </a:rPr>
-              <a:t>Overview of </a:t>
-            </a:r>
-            <a:r>
-              <a:rPr lang="en-US" dirty="0" err="1">
-                <a:latin typeface="Quicksand" pitchFamily="2" charset="77"/>
-              </a:rPr>
-              <a:t>Keras</a:t>
-            </a:r>
-            <a:r>
-              <a:rPr lang="en-US" dirty="0">
-                <a:latin typeface="Quicksand" pitchFamily="2" charset="77"/>
-              </a:rPr>
-              <a:t> and </a:t>
-            </a:r>
-            <a:r>
-              <a:rPr lang="en-US" dirty="0" err="1">
-                <a:latin typeface="Quicksand" pitchFamily="2" charset="77"/>
-              </a:rPr>
-              <a:t>Tensorflow</a:t>
-            </a:r>
-            <a:r>
-              <a:rPr lang="en-US" dirty="0">
-                <a:latin typeface="Quicksand" pitchFamily="2" charset="77"/>
-              </a:rPr>
-              <a:t>.</a:t>
-            </a:r>
-          </a:p>
-          <a:p>
-            <a:pPr marL="628650" lvl="1" indent="-171450">
-              <a:buFont typeface="Arial" panose="020B0604020202020204" pitchFamily="34" charset="0"/>
-              <a:buChar char="•"/>
-            </a:pPr>
-            <a:r>
-              <a:rPr lang="en-US" dirty="0">
-                <a:latin typeface="Quicksand" pitchFamily="2" charset="77"/>
-              </a:rPr>
-              <a:t>Implementing a linear classifier in </a:t>
-            </a:r>
-            <a:r>
-              <a:rPr lang="en-US" dirty="0" err="1">
-                <a:latin typeface="Quicksand" pitchFamily="2" charset="77"/>
-              </a:rPr>
-              <a:t>Keras</a:t>
-            </a:r>
-            <a:r>
-              <a:rPr lang="en-US" dirty="0">
-                <a:latin typeface="Quicksand" pitchFamily="2" charset="77"/>
-              </a:rPr>
-              <a:t> (now that we know the components).</a:t>
-            </a:r>
-          </a:p>
-          <a:p>
-            <a:pPr marL="171450" indent="-171450">
-              <a:buFont typeface="Arial" panose="020B0604020202020204" pitchFamily="34" charset="0"/>
-              <a:buChar char="•"/>
-            </a:pPr>
-            <a:endParaRPr lang="en-US" sz="1400" dirty="0">
-              <a:latin typeface="Quicksand" pitchFamily="2" charset="77"/>
-            </a:endParaRPr>
-          </a:p>
-        </p:txBody>
-      </p:sp>
-    </p:spTree>
-    <p:extLst>
-      <p:ext uri="{BB962C8B-B14F-4D97-AF65-F5344CB8AC3E}">
-        <p14:creationId xmlns:p14="http://schemas.microsoft.com/office/powerpoint/2010/main" val="2398758055"/>
-      </p:ext>
-    </p:extLst>
-  </p:cSld>
-  <p:clrMapOvr>
-    <a:masterClrMapping/>
-  </p:clrMapOvr>
-</p:sld>
-</file>
-
-<file path=ppt/slides/slide20.xml><?xml version="1.0" encoding="utf-8"?>
+<file path=ppt/slides/slide22.xml><?xml version="1.0" encoding="utf-8"?>
 <p:sld xmlns:a="http://schemas.openxmlformats.org/drawingml/2006/main" xmlns:r="http://schemas.openxmlformats.org/officeDocument/2006/relationships" xmlns:p="http://schemas.openxmlformats.org/presentationml/2006/main">
   <p:cSld>
     <p:spTree>
@@ -10678,7 +11689,7 @@
           <a:p>
             <a:fld id="{5F85BDAF-76E7-5E4A-80A9-F732B06DC713}" type="slidenum">
               <a:rPr lang="en-US" smtClean="0"/>
-              <a:t>20</a:t>
+              <a:t>22</a:t>
             </a:fld>
             <a:endParaRPr lang="en-US"/>
           </a:p>
@@ -11681,7 +12692,7 @@
 </p:sld>
 </file>
 
-<file path=ppt/slides/slide21.xml><?xml version="1.0" encoding="utf-8"?>
+<file path=ppt/slides/slide23.xml><?xml version="1.0" encoding="utf-8"?>
 <p:sld xmlns:a="http://schemas.openxmlformats.org/drawingml/2006/main" xmlns:r="http://schemas.openxmlformats.org/officeDocument/2006/relationships" xmlns:p="http://schemas.openxmlformats.org/presentationml/2006/main">
   <p:cSld>
     <p:bg>
@@ -11729,7 +12740,7 @@
           <a:p>
             <a:fld id="{5F85BDAF-76E7-5E4A-80A9-F732B06DC713}" type="slidenum">
               <a:rPr lang="en-US" smtClean="0"/>
-              <a:t>21</a:t>
+              <a:t>23</a:t>
             </a:fld>
             <a:endParaRPr lang="en-US"/>
           </a:p>
@@ -12853,7 +13864,7 @@
 </p:sld>
 </file>
 
-<file path=ppt/slides/slide22.xml><?xml version="1.0" encoding="utf-8"?>
+<file path=ppt/slides/slide24.xml><?xml version="1.0" encoding="utf-8"?>
 <p:sld xmlns:a="http://schemas.openxmlformats.org/drawingml/2006/main" xmlns:r="http://schemas.openxmlformats.org/officeDocument/2006/relationships" xmlns:p="http://schemas.openxmlformats.org/presentationml/2006/main">
   <p:cSld>
     <p:bg>
@@ -12901,7 +13912,7 @@
           <a:p>
             <a:fld id="{5F85BDAF-76E7-5E4A-80A9-F732B06DC713}" type="slidenum">
               <a:rPr lang="en-US" smtClean="0"/>
-              <a:t>22</a:t>
+              <a:t>24</a:t>
             </a:fld>
             <a:endParaRPr lang="en-US"/>
           </a:p>
@@ -14214,7 +15225,7 @@
 </p:sld>
 </file>
 
-<file path=ppt/slides/slide23.xml><?xml version="1.0" encoding="utf-8"?>
+<file path=ppt/slides/slide25.xml><?xml version="1.0" encoding="utf-8"?>
 <p:sld xmlns:a="http://schemas.openxmlformats.org/drawingml/2006/main" xmlns:r="http://schemas.openxmlformats.org/officeDocument/2006/relationships" xmlns:p="http://schemas.openxmlformats.org/presentationml/2006/main">
   <p:cSld>
     <p:bg>
@@ -14262,7 +15273,7 @@
           <a:p>
             <a:fld id="{5F85BDAF-76E7-5E4A-80A9-F732B06DC713}" type="slidenum">
               <a:rPr lang="en-US" smtClean="0"/>
-              <a:t>23</a:t>
+              <a:t>25</a:t>
             </a:fld>
             <a:endParaRPr lang="en-US"/>
           </a:p>
@@ -15940,7 +16951,7 @@
 </p:sld>
 </file>
 
-<file path=ppt/slides/slide24.xml><?xml version="1.0" encoding="utf-8"?>
+<file path=ppt/slides/slide26.xml><?xml version="1.0" encoding="utf-8"?>
 <p:sld xmlns:a="http://schemas.openxmlformats.org/drawingml/2006/main" xmlns:r="http://schemas.openxmlformats.org/officeDocument/2006/relationships" xmlns:p="http://schemas.openxmlformats.org/presentationml/2006/main">
   <p:cSld>
     <p:bg>
@@ -15988,7 +16999,7 @@
           <a:p>
             <a:fld id="{5F85BDAF-76E7-5E4A-80A9-F732B06DC713}" type="slidenum">
               <a:rPr lang="en-US" smtClean="0"/>
-              <a:t>24</a:t>
+              <a:t>26</a:t>
             </a:fld>
             <a:endParaRPr lang="en-US"/>
           </a:p>
@@ -17811,7 +18822,7 @@
 </p:sld>
 </file>
 
-<file path=ppt/slides/slide25.xml><?xml version="1.0" encoding="utf-8"?>
+<file path=ppt/slides/slide27.xml><?xml version="1.0" encoding="utf-8"?>
 <p:sld xmlns:a="http://schemas.openxmlformats.org/drawingml/2006/main" xmlns:r="http://schemas.openxmlformats.org/officeDocument/2006/relationships" xmlns:p="http://schemas.openxmlformats.org/presentationml/2006/main">
   <p:cSld>
     <p:bg>
@@ -17859,7 +18870,7 @@
           <a:p>
             <a:fld id="{5F85BDAF-76E7-5E4A-80A9-F732B06DC713}" type="slidenum">
               <a:rPr lang="en-US" smtClean="0"/>
-              <a:t>25</a:t>
+              <a:t>27</a:t>
             </a:fld>
             <a:endParaRPr lang="en-US"/>
           </a:p>
@@ -19797,7 +20808,7 @@
 </p:sld>
 </file>
 
-<file path=ppt/slides/slide26.xml><?xml version="1.0" encoding="utf-8"?>
+<file path=ppt/slides/slide28.xml><?xml version="1.0" encoding="utf-8"?>
 <p:sld xmlns:a="http://schemas.openxmlformats.org/drawingml/2006/main" xmlns:r="http://schemas.openxmlformats.org/officeDocument/2006/relationships" xmlns:p="http://schemas.openxmlformats.org/presentationml/2006/main">
   <p:cSld>
     <p:bg>
@@ -19845,7 +20856,7 @@
           <a:p>
             <a:fld id="{5F85BDAF-76E7-5E4A-80A9-F732B06DC713}" type="slidenum">
               <a:rPr lang="en-US" smtClean="0"/>
-              <a:t>26</a:t>
+              <a:t>28</a:t>
             </a:fld>
             <a:endParaRPr lang="en-US"/>
           </a:p>
@@ -21964,7 +22975,7 @@
 </p:sld>
 </file>
 
-<file path=ppt/slides/slide27.xml><?xml version="1.0" encoding="utf-8"?>
+<file path=ppt/slides/slide29.xml><?xml version="1.0" encoding="utf-8"?>
 <p:sld xmlns:a="http://schemas.openxmlformats.org/drawingml/2006/main" xmlns:r="http://schemas.openxmlformats.org/officeDocument/2006/relationships" xmlns:p="http://schemas.openxmlformats.org/presentationml/2006/main">
   <p:cSld>
     <p:bg>
@@ -24200,7 +25211,148 @@
 </p:sld>
 </file>
 
-<file path=ppt/slides/slide28.xml><?xml version="1.0" encoding="utf-8"?>
+<file path=ppt/slides/slide3.xml><?xml version="1.0" encoding="utf-8"?>
+<p:sld xmlns:a="http://schemas.openxmlformats.org/drawingml/2006/main" xmlns:r="http://schemas.openxmlformats.org/officeDocument/2006/relationships" xmlns:p="http://schemas.openxmlformats.org/presentationml/2006/main">
+  <p:cSld>
+    <p:spTree>
+      <p:nvGrpSpPr>
+        <p:cNvPr id="1" name=""/>
+        <p:cNvGrpSpPr/>
+        <p:nvPr/>
+      </p:nvGrpSpPr>
+      <p:grpSpPr>
+        <a:xfrm>
+          <a:off x="0" y="0"/>
+          <a:ext cx="0" cy="0"/>
+          <a:chOff x="0" y="0"/>
+          <a:chExt cx="0" cy="0"/>
+        </a:xfrm>
+      </p:grpSpPr>
+      <p:pic>
+        <p:nvPicPr>
+          <p:cNvPr id="5122" name="Picture 2" descr="Tensor Processing Units (TPUs) Documentation | Kaggle">
+            <a:extLst>
+              <a:ext uri="{FF2B5EF4-FFF2-40B4-BE49-F238E27FC236}">
+                <a16:creationId xmlns:a16="http://schemas.microsoft.com/office/drawing/2014/main" id="{E952E92C-4443-D748-820B-149D922B1110}"/>
+              </a:ext>
+            </a:extLst>
+          </p:cNvPr>
+          <p:cNvPicPr>
+            <a:picLocks noChangeAspect="1" noChangeArrowheads="1"/>
+          </p:cNvPicPr>
+          <p:nvPr/>
+        </p:nvPicPr>
+        <p:blipFill rotWithShape="1">
+          <a:blip r:embed="rId2">
+            <a:extLst>
+              <a:ext uri="{28A0092B-C50C-407E-A947-70E740481C1C}">
+                <a14:useLocalDpi xmlns:a14="http://schemas.microsoft.com/office/drawing/2010/main" val="0"/>
+              </a:ext>
+            </a:extLst>
+          </a:blip>
+          <a:srcRect t="3933" b="3933"/>
+          <a:stretch/>
+        </p:blipFill>
+        <p:spPr bwMode="auto">
+          <a:xfrm>
+            <a:off x="0" y="0"/>
+            <a:ext cx="12192000" cy="6858000"/>
+          </a:xfrm>
+          <a:prstGeom prst="rect">
+            <a:avLst/>
+          </a:prstGeom>
+          <a:noFill/>
+          <a:extLst>
+            <a:ext uri="{909E8E84-426E-40DD-AFC4-6F175D3DCCD1}">
+              <a14:hiddenFill xmlns:a14="http://schemas.microsoft.com/office/drawing/2010/main">
+                <a:solidFill>
+                  <a:srgbClr val="FFFFFF"/>
+                </a:solidFill>
+              </a14:hiddenFill>
+            </a:ext>
+          </a:extLst>
+        </p:spPr>
+      </p:pic>
+      <p:sp>
+        <p:nvSpPr>
+          <p:cNvPr id="4" name="Slide Number Placeholder 3">
+            <a:extLst>
+              <a:ext uri="{FF2B5EF4-FFF2-40B4-BE49-F238E27FC236}">
+                <a16:creationId xmlns:a16="http://schemas.microsoft.com/office/drawing/2014/main" id="{52216466-FE71-474B-932E-2DC4D954C353}"/>
+              </a:ext>
+            </a:extLst>
+          </p:cNvPr>
+          <p:cNvSpPr>
+            <a:spLocks noGrp="1"/>
+          </p:cNvSpPr>
+          <p:nvPr>
+            <p:ph type="sldNum" sz="quarter" idx="12"/>
+          </p:nvPr>
+        </p:nvSpPr>
+        <p:spPr/>
+        <p:txBody>
+          <a:bodyPr/>
+          <a:lstStyle/>
+          <a:p>
+            <a:fld id="{5F85BDAF-76E7-5E4A-80A9-F732B06DC713}" type="slidenum">
+              <a:rPr lang="en-US" smtClean="0"/>
+              <a:t>3</a:t>
+            </a:fld>
+            <a:endParaRPr lang="en-US"/>
+          </a:p>
+        </p:txBody>
+      </p:sp>
+      <p:sp>
+        <p:nvSpPr>
+          <p:cNvPr id="6" name="TextBox 5">
+            <a:extLst>
+              <a:ext uri="{FF2B5EF4-FFF2-40B4-BE49-F238E27FC236}">
+                <a16:creationId xmlns:a16="http://schemas.microsoft.com/office/drawing/2014/main" id="{3CA8BE2E-C971-034B-9D97-DF1032F4D598}"/>
+              </a:ext>
+            </a:extLst>
+          </p:cNvPr>
+          <p:cNvSpPr txBox="1"/>
+          <p:nvPr/>
+        </p:nvSpPr>
+        <p:spPr>
+          <a:xfrm>
+            <a:off x="959603" y="487786"/>
+            <a:ext cx="6460957" cy="923330"/>
+          </a:xfrm>
+          <a:prstGeom prst="rect">
+            <a:avLst/>
+          </a:prstGeom>
+          <a:noFill/>
+        </p:spPr>
+        <p:txBody>
+          <a:bodyPr wrap="square" rtlCol="0">
+            <a:spAutoFit/>
+          </a:bodyPr>
+          <a:lstStyle/>
+          <a:p>
+            <a:r>
+              <a:rPr lang="en-US" sz="5400" dirty="0">
+                <a:latin typeface="Economica" panose="02000506040000020004" pitchFamily="2" charset="77"/>
+              </a:rPr>
+              <a:t>TPUs</a:t>
+            </a:r>
+          </a:p>
+        </p:txBody>
+      </p:sp>
+    </p:spTree>
+    <p:extLst>
+      <p:ext uri="{BB962C8B-B14F-4D97-AF65-F5344CB8AC3E}">
+        <p14:creationId xmlns:p14="http://schemas.microsoft.com/office/powerpoint/2010/main" val="2364460384"/>
+      </p:ext>
+    </p:extLst>
+  </p:cSld>
+  <p:clrMapOvr>
+    <a:masterClrMapping/>
+  </p:clrMapOvr>
+</p:sld>
+</file>
+
+<file path=ppt/slides/slide30.xml><?xml version="1.0" encoding="utf-8"?>
 <p:sld xmlns:a="http://schemas.openxmlformats.org/drawingml/2006/main" xmlns:r="http://schemas.openxmlformats.org/officeDocument/2006/relationships" xmlns:p="http://schemas.openxmlformats.org/presentationml/2006/main">
   <p:cSld>
     <p:bg>
@@ -27189,7 +28341,7 @@
 </p:sld>
 </file>
 
-<file path=ppt/slides/slide29.xml><?xml version="1.0" encoding="utf-8"?>
+<file path=ppt/slides/slide31.xml><?xml version="1.0" encoding="utf-8"?>
 <p:sld xmlns:a="http://schemas.openxmlformats.org/drawingml/2006/main" xmlns:r="http://schemas.openxmlformats.org/officeDocument/2006/relationships" xmlns:p="http://schemas.openxmlformats.org/presentationml/2006/main">
   <p:cSld>
     <p:bg>
@@ -29253,148 +30405,7 @@
 </p:sld>
 </file>
 
-<file path=ppt/slides/slide3.xml><?xml version="1.0" encoding="utf-8"?>
-<p:sld xmlns:a="http://schemas.openxmlformats.org/drawingml/2006/main" xmlns:r="http://schemas.openxmlformats.org/officeDocument/2006/relationships" xmlns:p="http://schemas.openxmlformats.org/presentationml/2006/main">
-  <p:cSld>
-    <p:spTree>
-      <p:nvGrpSpPr>
-        <p:cNvPr id="1" name=""/>
-        <p:cNvGrpSpPr/>
-        <p:nvPr/>
-      </p:nvGrpSpPr>
-      <p:grpSpPr>
-        <a:xfrm>
-          <a:off x="0" y="0"/>
-          <a:ext cx="0" cy="0"/>
-          <a:chOff x="0" y="0"/>
-          <a:chExt cx="0" cy="0"/>
-        </a:xfrm>
-      </p:grpSpPr>
-      <p:pic>
-        <p:nvPicPr>
-          <p:cNvPr id="5122" name="Picture 2" descr="Tensor Processing Units (TPUs) Documentation | Kaggle">
-            <a:extLst>
-              <a:ext uri="{FF2B5EF4-FFF2-40B4-BE49-F238E27FC236}">
-                <a16:creationId xmlns:a16="http://schemas.microsoft.com/office/drawing/2014/main" id="{E952E92C-4443-D748-820B-149D922B1110}"/>
-              </a:ext>
-            </a:extLst>
-          </p:cNvPr>
-          <p:cNvPicPr>
-            <a:picLocks noChangeAspect="1" noChangeArrowheads="1"/>
-          </p:cNvPicPr>
-          <p:nvPr/>
-        </p:nvPicPr>
-        <p:blipFill rotWithShape="1">
-          <a:blip r:embed="rId2">
-            <a:extLst>
-              <a:ext uri="{28A0092B-C50C-407E-A947-70E740481C1C}">
-                <a14:useLocalDpi xmlns:a14="http://schemas.microsoft.com/office/drawing/2010/main" val="0"/>
-              </a:ext>
-            </a:extLst>
-          </a:blip>
-          <a:srcRect t="3933" b="3933"/>
-          <a:stretch/>
-        </p:blipFill>
-        <p:spPr bwMode="auto">
-          <a:xfrm>
-            <a:off x="0" y="0"/>
-            <a:ext cx="12192000" cy="6858000"/>
-          </a:xfrm>
-          <a:prstGeom prst="rect">
-            <a:avLst/>
-          </a:prstGeom>
-          <a:noFill/>
-          <a:extLst>
-            <a:ext uri="{909E8E84-426E-40DD-AFC4-6F175D3DCCD1}">
-              <a14:hiddenFill xmlns:a14="http://schemas.microsoft.com/office/drawing/2010/main">
-                <a:solidFill>
-                  <a:srgbClr val="FFFFFF"/>
-                </a:solidFill>
-              </a14:hiddenFill>
-            </a:ext>
-          </a:extLst>
-        </p:spPr>
-      </p:pic>
-      <p:sp>
-        <p:nvSpPr>
-          <p:cNvPr id="4" name="Slide Number Placeholder 3">
-            <a:extLst>
-              <a:ext uri="{FF2B5EF4-FFF2-40B4-BE49-F238E27FC236}">
-                <a16:creationId xmlns:a16="http://schemas.microsoft.com/office/drawing/2014/main" id="{52216466-FE71-474B-932E-2DC4D954C353}"/>
-              </a:ext>
-            </a:extLst>
-          </p:cNvPr>
-          <p:cNvSpPr>
-            <a:spLocks noGrp="1"/>
-          </p:cNvSpPr>
-          <p:nvPr>
-            <p:ph type="sldNum" sz="quarter" idx="12"/>
-          </p:nvPr>
-        </p:nvSpPr>
-        <p:spPr/>
-        <p:txBody>
-          <a:bodyPr/>
-          <a:lstStyle/>
-          <a:p>
-            <a:fld id="{5F85BDAF-76E7-5E4A-80A9-F732B06DC713}" type="slidenum">
-              <a:rPr lang="en-US" smtClean="0"/>
-              <a:t>3</a:t>
-            </a:fld>
-            <a:endParaRPr lang="en-US"/>
-          </a:p>
-        </p:txBody>
-      </p:sp>
-      <p:sp>
-        <p:nvSpPr>
-          <p:cNvPr id="6" name="TextBox 5">
-            <a:extLst>
-              <a:ext uri="{FF2B5EF4-FFF2-40B4-BE49-F238E27FC236}">
-                <a16:creationId xmlns:a16="http://schemas.microsoft.com/office/drawing/2014/main" id="{3CA8BE2E-C971-034B-9D97-DF1032F4D598}"/>
-              </a:ext>
-            </a:extLst>
-          </p:cNvPr>
-          <p:cNvSpPr txBox="1"/>
-          <p:nvPr/>
-        </p:nvSpPr>
-        <p:spPr>
-          <a:xfrm>
-            <a:off x="959603" y="487786"/>
-            <a:ext cx="6460957" cy="923330"/>
-          </a:xfrm>
-          <a:prstGeom prst="rect">
-            <a:avLst/>
-          </a:prstGeom>
-          <a:noFill/>
-        </p:spPr>
-        <p:txBody>
-          <a:bodyPr wrap="square" rtlCol="0">
-            <a:spAutoFit/>
-          </a:bodyPr>
-          <a:lstStyle/>
-          <a:p>
-            <a:r>
-              <a:rPr lang="en-US" sz="5400" dirty="0">
-                <a:latin typeface="Economica" panose="02000506040000020004" pitchFamily="2" charset="77"/>
-              </a:rPr>
-              <a:t>TPUs</a:t>
-            </a:r>
-          </a:p>
-        </p:txBody>
-      </p:sp>
-    </p:spTree>
-    <p:extLst>
-      <p:ext uri="{BB962C8B-B14F-4D97-AF65-F5344CB8AC3E}">
-        <p14:creationId xmlns:p14="http://schemas.microsoft.com/office/powerpoint/2010/main" val="2364460384"/>
-      </p:ext>
-    </p:extLst>
-  </p:cSld>
-  <p:clrMapOvr>
-    <a:masterClrMapping/>
-  </p:clrMapOvr>
-</p:sld>
-</file>
-
-<file path=ppt/slides/slide30.xml><?xml version="1.0" encoding="utf-8"?>
+<file path=ppt/slides/slide32.xml><?xml version="1.0" encoding="utf-8"?>
 <p:sld xmlns:a="http://schemas.openxmlformats.org/drawingml/2006/main" xmlns:r="http://schemas.openxmlformats.org/officeDocument/2006/relationships" xmlns:p="http://schemas.openxmlformats.org/presentationml/2006/main">
   <p:cSld>
     <p:spTree>
@@ -29434,7 +30445,7 @@
           <a:p>
             <a:fld id="{5F85BDAF-76E7-5E4A-80A9-F732B06DC713}" type="slidenum">
               <a:rPr lang="en-US" smtClean="0"/>
-              <a:t>30</a:t>
+              <a:t>32</a:t>
             </a:fld>
             <a:endParaRPr lang="en-US"/>
           </a:p>
@@ -29709,7 +30720,7 @@
 </p:sld>
 </file>
 
-<file path=ppt/slides/slide31.xml><?xml version="1.0" encoding="utf-8"?>
+<file path=ppt/slides/slide33.xml><?xml version="1.0" encoding="utf-8"?>
 <p:sld xmlns:a="http://schemas.openxmlformats.org/drawingml/2006/main" xmlns:r="http://schemas.openxmlformats.org/officeDocument/2006/relationships" xmlns:p="http://schemas.openxmlformats.org/presentationml/2006/main">
   <p:cSld>
     <p:spTree>
@@ -29749,7 +30760,7 @@
           <a:p>
             <a:fld id="{5F85BDAF-76E7-5E4A-80A9-F732B06DC713}" type="slidenum">
               <a:rPr lang="en-US" smtClean="0"/>
-              <a:t>31</a:t>
+              <a:t>33</a:t>
             </a:fld>
             <a:endParaRPr lang="en-US"/>
           </a:p>
@@ -29972,7 +30983,7 @@
 </p:sld>
 </file>
 
-<file path=ppt/slides/slide32.xml><?xml version="1.0" encoding="utf-8"?>
+<file path=ppt/slides/slide34.xml><?xml version="1.0" encoding="utf-8"?>
 <p:sld xmlns:a="http://schemas.openxmlformats.org/drawingml/2006/main" xmlns:r="http://schemas.openxmlformats.org/officeDocument/2006/relationships" xmlns:p="http://schemas.openxmlformats.org/presentationml/2006/main">
   <p:cSld>
     <p:spTree>
@@ -30012,7 +31023,7 @@
           <a:p>
             <a:fld id="{5F85BDAF-76E7-5E4A-80A9-F732B06DC713}" type="slidenum">
               <a:rPr lang="en-US" smtClean="0"/>
-              <a:t>32</a:t>
+              <a:t>34</a:t>
             </a:fld>
             <a:endParaRPr lang="en-US"/>
           </a:p>
@@ -30244,7 +31255,556 @@
 </p:sld>
 </file>
 
-<file path=ppt/slides/slide33.xml><?xml version="1.0" encoding="utf-8"?>
+<file path=ppt/slides/slide35.xml><?xml version="1.0" encoding="utf-8"?>
+<p:sld xmlns:a="http://schemas.openxmlformats.org/drawingml/2006/main" xmlns:r="http://schemas.openxmlformats.org/officeDocument/2006/relationships" xmlns:p="http://schemas.openxmlformats.org/presentationml/2006/main">
+  <p:cSld>
+    <p:spTree>
+      <p:nvGrpSpPr>
+        <p:cNvPr id="1" name=""/>
+        <p:cNvGrpSpPr/>
+        <p:nvPr/>
+      </p:nvGrpSpPr>
+      <p:grpSpPr>
+        <a:xfrm>
+          <a:off x="0" y="0"/>
+          <a:ext cx="0" cy="0"/>
+          <a:chOff x="0" y="0"/>
+          <a:chExt cx="0" cy="0"/>
+        </a:xfrm>
+      </p:grpSpPr>
+      <p:sp>
+        <p:nvSpPr>
+          <p:cNvPr id="4" name="Slide Number Placeholder 3">
+            <a:extLst>
+              <a:ext uri="{FF2B5EF4-FFF2-40B4-BE49-F238E27FC236}">
+                <a16:creationId xmlns:a16="http://schemas.microsoft.com/office/drawing/2014/main" id="{0B5E4CF9-A880-494D-A159-470F1B8BFB79}"/>
+              </a:ext>
+            </a:extLst>
+          </p:cNvPr>
+          <p:cNvSpPr>
+            <a:spLocks noGrp="1"/>
+          </p:cNvSpPr>
+          <p:nvPr>
+            <p:ph type="sldNum" sz="quarter" idx="12"/>
+          </p:nvPr>
+        </p:nvSpPr>
+        <p:spPr/>
+        <p:txBody>
+          <a:bodyPr/>
+          <a:lstStyle/>
+          <a:p>
+            <a:fld id="{5F85BDAF-76E7-5E4A-80A9-F732B06DC713}" type="slidenum">
+              <a:rPr lang="en-US" smtClean="0"/>
+              <a:t>35</a:t>
+            </a:fld>
+            <a:endParaRPr lang="en-US"/>
+          </a:p>
+        </p:txBody>
+      </p:sp>
+      <p:sp>
+        <p:nvSpPr>
+          <p:cNvPr id="5" name="TextBox 4">
+            <a:extLst>
+              <a:ext uri="{FF2B5EF4-FFF2-40B4-BE49-F238E27FC236}">
+                <a16:creationId xmlns:a16="http://schemas.microsoft.com/office/drawing/2014/main" id="{66017FFC-90AC-7943-A427-7919B7EFCD5A}"/>
+              </a:ext>
+            </a:extLst>
+          </p:cNvPr>
+          <p:cNvSpPr txBox="1"/>
+          <p:nvPr/>
+        </p:nvSpPr>
+        <p:spPr>
+          <a:xfrm>
+            <a:off x="2055613" y="613442"/>
+            <a:ext cx="8080774" cy="923330"/>
+          </a:xfrm>
+          <a:prstGeom prst="rect">
+            <a:avLst/>
+          </a:prstGeom>
+          <a:noFill/>
+        </p:spPr>
+        <p:txBody>
+          <a:bodyPr wrap="square" rtlCol="0">
+            <a:spAutoFit/>
+          </a:bodyPr>
+          <a:lstStyle/>
+          <a:p>
+            <a:pPr algn="ctr"/>
+            <a:r>
+              <a:rPr lang="en-US" sz="5400" dirty="0">
+                <a:latin typeface="Economica" panose="02000506040000020004" pitchFamily="2" charset="77"/>
+              </a:rPr>
+              <a:t>Sequential vs. Functional API</a:t>
+            </a:r>
+          </a:p>
+        </p:txBody>
+      </p:sp>
+      <p:sp>
+        <p:nvSpPr>
+          <p:cNvPr id="6" name="TextBox 5">
+            <a:extLst>
+              <a:ext uri="{FF2B5EF4-FFF2-40B4-BE49-F238E27FC236}">
+                <a16:creationId xmlns:a16="http://schemas.microsoft.com/office/drawing/2014/main" id="{1878285F-4D88-EE4A-BBF5-E394C3312294}"/>
+              </a:ext>
+            </a:extLst>
+          </p:cNvPr>
+          <p:cNvSpPr txBox="1"/>
+          <p:nvPr/>
+        </p:nvSpPr>
+        <p:spPr>
+          <a:xfrm>
+            <a:off x="890337" y="1940249"/>
+            <a:ext cx="10016362" cy="2800767"/>
+          </a:xfrm>
+          <a:prstGeom prst="rect">
+            <a:avLst/>
+          </a:prstGeom>
+          <a:noFill/>
+        </p:spPr>
+        <p:txBody>
+          <a:bodyPr wrap="square" rtlCol="0">
+            <a:spAutoFit/>
+          </a:bodyPr>
+          <a:lstStyle/>
+          <a:p>
+            <a:r>
+              <a:rPr lang="en-US" sz="2000" b="1" dirty="0">
+                <a:latin typeface="Quicksand" pitchFamily="2" charset="77"/>
+              </a:rPr>
+              <a:t>We Have Only Used Sequential API So Far</a:t>
+            </a:r>
+          </a:p>
+          <a:p>
+            <a:pPr marL="171450" indent="-171450">
+              <a:buFont typeface="Arial" panose="020B0604020202020204" pitchFamily="34" charset="0"/>
+              <a:buChar char="•"/>
+            </a:pPr>
+            <a:endParaRPr lang="en-US" sz="1400" dirty="0">
+              <a:latin typeface="Quicksand" pitchFamily="2" charset="77"/>
+            </a:endParaRPr>
+          </a:p>
+          <a:p>
+            <a:pPr marL="628650" lvl="1" indent="-171450">
+              <a:buFont typeface="Arial" panose="020B0604020202020204" pitchFamily="34" charset="0"/>
+              <a:buChar char="•"/>
+            </a:pPr>
+            <a:r>
+              <a:rPr lang="en-US" dirty="0">
+                <a:latin typeface="Quicksand" pitchFamily="2" charset="77"/>
+              </a:rPr>
+              <a:t>Sequential is easy to work with but is also very inflexible. Can only really handle basic feed-forward networks. It automatically figures out the shape of each layer’s output tensor and specifies the next layer’s input shape accordingly. </a:t>
+            </a:r>
+          </a:p>
+          <a:p>
+            <a:pPr marL="628650" lvl="1" indent="-171450">
+              <a:buFont typeface="Arial" panose="020B0604020202020204" pitchFamily="34" charset="0"/>
+              <a:buChar char="•"/>
+            </a:pPr>
+            <a:endParaRPr lang="en-US" dirty="0">
+              <a:latin typeface="Quicksand" pitchFamily="2" charset="77"/>
+            </a:endParaRPr>
+          </a:p>
+          <a:p>
+            <a:r>
+              <a:rPr lang="en-US" sz="2000" b="1" dirty="0">
+                <a:latin typeface="Quicksand" pitchFamily="2" charset="77"/>
+              </a:rPr>
+              <a:t>Functional API Let’s You Construct Any Topology You Want</a:t>
+            </a:r>
+          </a:p>
+          <a:p>
+            <a:pPr marL="171450" indent="-171450">
+              <a:buFont typeface="Arial" panose="020B0604020202020204" pitchFamily="34" charset="0"/>
+              <a:buChar char="•"/>
+            </a:pPr>
+            <a:endParaRPr lang="en-US" sz="1400" dirty="0">
+              <a:latin typeface="Quicksand" pitchFamily="2" charset="77"/>
+            </a:endParaRPr>
+          </a:p>
+          <a:p>
+            <a:pPr marL="628650" lvl="1" indent="-171450">
+              <a:buFont typeface="Arial" panose="020B0604020202020204" pitchFamily="34" charset="0"/>
+              <a:buChar char="•"/>
+            </a:pPr>
+            <a:r>
+              <a:rPr lang="en-US" dirty="0">
+                <a:latin typeface="Quicksand" pitchFamily="2" charset="77"/>
+              </a:rPr>
+              <a:t>But – we will look at the difference in how each API is used, syntactically. </a:t>
+            </a:r>
+          </a:p>
+          <a:p>
+            <a:pPr marL="628650" lvl="1" indent="-171450">
+              <a:buFont typeface="Arial" panose="020B0604020202020204" pitchFamily="34" charset="0"/>
+              <a:buChar char="•"/>
+            </a:pPr>
+            <a:endParaRPr lang="en-US" dirty="0">
+              <a:latin typeface="Quicksand" pitchFamily="2" charset="77"/>
+            </a:endParaRPr>
+          </a:p>
+        </p:txBody>
+      </p:sp>
+      <p:grpSp>
+        <p:nvGrpSpPr>
+          <p:cNvPr id="15" name="Group 14">
+            <a:extLst>
+              <a:ext uri="{FF2B5EF4-FFF2-40B4-BE49-F238E27FC236}">
+                <a16:creationId xmlns:a16="http://schemas.microsoft.com/office/drawing/2014/main" id="{E71D65D7-CAE0-A54A-AFCE-26B097572345}"/>
+              </a:ext>
+            </a:extLst>
+          </p:cNvPr>
+          <p:cNvGrpSpPr/>
+          <p:nvPr/>
+        </p:nvGrpSpPr>
+        <p:grpSpPr>
+          <a:xfrm>
+            <a:off x="2223686" y="4908692"/>
+            <a:ext cx="7912701" cy="1816990"/>
+            <a:chOff x="2223686" y="4908692"/>
+            <a:chExt cx="7912701" cy="1816990"/>
+          </a:xfrm>
+        </p:grpSpPr>
+        <p:grpSp>
+          <p:nvGrpSpPr>
+            <p:cNvPr id="10" name="Group 9">
+              <a:extLst>
+                <a:ext uri="{FF2B5EF4-FFF2-40B4-BE49-F238E27FC236}">
+                  <a16:creationId xmlns:a16="http://schemas.microsoft.com/office/drawing/2014/main" id="{437D0A63-4FA2-104C-BE52-7B530D58BE96}"/>
+                </a:ext>
+              </a:extLst>
+            </p:cNvPr>
+            <p:cNvGrpSpPr/>
+            <p:nvPr/>
+          </p:nvGrpSpPr>
+          <p:grpSpPr>
+            <a:xfrm>
+              <a:off x="2880987" y="5102819"/>
+              <a:ext cx="6676372" cy="1127668"/>
+              <a:chOff x="2880987" y="5411244"/>
+              <a:chExt cx="6676372" cy="1127668"/>
+            </a:xfrm>
+          </p:grpSpPr>
+          <p:sp>
+            <p:nvSpPr>
+              <p:cNvPr id="9" name="Right Triangle 8">
+                <a:extLst>
+                  <a:ext uri="{FF2B5EF4-FFF2-40B4-BE49-F238E27FC236}">
+                    <a16:creationId xmlns:a16="http://schemas.microsoft.com/office/drawing/2014/main" id="{474E1439-AE5C-874E-B395-2AACEB343E22}"/>
+                  </a:ext>
+                </a:extLst>
+              </p:cNvPr>
+              <p:cNvSpPr/>
+              <p:nvPr/>
+            </p:nvSpPr>
+            <p:spPr>
+              <a:xfrm>
+                <a:off x="2918564" y="5411244"/>
+                <a:ext cx="6538587" cy="1127668"/>
+              </a:xfrm>
+              <a:prstGeom prst="rtTriangle">
+                <a:avLst/>
+              </a:prstGeom>
+              <a:solidFill>
+                <a:schemeClr val="accent1">
+                  <a:alpha val="26555"/>
+                </a:schemeClr>
+              </a:solidFill>
+              <a:ln>
+                <a:noFill/>
+              </a:ln>
+            </p:spPr>
+            <p:style>
+              <a:lnRef idx="2">
+                <a:schemeClr val="accent1">
+                  <a:shade val="50000"/>
+                </a:schemeClr>
+              </a:lnRef>
+              <a:fillRef idx="1">
+                <a:schemeClr val="accent1"/>
+              </a:fillRef>
+              <a:effectRef idx="0">
+                <a:schemeClr val="accent1"/>
+              </a:effectRef>
+              <a:fontRef idx="minor">
+                <a:schemeClr val="lt1"/>
+              </a:fontRef>
+            </p:style>
+            <p:txBody>
+              <a:bodyPr rtlCol="0" anchor="ctr"/>
+              <a:lstStyle/>
+              <a:p>
+                <a:pPr algn="ctr"/>
+                <a:endParaRPr lang="en-US"/>
+              </a:p>
+            </p:txBody>
+          </p:sp>
+          <p:cxnSp>
+            <p:nvCxnSpPr>
+              <p:cNvPr id="7" name="Straight Arrow Connector 6">
+                <a:extLst>
+                  <a:ext uri="{FF2B5EF4-FFF2-40B4-BE49-F238E27FC236}">
+                    <a16:creationId xmlns:a16="http://schemas.microsoft.com/office/drawing/2014/main" id="{881A6A98-A9F2-3645-B448-EBEE50826862}"/>
+                  </a:ext>
+                </a:extLst>
+              </p:cNvPr>
+              <p:cNvCxnSpPr>
+                <a:cxnSpLocks/>
+              </p:cNvCxnSpPr>
+              <p:nvPr/>
+            </p:nvCxnSpPr>
+            <p:spPr>
+              <a:xfrm>
+                <a:off x="2880987" y="6538912"/>
+                <a:ext cx="6676372" cy="0"/>
+              </a:xfrm>
+              <a:prstGeom prst="straightConnector1">
+                <a:avLst/>
+              </a:prstGeom>
+              <a:ln w="57150">
+                <a:solidFill>
+                  <a:schemeClr val="tx1"/>
+                </a:solidFill>
+                <a:headEnd type="triangle" w="med" len="med"/>
+                <a:tailEnd type="triangle" w="med" len="med"/>
+              </a:ln>
+            </p:spPr>
+            <p:style>
+              <a:lnRef idx="1">
+                <a:schemeClr val="accent1"/>
+              </a:lnRef>
+              <a:fillRef idx="0">
+                <a:schemeClr val="accent1"/>
+              </a:fillRef>
+              <a:effectRef idx="0">
+                <a:schemeClr val="accent1"/>
+              </a:effectRef>
+              <a:fontRef idx="minor">
+                <a:schemeClr val="tx1"/>
+              </a:fontRef>
+            </p:style>
+          </p:cxnSp>
+          <p:sp>
+            <p:nvSpPr>
+              <p:cNvPr id="11" name="Right Triangle 10">
+                <a:extLst>
+                  <a:ext uri="{FF2B5EF4-FFF2-40B4-BE49-F238E27FC236}">
+                    <a16:creationId xmlns:a16="http://schemas.microsoft.com/office/drawing/2014/main" id="{9B6F6363-92D4-0A49-906C-7B7A23676EF2}"/>
+                  </a:ext>
+                </a:extLst>
+              </p:cNvPr>
+              <p:cNvSpPr/>
+              <p:nvPr/>
+            </p:nvSpPr>
+            <p:spPr>
+              <a:xfrm flipH="1">
+                <a:off x="2926559" y="5411244"/>
+                <a:ext cx="6530591" cy="1127668"/>
+              </a:xfrm>
+              <a:prstGeom prst="rtTriangle">
+                <a:avLst/>
+              </a:prstGeom>
+              <a:solidFill>
+                <a:schemeClr val="accent6">
+                  <a:alpha val="26555"/>
+                </a:schemeClr>
+              </a:solidFill>
+              <a:ln>
+                <a:noFill/>
+              </a:ln>
+            </p:spPr>
+            <p:style>
+              <a:lnRef idx="2">
+                <a:schemeClr val="accent1">
+                  <a:shade val="50000"/>
+                </a:schemeClr>
+              </a:lnRef>
+              <a:fillRef idx="1">
+                <a:schemeClr val="accent1"/>
+              </a:fillRef>
+              <a:effectRef idx="0">
+                <a:schemeClr val="accent1"/>
+              </a:effectRef>
+              <a:fontRef idx="minor">
+                <a:schemeClr val="lt1"/>
+              </a:fontRef>
+            </p:style>
+            <p:txBody>
+              <a:bodyPr rtlCol="0" anchor="ctr"/>
+              <a:lstStyle/>
+              <a:p>
+                <a:pPr algn="ctr"/>
+                <a:endParaRPr lang="en-US"/>
+              </a:p>
+            </p:txBody>
+          </p:sp>
+        </p:grpSp>
+        <p:sp>
+          <p:nvSpPr>
+            <p:cNvPr id="12" name="TextBox 11">
+              <a:extLst>
+                <a:ext uri="{FF2B5EF4-FFF2-40B4-BE49-F238E27FC236}">
+                  <a16:creationId xmlns:a16="http://schemas.microsoft.com/office/drawing/2014/main" id="{77E3A292-6F0C-BD48-91FD-A07A8CB4B513}"/>
+                </a:ext>
+              </a:extLst>
+            </p:cNvPr>
+            <p:cNvSpPr txBox="1"/>
+            <p:nvPr/>
+          </p:nvSpPr>
+          <p:spPr>
+            <a:xfrm>
+              <a:off x="8730641" y="6356350"/>
+              <a:ext cx="1405746" cy="369332"/>
+            </a:xfrm>
+            <a:prstGeom prst="rect">
+              <a:avLst/>
+            </a:prstGeom>
+            <a:noFill/>
+          </p:spPr>
+          <p:txBody>
+            <a:bodyPr wrap="square" rtlCol="0">
+              <a:spAutoFit/>
+            </a:bodyPr>
+            <a:lstStyle/>
+            <a:p>
+              <a:pPr algn="ctr"/>
+              <a:r>
+                <a:rPr lang="en-US" dirty="0">
+                  <a:latin typeface="Economica" panose="02000506040000020004" pitchFamily="2" charset="77"/>
+                </a:rPr>
+                <a:t>Functional API</a:t>
+              </a:r>
+            </a:p>
+          </p:txBody>
+        </p:sp>
+        <p:sp>
+          <p:nvSpPr>
+            <p:cNvPr id="14" name="TextBox 13">
+              <a:extLst>
+                <a:ext uri="{FF2B5EF4-FFF2-40B4-BE49-F238E27FC236}">
+                  <a16:creationId xmlns:a16="http://schemas.microsoft.com/office/drawing/2014/main" id="{7FF6C3BF-79B2-784A-9FEC-60658FF14FA6}"/>
+                </a:ext>
+              </a:extLst>
+            </p:cNvPr>
+            <p:cNvSpPr txBox="1"/>
+            <p:nvPr/>
+          </p:nvSpPr>
+          <p:spPr>
+            <a:xfrm>
+              <a:off x="2223686" y="6345880"/>
+              <a:ext cx="1405746" cy="369332"/>
+            </a:xfrm>
+            <a:prstGeom prst="rect">
+              <a:avLst/>
+            </a:prstGeom>
+            <a:noFill/>
+          </p:spPr>
+          <p:txBody>
+            <a:bodyPr wrap="square" rtlCol="0">
+              <a:spAutoFit/>
+            </a:bodyPr>
+            <a:lstStyle/>
+            <a:p>
+              <a:pPr algn="ctr"/>
+              <a:r>
+                <a:rPr lang="en-US" dirty="0">
+                  <a:latin typeface="Economica" panose="02000506040000020004" pitchFamily="2" charset="77"/>
+                </a:rPr>
+                <a:t>Sequential API</a:t>
+              </a:r>
+            </a:p>
+          </p:txBody>
+        </p:sp>
+        <p:sp>
+          <p:nvSpPr>
+            <p:cNvPr id="13" name="TextBox 12">
+              <a:extLst>
+                <a:ext uri="{FF2B5EF4-FFF2-40B4-BE49-F238E27FC236}">
+                  <a16:creationId xmlns:a16="http://schemas.microsoft.com/office/drawing/2014/main" id="{BD22A520-23CC-1D43-9DC0-5E6A5032175B}"/>
+                </a:ext>
+              </a:extLst>
+            </p:cNvPr>
+            <p:cNvSpPr txBox="1"/>
+            <p:nvPr/>
+          </p:nvSpPr>
+          <p:spPr>
+            <a:xfrm rot="21052708">
+              <a:off x="7832420" y="4960113"/>
+              <a:ext cx="1796441" cy="276999"/>
+            </a:xfrm>
+            <a:prstGeom prst="rect">
+              <a:avLst/>
+            </a:prstGeom>
+            <a:noFill/>
+          </p:spPr>
+          <p:txBody>
+            <a:bodyPr wrap="square" rtlCol="0">
+              <a:spAutoFit/>
+            </a:bodyPr>
+            <a:lstStyle/>
+            <a:p>
+              <a:pPr algn="ctr"/>
+              <a:r>
+                <a:rPr lang="en-US" sz="1200" dirty="0">
+                  <a:latin typeface="Economica" panose="02000506040000020004" pitchFamily="2" charset="77"/>
+                </a:rPr>
+                <a:t>Architectural Flexibility</a:t>
+              </a:r>
+            </a:p>
+          </p:txBody>
+        </p:sp>
+        <p:sp>
+          <p:nvSpPr>
+            <p:cNvPr id="16" name="TextBox 15">
+              <a:extLst>
+                <a:ext uri="{FF2B5EF4-FFF2-40B4-BE49-F238E27FC236}">
+                  <a16:creationId xmlns:a16="http://schemas.microsoft.com/office/drawing/2014/main" id="{3CA98352-EE19-8246-A50D-5F1532F8A230}"/>
+                </a:ext>
+              </a:extLst>
+            </p:cNvPr>
+            <p:cNvSpPr txBox="1"/>
+            <p:nvPr/>
+          </p:nvSpPr>
+          <p:spPr>
+            <a:xfrm rot="579577">
+              <a:off x="2563045" y="4908692"/>
+              <a:ext cx="1796441" cy="276999"/>
+            </a:xfrm>
+            <a:prstGeom prst="rect">
+              <a:avLst/>
+            </a:prstGeom>
+            <a:noFill/>
+          </p:spPr>
+          <p:txBody>
+            <a:bodyPr wrap="square" rtlCol="0">
+              <a:spAutoFit/>
+            </a:bodyPr>
+            <a:lstStyle/>
+            <a:p>
+              <a:pPr algn="ctr"/>
+              <a:r>
+                <a:rPr lang="en-US" sz="1200" dirty="0">
+                  <a:latin typeface="Economica" panose="02000506040000020004" pitchFamily="2" charset="77"/>
+                </a:rPr>
+                <a:t>Syntactic Simplicity</a:t>
+              </a:r>
+            </a:p>
+          </p:txBody>
+        </p:sp>
+      </p:grpSp>
+    </p:spTree>
+    <p:extLst>
+      <p:ext uri="{BB962C8B-B14F-4D97-AF65-F5344CB8AC3E}">
+        <p14:creationId xmlns:p14="http://schemas.microsoft.com/office/powerpoint/2010/main" val="1345011695"/>
+      </p:ext>
+    </p:extLst>
+  </p:cSld>
+  <p:clrMapOvr>
+    <a:masterClrMapping/>
+  </p:clrMapOvr>
+</p:sld>
+</file>
+
+<file path=ppt/slides/slide36.xml><?xml version="1.0" encoding="utf-8"?>
 <p:sld xmlns:a="http://schemas.openxmlformats.org/drawingml/2006/main" xmlns:r="http://schemas.openxmlformats.org/officeDocument/2006/relationships" xmlns:p="http://schemas.openxmlformats.org/presentationml/2006/main">
   <p:cSld>
     <p:spTree>
@@ -30338,7 +31898,7 @@
           <a:p>
             <a:fld id="{5F85BDAF-76E7-5E4A-80A9-F732B06DC713}" type="slidenum">
               <a:rPr lang="en-US" smtClean="0"/>
-              <a:t>33</a:t>
+              <a:t>36</a:t>
             </a:fld>
             <a:endParaRPr lang="en-US"/>
           </a:p>
@@ -30404,7 +31964,7 @@
 </p:sld>
 </file>
 
-<file path=ppt/slides/slide34.xml><?xml version="1.0" encoding="utf-8"?>
+<file path=ppt/slides/slide37.xml><?xml version="1.0" encoding="utf-8"?>
 <p:sld xmlns:a="http://schemas.openxmlformats.org/drawingml/2006/main" xmlns:r="http://schemas.openxmlformats.org/officeDocument/2006/relationships" xmlns:p="http://schemas.openxmlformats.org/presentationml/2006/main">
   <p:cSld>
     <p:spTree>
@@ -30426,7 +31986,7 @@
           <p:cNvPr id="4" name="Slide Number Placeholder 3">
             <a:extLst>
               <a:ext uri="{FF2B5EF4-FFF2-40B4-BE49-F238E27FC236}">
-                <a16:creationId xmlns:a16="http://schemas.microsoft.com/office/drawing/2014/main" id="{B95F40EE-9804-E646-91D8-B0E8BABE2CA1}"/>
+                <a16:creationId xmlns:a16="http://schemas.microsoft.com/office/drawing/2014/main" id="{3D703837-6489-114D-B716-E62D408FC783}"/>
               </a:ext>
             </a:extLst>
           </p:cNvPr>
@@ -30444,7 +32004,7 @@
           <a:p>
             <a:fld id="{5F85BDAF-76E7-5E4A-80A9-F732B06DC713}" type="slidenum">
               <a:rPr lang="en-US" smtClean="0"/>
-              <a:t>34</a:t>
+              <a:t>37</a:t>
             </a:fld>
             <a:endParaRPr lang="en-US"/>
           </a:p>
@@ -30455,7 +32015,7 @@
           <p:cNvPr id="5" name="TextBox 4">
             <a:extLst>
               <a:ext uri="{FF2B5EF4-FFF2-40B4-BE49-F238E27FC236}">
-                <a16:creationId xmlns:a16="http://schemas.microsoft.com/office/drawing/2014/main" id="{1E6A2E3F-A0C1-A747-BCD2-D14405121F1A}"/>
+                <a16:creationId xmlns:a16="http://schemas.microsoft.com/office/drawing/2014/main" id="{D1E877D9-D098-254E-A3A0-7AA03FC9399F}"/>
               </a:ext>
             </a:extLst>
           </p:cNvPr>
@@ -30464,8 +32024,8 @@
         </p:nvSpPr>
         <p:spPr>
           <a:xfrm>
-            <a:off x="1267235" y="280722"/>
-            <a:ext cx="9657521" cy="923330"/>
+            <a:off x="2055613" y="613442"/>
+            <a:ext cx="8080774" cy="923330"/>
           </a:xfrm>
           <a:prstGeom prst="rect">
             <a:avLst/>
@@ -30483,7 +32043,7 @@
               <a:rPr lang="en-US" sz="5400" dirty="0">
                 <a:latin typeface="Economica" panose="02000506040000020004" pitchFamily="2" charset="77"/>
               </a:rPr>
-              <a:t>Recap</a:t>
+              <a:t>Optimizers</a:t>
             </a:r>
           </a:p>
         </p:txBody>
@@ -30493,7 +32053,7 @@
           <p:cNvPr id="6" name="TextBox 5">
             <a:extLst>
               <a:ext uri="{FF2B5EF4-FFF2-40B4-BE49-F238E27FC236}">
-                <a16:creationId xmlns:a16="http://schemas.microsoft.com/office/drawing/2014/main" id="{F15AD46E-0C49-994E-8DEB-65F7193016B6}"/>
+                <a16:creationId xmlns:a16="http://schemas.microsoft.com/office/drawing/2014/main" id="{28E44FBF-A23A-EB45-AFEB-7F3F18E6C4C6}"/>
               </a:ext>
             </a:extLst>
           </p:cNvPr>
@@ -30502,8 +32062,8 @@
         </p:nvSpPr>
         <p:spPr>
           <a:xfrm>
-            <a:off x="1087814" y="1348800"/>
-            <a:ext cx="10016362" cy="5509200"/>
+            <a:off x="890337" y="1940249"/>
+            <a:ext cx="10016362" cy="2554545"/>
           </a:xfrm>
           <a:prstGeom prst="rect">
             <a:avLst/>
@@ -30517,10 +32077,16 @@
           <a:lstStyle/>
           <a:p>
             <a:r>
+              <a:rPr lang="en-US" sz="2000" b="1" dirty="0" err="1">
+                <a:latin typeface="Quicksand" pitchFamily="2" charset="77"/>
+              </a:rPr>
+              <a:t>Keras</a:t>
+            </a:r>
+            <a:r>
               <a:rPr lang="en-US" sz="2000" b="1" dirty="0">
                 <a:latin typeface="Quicksand" pitchFamily="2" charset="77"/>
               </a:rPr>
-              <a:t>Building Blocks of NNs</a:t>
+              <a:t> Supports 8 Optimizers</a:t>
             </a:r>
           </a:p>
           <a:p>
@@ -30541,7 +32107,7 @@
               <a:rPr lang="en-US" dirty="0">
                 <a:latin typeface="Quicksand" pitchFamily="2" charset="77"/>
               </a:rPr>
-              <a:t>Tensors and Tensor Operations</a:t>
+              <a:t>SGD = Stochastic Gradient Descent</a:t>
             </a:r>
           </a:p>
           <a:p>
@@ -30553,7 +32119,7 @@
               <a:rPr lang="en-US" dirty="0">
                 <a:latin typeface="Quicksand" pitchFamily="2" charset="77"/>
               </a:rPr>
-              <a:t>Activation Functions</a:t>
+              <a:t>Momentum</a:t>
             </a:r>
           </a:p>
           <a:p>
@@ -30562,10 +32128,16 @@
               <a:buChar char="•"/>
             </a:pPr>
             <a:r>
+              <a:rPr lang="en-US" dirty="0" err="1">
+                <a:latin typeface="Quicksand" pitchFamily="2" charset="77"/>
+              </a:rPr>
+              <a:t>Ftrl</a:t>
+            </a:r>
+            <a:r>
               <a:rPr lang="en-US" dirty="0">
                 <a:latin typeface="Quicksand" pitchFamily="2" charset="77"/>
               </a:rPr>
-              <a:t>Loss Functions</a:t>
+              <a:t> (2010) = Follow the Regularized Leader</a:t>
             </a:r>
           </a:p>
           <a:p>
@@ -30574,112 +32146,377 @@
               <a:buChar char="•"/>
             </a:pPr>
             <a:r>
+              <a:rPr lang="en-US" dirty="0" err="1">
+                <a:latin typeface="Quicksand" pitchFamily="2" charset="77"/>
+              </a:rPr>
+              <a:t>Adagrad</a:t>
+            </a:r>
+            <a:r>
               <a:rPr lang="en-US" dirty="0">
                 <a:latin typeface="Quicksand" pitchFamily="2" charset="77"/>
               </a:rPr>
-              <a:t>Backpropagation: Derivatives, Gradients &amp; the Chain Rule</a:t>
-            </a:r>
-          </a:p>
-          <a:p>
+              <a:t> and </a:t>
+            </a:r>
+            <a:r>
+              <a:rPr lang="en-US" dirty="0" err="1">
+                <a:latin typeface="Quicksand" pitchFamily="2" charset="77"/>
+              </a:rPr>
+              <a:t>Adadelta</a:t>
+            </a:r>
+            <a:r>
+              <a:rPr lang="en-US" dirty="0">
+                <a:latin typeface="Quicksand" pitchFamily="2" charset="77"/>
+              </a:rPr>
+              <a:t> (2012) = Adaptive Gradient Descent</a:t>
+            </a:r>
+          </a:p>
+          <a:p>
+            <a:pPr marL="628650" lvl="1" indent="-171450">
+              <a:buFont typeface="Arial" panose="020B0604020202020204" pitchFamily="34" charset="0"/>
+              <a:buChar char="•"/>
+            </a:pPr>
+            <a:r>
+              <a:rPr lang="en-US" dirty="0">
+                <a:latin typeface="Quicksand" pitchFamily="2" charset="77"/>
+              </a:rPr>
+              <a:t>RMSprop (~2012) = Root Mean Squared propagation</a:t>
+            </a:r>
+          </a:p>
+          <a:p>
+            <a:pPr marL="628650" lvl="1" indent="-171450">
+              <a:buFont typeface="Arial" panose="020B0604020202020204" pitchFamily="34" charset="0"/>
+              <a:buChar char="•"/>
+            </a:pPr>
+            <a:r>
+              <a:rPr lang="en-US" dirty="0">
+                <a:latin typeface="Quicksand" pitchFamily="2" charset="77"/>
+              </a:rPr>
+              <a:t>Adam (2015) = </a:t>
+            </a:r>
+            <a:r>
+              <a:rPr lang="en-US" dirty="0" err="1">
+                <a:latin typeface="Quicksand" pitchFamily="2" charset="77"/>
+              </a:rPr>
+              <a:t>Adadelta</a:t>
+            </a:r>
+            <a:r>
+              <a:rPr lang="en-US" dirty="0">
+                <a:latin typeface="Quicksand" pitchFamily="2" charset="77"/>
+              </a:rPr>
+              <a:t> / </a:t>
+            </a:r>
+            <a:r>
+              <a:rPr lang="en-US" dirty="0" err="1">
+                <a:latin typeface="Quicksand" pitchFamily="2" charset="77"/>
+              </a:rPr>
+              <a:t>RMSProp</a:t>
+            </a:r>
+            <a:r>
+              <a:rPr lang="en-US" dirty="0">
+                <a:latin typeface="Quicksand" pitchFamily="2" charset="77"/>
+              </a:rPr>
+              <a:t> with Momentum.</a:t>
+            </a:r>
+          </a:p>
+          <a:p>
+            <a:pPr marL="1085850" lvl="2" indent="-171450">
+              <a:buFont typeface="Arial" panose="020B0604020202020204" pitchFamily="34" charset="0"/>
+              <a:buChar char="•"/>
+            </a:pPr>
+            <a:r>
+              <a:rPr lang="en-US" dirty="0" err="1">
+                <a:latin typeface="Quicksand" pitchFamily="2" charset="77"/>
+              </a:rPr>
+              <a:t>Adamax</a:t>
+            </a:r>
+            <a:r>
+              <a:rPr lang="en-US" dirty="0">
+                <a:latin typeface="Quicksand" pitchFamily="2" charset="77"/>
+              </a:rPr>
+              <a:t>, </a:t>
+            </a:r>
+            <a:r>
+              <a:rPr lang="en-US" dirty="0" err="1">
+                <a:latin typeface="Quicksand" pitchFamily="2" charset="77"/>
+              </a:rPr>
+              <a:t>Nadam</a:t>
+            </a:r>
+            <a:r>
+              <a:rPr lang="en-US" dirty="0">
+                <a:latin typeface="Quicksand" pitchFamily="2" charset="77"/>
+              </a:rPr>
+              <a:t> are extensions to Adam. </a:t>
+            </a:r>
+          </a:p>
+        </p:txBody>
+      </p:sp>
+      <p:pic>
+        <p:nvPicPr>
+          <p:cNvPr id="6146" name="Picture 2" descr="An Introduction To Surrogate Optimization: Intuition, illustration, case  study, and the code | by Shuai Guo | Towards Data Science">
+            <a:extLst>
+              <a:ext uri="{FF2B5EF4-FFF2-40B4-BE49-F238E27FC236}">
+                <a16:creationId xmlns:a16="http://schemas.microsoft.com/office/drawing/2014/main" id="{1EF30408-54E4-944D-8090-81FA5B50FD9D}"/>
+              </a:ext>
+            </a:extLst>
+          </p:cNvPr>
+          <p:cNvPicPr>
+            <a:picLocks noChangeAspect="1" noChangeArrowheads="1"/>
+          </p:cNvPicPr>
+          <p:nvPr/>
+        </p:nvPicPr>
+        <p:blipFill>
+          <a:blip r:embed="rId2">
+            <a:extLst>
+              <a:ext uri="{28A0092B-C50C-407E-A947-70E740481C1C}">
+                <a14:useLocalDpi xmlns:a14="http://schemas.microsoft.com/office/drawing/2010/main" val="0"/>
+              </a:ext>
+            </a:extLst>
+          </a:blip>
+          <a:srcRect/>
+          <a:stretch>
+            <a:fillRect/>
+          </a:stretch>
+        </p:blipFill>
+        <p:spPr bwMode="auto">
+          <a:xfrm>
+            <a:off x="7327726" y="2990673"/>
+            <a:ext cx="4328525" cy="3008241"/>
+          </a:xfrm>
+          <a:prstGeom prst="rect">
+            <a:avLst/>
+          </a:prstGeom>
+          <a:noFill/>
+          <a:extLst>
+            <a:ext uri="{909E8E84-426E-40DD-AFC4-6F175D3DCCD1}">
+              <a14:hiddenFill xmlns:a14="http://schemas.microsoft.com/office/drawing/2010/main">
+                <a:solidFill>
+                  <a:srgbClr val="FFFFFF"/>
+                </a:solidFill>
+              </a14:hiddenFill>
+            </a:ext>
+          </a:extLst>
+        </p:spPr>
+      </p:pic>
+    </p:spTree>
+    <p:extLst>
+      <p:ext uri="{BB962C8B-B14F-4D97-AF65-F5344CB8AC3E}">
+        <p14:creationId xmlns:p14="http://schemas.microsoft.com/office/powerpoint/2010/main" val="2733627638"/>
+      </p:ext>
+    </p:extLst>
+  </p:cSld>
+  <p:clrMapOvr>
+    <a:masterClrMapping/>
+  </p:clrMapOvr>
+</p:sld>
+</file>
+
+<file path=ppt/slides/slide38.xml><?xml version="1.0" encoding="utf-8"?>
+<p:sld xmlns:a="http://schemas.openxmlformats.org/drawingml/2006/main" xmlns:r="http://schemas.openxmlformats.org/officeDocument/2006/relationships" xmlns:p="http://schemas.openxmlformats.org/presentationml/2006/main">
+  <p:cSld>
+    <p:spTree>
+      <p:nvGrpSpPr>
+        <p:cNvPr id="1" name=""/>
+        <p:cNvGrpSpPr/>
+        <p:nvPr/>
+      </p:nvGrpSpPr>
+      <p:grpSpPr>
+        <a:xfrm>
+          <a:off x="0" y="0"/>
+          <a:ext cx="0" cy="0"/>
+          <a:chOff x="0" y="0"/>
+          <a:chExt cx="0" cy="0"/>
+        </a:xfrm>
+      </p:grpSpPr>
+      <p:sp>
+        <p:nvSpPr>
+          <p:cNvPr id="4" name="TextBox 3">
+            <a:extLst>
+              <a:ext uri="{FF2B5EF4-FFF2-40B4-BE49-F238E27FC236}">
+                <a16:creationId xmlns:a16="http://schemas.microsoft.com/office/drawing/2014/main" id="{2E4ACB90-5B23-AE45-9404-FED4FB5128EF}"/>
+              </a:ext>
+            </a:extLst>
+          </p:cNvPr>
+          <p:cNvSpPr txBox="1"/>
+          <p:nvPr/>
+        </p:nvSpPr>
+        <p:spPr>
+          <a:xfrm>
+            <a:off x="2865521" y="586938"/>
+            <a:ext cx="6460957" cy="923330"/>
+          </a:xfrm>
+          <a:prstGeom prst="rect">
+            <a:avLst/>
+          </a:prstGeom>
+          <a:noFill/>
+        </p:spPr>
+        <p:txBody>
+          <a:bodyPr wrap="square" rtlCol="0">
+            <a:spAutoFit/>
+          </a:bodyPr>
+          <a:lstStyle/>
+          <a:p>
+            <a:pPr algn="ctr"/>
+            <a:r>
+              <a:rPr lang="en-US" sz="5400" dirty="0">
+                <a:latin typeface="Economica" panose="02000506040000020004" pitchFamily="2" charset="77"/>
+              </a:rPr>
+              <a:t>SGD: Gradient Descent</a:t>
+            </a:r>
+          </a:p>
+        </p:txBody>
+      </p:sp>
+      <p:sp>
+        <p:nvSpPr>
+          <p:cNvPr id="5" name="TextBox 4">
+            <a:extLst>
+              <a:ext uri="{FF2B5EF4-FFF2-40B4-BE49-F238E27FC236}">
+                <a16:creationId xmlns:a16="http://schemas.microsoft.com/office/drawing/2014/main" id="{21B2E298-9F21-FF4E-96E1-1B758B6D7AC7}"/>
+              </a:ext>
+            </a:extLst>
+          </p:cNvPr>
+          <p:cNvSpPr txBox="1"/>
+          <p:nvPr/>
+        </p:nvSpPr>
+        <p:spPr>
+          <a:xfrm>
+            <a:off x="890337" y="1940249"/>
+            <a:ext cx="10016362" cy="4555093"/>
+          </a:xfrm>
+          <a:prstGeom prst="rect">
+            <a:avLst/>
+          </a:prstGeom>
+          <a:noFill/>
+        </p:spPr>
+        <p:txBody>
+          <a:bodyPr wrap="square" rtlCol="0">
+            <a:spAutoFit/>
+          </a:bodyPr>
+          <a:lstStyle/>
+          <a:p>
+            <a:r>
+              <a:rPr lang="en-US" sz="2000" b="1" dirty="0">
+                <a:latin typeface="Quicksand" pitchFamily="2" charset="77"/>
+              </a:rPr>
+              <a:t>Types of GD</a:t>
+            </a:r>
+            <a:endParaRPr lang="en-US" sz="1400" dirty="0">
+              <a:latin typeface="Quicksand" pitchFamily="2" charset="77"/>
+            </a:endParaRPr>
+          </a:p>
+          <a:p>
+            <a:pPr marL="628650" lvl="1" indent="-171450">
+              <a:buFont typeface="Arial" panose="020B0604020202020204" pitchFamily="34" charset="0"/>
+              <a:buChar char="•"/>
+            </a:pPr>
+            <a:r>
+              <a:rPr lang="en-US" dirty="0">
+                <a:latin typeface="Quicksand" pitchFamily="2" charset="77"/>
+              </a:rPr>
+              <a:t>Batch GD = Use all the available training data in each pass. </a:t>
+            </a:r>
+          </a:p>
+          <a:p>
+            <a:pPr marL="1085850" lvl="2" indent="-171450">
+              <a:buFont typeface="Arial" panose="020B0604020202020204" pitchFamily="34" charset="0"/>
+              <a:buChar char="•"/>
+            </a:pPr>
+            <a:r>
+              <a:rPr lang="en-US" dirty="0">
+                <a:latin typeface="Quicksand" pitchFamily="2" charset="77"/>
+              </a:rPr>
+              <a:t>Works well if the loss surface is smooth and lacks any saddle points / valleys. </a:t>
+            </a:r>
+          </a:p>
+          <a:p>
+            <a:pPr marL="628650" lvl="1" indent="-171450">
+              <a:buFont typeface="Arial" panose="020B0604020202020204" pitchFamily="34" charset="0"/>
+              <a:buChar char="•"/>
+            </a:pPr>
+            <a:r>
+              <a:rPr lang="en-US" dirty="0">
+                <a:latin typeface="Quicksand" pitchFamily="2" charset="77"/>
+              </a:rPr>
+              <a:t>Stochastic GD = Mini-batch with batch size = 1. </a:t>
+            </a:r>
+          </a:p>
+          <a:p>
+            <a:pPr marL="1085850" lvl="2" indent="-171450">
+              <a:buFont typeface="Arial" panose="020B0604020202020204" pitchFamily="34" charset="0"/>
+              <a:buChar char="•"/>
+            </a:pPr>
+            <a:r>
+              <a:rPr lang="en-US" dirty="0">
+                <a:latin typeface="Quicksand" pitchFamily="2" charset="77"/>
+              </a:rPr>
+              <a:t>If troughs / saddles exist, we move past them as our exploration of gradients for the model will vary withe a given observation that we are considering in an iteration. </a:t>
+            </a:r>
+          </a:p>
+          <a:p>
+            <a:pPr marL="1085850" lvl="2" indent="-171450">
+              <a:buFont typeface="Arial" panose="020B0604020202020204" pitchFamily="34" charset="0"/>
+              <a:buChar char="•"/>
+            </a:pPr>
+            <a:r>
+              <a:rPr lang="en-US" dirty="0">
+                <a:latin typeface="Quicksand" pitchFamily="2" charset="77"/>
+              </a:rPr>
+              <a:t>Computationally quite burdensome but performs well on non-linear problems (eventually).</a:t>
+            </a:r>
+          </a:p>
+          <a:p>
+            <a:pPr marL="628650" lvl="1" indent="-171450">
+              <a:buFont typeface="Arial" panose="020B0604020202020204" pitchFamily="34" charset="0"/>
+              <a:buChar char="•"/>
+            </a:pPr>
+            <a:r>
+              <a:rPr lang="en-US" dirty="0">
+                <a:latin typeface="Quicksand" pitchFamily="2" charset="77"/>
+              </a:rPr>
+              <a:t>Mini-batch GD = What we have been doing so far (randomly split the data in each epoch, into folds, and then cycle over the folds for training).</a:t>
+            </a:r>
+          </a:p>
+          <a:p>
+            <a:pPr marL="1085850" lvl="2" indent="-171450">
+              <a:buFont typeface="Arial" panose="020B0604020202020204" pitchFamily="34" charset="0"/>
+              <a:buChar char="•"/>
+            </a:pPr>
+            <a:r>
+              <a:rPr lang="en-US" dirty="0">
+                <a:latin typeface="Quicksand" pitchFamily="2" charset="77"/>
+              </a:rPr>
+              <a:t>This is a happy-medium between batch and stochastic GD.</a:t>
+            </a:r>
+          </a:p>
+          <a:p>
+            <a:pPr marL="1085850" lvl="2" indent="-171450">
+              <a:buFont typeface="Arial" panose="020B0604020202020204" pitchFamily="34" charset="0"/>
+              <a:buChar char="•"/>
+            </a:pPr>
             <a:endParaRPr lang="en-US" dirty="0">
               <a:latin typeface="Quicksand" pitchFamily="2" charset="77"/>
             </a:endParaRPr>
           </a:p>
           <a:p>
             <a:r>
-              <a:rPr lang="en-US" sz="2000" b="1" dirty="0">
+              <a:rPr lang="en-US" b="1" dirty="0">
                 <a:latin typeface="Quicksand" pitchFamily="2" charset="77"/>
               </a:rPr>
-              <a:t>Procedure of Minibatch Stochastic Gradient Descent</a:t>
-            </a:r>
-          </a:p>
-          <a:p>
-            <a:endParaRPr lang="en-US" dirty="0">
+              <a:t>Role of Batch Size</a:t>
+            </a:r>
+            <a:endParaRPr lang="en-US" sz="1100" b="1" dirty="0">
               <a:latin typeface="Quicksand" pitchFamily="2" charset="77"/>
             </a:endParaRPr>
           </a:p>
           <a:p>
-            <a:pPr marL="687388" lvl="1" indent="-225425">
+            <a:pPr marL="742950" lvl="1" indent="-285750">
               <a:buFont typeface="Arial" panose="020B0604020202020204" pitchFamily="34" charset="0"/>
               <a:buChar char="•"/>
             </a:pPr>
             <a:r>
-              <a:rPr lang="en-US" sz="2000" dirty="0">
+              <a:rPr lang="en-US" dirty="0">
                 <a:latin typeface="Quicksand" pitchFamily="2" charset="77"/>
               </a:rPr>
-              <a:t>Grab a batch of observations (samples)</a:t>
-            </a:r>
-          </a:p>
-          <a:p>
-            <a:pPr marL="687388" lvl="1" indent="-225425">
-              <a:buFont typeface="Arial" panose="020B0604020202020204" pitchFamily="34" charset="0"/>
-              <a:buChar char="•"/>
-            </a:pPr>
-            <a:r>
-              <a:rPr lang="en-US" sz="2000" dirty="0">
-                <a:latin typeface="Quicksand" pitchFamily="2" charset="77"/>
-              </a:rPr>
-              <a:t>Predict their labels using current weights / bias terms.</a:t>
-            </a:r>
-          </a:p>
-          <a:p>
-            <a:pPr marL="687388" lvl="1" indent="-225425">
-              <a:buFont typeface="Arial" panose="020B0604020202020204" pitchFamily="34" charset="0"/>
-              <a:buChar char="•"/>
-            </a:pPr>
-            <a:r>
-              <a:rPr lang="en-US" sz="2000" dirty="0">
-                <a:latin typeface="Quicksand" pitchFamily="2" charset="77"/>
-              </a:rPr>
-              <a:t>Calculate loss value. </a:t>
-            </a:r>
-          </a:p>
-          <a:p>
-            <a:pPr marL="687388" lvl="1" indent="-225425">
-              <a:buFont typeface="Arial" panose="020B0604020202020204" pitchFamily="34" charset="0"/>
-              <a:buChar char="•"/>
-            </a:pPr>
-            <a:r>
-              <a:rPr lang="en-US" sz="2000" dirty="0">
-                <a:latin typeface="Quicksand" pitchFamily="2" charset="77"/>
-              </a:rPr>
-              <a:t>Calculate gradient of loss </a:t>
-            </a:r>
-            <a:r>
-              <a:rPr lang="en-US" sz="2000" dirty="0" err="1">
-                <a:latin typeface="Quicksand" pitchFamily="2" charset="77"/>
-              </a:rPr>
-              <a:t>w.r.t.</a:t>
-            </a:r>
-            <a:r>
-              <a:rPr lang="en-US" sz="2000" dirty="0">
-                <a:latin typeface="Quicksand" pitchFamily="2" charset="77"/>
-              </a:rPr>
-              <a:t> all weight / bias terms. </a:t>
-            </a:r>
-          </a:p>
-          <a:p>
-            <a:pPr marL="687388" lvl="1" indent="-225425">
-              <a:buFont typeface="Arial" panose="020B0604020202020204" pitchFamily="34" charset="0"/>
-              <a:buChar char="•"/>
-            </a:pPr>
-            <a:r>
-              <a:rPr lang="en-US" sz="2000" dirty="0">
-                <a:latin typeface="Quicksand" pitchFamily="2" charset="77"/>
-              </a:rPr>
-              <a:t>Update each weight by subtracting its gradient*learning rate</a:t>
-            </a:r>
-          </a:p>
-          <a:p>
-            <a:pPr marL="687388" lvl="1" indent="-225425">
-              <a:buFont typeface="Arial" panose="020B0604020202020204" pitchFamily="34" charset="0"/>
-              <a:buChar char="•"/>
-            </a:pPr>
-            <a:r>
-              <a:rPr lang="en-US" sz="2000" dirty="0">
-                <a:latin typeface="Quicksand" pitchFamily="2" charset="77"/>
-              </a:rPr>
-              <a:t>Cycle over the whole training dataset (each cycle is an epoch) repeatedly, until loss is small. </a:t>
+              <a:t>Empirically has been observed that smaller batches yield less overfitting (because of implicit noise in the training process – variance of the gradients obtained will go up). </a:t>
             </a:r>
           </a:p>
           <a:p>
@@ -30696,21 +32533,259 @@
               <a:latin typeface="Quicksand" pitchFamily="2" charset="77"/>
             </a:endParaRPr>
           </a:p>
-          <a:p>
-            <a:pPr marL="171450" indent="-171450">
-              <a:buFont typeface="Arial" panose="020B0604020202020204" pitchFamily="34" charset="0"/>
-              <a:buChar char="•"/>
-            </a:pPr>
-            <a:endParaRPr lang="en-US" sz="1400" dirty="0">
-              <a:latin typeface="Quicksand" pitchFamily="2" charset="77"/>
-            </a:endParaRPr>
-          </a:p>
         </p:txBody>
       </p:sp>
     </p:spTree>
     <p:extLst>
       <p:ext uri="{BB962C8B-B14F-4D97-AF65-F5344CB8AC3E}">
-        <p14:creationId xmlns:p14="http://schemas.microsoft.com/office/powerpoint/2010/main" val="1469755589"/>
+        <p14:creationId xmlns:p14="http://schemas.microsoft.com/office/powerpoint/2010/main" val="1062764504"/>
+      </p:ext>
+    </p:extLst>
+  </p:cSld>
+  <p:clrMapOvr>
+    <a:masterClrMapping/>
+  </p:clrMapOvr>
+</p:sld>
+</file>
+
+<file path=ppt/slides/slide39.xml><?xml version="1.0" encoding="utf-8"?>
+<p:sld xmlns:a="http://schemas.openxmlformats.org/drawingml/2006/main" xmlns:r="http://schemas.openxmlformats.org/officeDocument/2006/relationships" xmlns:p="http://schemas.openxmlformats.org/presentationml/2006/main">
+  <p:cSld>
+    <p:spTree>
+      <p:nvGrpSpPr>
+        <p:cNvPr id="1" name=""/>
+        <p:cNvGrpSpPr/>
+        <p:nvPr/>
+      </p:nvGrpSpPr>
+      <p:grpSpPr>
+        <a:xfrm>
+          <a:off x="0" y="0"/>
+          <a:ext cx="0" cy="0"/>
+          <a:chOff x="0" y="0"/>
+          <a:chExt cx="0" cy="0"/>
+        </a:xfrm>
+      </p:grpSpPr>
+      <p:sp>
+        <p:nvSpPr>
+          <p:cNvPr id="4" name="Slide Number Placeholder 3">
+            <a:extLst>
+              <a:ext uri="{FF2B5EF4-FFF2-40B4-BE49-F238E27FC236}">
+                <a16:creationId xmlns:a16="http://schemas.microsoft.com/office/drawing/2014/main" id="{E5AF2009-7F9D-4C45-87A5-CB73041ABF6C}"/>
+              </a:ext>
+            </a:extLst>
+          </p:cNvPr>
+          <p:cNvSpPr>
+            <a:spLocks noGrp="1"/>
+          </p:cNvSpPr>
+          <p:nvPr>
+            <p:ph type="sldNum" sz="quarter" idx="12"/>
+          </p:nvPr>
+        </p:nvSpPr>
+        <p:spPr/>
+        <p:txBody>
+          <a:bodyPr/>
+          <a:lstStyle/>
+          <a:p>
+            <a:fld id="{5F85BDAF-76E7-5E4A-80A9-F732B06DC713}" type="slidenum">
+              <a:rPr lang="en-US" smtClean="0"/>
+              <a:t>39</a:t>
+            </a:fld>
+            <a:endParaRPr lang="en-US"/>
+          </a:p>
+        </p:txBody>
+      </p:sp>
+      <p:sp>
+        <p:nvSpPr>
+          <p:cNvPr id="5" name="TextBox 4">
+            <a:extLst>
+              <a:ext uri="{FF2B5EF4-FFF2-40B4-BE49-F238E27FC236}">
+                <a16:creationId xmlns:a16="http://schemas.microsoft.com/office/drawing/2014/main" id="{3EB56778-FCDE-654C-A2AD-8C6D3811C641}"/>
+              </a:ext>
+            </a:extLst>
+          </p:cNvPr>
+          <p:cNvSpPr txBox="1"/>
+          <p:nvPr/>
+        </p:nvSpPr>
+        <p:spPr>
+          <a:xfrm>
+            <a:off x="2865521" y="586938"/>
+            <a:ext cx="6460957" cy="923330"/>
+          </a:xfrm>
+          <a:prstGeom prst="rect">
+            <a:avLst/>
+          </a:prstGeom>
+          <a:noFill/>
+        </p:spPr>
+        <p:txBody>
+          <a:bodyPr wrap="square" rtlCol="0">
+            <a:spAutoFit/>
+          </a:bodyPr>
+          <a:lstStyle/>
+          <a:p>
+            <a:pPr algn="ctr"/>
+            <a:r>
+              <a:rPr lang="en-US" sz="5400" dirty="0">
+                <a:latin typeface="Economica" panose="02000506040000020004" pitchFamily="2" charset="77"/>
+              </a:rPr>
+              <a:t>Batch (All) vs. Stochastic (1)</a:t>
+            </a:r>
+          </a:p>
+        </p:txBody>
+      </p:sp>
+      <p:sp>
+        <p:nvSpPr>
+          <p:cNvPr id="6" name="TextBox 5">
+            <a:extLst>
+              <a:ext uri="{FF2B5EF4-FFF2-40B4-BE49-F238E27FC236}">
+                <a16:creationId xmlns:a16="http://schemas.microsoft.com/office/drawing/2014/main" id="{45BCA025-8D98-D449-A0C5-D202191451E4}"/>
+              </a:ext>
+            </a:extLst>
+          </p:cNvPr>
+          <p:cNvSpPr txBox="1"/>
+          <p:nvPr/>
+        </p:nvSpPr>
+        <p:spPr>
+          <a:xfrm>
+            <a:off x="802655" y="1843950"/>
+            <a:ext cx="10016362" cy="3170099"/>
+          </a:xfrm>
+          <a:prstGeom prst="rect">
+            <a:avLst/>
+          </a:prstGeom>
+          <a:noFill/>
+        </p:spPr>
+        <p:txBody>
+          <a:bodyPr wrap="square" rtlCol="0">
+            <a:spAutoFit/>
+          </a:bodyPr>
+          <a:lstStyle/>
+          <a:p>
+            <a:r>
+              <a:rPr lang="en-US" sz="2000" b="1" dirty="0">
+                <a:latin typeface="Quicksand" pitchFamily="2" charset="77"/>
+              </a:rPr>
+              <a:t>Same Convergence </a:t>
+            </a:r>
+            <a:endParaRPr lang="en-US" sz="1400" dirty="0">
+              <a:latin typeface="Quicksand" pitchFamily="2" charset="77"/>
+            </a:endParaRPr>
+          </a:p>
+          <a:p>
+            <a:pPr marL="628650" lvl="1" indent="-171450">
+              <a:buFont typeface="Arial" panose="020B0604020202020204" pitchFamily="34" charset="0"/>
+              <a:buChar char="•"/>
+            </a:pPr>
+            <a:r>
+              <a:rPr lang="en-US" dirty="0">
+                <a:latin typeface="Quicksand" pitchFamily="2" charset="77"/>
+              </a:rPr>
+              <a:t>If you have a convex surface, either approach will converge to the global optimum (no guarantee your problem is convex of course). Always converges at least to a local minimum.</a:t>
+            </a:r>
+          </a:p>
+          <a:p>
+            <a:pPr marL="1085850" lvl="2" indent="-171450">
+              <a:buFont typeface="Arial" panose="020B0604020202020204" pitchFamily="34" charset="0"/>
+              <a:buChar char="•"/>
+            </a:pPr>
+            <a:endParaRPr lang="en-US" dirty="0">
+              <a:latin typeface="Quicksand" pitchFamily="2" charset="77"/>
+            </a:endParaRPr>
+          </a:p>
+          <a:p>
+            <a:r>
+              <a:rPr lang="en-US" b="1" dirty="0">
+                <a:latin typeface="Quicksand" pitchFamily="2" charset="77"/>
+              </a:rPr>
+              <a:t>Tradeoffs</a:t>
+            </a:r>
+            <a:endParaRPr lang="en-US" sz="1100" b="1" dirty="0">
+              <a:latin typeface="Quicksand" pitchFamily="2" charset="77"/>
+            </a:endParaRPr>
+          </a:p>
+          <a:p>
+            <a:pPr marL="742950" lvl="1" indent="-285750">
+              <a:buFont typeface="Arial" panose="020B0604020202020204" pitchFamily="34" charset="0"/>
+              <a:buChar char="•"/>
+            </a:pPr>
+            <a:r>
+              <a:rPr lang="en-US" dirty="0">
+                <a:latin typeface="Quicksand" pitchFamily="2" charset="77"/>
+              </a:rPr>
+              <a:t>Batch, each step is slower, more computationally burdensome, but convergence with fewer iterations; Need to be able to hold the entire dataset in memory. </a:t>
+            </a:r>
+          </a:p>
+          <a:p>
+            <a:pPr marL="742950" lvl="1" indent="-285750">
+              <a:buFont typeface="Arial" panose="020B0604020202020204" pitchFamily="34" charset="0"/>
+              <a:buChar char="•"/>
+            </a:pPr>
+            <a:r>
+              <a:rPr lang="en-US" dirty="0">
+                <a:latin typeface="Quicksand" pitchFamily="2" charset="77"/>
+              </a:rPr>
+              <a:t>SGD makes noisier updates, and requires more iterations to converge, but a single iteration is quick. Only need one observation in memory at a time. </a:t>
+            </a:r>
+          </a:p>
+          <a:p>
+            <a:endParaRPr lang="en-US" dirty="0">
+              <a:latin typeface="Quicksand" pitchFamily="2" charset="77"/>
+            </a:endParaRPr>
+          </a:p>
+          <a:p>
+            <a:pPr marL="628650" lvl="1" indent="-171450">
+              <a:buFont typeface="Arial" panose="020B0604020202020204" pitchFamily="34" charset="0"/>
+              <a:buChar char="•"/>
+            </a:pPr>
+            <a:endParaRPr lang="en-US" dirty="0">
+              <a:latin typeface="Quicksand" pitchFamily="2" charset="77"/>
+            </a:endParaRPr>
+          </a:p>
+        </p:txBody>
+      </p:sp>
+      <p:pic>
+        <p:nvPicPr>
+          <p:cNvPr id="7" name="Picture 6">
+            <a:extLst>
+              <a:ext uri="{FF2B5EF4-FFF2-40B4-BE49-F238E27FC236}">
+                <a16:creationId xmlns:a16="http://schemas.microsoft.com/office/drawing/2014/main" id="{8A16ADFB-8B3B-C74F-B148-A39B263CD5AD}"/>
+              </a:ext>
+            </a:extLst>
+          </p:cNvPr>
+          <p:cNvPicPr>
+            <a:picLocks noChangeAspect="1"/>
+          </p:cNvPicPr>
+          <p:nvPr/>
+        </p:nvPicPr>
+        <p:blipFill>
+          <a:blip r:embed="rId2"/>
+          <a:stretch>
+            <a:fillRect/>
+          </a:stretch>
+        </p:blipFill>
+        <p:spPr>
+          <a:xfrm>
+            <a:off x="4724398" y="4542061"/>
+            <a:ext cx="2743201" cy="2179414"/>
+          </a:xfrm>
+          <a:prstGeom prst="rect">
+            <a:avLst/>
+          </a:prstGeom>
+          <a:ln>
+            <a:noFill/>
+          </a:ln>
+          <a:effectLst>
+            <a:outerShdw blurRad="292100" dist="139700" dir="2700000" algn="tl" rotWithShape="0">
+              <a:srgbClr val="333333">
+                <a:alpha val="65000"/>
+              </a:srgbClr>
+            </a:outerShdw>
+          </a:effectLst>
+        </p:spPr>
+      </p:pic>
+    </p:spTree>
+    <p:extLst>
+      <p:ext uri="{BB962C8B-B14F-4D97-AF65-F5344CB8AC3E}">
+        <p14:creationId xmlns:p14="http://schemas.microsoft.com/office/powerpoint/2010/main" val="1514821021"/>
       </p:ext>
     </p:extLst>
   </p:cSld>
@@ -30875,6 +32950,1005 @@
     <p:extLst>
       <p:ext uri="{BB962C8B-B14F-4D97-AF65-F5344CB8AC3E}">
         <p14:creationId xmlns:p14="http://schemas.microsoft.com/office/powerpoint/2010/main" val="343569969"/>
+      </p:ext>
+    </p:extLst>
+  </p:cSld>
+  <p:clrMapOvr>
+    <a:masterClrMapping/>
+  </p:clrMapOvr>
+</p:sld>
+</file>
+
+<file path=ppt/slides/slide40.xml><?xml version="1.0" encoding="utf-8"?>
+<p:sld xmlns:a="http://schemas.openxmlformats.org/drawingml/2006/main" xmlns:r="http://schemas.openxmlformats.org/officeDocument/2006/relationships" xmlns:p="http://schemas.openxmlformats.org/presentationml/2006/main">
+  <p:cSld>
+    <p:spTree>
+      <p:nvGrpSpPr>
+        <p:cNvPr id="1" name=""/>
+        <p:cNvGrpSpPr/>
+        <p:nvPr/>
+      </p:nvGrpSpPr>
+      <p:grpSpPr>
+        <a:xfrm>
+          <a:off x="0" y="0"/>
+          <a:ext cx="0" cy="0"/>
+          <a:chOff x="0" y="0"/>
+          <a:chExt cx="0" cy="0"/>
+        </a:xfrm>
+      </p:grpSpPr>
+      <p:sp>
+        <p:nvSpPr>
+          <p:cNvPr id="4" name="Slide Number Placeholder 3">
+            <a:extLst>
+              <a:ext uri="{FF2B5EF4-FFF2-40B4-BE49-F238E27FC236}">
+                <a16:creationId xmlns:a16="http://schemas.microsoft.com/office/drawing/2014/main" id="{E5AF2009-7F9D-4C45-87A5-CB73041ABF6C}"/>
+              </a:ext>
+            </a:extLst>
+          </p:cNvPr>
+          <p:cNvSpPr>
+            <a:spLocks noGrp="1"/>
+          </p:cNvSpPr>
+          <p:nvPr>
+            <p:ph type="sldNum" sz="quarter" idx="12"/>
+          </p:nvPr>
+        </p:nvSpPr>
+        <p:spPr/>
+        <p:txBody>
+          <a:bodyPr/>
+          <a:lstStyle/>
+          <a:p>
+            <a:fld id="{5F85BDAF-76E7-5E4A-80A9-F732B06DC713}" type="slidenum">
+              <a:rPr lang="en-US" smtClean="0"/>
+              <a:t>40</a:t>
+            </a:fld>
+            <a:endParaRPr lang="en-US"/>
+          </a:p>
+        </p:txBody>
+      </p:sp>
+      <p:sp>
+        <p:nvSpPr>
+          <p:cNvPr id="5" name="TextBox 4">
+            <a:extLst>
+              <a:ext uri="{FF2B5EF4-FFF2-40B4-BE49-F238E27FC236}">
+                <a16:creationId xmlns:a16="http://schemas.microsoft.com/office/drawing/2014/main" id="{3EB56778-FCDE-654C-A2AD-8C6D3811C641}"/>
+              </a:ext>
+            </a:extLst>
+          </p:cNvPr>
+          <p:cNvSpPr txBox="1"/>
+          <p:nvPr/>
+        </p:nvSpPr>
+        <p:spPr>
+          <a:xfrm>
+            <a:off x="2865521" y="586938"/>
+            <a:ext cx="6460957" cy="923330"/>
+          </a:xfrm>
+          <a:prstGeom prst="rect">
+            <a:avLst/>
+          </a:prstGeom>
+          <a:noFill/>
+        </p:spPr>
+        <p:txBody>
+          <a:bodyPr wrap="square" rtlCol="0">
+            <a:spAutoFit/>
+          </a:bodyPr>
+          <a:lstStyle/>
+          <a:p>
+            <a:pPr algn="ctr"/>
+            <a:r>
+              <a:rPr lang="en-US" sz="5400" dirty="0">
+                <a:latin typeface="Economica" panose="02000506040000020004" pitchFamily="2" charset="77"/>
+              </a:rPr>
+              <a:t>Momentum</a:t>
+            </a:r>
+          </a:p>
+        </p:txBody>
+      </p:sp>
+      <p:sp>
+        <p:nvSpPr>
+          <p:cNvPr id="6" name="TextBox 5">
+            <a:extLst>
+              <a:ext uri="{FF2B5EF4-FFF2-40B4-BE49-F238E27FC236}">
+                <a16:creationId xmlns:a16="http://schemas.microsoft.com/office/drawing/2014/main" id="{45BCA025-8D98-D449-A0C5-D202191451E4}"/>
+              </a:ext>
+            </a:extLst>
+          </p:cNvPr>
+          <p:cNvSpPr txBox="1"/>
+          <p:nvPr/>
+        </p:nvSpPr>
+        <p:spPr>
+          <a:xfrm>
+            <a:off x="802655" y="1843950"/>
+            <a:ext cx="10016362" cy="1785104"/>
+          </a:xfrm>
+          <a:prstGeom prst="rect">
+            <a:avLst/>
+          </a:prstGeom>
+          <a:noFill/>
+        </p:spPr>
+        <p:txBody>
+          <a:bodyPr wrap="square" rtlCol="0">
+            <a:spAutoFit/>
+          </a:bodyPr>
+          <a:lstStyle/>
+          <a:p>
+            <a:r>
+              <a:rPr lang="en-US" sz="2000" b="1" dirty="0">
+                <a:latin typeface="Quicksand" pitchFamily="2" charset="77"/>
+              </a:rPr>
+              <a:t>Getting Past Local Minima</a:t>
+            </a:r>
+            <a:endParaRPr lang="en-US" sz="1400" dirty="0">
+              <a:latin typeface="Quicksand" pitchFamily="2" charset="77"/>
+            </a:endParaRPr>
+          </a:p>
+          <a:p>
+            <a:pPr marL="628650" lvl="1" indent="-171450">
+              <a:buFont typeface="Arial" panose="020B0604020202020204" pitchFamily="34" charset="0"/>
+              <a:buChar char="•"/>
+            </a:pPr>
+            <a:r>
+              <a:rPr lang="en-US" dirty="0">
+                <a:latin typeface="Quicksand" pitchFamily="2" charset="77"/>
+              </a:rPr>
+              <a:t>SGD gets stuck in local minima; the idea of momentum is to make updates be a function of current gradient*learning rate, as well as some fraction (decay) of the update you made last iteration. </a:t>
+            </a:r>
+          </a:p>
+          <a:p>
+            <a:pPr marL="628650" lvl="1" indent="-171450">
+              <a:buFont typeface="Arial" panose="020B0604020202020204" pitchFamily="34" charset="0"/>
+              <a:buChar char="•"/>
+            </a:pPr>
+            <a:r>
+              <a:rPr lang="en-US" dirty="0">
+                <a:latin typeface="Quicksand" pitchFamily="2" charset="77"/>
+              </a:rPr>
+              <a:t>This reduces updates to parameters where the gradients are flipping sign and amplifies updates to gradients that are going in a consistent direction (steeply descending). </a:t>
+            </a:r>
+          </a:p>
+          <a:p>
+            <a:pPr marL="628650" lvl="1" indent="-171450">
+              <a:buFont typeface="Arial" panose="020B0604020202020204" pitchFamily="34" charset="0"/>
+              <a:buChar char="•"/>
+            </a:pPr>
+            <a:endParaRPr lang="en-US" dirty="0">
+              <a:latin typeface="Quicksand" pitchFamily="2" charset="77"/>
+            </a:endParaRPr>
+          </a:p>
+        </p:txBody>
+      </p:sp>
+      <p:pic>
+        <p:nvPicPr>
+          <p:cNvPr id="2" name="Picture 1">
+            <a:extLst>
+              <a:ext uri="{FF2B5EF4-FFF2-40B4-BE49-F238E27FC236}">
+                <a16:creationId xmlns:a16="http://schemas.microsoft.com/office/drawing/2014/main" id="{C0C4CC83-DDB7-0947-BE4E-44FF01BB3738}"/>
+              </a:ext>
+            </a:extLst>
+          </p:cNvPr>
+          <p:cNvPicPr>
+            <a:picLocks noChangeAspect="1"/>
+          </p:cNvPicPr>
+          <p:nvPr/>
+        </p:nvPicPr>
+        <p:blipFill>
+          <a:blip r:embed="rId2"/>
+          <a:stretch>
+            <a:fillRect/>
+          </a:stretch>
+        </p:blipFill>
+        <p:spPr>
+          <a:xfrm>
+            <a:off x="2241549" y="3629054"/>
+            <a:ext cx="7708900" cy="3086100"/>
+          </a:xfrm>
+          <a:prstGeom prst="rect">
+            <a:avLst/>
+          </a:prstGeom>
+        </p:spPr>
+      </p:pic>
+    </p:spTree>
+    <p:extLst>
+      <p:ext uri="{BB962C8B-B14F-4D97-AF65-F5344CB8AC3E}">
+        <p14:creationId xmlns:p14="http://schemas.microsoft.com/office/powerpoint/2010/main" val="1103101154"/>
+      </p:ext>
+    </p:extLst>
+  </p:cSld>
+  <p:clrMapOvr>
+    <a:masterClrMapping/>
+  </p:clrMapOvr>
+</p:sld>
+</file>
+
+<file path=ppt/slides/slide41.xml><?xml version="1.0" encoding="utf-8"?>
+<p:sld xmlns:a="http://schemas.openxmlformats.org/drawingml/2006/main" xmlns:r="http://schemas.openxmlformats.org/officeDocument/2006/relationships" xmlns:p="http://schemas.openxmlformats.org/presentationml/2006/main">
+  <p:cSld>
+    <p:spTree>
+      <p:nvGrpSpPr>
+        <p:cNvPr id="1" name=""/>
+        <p:cNvGrpSpPr/>
+        <p:nvPr/>
+      </p:nvGrpSpPr>
+      <p:grpSpPr>
+        <a:xfrm>
+          <a:off x="0" y="0"/>
+          <a:ext cx="0" cy="0"/>
+          <a:chOff x="0" y="0"/>
+          <a:chExt cx="0" cy="0"/>
+        </a:xfrm>
+      </p:grpSpPr>
+      <p:sp>
+        <p:nvSpPr>
+          <p:cNvPr id="4" name="Slide Number Placeholder 3">
+            <a:extLst>
+              <a:ext uri="{FF2B5EF4-FFF2-40B4-BE49-F238E27FC236}">
+                <a16:creationId xmlns:a16="http://schemas.microsoft.com/office/drawing/2014/main" id="{E5AF2009-7F9D-4C45-87A5-CB73041ABF6C}"/>
+              </a:ext>
+            </a:extLst>
+          </p:cNvPr>
+          <p:cNvSpPr>
+            <a:spLocks noGrp="1"/>
+          </p:cNvSpPr>
+          <p:nvPr>
+            <p:ph type="sldNum" sz="quarter" idx="12"/>
+          </p:nvPr>
+        </p:nvSpPr>
+        <p:spPr/>
+        <p:txBody>
+          <a:bodyPr/>
+          <a:lstStyle/>
+          <a:p>
+            <a:fld id="{5F85BDAF-76E7-5E4A-80A9-F732B06DC713}" type="slidenum">
+              <a:rPr lang="en-US" smtClean="0"/>
+              <a:t>41</a:t>
+            </a:fld>
+            <a:endParaRPr lang="en-US"/>
+          </a:p>
+        </p:txBody>
+      </p:sp>
+      <p:sp>
+        <p:nvSpPr>
+          <p:cNvPr id="5" name="TextBox 4">
+            <a:extLst>
+              <a:ext uri="{FF2B5EF4-FFF2-40B4-BE49-F238E27FC236}">
+                <a16:creationId xmlns:a16="http://schemas.microsoft.com/office/drawing/2014/main" id="{3EB56778-FCDE-654C-A2AD-8C6D3811C641}"/>
+              </a:ext>
+            </a:extLst>
+          </p:cNvPr>
+          <p:cNvSpPr txBox="1"/>
+          <p:nvPr/>
+        </p:nvSpPr>
+        <p:spPr>
+          <a:xfrm>
+            <a:off x="2865521" y="586938"/>
+            <a:ext cx="6460957" cy="923330"/>
+          </a:xfrm>
+          <a:prstGeom prst="rect">
+            <a:avLst/>
+          </a:prstGeom>
+          <a:noFill/>
+        </p:spPr>
+        <p:txBody>
+          <a:bodyPr wrap="square" rtlCol="0">
+            <a:spAutoFit/>
+          </a:bodyPr>
+          <a:lstStyle/>
+          <a:p>
+            <a:pPr algn="ctr"/>
+            <a:r>
+              <a:rPr lang="en-US" sz="5400" dirty="0">
+                <a:latin typeface="Economica" panose="02000506040000020004" pitchFamily="2" charset="77"/>
+              </a:rPr>
+              <a:t>FTRL</a:t>
+            </a:r>
+          </a:p>
+        </p:txBody>
+      </p:sp>
+      <p:sp>
+        <p:nvSpPr>
+          <p:cNvPr id="6" name="TextBox 5">
+            <a:extLst>
+              <a:ext uri="{FF2B5EF4-FFF2-40B4-BE49-F238E27FC236}">
+                <a16:creationId xmlns:a16="http://schemas.microsoft.com/office/drawing/2014/main" id="{45BCA025-8D98-D449-A0C5-D202191451E4}"/>
+              </a:ext>
+            </a:extLst>
+          </p:cNvPr>
+          <p:cNvSpPr txBox="1"/>
+          <p:nvPr/>
+        </p:nvSpPr>
+        <p:spPr>
+          <a:xfrm>
+            <a:off x="802655" y="1843950"/>
+            <a:ext cx="10016362" cy="2062103"/>
+          </a:xfrm>
+          <a:prstGeom prst="rect">
+            <a:avLst/>
+          </a:prstGeom>
+          <a:noFill/>
+        </p:spPr>
+        <p:txBody>
+          <a:bodyPr wrap="square" rtlCol="0">
+            <a:spAutoFit/>
+          </a:bodyPr>
+          <a:lstStyle/>
+          <a:p>
+            <a:r>
+              <a:rPr lang="en-US" sz="2000" b="1" dirty="0">
+                <a:latin typeface="Quicksand" pitchFamily="2" charset="77"/>
+              </a:rPr>
+              <a:t>Google Developed in 2010…</a:t>
+            </a:r>
+            <a:endParaRPr lang="en-US" sz="1400" dirty="0">
+              <a:latin typeface="Quicksand" pitchFamily="2" charset="77"/>
+            </a:endParaRPr>
+          </a:p>
+          <a:p>
+            <a:pPr marL="628650" lvl="1" indent="-171450">
+              <a:buFont typeface="Arial" panose="020B0604020202020204" pitchFamily="34" charset="0"/>
+              <a:buChar char="•"/>
+            </a:pPr>
+            <a:r>
+              <a:rPr lang="en-US" dirty="0">
+                <a:latin typeface="Quicksand" pitchFamily="2" charset="77"/>
+              </a:rPr>
+              <a:t>This is an optimization technique that is used in “online” learning; it’s typically used in situations where your model training is happening continuously as new data arrives, and where drift might therefore happen. </a:t>
+            </a:r>
+          </a:p>
+          <a:p>
+            <a:pPr marL="628650" lvl="1" indent="-171450">
+              <a:buFont typeface="Arial" panose="020B0604020202020204" pitchFamily="34" charset="0"/>
+              <a:buChar char="•"/>
+            </a:pPr>
+            <a:r>
+              <a:rPr lang="en-US" dirty="0">
+                <a:latin typeface="Quicksand" pitchFamily="2" charset="77"/>
+              </a:rPr>
+              <a:t>It works well in situations where you have a ton of sparse features.</a:t>
+            </a:r>
+          </a:p>
+          <a:p>
+            <a:pPr marL="628650" lvl="1" indent="-171450">
+              <a:buFont typeface="Arial" panose="020B0604020202020204" pitchFamily="34" charset="0"/>
+              <a:buChar char="•"/>
+            </a:pPr>
+            <a:r>
+              <a:rPr lang="en-US" dirty="0">
+                <a:latin typeface="Quicksand" pitchFamily="2" charset="77"/>
+              </a:rPr>
+              <a:t>Was originally used for predicting conversion in online advertising systems. </a:t>
+            </a:r>
+          </a:p>
+          <a:p>
+            <a:pPr marL="628650" lvl="1" indent="-171450">
+              <a:buFont typeface="Arial" panose="020B0604020202020204" pitchFamily="34" charset="0"/>
+              <a:buChar char="•"/>
+            </a:pPr>
+            <a:endParaRPr lang="en-US" dirty="0">
+              <a:latin typeface="Quicksand" pitchFamily="2" charset="77"/>
+            </a:endParaRPr>
+          </a:p>
+        </p:txBody>
+      </p:sp>
+      <p:pic>
+        <p:nvPicPr>
+          <p:cNvPr id="5122" name="Picture 2" descr="Follow The Leader Ducks&amp;quot; Greeting Card by videogamegenius | Redbubble">
+            <a:extLst>
+              <a:ext uri="{FF2B5EF4-FFF2-40B4-BE49-F238E27FC236}">
+                <a16:creationId xmlns:a16="http://schemas.microsoft.com/office/drawing/2014/main" id="{8B904AC6-32B1-7146-8CC4-CEA236DC7A80}"/>
+              </a:ext>
+            </a:extLst>
+          </p:cNvPr>
+          <p:cNvPicPr>
+            <a:picLocks noChangeAspect="1" noChangeArrowheads="1"/>
+          </p:cNvPicPr>
+          <p:nvPr/>
+        </p:nvPicPr>
+        <p:blipFill rotWithShape="1">
+          <a:blip r:embed="rId2">
+            <a:extLst>
+              <a:ext uri="{28A0092B-C50C-407E-A947-70E740481C1C}">
+                <a14:useLocalDpi xmlns:a14="http://schemas.microsoft.com/office/drawing/2010/main" val="0"/>
+              </a:ext>
+            </a:extLst>
+          </a:blip>
+          <a:srcRect t="20640" b="21278"/>
+          <a:stretch/>
+        </p:blipFill>
+        <p:spPr bwMode="auto">
+          <a:xfrm>
+            <a:off x="4348748" y="3650106"/>
+            <a:ext cx="3494501" cy="2706244"/>
+          </a:xfrm>
+          <a:prstGeom prst="rect">
+            <a:avLst/>
+          </a:prstGeom>
+          <a:noFill/>
+          <a:extLst>
+            <a:ext uri="{909E8E84-426E-40DD-AFC4-6F175D3DCCD1}">
+              <a14:hiddenFill xmlns:a14="http://schemas.microsoft.com/office/drawing/2010/main">
+                <a:solidFill>
+                  <a:srgbClr val="FFFFFF"/>
+                </a:solidFill>
+              </a14:hiddenFill>
+            </a:ext>
+          </a:extLst>
+        </p:spPr>
+      </p:pic>
+    </p:spTree>
+    <p:extLst>
+      <p:ext uri="{BB962C8B-B14F-4D97-AF65-F5344CB8AC3E}">
+        <p14:creationId xmlns:p14="http://schemas.microsoft.com/office/powerpoint/2010/main" val="508260590"/>
+      </p:ext>
+    </p:extLst>
+  </p:cSld>
+  <p:clrMapOvr>
+    <a:masterClrMapping/>
+  </p:clrMapOvr>
+</p:sld>
+</file>
+
+<file path=ppt/slides/slide42.xml><?xml version="1.0" encoding="utf-8"?>
+<p:sld xmlns:a="http://schemas.openxmlformats.org/drawingml/2006/main" xmlns:r="http://schemas.openxmlformats.org/officeDocument/2006/relationships" xmlns:p="http://schemas.openxmlformats.org/presentationml/2006/main">
+  <p:cSld>
+    <p:spTree>
+      <p:nvGrpSpPr>
+        <p:cNvPr id="1" name=""/>
+        <p:cNvGrpSpPr/>
+        <p:nvPr/>
+      </p:nvGrpSpPr>
+      <p:grpSpPr>
+        <a:xfrm>
+          <a:off x="0" y="0"/>
+          <a:ext cx="0" cy="0"/>
+          <a:chOff x="0" y="0"/>
+          <a:chExt cx="0" cy="0"/>
+        </a:xfrm>
+      </p:grpSpPr>
+      <p:sp>
+        <p:nvSpPr>
+          <p:cNvPr id="4" name="Slide Number Placeholder 3">
+            <a:extLst>
+              <a:ext uri="{FF2B5EF4-FFF2-40B4-BE49-F238E27FC236}">
+                <a16:creationId xmlns:a16="http://schemas.microsoft.com/office/drawing/2014/main" id="{E5AF2009-7F9D-4C45-87A5-CB73041ABF6C}"/>
+              </a:ext>
+            </a:extLst>
+          </p:cNvPr>
+          <p:cNvSpPr>
+            <a:spLocks noGrp="1"/>
+          </p:cNvSpPr>
+          <p:nvPr>
+            <p:ph type="sldNum" sz="quarter" idx="12"/>
+          </p:nvPr>
+        </p:nvSpPr>
+        <p:spPr/>
+        <p:txBody>
+          <a:bodyPr/>
+          <a:lstStyle/>
+          <a:p>
+            <a:fld id="{5F85BDAF-76E7-5E4A-80A9-F732B06DC713}" type="slidenum">
+              <a:rPr lang="en-US" smtClean="0"/>
+              <a:t>42</a:t>
+            </a:fld>
+            <a:endParaRPr lang="en-US"/>
+          </a:p>
+        </p:txBody>
+      </p:sp>
+      <p:sp>
+        <p:nvSpPr>
+          <p:cNvPr id="5" name="TextBox 4">
+            <a:extLst>
+              <a:ext uri="{FF2B5EF4-FFF2-40B4-BE49-F238E27FC236}">
+                <a16:creationId xmlns:a16="http://schemas.microsoft.com/office/drawing/2014/main" id="{3EB56778-FCDE-654C-A2AD-8C6D3811C641}"/>
+              </a:ext>
+            </a:extLst>
+          </p:cNvPr>
+          <p:cNvSpPr txBox="1"/>
+          <p:nvPr/>
+        </p:nvSpPr>
+        <p:spPr>
+          <a:xfrm>
+            <a:off x="2436930" y="532426"/>
+            <a:ext cx="7318139" cy="923330"/>
+          </a:xfrm>
+          <a:prstGeom prst="rect">
+            <a:avLst/>
+          </a:prstGeom>
+          <a:noFill/>
+        </p:spPr>
+        <p:txBody>
+          <a:bodyPr wrap="square" rtlCol="0">
+            <a:spAutoFit/>
+          </a:bodyPr>
+          <a:lstStyle/>
+          <a:p>
+            <a:pPr algn="ctr"/>
+            <a:r>
+              <a:rPr lang="en-US" sz="5400" dirty="0" err="1">
+                <a:latin typeface="Economica" panose="02000506040000020004" pitchFamily="2" charset="77"/>
+              </a:rPr>
+              <a:t>Adagrad</a:t>
+            </a:r>
+            <a:r>
+              <a:rPr lang="en-US" sz="5400" dirty="0">
+                <a:latin typeface="Economica" panose="02000506040000020004" pitchFamily="2" charset="77"/>
+              </a:rPr>
+              <a:t> &amp; </a:t>
+            </a:r>
+            <a:r>
+              <a:rPr lang="en-US" sz="5400" dirty="0" err="1">
+                <a:latin typeface="Economica" panose="02000506040000020004" pitchFamily="2" charset="77"/>
+              </a:rPr>
+              <a:t>Adadelta</a:t>
+            </a:r>
+            <a:r>
+              <a:rPr lang="en-US" sz="5400" dirty="0">
+                <a:latin typeface="Economica" panose="02000506040000020004" pitchFamily="2" charset="77"/>
+              </a:rPr>
+              <a:t> (RMS Prop)</a:t>
+            </a:r>
+          </a:p>
+        </p:txBody>
+      </p:sp>
+      <p:sp>
+        <p:nvSpPr>
+          <p:cNvPr id="6" name="TextBox 5">
+            <a:extLst>
+              <a:ext uri="{FF2B5EF4-FFF2-40B4-BE49-F238E27FC236}">
+                <a16:creationId xmlns:a16="http://schemas.microsoft.com/office/drawing/2014/main" id="{45BCA025-8D98-D449-A0C5-D202191451E4}"/>
+              </a:ext>
+            </a:extLst>
+          </p:cNvPr>
+          <p:cNvSpPr txBox="1"/>
+          <p:nvPr/>
+        </p:nvSpPr>
+        <p:spPr>
+          <a:xfrm>
+            <a:off x="802655" y="1843950"/>
+            <a:ext cx="10016362" cy="3477875"/>
+          </a:xfrm>
+          <a:prstGeom prst="rect">
+            <a:avLst/>
+          </a:prstGeom>
+          <a:noFill/>
+        </p:spPr>
+        <p:txBody>
+          <a:bodyPr wrap="square" rtlCol="0">
+            <a:spAutoFit/>
+          </a:bodyPr>
+          <a:lstStyle/>
+          <a:p>
+            <a:r>
+              <a:rPr lang="en-US" sz="2000" b="1" dirty="0">
+                <a:latin typeface="Quicksand" pitchFamily="2" charset="77"/>
+              </a:rPr>
+              <a:t>Adaptive Gradient Descent (Variable Learning Rate)</a:t>
+            </a:r>
+            <a:endParaRPr lang="en-US" sz="1400" dirty="0">
+              <a:latin typeface="Quicksand" pitchFamily="2" charset="77"/>
+            </a:endParaRPr>
+          </a:p>
+          <a:p>
+            <a:pPr marL="628650" lvl="1" indent="-171450">
+              <a:buFont typeface="Arial" panose="020B0604020202020204" pitchFamily="34" charset="0"/>
+              <a:buChar char="•"/>
+            </a:pPr>
+            <a:r>
+              <a:rPr lang="en-US" dirty="0">
+                <a:latin typeface="Quicksand" pitchFamily="2" charset="77"/>
+              </a:rPr>
+              <a:t>We implicitly apply a high learning rate for features we have been updating very little so far (speed up movement through saddle points, for example). </a:t>
+            </a:r>
+          </a:p>
+          <a:p>
+            <a:pPr marL="628650" lvl="1" indent="-171450">
+              <a:buFont typeface="Arial" panose="020B0604020202020204" pitchFamily="34" charset="0"/>
+              <a:buChar char="•"/>
+            </a:pPr>
+            <a:r>
+              <a:rPr lang="en-US" dirty="0">
+                <a:latin typeface="Quicksand" pitchFamily="2" charset="77"/>
+              </a:rPr>
+              <a:t>We implicitly apply a low learning rate for features we have been updating a lot so far.</a:t>
+            </a:r>
+          </a:p>
+          <a:p>
+            <a:pPr marL="628650" lvl="1" indent="-171450">
+              <a:buFont typeface="Arial" panose="020B0604020202020204" pitchFamily="34" charset="0"/>
+              <a:buChar char="•"/>
+            </a:pPr>
+            <a:r>
+              <a:rPr lang="en-US" dirty="0">
+                <a:latin typeface="Quicksand" pitchFamily="2" charset="77"/>
+              </a:rPr>
+              <a:t>Technically learning rate is removed from the process, every update is a function of past updates. </a:t>
+            </a:r>
+          </a:p>
+          <a:p>
+            <a:pPr lvl="1"/>
+            <a:endParaRPr lang="en-US" dirty="0">
+              <a:latin typeface="Quicksand" pitchFamily="2" charset="77"/>
+            </a:endParaRPr>
+          </a:p>
+          <a:p>
+            <a:r>
+              <a:rPr lang="en-US" sz="2000" b="1" dirty="0" err="1">
+                <a:latin typeface="Quicksand" pitchFamily="2" charset="77"/>
+              </a:rPr>
+              <a:t>Adadelta</a:t>
+            </a:r>
+            <a:endParaRPr lang="en-US" sz="1400" dirty="0">
+              <a:latin typeface="Quicksand" pitchFamily="2" charset="77"/>
+            </a:endParaRPr>
+          </a:p>
+          <a:p>
+            <a:pPr marL="628650" lvl="1" indent="-171450">
+              <a:buFont typeface="Arial" panose="020B0604020202020204" pitchFamily="34" charset="0"/>
+              <a:buChar char="•"/>
+            </a:pPr>
+            <a:r>
+              <a:rPr lang="en-US" dirty="0">
+                <a:latin typeface="Quicksand" pitchFamily="2" charset="77"/>
+              </a:rPr>
+              <a:t>Same idea but we use a sliding window of previous updates to determine magnitude of current updates (rather than all prior updates).</a:t>
+            </a:r>
+          </a:p>
+          <a:p>
+            <a:pPr marL="628650" lvl="1" indent="-171450">
+              <a:buFont typeface="Arial" panose="020B0604020202020204" pitchFamily="34" charset="0"/>
+              <a:buChar char="•"/>
+            </a:pPr>
+            <a:r>
+              <a:rPr lang="en-US" dirty="0" err="1">
+                <a:latin typeface="Quicksand" pitchFamily="2" charset="77"/>
+              </a:rPr>
+              <a:t>RMSProp</a:t>
+            </a:r>
+            <a:r>
+              <a:rPr lang="en-US" dirty="0">
+                <a:latin typeface="Quicksand" pitchFamily="2" charset="77"/>
+              </a:rPr>
+              <a:t> is conceptually very similar but was independently developed (around the same time).</a:t>
+            </a:r>
+          </a:p>
+          <a:p>
+            <a:pPr marL="171450" indent="-171450">
+              <a:buFont typeface="Arial" panose="020B0604020202020204" pitchFamily="34" charset="0"/>
+              <a:buChar char="•"/>
+            </a:pPr>
+            <a:endParaRPr lang="en-US" dirty="0">
+              <a:latin typeface="Quicksand" pitchFamily="2" charset="77"/>
+            </a:endParaRPr>
+          </a:p>
+          <a:p>
+            <a:pPr marL="628650" lvl="1" indent="-171450">
+              <a:buFont typeface="Arial" panose="020B0604020202020204" pitchFamily="34" charset="0"/>
+              <a:buChar char="•"/>
+            </a:pPr>
+            <a:endParaRPr lang="en-US" dirty="0">
+              <a:latin typeface="Quicksand" pitchFamily="2" charset="77"/>
+            </a:endParaRPr>
+          </a:p>
+        </p:txBody>
+      </p:sp>
+    </p:spTree>
+    <p:extLst>
+      <p:ext uri="{BB962C8B-B14F-4D97-AF65-F5344CB8AC3E}">
+        <p14:creationId xmlns:p14="http://schemas.microsoft.com/office/powerpoint/2010/main" val="3598148067"/>
+      </p:ext>
+    </p:extLst>
+  </p:cSld>
+  <p:clrMapOvr>
+    <a:masterClrMapping/>
+  </p:clrMapOvr>
+</p:sld>
+</file>
+
+<file path=ppt/slides/slide43.xml><?xml version="1.0" encoding="utf-8"?>
+<p:sld xmlns:a="http://schemas.openxmlformats.org/drawingml/2006/main" xmlns:r="http://schemas.openxmlformats.org/officeDocument/2006/relationships" xmlns:p="http://schemas.openxmlformats.org/presentationml/2006/main">
+  <p:cSld>
+    <p:spTree>
+      <p:nvGrpSpPr>
+        <p:cNvPr id="1" name=""/>
+        <p:cNvGrpSpPr/>
+        <p:nvPr/>
+      </p:nvGrpSpPr>
+      <p:grpSpPr>
+        <a:xfrm>
+          <a:off x="0" y="0"/>
+          <a:ext cx="0" cy="0"/>
+          <a:chOff x="0" y="0"/>
+          <a:chExt cx="0" cy="0"/>
+        </a:xfrm>
+      </p:grpSpPr>
+      <p:sp>
+        <p:nvSpPr>
+          <p:cNvPr id="4" name="Slide Number Placeholder 3">
+            <a:extLst>
+              <a:ext uri="{FF2B5EF4-FFF2-40B4-BE49-F238E27FC236}">
+                <a16:creationId xmlns:a16="http://schemas.microsoft.com/office/drawing/2014/main" id="{B95F40EE-9804-E646-91D8-B0E8BABE2CA1}"/>
+              </a:ext>
+            </a:extLst>
+          </p:cNvPr>
+          <p:cNvSpPr>
+            <a:spLocks noGrp="1"/>
+          </p:cNvSpPr>
+          <p:nvPr>
+            <p:ph type="sldNum" sz="quarter" idx="12"/>
+          </p:nvPr>
+        </p:nvSpPr>
+        <p:spPr/>
+        <p:txBody>
+          <a:bodyPr/>
+          <a:lstStyle/>
+          <a:p>
+            <a:fld id="{5F85BDAF-76E7-5E4A-80A9-F732B06DC713}" type="slidenum">
+              <a:rPr lang="en-US" smtClean="0"/>
+              <a:t>43</a:t>
+            </a:fld>
+            <a:endParaRPr lang="en-US"/>
+          </a:p>
+        </p:txBody>
+      </p:sp>
+      <p:sp>
+        <p:nvSpPr>
+          <p:cNvPr id="5" name="TextBox 4">
+            <a:extLst>
+              <a:ext uri="{FF2B5EF4-FFF2-40B4-BE49-F238E27FC236}">
+                <a16:creationId xmlns:a16="http://schemas.microsoft.com/office/drawing/2014/main" id="{1E6A2E3F-A0C1-A747-BCD2-D14405121F1A}"/>
+              </a:ext>
+            </a:extLst>
+          </p:cNvPr>
+          <p:cNvSpPr txBox="1"/>
+          <p:nvPr/>
+        </p:nvSpPr>
+        <p:spPr>
+          <a:xfrm>
+            <a:off x="1267235" y="280722"/>
+            <a:ext cx="9657521" cy="923330"/>
+          </a:xfrm>
+          <a:prstGeom prst="rect">
+            <a:avLst/>
+          </a:prstGeom>
+          <a:noFill/>
+        </p:spPr>
+        <p:txBody>
+          <a:bodyPr wrap="square" rtlCol="0">
+            <a:spAutoFit/>
+          </a:bodyPr>
+          <a:lstStyle/>
+          <a:p>
+            <a:pPr algn="ctr"/>
+            <a:r>
+              <a:rPr lang="en-US" sz="5400" dirty="0">
+                <a:latin typeface="Economica" panose="02000506040000020004" pitchFamily="2" charset="77"/>
+              </a:rPr>
+              <a:t>Recap</a:t>
+            </a:r>
+          </a:p>
+        </p:txBody>
+      </p:sp>
+      <p:sp>
+        <p:nvSpPr>
+          <p:cNvPr id="6" name="TextBox 5">
+            <a:extLst>
+              <a:ext uri="{FF2B5EF4-FFF2-40B4-BE49-F238E27FC236}">
+                <a16:creationId xmlns:a16="http://schemas.microsoft.com/office/drawing/2014/main" id="{F15AD46E-0C49-994E-8DEB-65F7193016B6}"/>
+              </a:ext>
+            </a:extLst>
+          </p:cNvPr>
+          <p:cNvSpPr txBox="1"/>
+          <p:nvPr/>
+        </p:nvSpPr>
+        <p:spPr>
+          <a:xfrm>
+            <a:off x="1087814" y="1348800"/>
+            <a:ext cx="10016362" cy="5509200"/>
+          </a:xfrm>
+          <a:prstGeom prst="rect">
+            <a:avLst/>
+          </a:prstGeom>
+          <a:noFill/>
+        </p:spPr>
+        <p:txBody>
+          <a:bodyPr wrap="square" rtlCol="0">
+            <a:spAutoFit/>
+          </a:bodyPr>
+          <a:lstStyle/>
+          <a:p>
+            <a:r>
+              <a:rPr lang="en-US" sz="2000" b="1" dirty="0">
+                <a:latin typeface="Quicksand" pitchFamily="2" charset="77"/>
+              </a:rPr>
+              <a:t>Building Blocks of NNs</a:t>
+            </a:r>
+          </a:p>
+          <a:p>
+            <a:pPr marL="171450" indent="-171450">
+              <a:buFont typeface="Arial" panose="020B0604020202020204" pitchFamily="34" charset="0"/>
+              <a:buChar char="•"/>
+            </a:pPr>
+            <a:endParaRPr lang="en-US" sz="1400" dirty="0">
+              <a:latin typeface="Quicksand" pitchFamily="2" charset="77"/>
+            </a:endParaRPr>
+          </a:p>
+          <a:p>
+            <a:pPr marL="628650" lvl="1" indent="-171450">
+              <a:buFont typeface="Arial" panose="020B0604020202020204" pitchFamily="34" charset="0"/>
+              <a:buChar char="•"/>
+            </a:pPr>
+            <a:r>
+              <a:rPr lang="en-US" dirty="0">
+                <a:latin typeface="Quicksand" pitchFamily="2" charset="77"/>
+              </a:rPr>
+              <a:t>Tensors and Tensor Operations</a:t>
+            </a:r>
+          </a:p>
+          <a:p>
+            <a:pPr marL="628650" lvl="1" indent="-171450">
+              <a:buFont typeface="Arial" panose="020B0604020202020204" pitchFamily="34" charset="0"/>
+              <a:buChar char="•"/>
+            </a:pPr>
+            <a:r>
+              <a:rPr lang="en-US" dirty="0">
+                <a:latin typeface="Quicksand" pitchFamily="2" charset="77"/>
+              </a:rPr>
+              <a:t>Activation Functions</a:t>
+            </a:r>
+          </a:p>
+          <a:p>
+            <a:pPr marL="628650" lvl="1" indent="-171450">
+              <a:buFont typeface="Arial" panose="020B0604020202020204" pitchFamily="34" charset="0"/>
+              <a:buChar char="•"/>
+            </a:pPr>
+            <a:r>
+              <a:rPr lang="en-US" dirty="0">
+                <a:latin typeface="Quicksand" pitchFamily="2" charset="77"/>
+              </a:rPr>
+              <a:t>Loss Functions</a:t>
+            </a:r>
+          </a:p>
+          <a:p>
+            <a:pPr marL="628650" lvl="1" indent="-171450">
+              <a:buFont typeface="Arial" panose="020B0604020202020204" pitchFamily="34" charset="0"/>
+              <a:buChar char="•"/>
+            </a:pPr>
+            <a:r>
+              <a:rPr lang="en-US" dirty="0">
+                <a:latin typeface="Quicksand" pitchFamily="2" charset="77"/>
+              </a:rPr>
+              <a:t>Backpropagation: Derivatives, Gradients &amp; the Chain Rule</a:t>
+            </a:r>
+          </a:p>
+          <a:p>
+            <a:endParaRPr lang="en-US" dirty="0">
+              <a:latin typeface="Quicksand" pitchFamily="2" charset="77"/>
+            </a:endParaRPr>
+          </a:p>
+          <a:p>
+            <a:r>
+              <a:rPr lang="en-US" sz="2000" b="1" dirty="0">
+                <a:latin typeface="Quicksand" pitchFamily="2" charset="77"/>
+              </a:rPr>
+              <a:t>Procedure of Minibatch Stochastic Gradient Descent</a:t>
+            </a:r>
+          </a:p>
+          <a:p>
+            <a:endParaRPr lang="en-US" dirty="0">
+              <a:latin typeface="Quicksand" pitchFamily="2" charset="77"/>
+            </a:endParaRPr>
+          </a:p>
+          <a:p>
+            <a:pPr marL="687388" lvl="1" indent="-225425">
+              <a:buFont typeface="Arial" panose="020B0604020202020204" pitchFamily="34" charset="0"/>
+              <a:buChar char="•"/>
+            </a:pPr>
+            <a:r>
+              <a:rPr lang="en-US" sz="2000" dirty="0">
+                <a:latin typeface="Quicksand" pitchFamily="2" charset="77"/>
+              </a:rPr>
+              <a:t>Grab a batch of observations (samples)</a:t>
+            </a:r>
+          </a:p>
+          <a:p>
+            <a:pPr marL="687388" lvl="1" indent="-225425">
+              <a:buFont typeface="Arial" panose="020B0604020202020204" pitchFamily="34" charset="0"/>
+              <a:buChar char="•"/>
+            </a:pPr>
+            <a:r>
+              <a:rPr lang="en-US" sz="2000" dirty="0">
+                <a:latin typeface="Quicksand" pitchFamily="2" charset="77"/>
+              </a:rPr>
+              <a:t>Predict their labels using current weights / bias terms.</a:t>
+            </a:r>
+          </a:p>
+          <a:p>
+            <a:pPr marL="687388" lvl="1" indent="-225425">
+              <a:buFont typeface="Arial" panose="020B0604020202020204" pitchFamily="34" charset="0"/>
+              <a:buChar char="•"/>
+            </a:pPr>
+            <a:r>
+              <a:rPr lang="en-US" sz="2000" dirty="0">
+                <a:latin typeface="Quicksand" pitchFamily="2" charset="77"/>
+              </a:rPr>
+              <a:t>Calculate loss value. </a:t>
+            </a:r>
+          </a:p>
+          <a:p>
+            <a:pPr marL="687388" lvl="1" indent="-225425">
+              <a:buFont typeface="Arial" panose="020B0604020202020204" pitchFamily="34" charset="0"/>
+              <a:buChar char="•"/>
+            </a:pPr>
+            <a:r>
+              <a:rPr lang="en-US" sz="2000" dirty="0">
+                <a:latin typeface="Quicksand" pitchFamily="2" charset="77"/>
+              </a:rPr>
+              <a:t>Calculate gradient of loss </a:t>
+            </a:r>
+            <a:r>
+              <a:rPr lang="en-US" sz="2000" dirty="0" err="1">
+                <a:latin typeface="Quicksand" pitchFamily="2" charset="77"/>
+              </a:rPr>
+              <a:t>w.r.t.</a:t>
+            </a:r>
+            <a:r>
+              <a:rPr lang="en-US" sz="2000" dirty="0">
+                <a:latin typeface="Quicksand" pitchFamily="2" charset="77"/>
+              </a:rPr>
+              <a:t> all weight / bias terms. </a:t>
+            </a:r>
+          </a:p>
+          <a:p>
+            <a:pPr marL="687388" lvl="1" indent="-225425">
+              <a:buFont typeface="Arial" panose="020B0604020202020204" pitchFamily="34" charset="0"/>
+              <a:buChar char="•"/>
+            </a:pPr>
+            <a:r>
+              <a:rPr lang="en-US" sz="2000" dirty="0">
+                <a:latin typeface="Quicksand" pitchFamily="2" charset="77"/>
+              </a:rPr>
+              <a:t>Update each weight by subtracting its gradient*learning rate</a:t>
+            </a:r>
+          </a:p>
+          <a:p>
+            <a:pPr marL="687388" lvl="1" indent="-225425">
+              <a:buFont typeface="Arial" panose="020B0604020202020204" pitchFamily="34" charset="0"/>
+              <a:buChar char="•"/>
+            </a:pPr>
+            <a:r>
+              <a:rPr lang="en-US" sz="2000" dirty="0">
+                <a:latin typeface="Quicksand" pitchFamily="2" charset="77"/>
+              </a:rPr>
+              <a:t>Cycle over the whole training dataset (each cycle is an epoch) repeatedly, until loss is small. </a:t>
+            </a:r>
+          </a:p>
+          <a:p>
+            <a:endParaRPr lang="en-US" dirty="0">
+              <a:latin typeface="Quicksand" pitchFamily="2" charset="77"/>
+            </a:endParaRPr>
+          </a:p>
+          <a:p>
+            <a:pPr marL="628650" lvl="1" indent="-171450">
+              <a:buFont typeface="Arial" panose="020B0604020202020204" pitchFamily="34" charset="0"/>
+              <a:buChar char="•"/>
+            </a:pPr>
+            <a:endParaRPr lang="en-US" dirty="0">
+              <a:latin typeface="Quicksand" pitchFamily="2" charset="77"/>
+            </a:endParaRPr>
+          </a:p>
+          <a:p>
+            <a:pPr marL="171450" indent="-171450">
+              <a:buFont typeface="Arial" panose="020B0604020202020204" pitchFamily="34" charset="0"/>
+              <a:buChar char="•"/>
+            </a:pPr>
+            <a:endParaRPr lang="en-US" sz="1400" dirty="0">
+              <a:latin typeface="Quicksand" pitchFamily="2" charset="77"/>
+            </a:endParaRPr>
+          </a:p>
+        </p:txBody>
+      </p:sp>
+    </p:spTree>
+    <p:extLst>
+      <p:ext uri="{BB962C8B-B14F-4D97-AF65-F5344CB8AC3E}">
+        <p14:creationId xmlns:p14="http://schemas.microsoft.com/office/powerpoint/2010/main" val="1469755589"/>
       </p:ext>
     </p:extLst>
   </p:cSld>
